--- a/Documents/seminar.pptx
+++ b/Documents/seminar.pptx
@@ -5,17 +5,29 @@
     <p:sldMasterId id="2147483648" r:id="rId1"/>
   </p:sldMasterIdLst>
   <p:notesMasterIdLst>
-    <p:notesMasterId r:id="rId10"/>
+    <p:notesMasterId r:id="rId22"/>
   </p:notesMasterIdLst>
   <p:sldIdLst>
     <p:sldId id="256" r:id="rId2"/>
     <p:sldId id="257" r:id="rId3"/>
-    <p:sldId id="258" r:id="rId4"/>
-    <p:sldId id="259" r:id="rId5"/>
-    <p:sldId id="260" r:id="rId6"/>
-    <p:sldId id="261" r:id="rId7"/>
-    <p:sldId id="262" r:id="rId8"/>
-    <p:sldId id="263" r:id="rId9"/>
+    <p:sldId id="270" r:id="rId4"/>
+    <p:sldId id="264" r:id="rId5"/>
+    <p:sldId id="258" r:id="rId6"/>
+    <p:sldId id="267" r:id="rId7"/>
+    <p:sldId id="268" r:id="rId8"/>
+    <p:sldId id="269" r:id="rId9"/>
+    <p:sldId id="266" r:id="rId10"/>
+    <p:sldId id="271" r:id="rId11"/>
+    <p:sldId id="272" r:id="rId12"/>
+    <p:sldId id="273" r:id="rId13"/>
+    <p:sldId id="274" r:id="rId14"/>
+    <p:sldId id="260" r:id="rId15"/>
+    <p:sldId id="275" r:id="rId16"/>
+    <p:sldId id="261" r:id="rId17"/>
+    <p:sldId id="276" r:id="rId18"/>
+    <p:sldId id="277" r:id="rId19"/>
+    <p:sldId id="265" r:id="rId20"/>
+    <p:sldId id="263" r:id="rId21"/>
   </p:sldIdLst>
   <p:sldSz cx="12192000" cy="6858000"/>
   <p:notesSz cx="6858000" cy="9144000"/>
@@ -114,6 +126,11 @@
       </a:defRPr>
     </a:lvl9pPr>
   </p:defaultTextStyle>
+  <p:extLst>
+    <p:ext uri="{EFAFB233-063F-42B5-8137-9DF3F51BA10A}">
+      <p15:sldGuideLst xmlns:p15="http://schemas.microsoft.com/office/powerpoint/2012/main"/>
+    </p:ext>
+  </p:extLst>
 </p:presentation>
 </file>
 
@@ -199,7 +216,7 @@
           <a:p>
             <a:fld id="{C581406F-1F21-4F9E-BE6E-4D7E1553F1BC}" type="datetimeFigureOut">
               <a:rPr lang="en-US" smtClean="0"/>
-              <a:t>21-Nov-21</a:t>
+              <a:t>22-Nov-21</a:t>
             </a:fld>
             <a:endParaRPr lang="en-US"/>
           </a:p>
@@ -466,6 +483,298 @@
 </p:notesMaster>
 </file>
 
+<file path=ppt/notesSlides/notesSlide1.xml><?xml version="1.0" encoding="utf-8"?>
+<p:notes xmlns:a="http://schemas.openxmlformats.org/drawingml/2006/main" xmlns:r="http://schemas.openxmlformats.org/officeDocument/2006/relationships" xmlns:p="http://schemas.openxmlformats.org/presentationml/2006/main">
+  <p:cSld>
+    <p:spTree>
+      <p:nvGrpSpPr>
+        <p:cNvPr id="1" name=""/>
+        <p:cNvGrpSpPr/>
+        <p:nvPr/>
+      </p:nvGrpSpPr>
+      <p:grpSpPr>
+        <a:xfrm>
+          <a:off x="0" y="0"/>
+          <a:ext cx="0" cy="0"/>
+          <a:chOff x="0" y="0"/>
+          <a:chExt cx="0" cy="0"/>
+        </a:xfrm>
+      </p:grpSpPr>
+      <p:sp>
+        <p:nvSpPr>
+          <p:cNvPr id="2" name="Slide Image Placeholder 1"/>
+          <p:cNvSpPr>
+            <a:spLocks noGrp="1" noRot="1" noChangeAspect="1"/>
+          </p:cNvSpPr>
+          <p:nvPr>
+            <p:ph type="sldImg"/>
+          </p:nvPr>
+        </p:nvSpPr>
+        <p:spPr/>
+      </p:sp>
+      <p:sp>
+        <p:nvSpPr>
+          <p:cNvPr id="3" name="Notes Placeholder 2"/>
+          <p:cNvSpPr>
+            <a:spLocks noGrp="1"/>
+          </p:cNvSpPr>
+          <p:nvPr>
+            <p:ph type="body" idx="1"/>
+          </p:nvPr>
+        </p:nvSpPr>
+        <p:spPr/>
+        <p:txBody>
+          <a:bodyPr/>
+          <a:lstStyle/>
+          <a:p>
+            <a:r>
+              <a:rPr lang="en-US"/>
+              <a:t>Show some games after this slides</a:t>
+            </a:r>
+          </a:p>
+        </p:txBody>
+      </p:sp>
+      <p:sp>
+        <p:nvSpPr>
+          <p:cNvPr id="4" name="Slide Number Placeholder 3"/>
+          <p:cNvSpPr>
+            <a:spLocks noGrp="1"/>
+          </p:cNvSpPr>
+          <p:nvPr>
+            <p:ph type="sldNum" sz="quarter" idx="5"/>
+          </p:nvPr>
+        </p:nvSpPr>
+        <p:spPr/>
+        <p:txBody>
+          <a:bodyPr/>
+          <a:lstStyle/>
+          <a:p>
+            <a:fld id="{1F672F56-6FAF-4F26-95A0-718CA3C86690}" type="slidenum">
+              <a:rPr lang="en-US" smtClean="0"/>
+              <a:t>8</a:t>
+            </a:fld>
+            <a:endParaRPr lang="en-US"/>
+          </a:p>
+        </p:txBody>
+      </p:sp>
+    </p:spTree>
+    <p:extLst>
+      <p:ext uri="{BB962C8B-B14F-4D97-AF65-F5344CB8AC3E}">
+        <p14:creationId xmlns:p14="http://schemas.microsoft.com/office/powerpoint/2010/main" val="4184867403"/>
+      </p:ext>
+    </p:extLst>
+  </p:cSld>
+  <p:clrMapOvr>
+    <a:masterClrMapping/>
+  </p:clrMapOvr>
+</p:notes>
+</file>
+
+<file path=ppt/notesSlides/notesSlide2.xml><?xml version="1.0" encoding="utf-8"?>
+<p:notes xmlns:a="http://schemas.openxmlformats.org/drawingml/2006/main" xmlns:r="http://schemas.openxmlformats.org/officeDocument/2006/relationships" xmlns:p="http://schemas.openxmlformats.org/presentationml/2006/main">
+  <p:cSld>
+    <p:spTree>
+      <p:nvGrpSpPr>
+        <p:cNvPr id="1" name=""/>
+        <p:cNvGrpSpPr/>
+        <p:nvPr/>
+      </p:nvGrpSpPr>
+      <p:grpSpPr>
+        <a:xfrm>
+          <a:off x="0" y="0"/>
+          <a:ext cx="0" cy="0"/>
+          <a:chOff x="0" y="0"/>
+          <a:chExt cx="0" cy="0"/>
+        </a:xfrm>
+      </p:grpSpPr>
+      <p:sp>
+        <p:nvSpPr>
+          <p:cNvPr id="2" name="Slide Image Placeholder 1"/>
+          <p:cNvSpPr>
+            <a:spLocks noGrp="1" noRot="1" noChangeAspect="1"/>
+          </p:cNvSpPr>
+          <p:nvPr>
+            <p:ph type="sldImg"/>
+          </p:nvPr>
+        </p:nvSpPr>
+        <p:spPr/>
+      </p:sp>
+      <p:sp>
+        <p:nvSpPr>
+          <p:cNvPr id="3" name="Notes Placeholder 2"/>
+          <p:cNvSpPr>
+            <a:spLocks noGrp="1"/>
+          </p:cNvSpPr>
+          <p:nvPr>
+            <p:ph type="body" idx="1"/>
+          </p:nvPr>
+        </p:nvSpPr>
+        <p:spPr/>
+        <p:txBody>
+          <a:bodyPr/>
+          <a:lstStyle/>
+          <a:p>
+            <a:r>
+              <a:rPr lang="en-US"/>
+              <a:t>Efficient fast : binary</a:t>
+            </a:r>
+          </a:p>
+          <a:p>
+            <a:r>
+              <a:rPr lang="en-US"/>
+              <a:t>Safe: </a:t>
+            </a:r>
+            <a:r>
+              <a:rPr lang="en-US" b="0" i="0">
+                <a:solidFill>
+                  <a:srgbClr val="3D3D3E"/>
+                </a:solidFill>
+                <a:effectLst/>
+                <a:latin typeface="Helvetica" panose="020B0604020202020204" pitchFamily="34" charset="0"/>
+              </a:rPr>
+              <a:t>memory-safe, sandboxed </a:t>
+            </a:r>
+            <a:r>
+              <a:rPr lang="en-US" b="0" i="0" u="none" strike="noStrike">
+                <a:solidFill>
+                  <a:srgbClr val="6797E2"/>
+                </a:solidFill>
+                <a:effectLst/>
+                <a:latin typeface="Helvetica" panose="020B0604020202020204" pitchFamily="34" charset="0"/>
+                <a:hlinkClick r:id="rId3"/>
+              </a:rPr>
+              <a:t>execution environment</a:t>
+            </a:r>
+            <a:endParaRPr lang="en-US" b="0" i="0" u="none" strike="noStrike">
+              <a:solidFill>
+                <a:srgbClr val="6797E2"/>
+              </a:solidFill>
+              <a:effectLst/>
+              <a:latin typeface="Helvetica" panose="020B0604020202020204" pitchFamily="34" charset="0"/>
+            </a:endParaRPr>
+          </a:p>
+        </p:txBody>
+      </p:sp>
+      <p:sp>
+        <p:nvSpPr>
+          <p:cNvPr id="4" name="Slide Number Placeholder 3"/>
+          <p:cNvSpPr>
+            <a:spLocks noGrp="1"/>
+          </p:cNvSpPr>
+          <p:nvPr>
+            <p:ph type="sldNum" sz="quarter" idx="5"/>
+          </p:nvPr>
+        </p:nvSpPr>
+        <p:spPr/>
+        <p:txBody>
+          <a:bodyPr/>
+          <a:lstStyle/>
+          <a:p>
+            <a:fld id="{1F672F56-6FAF-4F26-95A0-718CA3C86690}" type="slidenum">
+              <a:rPr lang="en-US" smtClean="0"/>
+              <a:t>9</a:t>
+            </a:fld>
+            <a:endParaRPr lang="en-US"/>
+          </a:p>
+        </p:txBody>
+      </p:sp>
+    </p:spTree>
+    <p:extLst>
+      <p:ext uri="{BB962C8B-B14F-4D97-AF65-F5344CB8AC3E}">
+        <p14:creationId xmlns:p14="http://schemas.microsoft.com/office/powerpoint/2010/main" val="2928077482"/>
+      </p:ext>
+    </p:extLst>
+  </p:cSld>
+  <p:clrMapOvr>
+    <a:masterClrMapping/>
+  </p:clrMapOvr>
+</p:notes>
+</file>
+
+<file path=ppt/notesSlides/notesSlide3.xml><?xml version="1.0" encoding="utf-8"?>
+<p:notes xmlns:a="http://schemas.openxmlformats.org/drawingml/2006/main" xmlns:r="http://schemas.openxmlformats.org/officeDocument/2006/relationships" xmlns:p="http://schemas.openxmlformats.org/presentationml/2006/main">
+  <p:cSld>
+    <p:spTree>
+      <p:nvGrpSpPr>
+        <p:cNvPr id="1" name=""/>
+        <p:cNvGrpSpPr/>
+        <p:nvPr/>
+      </p:nvGrpSpPr>
+      <p:grpSpPr>
+        <a:xfrm>
+          <a:off x="0" y="0"/>
+          <a:ext cx="0" cy="0"/>
+          <a:chOff x="0" y="0"/>
+          <a:chExt cx="0" cy="0"/>
+        </a:xfrm>
+      </p:grpSpPr>
+      <p:sp>
+        <p:nvSpPr>
+          <p:cNvPr id="2" name="Slide Image Placeholder 1"/>
+          <p:cNvSpPr>
+            <a:spLocks noGrp="1" noRot="1" noChangeAspect="1"/>
+          </p:cNvSpPr>
+          <p:nvPr>
+            <p:ph type="sldImg"/>
+          </p:nvPr>
+        </p:nvSpPr>
+        <p:spPr/>
+      </p:sp>
+      <p:sp>
+        <p:nvSpPr>
+          <p:cNvPr id="3" name="Notes Placeholder 2"/>
+          <p:cNvSpPr>
+            <a:spLocks noGrp="1"/>
+          </p:cNvSpPr>
+          <p:nvPr>
+            <p:ph type="body" idx="1"/>
+          </p:nvPr>
+        </p:nvSpPr>
+        <p:spPr/>
+        <p:txBody>
+          <a:bodyPr/>
+          <a:lstStyle/>
+          <a:p>
+            <a:endParaRPr lang="en-US"/>
+          </a:p>
+        </p:txBody>
+      </p:sp>
+      <p:sp>
+        <p:nvSpPr>
+          <p:cNvPr id="4" name="Slide Number Placeholder 3"/>
+          <p:cNvSpPr>
+            <a:spLocks noGrp="1"/>
+          </p:cNvSpPr>
+          <p:nvPr>
+            <p:ph type="sldNum" sz="quarter" idx="5"/>
+          </p:nvPr>
+        </p:nvSpPr>
+        <p:spPr/>
+        <p:txBody>
+          <a:bodyPr/>
+          <a:lstStyle/>
+          <a:p>
+            <a:fld id="{1F672F56-6FAF-4F26-95A0-718CA3C86690}" type="slidenum">
+              <a:rPr lang="en-US" smtClean="0"/>
+              <a:t>11</a:t>
+            </a:fld>
+            <a:endParaRPr lang="en-US"/>
+          </a:p>
+        </p:txBody>
+      </p:sp>
+    </p:spTree>
+    <p:extLst>
+      <p:ext uri="{BB962C8B-B14F-4D97-AF65-F5344CB8AC3E}">
+        <p14:creationId xmlns:p14="http://schemas.microsoft.com/office/powerpoint/2010/main" val="774527549"/>
+      </p:ext>
+    </p:extLst>
+  </p:cSld>
+  <p:clrMapOvr>
+    <a:masterClrMapping/>
+  </p:clrMapOvr>
+</p:notes>
+</file>
+
 <file path=ppt/slideLayouts/slideLayout1.xml><?xml version="1.0" encoding="utf-8"?>
 <p:sldLayout xmlns:a="http://schemas.openxmlformats.org/drawingml/2006/main" xmlns:r="http://schemas.openxmlformats.org/officeDocument/2006/relationships" xmlns:p="http://schemas.openxmlformats.org/presentationml/2006/main" type="title" preserve="1">
   <p:cSld name="Title Slide">
@@ -613,7 +922,7 @@
           <a:p>
             <a:fld id="{0650455F-BC93-47D9-B556-275B2E9BC018}" type="datetime1">
               <a:rPr lang="en-US" smtClean="0"/>
-              <a:t>21-Nov-21</a:t>
+              <a:t>22-Nov-21</a:t>
             </a:fld>
             <a:endParaRPr lang="en-US"/>
           </a:p>
@@ -811,7 +1120,7 @@
           <a:p>
             <a:fld id="{0C744B2E-4846-49D3-8205-D63C1EEEF817}" type="datetime1">
               <a:rPr lang="en-US" smtClean="0"/>
-              <a:t>21-Nov-21</a:t>
+              <a:t>22-Nov-21</a:t>
             </a:fld>
             <a:endParaRPr lang="en-US"/>
           </a:p>
@@ -1019,7 +1328,7 @@
           <a:p>
             <a:fld id="{2732894A-1C0D-4DEB-85F0-6D077B8D45E2}" type="datetime1">
               <a:rPr lang="en-US" smtClean="0"/>
-              <a:t>21-Nov-21</a:t>
+              <a:t>22-Nov-21</a:t>
             </a:fld>
             <a:endParaRPr lang="en-US"/>
           </a:p>
@@ -1217,7 +1526,7 @@
           <a:p>
             <a:fld id="{0101BED8-DA05-4478-A06A-BAF15333D976}" type="datetime1">
               <a:rPr lang="en-US" smtClean="0"/>
-              <a:t>21-Nov-21</a:t>
+              <a:t>22-Nov-21</a:t>
             </a:fld>
             <a:endParaRPr lang="en-US"/>
           </a:p>
@@ -1492,7 +1801,7 @@
           <a:p>
             <a:fld id="{E28F145A-FD51-4BA0-855C-62F324EA7834}" type="datetime1">
               <a:rPr lang="en-US" smtClean="0"/>
-              <a:t>21-Nov-21</a:t>
+              <a:t>22-Nov-21</a:t>
             </a:fld>
             <a:endParaRPr lang="en-US"/>
           </a:p>
@@ -1757,7 +2066,7 @@
           <a:p>
             <a:fld id="{1E2BD6C9-5F85-4982-8EEA-A2ADB977B339}" type="datetime1">
               <a:rPr lang="en-US" smtClean="0"/>
-              <a:t>21-Nov-21</a:t>
+              <a:t>22-Nov-21</a:t>
             </a:fld>
             <a:endParaRPr lang="en-US"/>
           </a:p>
@@ -2169,7 +2478,7 @@
           <a:p>
             <a:fld id="{296AE375-EEF2-484E-AB35-EB1CC8805346}" type="datetime1">
               <a:rPr lang="en-US" smtClean="0"/>
-              <a:t>21-Nov-21</a:t>
+              <a:t>22-Nov-21</a:t>
             </a:fld>
             <a:endParaRPr lang="en-US"/>
           </a:p>
@@ -2310,7 +2619,7 @@
           <a:p>
             <a:fld id="{AB5E4988-2D44-440E-ACD7-B35950566467}" type="datetime1">
               <a:rPr lang="en-US" smtClean="0"/>
-              <a:t>21-Nov-21</a:t>
+              <a:t>22-Nov-21</a:t>
             </a:fld>
             <a:endParaRPr lang="en-US"/>
           </a:p>
@@ -2423,7 +2732,7 @@
           <a:p>
             <a:fld id="{CE3E1FC6-6226-4927-8376-47C561270091}" type="datetime1">
               <a:rPr lang="en-US" smtClean="0"/>
-              <a:t>21-Nov-21</a:t>
+              <a:t>22-Nov-21</a:t>
             </a:fld>
             <a:endParaRPr lang="en-US"/>
           </a:p>
@@ -2734,7 +3043,7 @@
           <a:p>
             <a:fld id="{ACAE6CC2-4C70-4BAF-B112-439620207357}" type="datetime1">
               <a:rPr lang="en-US" smtClean="0"/>
-              <a:t>21-Nov-21</a:t>
+              <a:t>22-Nov-21</a:t>
             </a:fld>
             <a:endParaRPr lang="en-US"/>
           </a:p>
@@ -3022,7 +3331,7 @@
           <a:p>
             <a:fld id="{D03365A8-8F6F-4B91-A926-DB266F3E1462}" type="datetime1">
               <a:rPr lang="en-US" smtClean="0"/>
-              <a:t>21-Nov-21</a:t>
+              <a:t>22-Nov-21</a:t>
             </a:fld>
             <a:endParaRPr lang="en-US"/>
           </a:p>
@@ -3263,7 +3572,7 @@
           <a:p>
             <a:fld id="{BAB4E235-8349-465F-BE2B-8ED4FB98405E}" type="datetime1">
               <a:rPr lang="en-US" smtClean="0"/>
-              <a:t>21-Nov-21</a:t>
+              <a:t>22-Nov-21</a:t>
             </a:fld>
             <a:endParaRPr lang="en-US"/>
           </a:p>
@@ -3911,6 +4220,2391 @@
     <p:extLst>
       <p:ext uri="{BB962C8B-B14F-4D97-AF65-F5344CB8AC3E}">
         <p14:creationId xmlns:p14="http://schemas.microsoft.com/office/powerpoint/2010/main" val="3861179836"/>
+      </p:ext>
+    </p:extLst>
+  </p:cSld>
+  <p:clrMapOvr>
+    <a:masterClrMapping/>
+  </p:clrMapOvr>
+</p:sld>
+</file>
+
+<file path=ppt/slides/slide10.xml><?xml version="1.0" encoding="utf-8"?>
+<p:sld xmlns:a="http://schemas.openxmlformats.org/drawingml/2006/main" xmlns:r="http://schemas.openxmlformats.org/officeDocument/2006/relationships" xmlns:p="http://schemas.openxmlformats.org/presentationml/2006/main">
+  <p:cSld>
+    <p:spTree>
+      <p:nvGrpSpPr>
+        <p:cNvPr id="1" name=""/>
+        <p:cNvGrpSpPr/>
+        <p:nvPr/>
+      </p:nvGrpSpPr>
+      <p:grpSpPr>
+        <a:xfrm>
+          <a:off x="0" y="0"/>
+          <a:ext cx="0" cy="0"/>
+          <a:chOff x="0" y="0"/>
+          <a:chExt cx="0" cy="0"/>
+        </a:xfrm>
+      </p:grpSpPr>
+      <p:sp>
+        <p:nvSpPr>
+          <p:cNvPr id="4" name="Slide Number Placeholder 3">
+            <a:extLst>
+              <a:ext uri="{FF2B5EF4-FFF2-40B4-BE49-F238E27FC236}">
+                <a16:creationId xmlns:a16="http://schemas.microsoft.com/office/drawing/2014/main" id="{B771BB42-F088-4AFD-B746-CA27AABAF2B2}"/>
+              </a:ext>
+            </a:extLst>
+          </p:cNvPr>
+          <p:cNvSpPr>
+            <a:spLocks noGrp="1"/>
+          </p:cNvSpPr>
+          <p:nvPr>
+            <p:ph type="sldNum" sz="quarter" idx="12"/>
+          </p:nvPr>
+        </p:nvSpPr>
+        <p:spPr/>
+        <p:txBody>
+          <a:bodyPr/>
+          <a:lstStyle/>
+          <a:p>
+            <a:fld id="{41DD9913-027A-4D5C-9772-EAFAEC30D69D}" type="slidenum">
+              <a:rPr lang="en-US" smtClean="0"/>
+              <a:t>10</a:t>
+            </a:fld>
+            <a:endParaRPr lang="en-US"/>
+          </a:p>
+        </p:txBody>
+      </p:sp>
+      <p:sp>
+        <p:nvSpPr>
+          <p:cNvPr id="5" name="Arrow: Chevron 4">
+            <a:extLst>
+              <a:ext uri="{FF2B5EF4-FFF2-40B4-BE49-F238E27FC236}">
+                <a16:creationId xmlns:a16="http://schemas.microsoft.com/office/drawing/2014/main" id="{69A7FEA3-BBA2-47BB-A62E-6A1552283F80}"/>
+              </a:ext>
+            </a:extLst>
+          </p:cNvPr>
+          <p:cNvSpPr/>
+          <p:nvPr/>
+        </p:nvSpPr>
+        <p:spPr>
+          <a:xfrm>
+            <a:off x="2163097" y="2734551"/>
+            <a:ext cx="7964129" cy="1109862"/>
+          </a:xfrm>
+          <a:prstGeom prst="chevron">
+            <a:avLst/>
+          </a:prstGeom>
+          <a:solidFill>
+            <a:srgbClr val="702AF7"/>
+          </a:solidFill>
+          <a:ln>
+            <a:solidFill>
+              <a:schemeClr val="bg1"/>
+            </a:solidFill>
+          </a:ln>
+        </p:spPr>
+        <p:style>
+          <a:lnRef idx="2">
+            <a:schemeClr val="accent5">
+              <a:shade val="50000"/>
+            </a:schemeClr>
+          </a:lnRef>
+          <a:fillRef idx="1">
+            <a:schemeClr val="accent5"/>
+          </a:fillRef>
+          <a:effectRef idx="0">
+            <a:schemeClr val="accent5"/>
+          </a:effectRef>
+          <a:fontRef idx="minor">
+            <a:schemeClr val="lt1"/>
+          </a:fontRef>
+        </p:style>
+        <p:txBody>
+          <a:bodyPr rtlCol="0" anchor="ctr"/>
+          <a:lstStyle/>
+          <a:p>
+            <a:pPr algn="ctr"/>
+            <a:r>
+              <a:rPr lang="en-US" sz="4400">
+                <a:solidFill>
+                  <a:schemeClr val="bg1"/>
+                </a:solidFill>
+              </a:rPr>
+              <a:t>What is Blazor</a:t>
+            </a:r>
+          </a:p>
+        </p:txBody>
+      </p:sp>
+    </p:spTree>
+    <p:extLst>
+      <p:ext uri="{BB962C8B-B14F-4D97-AF65-F5344CB8AC3E}">
+        <p14:creationId xmlns:p14="http://schemas.microsoft.com/office/powerpoint/2010/main" val="2797188924"/>
+      </p:ext>
+    </p:extLst>
+  </p:cSld>
+  <p:clrMapOvr>
+    <a:masterClrMapping/>
+  </p:clrMapOvr>
+</p:sld>
+</file>
+
+<file path=ppt/slides/slide11.xml><?xml version="1.0" encoding="utf-8"?>
+<p:sld xmlns:a="http://schemas.openxmlformats.org/drawingml/2006/main" xmlns:r="http://schemas.openxmlformats.org/officeDocument/2006/relationships" xmlns:p="http://schemas.openxmlformats.org/presentationml/2006/main">
+  <p:cSld>
+    <p:spTree>
+      <p:nvGrpSpPr>
+        <p:cNvPr id="1" name=""/>
+        <p:cNvGrpSpPr/>
+        <p:nvPr/>
+      </p:nvGrpSpPr>
+      <p:grpSpPr>
+        <a:xfrm>
+          <a:off x="0" y="0"/>
+          <a:ext cx="0" cy="0"/>
+          <a:chOff x="0" y="0"/>
+          <a:chExt cx="0" cy="0"/>
+        </a:xfrm>
+      </p:grpSpPr>
+      <p:sp>
+        <p:nvSpPr>
+          <p:cNvPr id="4" name="Slide Number Placeholder 3">
+            <a:extLst>
+              <a:ext uri="{FF2B5EF4-FFF2-40B4-BE49-F238E27FC236}">
+                <a16:creationId xmlns:a16="http://schemas.microsoft.com/office/drawing/2014/main" id="{B771BB42-F088-4AFD-B746-CA27AABAF2B2}"/>
+              </a:ext>
+            </a:extLst>
+          </p:cNvPr>
+          <p:cNvSpPr>
+            <a:spLocks noGrp="1"/>
+          </p:cNvSpPr>
+          <p:nvPr>
+            <p:ph type="sldNum" sz="quarter" idx="12"/>
+          </p:nvPr>
+        </p:nvSpPr>
+        <p:spPr/>
+        <p:txBody>
+          <a:bodyPr/>
+          <a:lstStyle/>
+          <a:p>
+            <a:fld id="{41DD9913-027A-4D5C-9772-EAFAEC30D69D}" type="slidenum">
+              <a:rPr lang="en-US" smtClean="0"/>
+              <a:t>11</a:t>
+            </a:fld>
+            <a:endParaRPr lang="en-US"/>
+          </a:p>
+        </p:txBody>
+      </p:sp>
+      <p:sp>
+        <p:nvSpPr>
+          <p:cNvPr id="5" name="Arrow: Chevron 4">
+            <a:extLst>
+              <a:ext uri="{FF2B5EF4-FFF2-40B4-BE49-F238E27FC236}">
+                <a16:creationId xmlns:a16="http://schemas.microsoft.com/office/drawing/2014/main" id="{8FF13E13-E227-4FD1-BD85-6C8EFE9C39E6}"/>
+              </a:ext>
+            </a:extLst>
+          </p:cNvPr>
+          <p:cNvSpPr/>
+          <p:nvPr/>
+        </p:nvSpPr>
+        <p:spPr>
+          <a:xfrm>
+            <a:off x="1" y="425224"/>
+            <a:ext cx="4796118" cy="694449"/>
+          </a:xfrm>
+          <a:prstGeom prst="chevron">
+            <a:avLst/>
+          </a:prstGeom>
+          <a:solidFill>
+            <a:srgbClr val="702AF7"/>
+          </a:solidFill>
+          <a:ln>
+            <a:solidFill>
+              <a:schemeClr val="bg1"/>
+            </a:solidFill>
+          </a:ln>
+        </p:spPr>
+        <p:style>
+          <a:lnRef idx="2">
+            <a:schemeClr val="accent5">
+              <a:shade val="50000"/>
+            </a:schemeClr>
+          </a:lnRef>
+          <a:fillRef idx="1">
+            <a:schemeClr val="accent5"/>
+          </a:fillRef>
+          <a:effectRef idx="0">
+            <a:schemeClr val="accent5"/>
+          </a:effectRef>
+          <a:fontRef idx="minor">
+            <a:schemeClr val="lt1"/>
+          </a:fontRef>
+        </p:style>
+        <p:txBody>
+          <a:bodyPr rtlCol="0" anchor="ctr"/>
+          <a:lstStyle/>
+          <a:p>
+            <a:pPr algn="ctr"/>
+            <a:r>
+              <a:rPr lang="en-US" sz="3600">
+                <a:solidFill>
+                  <a:schemeClr val="bg1"/>
+                </a:solidFill>
+              </a:rPr>
+              <a:t>2. What is Blazor</a:t>
+            </a:r>
+          </a:p>
+        </p:txBody>
+      </p:sp>
+      <p:sp>
+        <p:nvSpPr>
+          <p:cNvPr id="7" name="TextBox 6">
+            <a:extLst>
+              <a:ext uri="{FF2B5EF4-FFF2-40B4-BE49-F238E27FC236}">
+                <a16:creationId xmlns:a16="http://schemas.microsoft.com/office/drawing/2014/main" id="{2EB5FBC7-D962-4E3C-9A54-244123F06B24}"/>
+              </a:ext>
+            </a:extLst>
+          </p:cNvPr>
+          <p:cNvSpPr txBox="1"/>
+          <p:nvPr/>
+        </p:nvSpPr>
+        <p:spPr>
+          <a:xfrm>
+            <a:off x="749559" y="1749045"/>
+            <a:ext cx="10692882" cy="3360279"/>
+          </a:xfrm>
+          <a:prstGeom prst="rect">
+            <a:avLst/>
+          </a:prstGeom>
+          <a:noFill/>
+        </p:spPr>
+        <p:txBody>
+          <a:bodyPr wrap="square" rtlCol="0">
+            <a:spAutoFit/>
+          </a:bodyPr>
+          <a:lstStyle/>
+          <a:p>
+            <a:pPr marL="285750" indent="-285750">
+              <a:lnSpc>
+                <a:spcPct val="150000"/>
+              </a:lnSpc>
+              <a:buFont typeface="Wingdings" panose="05000000000000000000" pitchFamily="2" charset="2"/>
+              <a:buChar char="q"/>
+            </a:pPr>
+            <a:r>
+              <a:rPr lang="en-US">
+                <a:latin typeface="+mj-lt"/>
+              </a:rPr>
+              <a:t>Release in 2018</a:t>
+            </a:r>
+          </a:p>
+          <a:p>
+            <a:pPr>
+              <a:lnSpc>
+                <a:spcPct val="150000"/>
+              </a:lnSpc>
+            </a:pPr>
+            <a:endParaRPr lang="en-US">
+              <a:latin typeface="+mj-lt"/>
+            </a:endParaRPr>
+          </a:p>
+          <a:p>
+            <a:pPr marL="285750" indent="-285750">
+              <a:lnSpc>
+                <a:spcPct val="150000"/>
+              </a:lnSpc>
+              <a:buFont typeface="Wingdings" panose="05000000000000000000" pitchFamily="2" charset="2"/>
+              <a:buChar char="q"/>
+            </a:pPr>
+            <a:r>
+              <a:rPr lang="en-US">
+                <a:latin typeface="+mj-lt"/>
+              </a:rPr>
+              <a:t>A client-side library that use .NET on WebAssembly</a:t>
+            </a:r>
+          </a:p>
+          <a:p>
+            <a:pPr>
+              <a:lnSpc>
+                <a:spcPct val="150000"/>
+              </a:lnSpc>
+            </a:pPr>
+            <a:endParaRPr lang="en-US">
+              <a:latin typeface="+mj-lt"/>
+            </a:endParaRPr>
+          </a:p>
+          <a:p>
+            <a:pPr marL="285750" indent="-285750" algn="l">
+              <a:lnSpc>
+                <a:spcPct val="150000"/>
+              </a:lnSpc>
+              <a:buFont typeface="Wingdings" panose="05000000000000000000" pitchFamily="2" charset="2"/>
+              <a:buChar char="q"/>
+            </a:pPr>
+            <a:r>
+              <a:rPr lang="en-GB">
+                <a:latin typeface="+mj-lt"/>
+              </a:rPr>
+              <a:t>Support SPAs written in C# with Razor template</a:t>
+            </a:r>
+          </a:p>
+          <a:p>
+            <a:pPr marL="285750" indent="-285750" algn="l">
+              <a:lnSpc>
+                <a:spcPct val="150000"/>
+              </a:lnSpc>
+              <a:buFont typeface="Wingdings" panose="05000000000000000000" pitchFamily="2" charset="2"/>
+              <a:buChar char="q"/>
+            </a:pPr>
+            <a:endParaRPr lang="en-GB">
+              <a:latin typeface="+mj-lt"/>
+            </a:endParaRPr>
+          </a:p>
+          <a:p>
+            <a:pPr algn="r">
+              <a:lnSpc>
+                <a:spcPct val="150000"/>
+              </a:lnSpc>
+            </a:pPr>
+            <a:r>
+              <a:rPr lang="en-GB" i="1">
+                <a:latin typeface="+mj-lt"/>
+                <a:hlinkClick r:id="rId3"/>
+              </a:rPr>
+              <a:t>https://docs.microsoft.com/en-us/aspnet/core/blazor/?view=aspnetcore-6.0</a:t>
+            </a:r>
+            <a:r>
+              <a:rPr lang="en-GB">
+                <a:latin typeface="+mj-lt"/>
+              </a:rPr>
+              <a:t> </a:t>
+            </a:r>
+          </a:p>
+          <a:p>
+            <a:pPr>
+              <a:lnSpc>
+                <a:spcPct val="150000"/>
+              </a:lnSpc>
+            </a:pPr>
+            <a:r>
+              <a:rPr lang="en-GB">
+                <a:latin typeface="+mj-lt"/>
+              </a:rPr>
+              <a:t>								</a:t>
+            </a:r>
+            <a:endParaRPr lang="en-US" i="1">
+              <a:latin typeface="+mj-lt"/>
+            </a:endParaRPr>
+          </a:p>
+        </p:txBody>
+      </p:sp>
+    </p:spTree>
+    <p:extLst>
+      <p:ext uri="{BB962C8B-B14F-4D97-AF65-F5344CB8AC3E}">
+        <p14:creationId xmlns:p14="http://schemas.microsoft.com/office/powerpoint/2010/main" val="2276201721"/>
+      </p:ext>
+    </p:extLst>
+  </p:cSld>
+  <p:clrMapOvr>
+    <a:masterClrMapping/>
+  </p:clrMapOvr>
+</p:sld>
+</file>
+
+<file path=ppt/slides/slide12.xml><?xml version="1.0" encoding="utf-8"?>
+<p:sld xmlns:a="http://schemas.openxmlformats.org/drawingml/2006/main" xmlns:r="http://schemas.openxmlformats.org/officeDocument/2006/relationships" xmlns:p="http://schemas.openxmlformats.org/presentationml/2006/main">
+  <p:cSld>
+    <p:spTree>
+      <p:nvGrpSpPr>
+        <p:cNvPr id="1" name=""/>
+        <p:cNvGrpSpPr/>
+        <p:nvPr/>
+      </p:nvGrpSpPr>
+      <p:grpSpPr>
+        <a:xfrm>
+          <a:off x="0" y="0"/>
+          <a:ext cx="0" cy="0"/>
+          <a:chOff x="0" y="0"/>
+          <a:chExt cx="0" cy="0"/>
+        </a:xfrm>
+      </p:grpSpPr>
+      <p:sp>
+        <p:nvSpPr>
+          <p:cNvPr id="4" name="Slide Number Placeholder 3">
+            <a:extLst>
+              <a:ext uri="{FF2B5EF4-FFF2-40B4-BE49-F238E27FC236}">
+                <a16:creationId xmlns:a16="http://schemas.microsoft.com/office/drawing/2014/main" id="{B771BB42-F088-4AFD-B746-CA27AABAF2B2}"/>
+              </a:ext>
+            </a:extLst>
+          </p:cNvPr>
+          <p:cNvSpPr>
+            <a:spLocks noGrp="1"/>
+          </p:cNvSpPr>
+          <p:nvPr>
+            <p:ph type="sldNum" sz="quarter" idx="12"/>
+          </p:nvPr>
+        </p:nvSpPr>
+        <p:spPr/>
+        <p:txBody>
+          <a:bodyPr/>
+          <a:lstStyle/>
+          <a:p>
+            <a:fld id="{41DD9913-027A-4D5C-9772-EAFAEC30D69D}" type="slidenum">
+              <a:rPr lang="en-US" smtClean="0"/>
+              <a:t>12</a:t>
+            </a:fld>
+            <a:endParaRPr lang="en-US"/>
+          </a:p>
+        </p:txBody>
+      </p:sp>
+      <p:sp>
+        <p:nvSpPr>
+          <p:cNvPr id="5" name="Arrow: Chevron 4">
+            <a:extLst>
+              <a:ext uri="{FF2B5EF4-FFF2-40B4-BE49-F238E27FC236}">
+                <a16:creationId xmlns:a16="http://schemas.microsoft.com/office/drawing/2014/main" id="{8FF13E13-E227-4FD1-BD85-6C8EFE9C39E6}"/>
+              </a:ext>
+            </a:extLst>
+          </p:cNvPr>
+          <p:cNvSpPr/>
+          <p:nvPr/>
+        </p:nvSpPr>
+        <p:spPr>
+          <a:xfrm>
+            <a:off x="1" y="425224"/>
+            <a:ext cx="4796118" cy="694449"/>
+          </a:xfrm>
+          <a:prstGeom prst="chevron">
+            <a:avLst/>
+          </a:prstGeom>
+          <a:solidFill>
+            <a:srgbClr val="702AF7"/>
+          </a:solidFill>
+          <a:ln>
+            <a:solidFill>
+              <a:schemeClr val="bg1"/>
+            </a:solidFill>
+          </a:ln>
+        </p:spPr>
+        <p:style>
+          <a:lnRef idx="2">
+            <a:schemeClr val="accent5">
+              <a:shade val="50000"/>
+            </a:schemeClr>
+          </a:lnRef>
+          <a:fillRef idx="1">
+            <a:schemeClr val="accent5"/>
+          </a:fillRef>
+          <a:effectRef idx="0">
+            <a:schemeClr val="accent5"/>
+          </a:effectRef>
+          <a:fontRef idx="minor">
+            <a:schemeClr val="lt1"/>
+          </a:fontRef>
+        </p:style>
+        <p:txBody>
+          <a:bodyPr rtlCol="0" anchor="ctr"/>
+          <a:lstStyle/>
+          <a:p>
+            <a:pPr algn="ctr"/>
+            <a:r>
+              <a:rPr lang="en-US" sz="3600">
+                <a:solidFill>
+                  <a:schemeClr val="bg1"/>
+                </a:solidFill>
+              </a:rPr>
+              <a:t>2. What is Blazor</a:t>
+            </a:r>
+          </a:p>
+        </p:txBody>
+      </p:sp>
+      <p:pic>
+        <p:nvPicPr>
+          <p:cNvPr id="8" name="Picture 7" descr="A picture containing diagram&#10;&#10;Description automatically generated">
+            <a:extLst>
+              <a:ext uri="{FF2B5EF4-FFF2-40B4-BE49-F238E27FC236}">
+                <a16:creationId xmlns:a16="http://schemas.microsoft.com/office/drawing/2014/main" id="{4DB39FA3-B64B-4D23-840C-99F1B2EF1844}"/>
+              </a:ext>
+            </a:extLst>
+          </p:cNvPr>
+          <p:cNvPicPr>
+            <a:picLocks noChangeAspect="1"/>
+          </p:cNvPicPr>
+          <p:nvPr/>
+        </p:nvPicPr>
+        <p:blipFill>
+          <a:blip r:embed="rId2">
+            <a:extLst>
+              <a:ext uri="{28A0092B-C50C-407E-A947-70E740481C1C}">
+                <a14:useLocalDpi xmlns:a14="http://schemas.microsoft.com/office/drawing/2010/main" val="0"/>
+              </a:ext>
+            </a:extLst>
+          </a:blip>
+          <a:stretch>
+            <a:fillRect/>
+          </a:stretch>
+        </p:blipFill>
+        <p:spPr>
+          <a:xfrm>
+            <a:off x="2409825" y="2481844"/>
+            <a:ext cx="7572375" cy="3667125"/>
+          </a:xfrm>
+          <a:prstGeom prst="rect">
+            <a:avLst/>
+          </a:prstGeom>
+        </p:spPr>
+      </p:pic>
+      <p:sp>
+        <p:nvSpPr>
+          <p:cNvPr id="9" name="TextBox 8">
+            <a:extLst>
+              <a:ext uri="{FF2B5EF4-FFF2-40B4-BE49-F238E27FC236}">
+                <a16:creationId xmlns:a16="http://schemas.microsoft.com/office/drawing/2014/main" id="{47FE94AD-3137-4783-9EF0-FC17CE4BA9B3}"/>
+              </a:ext>
+            </a:extLst>
+          </p:cNvPr>
+          <p:cNvSpPr txBox="1"/>
+          <p:nvPr/>
+        </p:nvSpPr>
+        <p:spPr>
+          <a:xfrm>
+            <a:off x="893115" y="1610584"/>
+            <a:ext cx="7315200" cy="369332"/>
+          </a:xfrm>
+          <a:prstGeom prst="rect">
+            <a:avLst/>
+          </a:prstGeom>
+          <a:noFill/>
+        </p:spPr>
+        <p:txBody>
+          <a:bodyPr wrap="square" rtlCol="0">
+            <a:spAutoFit/>
+          </a:bodyPr>
+          <a:lstStyle/>
+          <a:p>
+            <a:r>
+              <a:rPr lang="en-US" sz="1600" i="0">
+                <a:solidFill>
+                  <a:srgbClr val="231F20"/>
+                </a:solidFill>
+                <a:effectLst/>
+                <a:latin typeface="+mj-lt"/>
+              </a:rPr>
+              <a:t>Server-Side and </a:t>
+            </a:r>
+            <a:r>
+              <a:rPr lang="en-US" i="0">
+                <a:solidFill>
+                  <a:srgbClr val="231F20"/>
+                </a:solidFill>
+                <a:effectLst/>
+                <a:latin typeface="+mj-lt"/>
+              </a:rPr>
+              <a:t>Client-Side</a:t>
+            </a:r>
+            <a:r>
+              <a:rPr lang="en-US" sz="1600" i="0">
+                <a:solidFill>
+                  <a:srgbClr val="231F20"/>
+                </a:solidFill>
+                <a:effectLst/>
+                <a:latin typeface="+mj-lt"/>
+              </a:rPr>
+              <a:t> Programming Languages</a:t>
+            </a:r>
+          </a:p>
+        </p:txBody>
+      </p:sp>
+      <p:pic>
+        <p:nvPicPr>
+          <p:cNvPr id="3" name="Picture 2" descr="A picture containing diagram&#10;&#10;Description automatically generated">
+            <a:extLst>
+              <a:ext uri="{FF2B5EF4-FFF2-40B4-BE49-F238E27FC236}">
+                <a16:creationId xmlns:a16="http://schemas.microsoft.com/office/drawing/2014/main" id="{4BB3BD72-CD90-4EFC-B0F2-940FC67DBE38}"/>
+              </a:ext>
+            </a:extLst>
+          </p:cNvPr>
+          <p:cNvPicPr>
+            <a:picLocks noChangeAspect="1"/>
+          </p:cNvPicPr>
+          <p:nvPr/>
+        </p:nvPicPr>
+        <p:blipFill>
+          <a:blip r:embed="rId3">
+            <a:extLst>
+              <a:ext uri="{28A0092B-C50C-407E-A947-70E740481C1C}">
+                <a14:useLocalDpi xmlns:a14="http://schemas.microsoft.com/office/drawing/2010/main" val="0"/>
+              </a:ext>
+            </a:extLst>
+          </a:blip>
+          <a:stretch>
+            <a:fillRect/>
+          </a:stretch>
+        </p:blipFill>
+        <p:spPr>
+          <a:xfrm>
+            <a:off x="2409825" y="2470827"/>
+            <a:ext cx="7595125" cy="3678142"/>
+          </a:xfrm>
+          <a:prstGeom prst="rect">
+            <a:avLst/>
+          </a:prstGeom>
+        </p:spPr>
+      </p:pic>
+    </p:spTree>
+    <p:extLst>
+      <p:ext uri="{BB962C8B-B14F-4D97-AF65-F5344CB8AC3E}">
+        <p14:creationId xmlns:p14="http://schemas.microsoft.com/office/powerpoint/2010/main" val="3757927607"/>
+      </p:ext>
+    </p:extLst>
+  </p:cSld>
+  <p:clrMapOvr>
+    <a:masterClrMapping/>
+  </p:clrMapOvr>
+  <p:timing>
+    <p:tnLst>
+      <p:par>
+        <p:cTn id="1" dur="indefinite" restart="never" nodeType="tmRoot">
+          <p:childTnLst>
+            <p:seq concurrent="1" nextAc="seek">
+              <p:cTn id="2" dur="indefinite" nodeType="mainSeq">
+                <p:childTnLst>
+                  <p:par>
+                    <p:cTn id="3" fill="hold">
+                      <p:stCondLst>
+                        <p:cond delay="indefinite"/>
+                      </p:stCondLst>
+                      <p:childTnLst>
+                        <p:par>
+                          <p:cTn id="4" fill="hold">
+                            <p:stCondLst>
+                              <p:cond delay="0"/>
+                            </p:stCondLst>
+                            <p:childTnLst>
+                              <p:par>
+                                <p:cTn id="5" presetID="10" presetClass="exit" presetSubtype="0" fill="hold" nodeType="clickEffect">
+                                  <p:stCondLst>
+                                    <p:cond delay="0"/>
+                                  </p:stCondLst>
+                                  <p:childTnLst>
+                                    <p:animEffect transition="out" filter="fade">
+                                      <p:cBhvr>
+                                        <p:cTn id="6" dur="500"/>
+                                        <p:tgtEl>
+                                          <p:spTgt spid="8"/>
+                                        </p:tgtEl>
+                                      </p:cBhvr>
+                                    </p:animEffect>
+                                    <p:set>
+                                      <p:cBhvr>
+                                        <p:cTn id="7" dur="1" fill="hold">
+                                          <p:stCondLst>
+                                            <p:cond delay="499"/>
+                                          </p:stCondLst>
+                                        </p:cTn>
+                                        <p:tgtEl>
+                                          <p:spTgt spid="8"/>
+                                        </p:tgtEl>
+                                        <p:attrNameLst>
+                                          <p:attrName>style.visibility</p:attrName>
+                                        </p:attrNameLst>
+                                      </p:cBhvr>
+                                      <p:to>
+                                        <p:strVal val="hidden"/>
+                                      </p:to>
+                                    </p:set>
+                                  </p:childTnLst>
+                                </p:cTn>
+                              </p:par>
+                            </p:childTnLst>
+                          </p:cTn>
+                        </p:par>
+                        <p:par>
+                          <p:cTn id="8" fill="hold">
+                            <p:stCondLst>
+                              <p:cond delay="500"/>
+                            </p:stCondLst>
+                            <p:childTnLst>
+                              <p:par>
+                                <p:cTn id="9" presetID="10" presetClass="entr" presetSubtype="0" fill="hold" nodeType="afterEffect">
+                                  <p:stCondLst>
+                                    <p:cond delay="0"/>
+                                  </p:stCondLst>
+                                  <p:childTnLst>
+                                    <p:set>
+                                      <p:cBhvr>
+                                        <p:cTn id="10" dur="1" fill="hold">
+                                          <p:stCondLst>
+                                            <p:cond delay="0"/>
+                                          </p:stCondLst>
+                                        </p:cTn>
+                                        <p:tgtEl>
+                                          <p:spTgt spid="3"/>
+                                        </p:tgtEl>
+                                        <p:attrNameLst>
+                                          <p:attrName>style.visibility</p:attrName>
+                                        </p:attrNameLst>
+                                      </p:cBhvr>
+                                      <p:to>
+                                        <p:strVal val="visible"/>
+                                      </p:to>
+                                    </p:set>
+                                    <p:animEffect transition="in" filter="fade">
+                                      <p:cBhvr>
+                                        <p:cTn id="11" dur="500"/>
+                                        <p:tgtEl>
+                                          <p:spTgt spid="3"/>
+                                        </p:tgtEl>
+                                      </p:cBhvr>
+                                    </p:animEffect>
+                                  </p:childTnLst>
+                                </p:cTn>
+                              </p:par>
+                            </p:childTnLst>
+                          </p:cTn>
+                        </p:par>
+                      </p:childTnLst>
+                    </p:cTn>
+                  </p:par>
+                </p:childTnLst>
+              </p:cTn>
+              <p:prevCondLst>
+                <p:cond evt="onPrev" delay="0">
+                  <p:tgtEl>
+                    <p:sldTgt/>
+                  </p:tgtEl>
+                </p:cond>
+              </p:prevCondLst>
+              <p:nextCondLst>
+                <p:cond evt="onNext" delay="0">
+                  <p:tgtEl>
+                    <p:sldTgt/>
+                  </p:tgtEl>
+                </p:cond>
+              </p:nextCondLst>
+            </p:seq>
+          </p:childTnLst>
+        </p:cTn>
+      </p:par>
+    </p:tnLst>
+  </p:timing>
+</p:sld>
+</file>
+
+<file path=ppt/slides/slide13.xml><?xml version="1.0" encoding="utf-8"?>
+<p:sld xmlns:a="http://schemas.openxmlformats.org/drawingml/2006/main" xmlns:r="http://schemas.openxmlformats.org/officeDocument/2006/relationships" xmlns:p="http://schemas.openxmlformats.org/presentationml/2006/main">
+  <p:cSld>
+    <p:spTree>
+      <p:nvGrpSpPr>
+        <p:cNvPr id="1" name=""/>
+        <p:cNvGrpSpPr/>
+        <p:nvPr/>
+      </p:nvGrpSpPr>
+      <p:grpSpPr>
+        <a:xfrm>
+          <a:off x="0" y="0"/>
+          <a:ext cx="0" cy="0"/>
+          <a:chOff x="0" y="0"/>
+          <a:chExt cx="0" cy="0"/>
+        </a:xfrm>
+      </p:grpSpPr>
+      <p:sp>
+        <p:nvSpPr>
+          <p:cNvPr id="4" name="Slide Number Placeholder 3">
+            <a:extLst>
+              <a:ext uri="{FF2B5EF4-FFF2-40B4-BE49-F238E27FC236}">
+                <a16:creationId xmlns:a16="http://schemas.microsoft.com/office/drawing/2014/main" id="{B771BB42-F088-4AFD-B746-CA27AABAF2B2}"/>
+              </a:ext>
+            </a:extLst>
+          </p:cNvPr>
+          <p:cNvSpPr>
+            <a:spLocks noGrp="1"/>
+          </p:cNvSpPr>
+          <p:nvPr>
+            <p:ph type="sldNum" sz="quarter" idx="12"/>
+          </p:nvPr>
+        </p:nvSpPr>
+        <p:spPr/>
+        <p:txBody>
+          <a:bodyPr/>
+          <a:lstStyle/>
+          <a:p>
+            <a:fld id="{41DD9913-027A-4D5C-9772-EAFAEC30D69D}" type="slidenum">
+              <a:rPr lang="en-US" smtClean="0"/>
+              <a:t>13</a:t>
+            </a:fld>
+            <a:endParaRPr lang="en-US"/>
+          </a:p>
+        </p:txBody>
+      </p:sp>
+      <p:sp>
+        <p:nvSpPr>
+          <p:cNvPr id="5" name="Arrow: Chevron 4">
+            <a:extLst>
+              <a:ext uri="{FF2B5EF4-FFF2-40B4-BE49-F238E27FC236}">
+                <a16:creationId xmlns:a16="http://schemas.microsoft.com/office/drawing/2014/main" id="{69A7FEA3-BBA2-47BB-A62E-6A1552283F80}"/>
+              </a:ext>
+            </a:extLst>
+          </p:cNvPr>
+          <p:cNvSpPr/>
+          <p:nvPr/>
+        </p:nvSpPr>
+        <p:spPr>
+          <a:xfrm>
+            <a:off x="648929" y="2734551"/>
+            <a:ext cx="11100619" cy="1109862"/>
+          </a:xfrm>
+          <a:prstGeom prst="chevron">
+            <a:avLst/>
+          </a:prstGeom>
+          <a:solidFill>
+            <a:srgbClr val="702AF7"/>
+          </a:solidFill>
+          <a:ln>
+            <a:solidFill>
+              <a:schemeClr val="bg1"/>
+            </a:solidFill>
+          </a:ln>
+        </p:spPr>
+        <p:style>
+          <a:lnRef idx="2">
+            <a:schemeClr val="accent5">
+              <a:shade val="50000"/>
+            </a:schemeClr>
+          </a:lnRef>
+          <a:fillRef idx="1">
+            <a:schemeClr val="accent5"/>
+          </a:fillRef>
+          <a:effectRef idx="0">
+            <a:schemeClr val="accent5"/>
+          </a:effectRef>
+          <a:fontRef idx="minor">
+            <a:schemeClr val="lt1"/>
+          </a:fontRef>
+        </p:style>
+        <p:txBody>
+          <a:bodyPr rtlCol="0" anchor="ctr"/>
+          <a:lstStyle/>
+          <a:p>
+            <a:pPr algn="ctr"/>
+            <a:r>
+              <a:rPr lang="en-US" sz="4400">
+                <a:solidFill>
+                  <a:schemeClr val="bg1"/>
+                </a:solidFill>
+              </a:rPr>
+              <a:t>Blazor WebAssembly and Blazor Server</a:t>
+            </a:r>
+          </a:p>
+        </p:txBody>
+      </p:sp>
+    </p:spTree>
+    <p:extLst>
+      <p:ext uri="{BB962C8B-B14F-4D97-AF65-F5344CB8AC3E}">
+        <p14:creationId xmlns:p14="http://schemas.microsoft.com/office/powerpoint/2010/main" val="3362903413"/>
+      </p:ext>
+    </p:extLst>
+  </p:cSld>
+  <p:clrMapOvr>
+    <a:masterClrMapping/>
+  </p:clrMapOvr>
+</p:sld>
+</file>
+
+<file path=ppt/slides/slide14.xml><?xml version="1.0" encoding="utf-8"?>
+<p:sld xmlns:a="http://schemas.openxmlformats.org/drawingml/2006/main" xmlns:r="http://schemas.openxmlformats.org/officeDocument/2006/relationships" xmlns:p="http://schemas.openxmlformats.org/presentationml/2006/main">
+  <p:cSld>
+    <p:spTree>
+      <p:nvGrpSpPr>
+        <p:cNvPr id="1" name=""/>
+        <p:cNvGrpSpPr/>
+        <p:nvPr/>
+      </p:nvGrpSpPr>
+      <p:grpSpPr>
+        <a:xfrm>
+          <a:off x="0" y="0"/>
+          <a:ext cx="0" cy="0"/>
+          <a:chOff x="0" y="0"/>
+          <a:chExt cx="0" cy="0"/>
+        </a:xfrm>
+      </p:grpSpPr>
+      <p:sp>
+        <p:nvSpPr>
+          <p:cNvPr id="4" name="Slide Number Placeholder 3">
+            <a:extLst>
+              <a:ext uri="{FF2B5EF4-FFF2-40B4-BE49-F238E27FC236}">
+                <a16:creationId xmlns:a16="http://schemas.microsoft.com/office/drawing/2014/main" id="{B771BB42-F088-4AFD-B746-CA27AABAF2B2}"/>
+              </a:ext>
+            </a:extLst>
+          </p:cNvPr>
+          <p:cNvSpPr>
+            <a:spLocks noGrp="1"/>
+          </p:cNvSpPr>
+          <p:nvPr>
+            <p:ph type="sldNum" sz="quarter" idx="12"/>
+          </p:nvPr>
+        </p:nvSpPr>
+        <p:spPr/>
+        <p:txBody>
+          <a:bodyPr/>
+          <a:lstStyle/>
+          <a:p>
+            <a:fld id="{41DD9913-027A-4D5C-9772-EAFAEC30D69D}" type="slidenum">
+              <a:rPr lang="en-US" smtClean="0"/>
+              <a:t>14</a:t>
+            </a:fld>
+            <a:endParaRPr lang="en-US"/>
+          </a:p>
+        </p:txBody>
+      </p:sp>
+      <p:sp>
+        <p:nvSpPr>
+          <p:cNvPr id="5" name="Arrow: Chevron 4">
+            <a:extLst>
+              <a:ext uri="{FF2B5EF4-FFF2-40B4-BE49-F238E27FC236}">
+                <a16:creationId xmlns:a16="http://schemas.microsoft.com/office/drawing/2014/main" id="{8FF13E13-E227-4FD1-BD85-6C8EFE9C39E6}"/>
+              </a:ext>
+            </a:extLst>
+          </p:cNvPr>
+          <p:cNvSpPr/>
+          <p:nvPr/>
+        </p:nvSpPr>
+        <p:spPr>
+          <a:xfrm>
+            <a:off x="0" y="425224"/>
+            <a:ext cx="9152965" cy="694449"/>
+          </a:xfrm>
+          <a:prstGeom prst="chevron">
+            <a:avLst/>
+          </a:prstGeom>
+          <a:solidFill>
+            <a:srgbClr val="702AF7"/>
+          </a:solidFill>
+          <a:ln>
+            <a:solidFill>
+              <a:schemeClr val="bg1"/>
+            </a:solidFill>
+          </a:ln>
+        </p:spPr>
+        <p:style>
+          <a:lnRef idx="2">
+            <a:schemeClr val="accent5">
+              <a:shade val="50000"/>
+            </a:schemeClr>
+          </a:lnRef>
+          <a:fillRef idx="1">
+            <a:schemeClr val="accent5"/>
+          </a:fillRef>
+          <a:effectRef idx="0">
+            <a:schemeClr val="accent5"/>
+          </a:effectRef>
+          <a:fontRef idx="minor">
+            <a:schemeClr val="lt1"/>
+          </a:fontRef>
+        </p:style>
+        <p:txBody>
+          <a:bodyPr rtlCol="0" anchor="ctr"/>
+          <a:lstStyle/>
+          <a:p>
+            <a:pPr algn="ctr"/>
+            <a:r>
+              <a:rPr lang="en-US" sz="3600">
+                <a:solidFill>
+                  <a:schemeClr val="bg1"/>
+                </a:solidFill>
+              </a:rPr>
+              <a:t>3. Blazor WebAssembly and Blazor Server</a:t>
+            </a:r>
+          </a:p>
+        </p:txBody>
+      </p:sp>
+      <p:grpSp>
+        <p:nvGrpSpPr>
+          <p:cNvPr id="10" name="Group 9">
+            <a:extLst>
+              <a:ext uri="{FF2B5EF4-FFF2-40B4-BE49-F238E27FC236}">
+                <a16:creationId xmlns:a16="http://schemas.microsoft.com/office/drawing/2014/main" id="{94F95001-F3A1-4C38-83BA-6550F49B9C5A}"/>
+              </a:ext>
+            </a:extLst>
+          </p:cNvPr>
+          <p:cNvGrpSpPr/>
+          <p:nvPr/>
+        </p:nvGrpSpPr>
+        <p:grpSpPr>
+          <a:xfrm>
+            <a:off x="663946" y="1576545"/>
+            <a:ext cx="3297772" cy="4587511"/>
+            <a:chOff x="683611" y="1520893"/>
+            <a:chExt cx="3297772" cy="4587511"/>
+          </a:xfrm>
+        </p:grpSpPr>
+        <p:pic>
+          <p:nvPicPr>
+            <p:cNvPr id="7" name="Picture 6" descr="Diagram&#10;&#10;Description automatically generated">
+              <a:extLst>
+                <a:ext uri="{FF2B5EF4-FFF2-40B4-BE49-F238E27FC236}">
+                  <a16:creationId xmlns:a16="http://schemas.microsoft.com/office/drawing/2014/main" id="{DBA2423E-B146-46AA-9C00-89E4F95D54E2}"/>
+                </a:ext>
+              </a:extLst>
+            </p:cNvPr>
+            <p:cNvPicPr>
+              <a:picLocks noChangeAspect="1"/>
+            </p:cNvPicPr>
+            <p:nvPr/>
+          </p:nvPicPr>
+          <p:blipFill>
+            <a:blip r:embed="rId2">
+              <a:extLst>
+                <a:ext uri="{28A0092B-C50C-407E-A947-70E740481C1C}">
+                  <a14:useLocalDpi xmlns:a14="http://schemas.microsoft.com/office/drawing/2010/main" val="0"/>
+                </a:ext>
+              </a:extLst>
+            </a:blip>
+            <a:stretch>
+              <a:fillRect/>
+            </a:stretch>
+          </p:blipFill>
+          <p:spPr>
+            <a:xfrm>
+              <a:off x="1221711" y="1520893"/>
+              <a:ext cx="2081928" cy="3119023"/>
+            </a:xfrm>
+            <a:prstGeom prst="rect">
+              <a:avLst/>
+            </a:prstGeom>
+          </p:spPr>
+        </p:pic>
+        <p:sp>
+          <p:nvSpPr>
+            <p:cNvPr id="8" name="TextBox 7">
+              <a:extLst>
+                <a:ext uri="{FF2B5EF4-FFF2-40B4-BE49-F238E27FC236}">
+                  <a16:creationId xmlns:a16="http://schemas.microsoft.com/office/drawing/2014/main" id="{A2B14A6D-A6B7-48EB-BDBD-5C25B9F6F348}"/>
+                </a:ext>
+              </a:extLst>
+            </p:cNvPr>
+            <p:cNvSpPr txBox="1"/>
+            <p:nvPr/>
+          </p:nvSpPr>
+          <p:spPr>
+            <a:xfrm>
+              <a:off x="683611" y="4825617"/>
+              <a:ext cx="3297772" cy="1282787"/>
+            </a:xfrm>
+            <a:prstGeom prst="rect">
+              <a:avLst/>
+            </a:prstGeom>
+            <a:noFill/>
+          </p:spPr>
+          <p:txBody>
+            <a:bodyPr wrap="square" rtlCol="0">
+              <a:spAutoFit/>
+            </a:bodyPr>
+            <a:lstStyle/>
+            <a:p>
+              <a:pPr algn="ctr">
+                <a:lnSpc>
+                  <a:spcPct val="150000"/>
+                </a:lnSpc>
+              </a:pPr>
+              <a:r>
+                <a:rPr lang="en-US" b="1" i="0" strike="noStrike">
+                  <a:effectLst/>
+                  <a:latin typeface="+mj-lt"/>
+                </a:rPr>
+                <a:t>Blazor WebAssembly</a:t>
+              </a:r>
+            </a:p>
+            <a:p>
+              <a:pPr marL="285750" indent="-285750">
+                <a:lnSpc>
+                  <a:spcPct val="150000"/>
+                </a:lnSpc>
+                <a:buFont typeface="Wingdings" panose="05000000000000000000" pitchFamily="2" charset="2"/>
+                <a:buChar char="q"/>
+              </a:pPr>
+              <a:r>
+                <a:rPr lang="en-US">
+                  <a:latin typeface="+mj-lt"/>
+                </a:rPr>
+                <a:t>Client-side rendering</a:t>
+              </a:r>
+            </a:p>
+            <a:p>
+              <a:pPr marL="285750" indent="-285750">
+                <a:lnSpc>
+                  <a:spcPct val="150000"/>
+                </a:lnSpc>
+                <a:buFont typeface="Wingdings" panose="05000000000000000000" pitchFamily="2" charset="2"/>
+                <a:buChar char="q"/>
+              </a:pPr>
+              <a:r>
+                <a:rPr lang="en-US">
+                  <a:latin typeface="+mj-lt"/>
+                </a:rPr>
+                <a:t>Incremental DOM</a:t>
+              </a:r>
+            </a:p>
+          </p:txBody>
+        </p:sp>
+      </p:grpSp>
+      <p:grpSp>
+        <p:nvGrpSpPr>
+          <p:cNvPr id="11" name="Group 10">
+            <a:extLst>
+              <a:ext uri="{FF2B5EF4-FFF2-40B4-BE49-F238E27FC236}">
+                <a16:creationId xmlns:a16="http://schemas.microsoft.com/office/drawing/2014/main" id="{9F80C3F0-32D9-4814-8E3F-95CE63305DD2}"/>
+              </a:ext>
+            </a:extLst>
+          </p:cNvPr>
+          <p:cNvGrpSpPr/>
+          <p:nvPr/>
+        </p:nvGrpSpPr>
+        <p:grpSpPr>
+          <a:xfrm>
+            <a:off x="5113157" y="1576545"/>
+            <a:ext cx="6130981" cy="4587511"/>
+            <a:chOff x="5136787" y="1520893"/>
+            <a:chExt cx="6130981" cy="4587511"/>
+          </a:xfrm>
+        </p:grpSpPr>
+        <p:pic>
+          <p:nvPicPr>
+            <p:cNvPr id="3" name="Picture 2" descr="A screenshot of a computer&#10;&#10;Description automatically generated with low confidence">
+              <a:extLst>
+                <a:ext uri="{FF2B5EF4-FFF2-40B4-BE49-F238E27FC236}">
+                  <a16:creationId xmlns:a16="http://schemas.microsoft.com/office/drawing/2014/main" id="{1A3E7D27-A16D-4106-B9C8-07882D95A3CD}"/>
+                </a:ext>
+              </a:extLst>
+            </p:cNvPr>
+            <p:cNvPicPr>
+              <a:picLocks noChangeAspect="1"/>
+            </p:cNvPicPr>
+            <p:nvPr/>
+          </p:nvPicPr>
+          <p:blipFill>
+            <a:blip r:embed="rId3">
+              <a:extLst>
+                <a:ext uri="{28A0092B-C50C-407E-A947-70E740481C1C}">
+                  <a14:useLocalDpi xmlns:a14="http://schemas.microsoft.com/office/drawing/2010/main" val="0"/>
+                </a:ext>
+              </a:extLst>
+            </a:blip>
+            <a:stretch>
+              <a:fillRect/>
+            </a:stretch>
+          </p:blipFill>
+          <p:spPr>
+            <a:xfrm>
+              <a:off x="5136787" y="1520893"/>
+              <a:ext cx="6130981" cy="3131730"/>
+            </a:xfrm>
+            <a:prstGeom prst="rect">
+              <a:avLst/>
+            </a:prstGeom>
+          </p:spPr>
+        </p:pic>
+        <p:sp>
+          <p:nvSpPr>
+            <p:cNvPr id="9" name="TextBox 8">
+              <a:extLst>
+                <a:ext uri="{FF2B5EF4-FFF2-40B4-BE49-F238E27FC236}">
+                  <a16:creationId xmlns:a16="http://schemas.microsoft.com/office/drawing/2014/main" id="{4DDE5F5B-919A-4D15-9892-46E6C36016BA}"/>
+                </a:ext>
+              </a:extLst>
+            </p:cNvPr>
+            <p:cNvSpPr txBox="1"/>
+            <p:nvPr/>
+          </p:nvSpPr>
+          <p:spPr>
+            <a:xfrm>
+              <a:off x="6729229" y="4825617"/>
+              <a:ext cx="3392129" cy="1282787"/>
+            </a:xfrm>
+            <a:prstGeom prst="rect">
+              <a:avLst/>
+            </a:prstGeom>
+            <a:noFill/>
+          </p:spPr>
+          <p:txBody>
+            <a:bodyPr wrap="square" rtlCol="0">
+              <a:spAutoFit/>
+            </a:bodyPr>
+            <a:lstStyle/>
+            <a:p>
+              <a:pPr algn="ctr">
+                <a:lnSpc>
+                  <a:spcPct val="150000"/>
+                </a:lnSpc>
+              </a:pPr>
+              <a:r>
+                <a:rPr lang="en-US" b="1" i="0" strike="noStrike">
+                  <a:effectLst/>
+                  <a:latin typeface="+mj-lt"/>
+                </a:rPr>
+                <a:t>Blazor Server</a:t>
+              </a:r>
+            </a:p>
+            <a:p>
+              <a:pPr marL="285750" indent="-285750">
+                <a:lnSpc>
+                  <a:spcPct val="150000"/>
+                </a:lnSpc>
+                <a:buFont typeface="Wingdings" panose="05000000000000000000" pitchFamily="2" charset="2"/>
+                <a:buChar char="q"/>
+              </a:pPr>
+              <a:r>
+                <a:rPr lang="en-US">
+                  <a:latin typeface="+mj-lt"/>
+                </a:rPr>
+                <a:t>Server-side logic</a:t>
+              </a:r>
+            </a:p>
+            <a:p>
+              <a:pPr marL="285750" indent="-285750">
+                <a:lnSpc>
+                  <a:spcPct val="150000"/>
+                </a:lnSpc>
+                <a:buFont typeface="Wingdings" panose="05000000000000000000" pitchFamily="2" charset="2"/>
+                <a:buChar char="q"/>
+              </a:pPr>
+              <a:r>
+                <a:rPr lang="en-US">
+                  <a:latin typeface="+mj-lt"/>
+                </a:rPr>
+                <a:t>DOM updated by SignalR</a:t>
+              </a:r>
+            </a:p>
+          </p:txBody>
+        </p:sp>
+      </p:grpSp>
+    </p:spTree>
+    <p:extLst>
+      <p:ext uri="{BB962C8B-B14F-4D97-AF65-F5344CB8AC3E}">
+        <p14:creationId xmlns:p14="http://schemas.microsoft.com/office/powerpoint/2010/main" val="2686841531"/>
+      </p:ext>
+    </p:extLst>
+  </p:cSld>
+  <p:clrMapOvr>
+    <a:masterClrMapping/>
+  </p:clrMapOvr>
+</p:sld>
+</file>
+
+<file path=ppt/slides/slide15.xml><?xml version="1.0" encoding="utf-8"?>
+<p:sld xmlns:a="http://schemas.openxmlformats.org/drawingml/2006/main" xmlns:r="http://schemas.openxmlformats.org/officeDocument/2006/relationships" xmlns:p="http://schemas.openxmlformats.org/presentationml/2006/main">
+  <p:cSld>
+    <p:spTree>
+      <p:nvGrpSpPr>
+        <p:cNvPr id="1" name=""/>
+        <p:cNvGrpSpPr/>
+        <p:nvPr/>
+      </p:nvGrpSpPr>
+      <p:grpSpPr>
+        <a:xfrm>
+          <a:off x="0" y="0"/>
+          <a:ext cx="0" cy="0"/>
+          <a:chOff x="0" y="0"/>
+          <a:chExt cx="0" cy="0"/>
+        </a:xfrm>
+      </p:grpSpPr>
+      <p:sp>
+        <p:nvSpPr>
+          <p:cNvPr id="4" name="Slide Number Placeholder 3">
+            <a:extLst>
+              <a:ext uri="{FF2B5EF4-FFF2-40B4-BE49-F238E27FC236}">
+                <a16:creationId xmlns:a16="http://schemas.microsoft.com/office/drawing/2014/main" id="{B771BB42-F088-4AFD-B746-CA27AABAF2B2}"/>
+              </a:ext>
+            </a:extLst>
+          </p:cNvPr>
+          <p:cNvSpPr>
+            <a:spLocks noGrp="1"/>
+          </p:cNvSpPr>
+          <p:nvPr>
+            <p:ph type="sldNum" sz="quarter" idx="12"/>
+          </p:nvPr>
+        </p:nvSpPr>
+        <p:spPr/>
+        <p:txBody>
+          <a:bodyPr/>
+          <a:lstStyle/>
+          <a:p>
+            <a:fld id="{41DD9913-027A-4D5C-9772-EAFAEC30D69D}" type="slidenum">
+              <a:rPr lang="en-US" smtClean="0"/>
+              <a:t>15</a:t>
+            </a:fld>
+            <a:endParaRPr lang="en-US"/>
+          </a:p>
+        </p:txBody>
+      </p:sp>
+      <p:sp>
+        <p:nvSpPr>
+          <p:cNvPr id="5" name="Arrow: Chevron 4">
+            <a:extLst>
+              <a:ext uri="{FF2B5EF4-FFF2-40B4-BE49-F238E27FC236}">
+                <a16:creationId xmlns:a16="http://schemas.microsoft.com/office/drawing/2014/main" id="{69A7FEA3-BBA2-47BB-A62E-6A1552283F80}"/>
+              </a:ext>
+            </a:extLst>
+          </p:cNvPr>
+          <p:cNvSpPr/>
+          <p:nvPr/>
+        </p:nvSpPr>
+        <p:spPr>
+          <a:xfrm>
+            <a:off x="422787" y="2429330"/>
+            <a:ext cx="11346426" cy="1999339"/>
+          </a:xfrm>
+          <a:prstGeom prst="chevron">
+            <a:avLst/>
+          </a:prstGeom>
+          <a:solidFill>
+            <a:srgbClr val="702AF7"/>
+          </a:solidFill>
+          <a:ln>
+            <a:solidFill>
+              <a:schemeClr val="bg1"/>
+            </a:solidFill>
+          </a:ln>
+        </p:spPr>
+        <p:style>
+          <a:lnRef idx="2">
+            <a:schemeClr val="accent5">
+              <a:shade val="50000"/>
+            </a:schemeClr>
+          </a:lnRef>
+          <a:fillRef idx="1">
+            <a:schemeClr val="accent5"/>
+          </a:fillRef>
+          <a:effectRef idx="0">
+            <a:schemeClr val="accent5"/>
+          </a:effectRef>
+          <a:fontRef idx="minor">
+            <a:schemeClr val="lt1"/>
+          </a:fontRef>
+        </p:style>
+        <p:txBody>
+          <a:bodyPr rtlCol="0" anchor="ctr"/>
+          <a:lstStyle/>
+          <a:p>
+            <a:pPr algn="ctr">
+              <a:lnSpc>
+                <a:spcPct val="150000"/>
+              </a:lnSpc>
+            </a:pPr>
+            <a:r>
+              <a:rPr lang="en-US" sz="4400">
+                <a:solidFill>
+                  <a:schemeClr val="bg1"/>
+                </a:solidFill>
+              </a:rPr>
+              <a:t>PROS and CONS </a:t>
+            </a:r>
+          </a:p>
+          <a:p>
+            <a:pPr algn="ctr">
+              <a:lnSpc>
+                <a:spcPct val="150000"/>
+              </a:lnSpc>
+            </a:pPr>
+            <a:r>
+              <a:rPr lang="en-US" sz="4400">
+                <a:solidFill>
+                  <a:schemeClr val="bg1"/>
+                </a:solidFill>
+              </a:rPr>
+              <a:t>Blazor WebAssembly and Blazor Server</a:t>
+            </a:r>
+          </a:p>
+        </p:txBody>
+      </p:sp>
+    </p:spTree>
+    <p:extLst>
+      <p:ext uri="{BB962C8B-B14F-4D97-AF65-F5344CB8AC3E}">
+        <p14:creationId xmlns:p14="http://schemas.microsoft.com/office/powerpoint/2010/main" val="1771273332"/>
+      </p:ext>
+    </p:extLst>
+  </p:cSld>
+  <p:clrMapOvr>
+    <a:masterClrMapping/>
+  </p:clrMapOvr>
+</p:sld>
+</file>
+
+<file path=ppt/slides/slide16.xml><?xml version="1.0" encoding="utf-8"?>
+<p:sld xmlns:a="http://schemas.openxmlformats.org/drawingml/2006/main" xmlns:r="http://schemas.openxmlformats.org/officeDocument/2006/relationships" xmlns:p="http://schemas.openxmlformats.org/presentationml/2006/main">
+  <p:cSld>
+    <p:spTree>
+      <p:nvGrpSpPr>
+        <p:cNvPr id="1" name=""/>
+        <p:cNvGrpSpPr/>
+        <p:nvPr/>
+      </p:nvGrpSpPr>
+      <p:grpSpPr>
+        <a:xfrm>
+          <a:off x="0" y="0"/>
+          <a:ext cx="0" cy="0"/>
+          <a:chOff x="0" y="0"/>
+          <a:chExt cx="0" cy="0"/>
+        </a:xfrm>
+      </p:grpSpPr>
+      <p:sp>
+        <p:nvSpPr>
+          <p:cNvPr id="4" name="Slide Number Placeholder 3">
+            <a:extLst>
+              <a:ext uri="{FF2B5EF4-FFF2-40B4-BE49-F238E27FC236}">
+                <a16:creationId xmlns:a16="http://schemas.microsoft.com/office/drawing/2014/main" id="{B771BB42-F088-4AFD-B746-CA27AABAF2B2}"/>
+              </a:ext>
+            </a:extLst>
+          </p:cNvPr>
+          <p:cNvSpPr>
+            <a:spLocks noGrp="1"/>
+          </p:cNvSpPr>
+          <p:nvPr>
+            <p:ph type="sldNum" sz="quarter" idx="12"/>
+          </p:nvPr>
+        </p:nvSpPr>
+        <p:spPr/>
+        <p:txBody>
+          <a:bodyPr/>
+          <a:lstStyle/>
+          <a:p>
+            <a:fld id="{41DD9913-027A-4D5C-9772-EAFAEC30D69D}" type="slidenum">
+              <a:rPr lang="en-US" smtClean="0"/>
+              <a:t>16</a:t>
+            </a:fld>
+            <a:endParaRPr lang="en-US"/>
+          </a:p>
+        </p:txBody>
+      </p:sp>
+      <p:sp>
+        <p:nvSpPr>
+          <p:cNvPr id="5" name="Arrow: Chevron 4">
+            <a:extLst>
+              <a:ext uri="{FF2B5EF4-FFF2-40B4-BE49-F238E27FC236}">
+                <a16:creationId xmlns:a16="http://schemas.microsoft.com/office/drawing/2014/main" id="{8FF13E13-E227-4FD1-BD85-6C8EFE9C39E6}"/>
+              </a:ext>
+            </a:extLst>
+          </p:cNvPr>
+          <p:cNvSpPr/>
+          <p:nvPr/>
+        </p:nvSpPr>
+        <p:spPr>
+          <a:xfrm>
+            <a:off x="-1" y="425224"/>
+            <a:ext cx="11949953" cy="694449"/>
+          </a:xfrm>
+          <a:prstGeom prst="chevron">
+            <a:avLst/>
+          </a:prstGeom>
+          <a:solidFill>
+            <a:srgbClr val="702AF7"/>
+          </a:solidFill>
+          <a:ln>
+            <a:solidFill>
+              <a:schemeClr val="bg1"/>
+            </a:solidFill>
+          </a:ln>
+        </p:spPr>
+        <p:style>
+          <a:lnRef idx="2">
+            <a:schemeClr val="accent5">
+              <a:shade val="50000"/>
+            </a:schemeClr>
+          </a:lnRef>
+          <a:fillRef idx="1">
+            <a:schemeClr val="accent5"/>
+          </a:fillRef>
+          <a:effectRef idx="0">
+            <a:schemeClr val="accent5"/>
+          </a:effectRef>
+          <a:fontRef idx="minor">
+            <a:schemeClr val="lt1"/>
+          </a:fontRef>
+        </p:style>
+        <p:txBody>
+          <a:bodyPr rtlCol="0" anchor="ctr"/>
+          <a:lstStyle/>
+          <a:p>
+            <a:pPr algn="ctr"/>
+            <a:r>
+              <a:rPr lang="en-US" sz="3600">
+                <a:solidFill>
+                  <a:schemeClr val="bg1"/>
+                </a:solidFill>
+              </a:rPr>
+              <a:t>4. PROS and CONS Blazor WebAssembly and Blazor Server</a:t>
+            </a:r>
+          </a:p>
+        </p:txBody>
+      </p:sp>
+      <p:sp>
+        <p:nvSpPr>
+          <p:cNvPr id="6" name="TextBox 5">
+            <a:extLst>
+              <a:ext uri="{FF2B5EF4-FFF2-40B4-BE49-F238E27FC236}">
+                <a16:creationId xmlns:a16="http://schemas.microsoft.com/office/drawing/2014/main" id="{1056897D-ED08-4783-A3A9-09607914D334}"/>
+              </a:ext>
+            </a:extLst>
+          </p:cNvPr>
+          <p:cNvSpPr txBox="1"/>
+          <p:nvPr/>
+        </p:nvSpPr>
+        <p:spPr>
+          <a:xfrm>
+            <a:off x="893115" y="1657949"/>
+            <a:ext cx="7315200" cy="400110"/>
+          </a:xfrm>
+          <a:prstGeom prst="rect">
+            <a:avLst/>
+          </a:prstGeom>
+          <a:noFill/>
+        </p:spPr>
+        <p:txBody>
+          <a:bodyPr wrap="square" rtlCol="0">
+            <a:spAutoFit/>
+          </a:bodyPr>
+          <a:lstStyle/>
+          <a:p>
+            <a:r>
+              <a:rPr lang="en-US" sz="2000" b="1" i="0">
+                <a:solidFill>
+                  <a:srgbClr val="231F20"/>
+                </a:solidFill>
+                <a:effectLst/>
+                <a:latin typeface="+mj-lt"/>
+              </a:rPr>
+              <a:t>Blazor WebAssembly</a:t>
+            </a:r>
+          </a:p>
+        </p:txBody>
+      </p:sp>
+      <p:pic>
+        <p:nvPicPr>
+          <p:cNvPr id="8" name="Picture 7" descr="Diagram&#10;&#10;Description automatically generated">
+            <a:extLst>
+              <a:ext uri="{FF2B5EF4-FFF2-40B4-BE49-F238E27FC236}">
+                <a16:creationId xmlns:a16="http://schemas.microsoft.com/office/drawing/2014/main" id="{A55DFFD5-6BFA-44B2-BD60-93105786E378}"/>
+              </a:ext>
+            </a:extLst>
+          </p:cNvPr>
+          <p:cNvPicPr>
+            <a:picLocks noChangeAspect="1"/>
+          </p:cNvPicPr>
+          <p:nvPr/>
+        </p:nvPicPr>
+        <p:blipFill>
+          <a:blip r:embed="rId2">
+            <a:extLst>
+              <a:ext uri="{28A0092B-C50C-407E-A947-70E740481C1C}">
+                <a14:useLocalDpi xmlns:a14="http://schemas.microsoft.com/office/drawing/2010/main" val="0"/>
+              </a:ext>
+            </a:extLst>
+          </a:blip>
+          <a:stretch>
+            <a:fillRect/>
+          </a:stretch>
+        </p:blipFill>
+        <p:spPr>
+          <a:xfrm>
+            <a:off x="1349529" y="2304132"/>
+            <a:ext cx="2081928" cy="3119023"/>
+          </a:xfrm>
+          <a:prstGeom prst="rect">
+            <a:avLst/>
+          </a:prstGeom>
+        </p:spPr>
+      </p:pic>
+      <p:sp>
+        <p:nvSpPr>
+          <p:cNvPr id="10" name="TextBox 9">
+            <a:extLst>
+              <a:ext uri="{FF2B5EF4-FFF2-40B4-BE49-F238E27FC236}">
+                <a16:creationId xmlns:a16="http://schemas.microsoft.com/office/drawing/2014/main" id="{888FDC98-1637-450E-85AC-015D18E54D09}"/>
+              </a:ext>
+            </a:extLst>
+          </p:cNvPr>
+          <p:cNvSpPr txBox="1"/>
+          <p:nvPr/>
+        </p:nvSpPr>
+        <p:spPr>
+          <a:xfrm>
+            <a:off x="4835850" y="1606428"/>
+            <a:ext cx="6933363" cy="3775777"/>
+          </a:xfrm>
+          <a:prstGeom prst="rect">
+            <a:avLst/>
+          </a:prstGeom>
+          <a:noFill/>
+        </p:spPr>
+        <p:txBody>
+          <a:bodyPr wrap="square" rtlCol="0">
+            <a:spAutoFit/>
+          </a:bodyPr>
+          <a:lstStyle/>
+          <a:p>
+            <a:pPr>
+              <a:lnSpc>
+                <a:spcPct val="150000"/>
+              </a:lnSpc>
+            </a:pPr>
+            <a:r>
+              <a:rPr lang="en-US" b="1">
+                <a:latin typeface="+mj-lt"/>
+              </a:rPr>
+              <a:t>PROS</a:t>
+            </a:r>
+          </a:p>
+          <a:p>
+            <a:pPr marL="285750" indent="-285750">
+              <a:lnSpc>
+                <a:spcPct val="150000"/>
+              </a:lnSpc>
+              <a:buFont typeface="Wingdings" panose="05000000000000000000" pitchFamily="2" charset="2"/>
+              <a:buChar char="q"/>
+            </a:pPr>
+            <a:r>
+              <a:rPr lang="en-US">
+                <a:latin typeface="+mj-lt"/>
+              </a:rPr>
+              <a:t>Efficient and fast</a:t>
+            </a:r>
+          </a:p>
+          <a:p>
+            <a:pPr marL="285750" indent="-285750">
+              <a:lnSpc>
+                <a:spcPct val="150000"/>
+              </a:lnSpc>
+              <a:buFont typeface="Wingdings" panose="05000000000000000000" pitchFamily="2" charset="2"/>
+              <a:buChar char="q"/>
+            </a:pPr>
+            <a:endParaRPr lang="en-US">
+              <a:latin typeface="+mj-lt"/>
+            </a:endParaRPr>
+          </a:p>
+          <a:p>
+            <a:pPr>
+              <a:lnSpc>
+                <a:spcPct val="150000"/>
+              </a:lnSpc>
+            </a:pPr>
+            <a:r>
+              <a:rPr lang="en-US" b="1">
+                <a:latin typeface="+mj-lt"/>
+              </a:rPr>
+              <a:t>CONS</a:t>
+            </a:r>
+          </a:p>
+          <a:p>
+            <a:pPr marL="285750" indent="-285750">
+              <a:lnSpc>
+                <a:spcPct val="150000"/>
+              </a:lnSpc>
+              <a:buFont typeface="Wingdings" panose="05000000000000000000" pitchFamily="2" charset="2"/>
+              <a:buChar char="q"/>
+            </a:pPr>
+            <a:r>
+              <a:rPr lang="en-US">
+                <a:latin typeface="+mj-lt"/>
+              </a:rPr>
+              <a:t>Efficient and fast</a:t>
+            </a:r>
+          </a:p>
+          <a:p>
+            <a:pPr marL="285750" indent="-285750">
+              <a:lnSpc>
+                <a:spcPct val="150000"/>
+              </a:lnSpc>
+              <a:buFont typeface="Wingdings" panose="05000000000000000000" pitchFamily="2" charset="2"/>
+              <a:buChar char="q"/>
+            </a:pPr>
+            <a:endParaRPr lang="en-US">
+              <a:latin typeface="+mj-lt"/>
+            </a:endParaRPr>
+          </a:p>
+          <a:p>
+            <a:pPr algn="l">
+              <a:lnSpc>
+                <a:spcPct val="150000"/>
+              </a:lnSpc>
+            </a:pPr>
+            <a:endParaRPr lang="en-GB">
+              <a:latin typeface="+mj-lt"/>
+            </a:endParaRPr>
+          </a:p>
+          <a:p>
+            <a:pPr>
+              <a:lnSpc>
+                <a:spcPct val="150000"/>
+              </a:lnSpc>
+            </a:pPr>
+            <a:r>
+              <a:rPr lang="en-GB">
+                <a:latin typeface="+mj-lt"/>
+              </a:rPr>
+              <a:t>								</a:t>
+            </a:r>
+            <a:endParaRPr lang="en-US" i="1">
+              <a:latin typeface="+mj-lt"/>
+            </a:endParaRPr>
+          </a:p>
+        </p:txBody>
+      </p:sp>
+    </p:spTree>
+    <p:extLst>
+      <p:ext uri="{BB962C8B-B14F-4D97-AF65-F5344CB8AC3E}">
+        <p14:creationId xmlns:p14="http://schemas.microsoft.com/office/powerpoint/2010/main" val="3577359368"/>
+      </p:ext>
+    </p:extLst>
+  </p:cSld>
+  <p:clrMapOvr>
+    <a:masterClrMapping/>
+  </p:clrMapOvr>
+</p:sld>
+</file>
+
+<file path=ppt/slides/slide17.xml><?xml version="1.0" encoding="utf-8"?>
+<p:sld xmlns:a="http://schemas.openxmlformats.org/drawingml/2006/main" xmlns:r="http://schemas.openxmlformats.org/officeDocument/2006/relationships" xmlns:p="http://schemas.openxmlformats.org/presentationml/2006/main">
+  <p:cSld>
+    <p:spTree>
+      <p:nvGrpSpPr>
+        <p:cNvPr id="1" name=""/>
+        <p:cNvGrpSpPr/>
+        <p:nvPr/>
+      </p:nvGrpSpPr>
+      <p:grpSpPr>
+        <a:xfrm>
+          <a:off x="0" y="0"/>
+          <a:ext cx="0" cy="0"/>
+          <a:chOff x="0" y="0"/>
+          <a:chExt cx="0" cy="0"/>
+        </a:xfrm>
+      </p:grpSpPr>
+      <p:sp>
+        <p:nvSpPr>
+          <p:cNvPr id="4" name="Slide Number Placeholder 3">
+            <a:extLst>
+              <a:ext uri="{FF2B5EF4-FFF2-40B4-BE49-F238E27FC236}">
+                <a16:creationId xmlns:a16="http://schemas.microsoft.com/office/drawing/2014/main" id="{B771BB42-F088-4AFD-B746-CA27AABAF2B2}"/>
+              </a:ext>
+            </a:extLst>
+          </p:cNvPr>
+          <p:cNvSpPr>
+            <a:spLocks noGrp="1"/>
+          </p:cNvSpPr>
+          <p:nvPr>
+            <p:ph type="sldNum" sz="quarter" idx="12"/>
+          </p:nvPr>
+        </p:nvSpPr>
+        <p:spPr/>
+        <p:txBody>
+          <a:bodyPr/>
+          <a:lstStyle/>
+          <a:p>
+            <a:fld id="{41DD9913-027A-4D5C-9772-EAFAEC30D69D}" type="slidenum">
+              <a:rPr lang="en-US" smtClean="0"/>
+              <a:t>17</a:t>
+            </a:fld>
+            <a:endParaRPr lang="en-US"/>
+          </a:p>
+        </p:txBody>
+      </p:sp>
+      <p:sp>
+        <p:nvSpPr>
+          <p:cNvPr id="5" name="Arrow: Chevron 4">
+            <a:extLst>
+              <a:ext uri="{FF2B5EF4-FFF2-40B4-BE49-F238E27FC236}">
+                <a16:creationId xmlns:a16="http://schemas.microsoft.com/office/drawing/2014/main" id="{8FF13E13-E227-4FD1-BD85-6C8EFE9C39E6}"/>
+              </a:ext>
+            </a:extLst>
+          </p:cNvPr>
+          <p:cNvSpPr/>
+          <p:nvPr/>
+        </p:nvSpPr>
+        <p:spPr>
+          <a:xfrm>
+            <a:off x="-1" y="425224"/>
+            <a:ext cx="11949953" cy="694449"/>
+          </a:xfrm>
+          <a:prstGeom prst="chevron">
+            <a:avLst/>
+          </a:prstGeom>
+          <a:solidFill>
+            <a:srgbClr val="702AF7"/>
+          </a:solidFill>
+          <a:ln>
+            <a:solidFill>
+              <a:schemeClr val="bg1"/>
+            </a:solidFill>
+          </a:ln>
+        </p:spPr>
+        <p:style>
+          <a:lnRef idx="2">
+            <a:schemeClr val="accent5">
+              <a:shade val="50000"/>
+            </a:schemeClr>
+          </a:lnRef>
+          <a:fillRef idx="1">
+            <a:schemeClr val="accent5"/>
+          </a:fillRef>
+          <a:effectRef idx="0">
+            <a:schemeClr val="accent5"/>
+          </a:effectRef>
+          <a:fontRef idx="minor">
+            <a:schemeClr val="lt1"/>
+          </a:fontRef>
+        </p:style>
+        <p:txBody>
+          <a:bodyPr rtlCol="0" anchor="ctr"/>
+          <a:lstStyle/>
+          <a:p>
+            <a:pPr algn="ctr"/>
+            <a:r>
+              <a:rPr lang="en-US" sz="3600">
+                <a:solidFill>
+                  <a:schemeClr val="bg1"/>
+                </a:solidFill>
+              </a:rPr>
+              <a:t>4. PROS and CONS Blazor WebAssembly and Blazor Server</a:t>
+            </a:r>
+          </a:p>
+        </p:txBody>
+      </p:sp>
+      <p:sp>
+        <p:nvSpPr>
+          <p:cNvPr id="6" name="TextBox 5">
+            <a:extLst>
+              <a:ext uri="{FF2B5EF4-FFF2-40B4-BE49-F238E27FC236}">
+                <a16:creationId xmlns:a16="http://schemas.microsoft.com/office/drawing/2014/main" id="{1056897D-ED08-4783-A3A9-09607914D334}"/>
+              </a:ext>
+            </a:extLst>
+          </p:cNvPr>
+          <p:cNvSpPr txBox="1"/>
+          <p:nvPr/>
+        </p:nvSpPr>
+        <p:spPr>
+          <a:xfrm>
+            <a:off x="893115" y="1657949"/>
+            <a:ext cx="7315200" cy="400110"/>
+          </a:xfrm>
+          <a:prstGeom prst="rect">
+            <a:avLst/>
+          </a:prstGeom>
+          <a:noFill/>
+        </p:spPr>
+        <p:txBody>
+          <a:bodyPr wrap="square" rtlCol="0">
+            <a:spAutoFit/>
+          </a:bodyPr>
+          <a:lstStyle/>
+          <a:p>
+            <a:r>
+              <a:rPr lang="en-US" sz="2000" b="1" i="0">
+                <a:solidFill>
+                  <a:srgbClr val="231F20"/>
+                </a:solidFill>
+                <a:effectLst/>
+                <a:latin typeface="+mj-lt"/>
+              </a:rPr>
+              <a:t>Blazor Server</a:t>
+            </a:r>
+          </a:p>
+        </p:txBody>
+      </p:sp>
+      <p:sp>
+        <p:nvSpPr>
+          <p:cNvPr id="10" name="TextBox 9">
+            <a:extLst>
+              <a:ext uri="{FF2B5EF4-FFF2-40B4-BE49-F238E27FC236}">
+                <a16:creationId xmlns:a16="http://schemas.microsoft.com/office/drawing/2014/main" id="{888FDC98-1637-450E-85AC-015D18E54D09}"/>
+              </a:ext>
+            </a:extLst>
+          </p:cNvPr>
+          <p:cNvSpPr txBox="1"/>
+          <p:nvPr/>
+        </p:nvSpPr>
+        <p:spPr>
+          <a:xfrm>
+            <a:off x="6192702" y="1657949"/>
+            <a:ext cx="5409364" cy="3775777"/>
+          </a:xfrm>
+          <a:prstGeom prst="rect">
+            <a:avLst/>
+          </a:prstGeom>
+          <a:noFill/>
+        </p:spPr>
+        <p:txBody>
+          <a:bodyPr wrap="square" rtlCol="0">
+            <a:spAutoFit/>
+          </a:bodyPr>
+          <a:lstStyle/>
+          <a:p>
+            <a:pPr>
+              <a:lnSpc>
+                <a:spcPct val="150000"/>
+              </a:lnSpc>
+            </a:pPr>
+            <a:r>
+              <a:rPr lang="en-US" b="1">
+                <a:latin typeface="+mj-lt"/>
+              </a:rPr>
+              <a:t>PROS</a:t>
+            </a:r>
+          </a:p>
+          <a:p>
+            <a:pPr marL="285750" indent="-285750">
+              <a:lnSpc>
+                <a:spcPct val="150000"/>
+              </a:lnSpc>
+              <a:buFont typeface="Wingdings" panose="05000000000000000000" pitchFamily="2" charset="2"/>
+              <a:buChar char="q"/>
+            </a:pPr>
+            <a:r>
+              <a:rPr lang="en-US">
+                <a:latin typeface="+mj-lt"/>
+              </a:rPr>
+              <a:t>Efficient and fast</a:t>
+            </a:r>
+          </a:p>
+          <a:p>
+            <a:pPr marL="285750" indent="-285750">
+              <a:lnSpc>
+                <a:spcPct val="150000"/>
+              </a:lnSpc>
+              <a:buFont typeface="Wingdings" panose="05000000000000000000" pitchFamily="2" charset="2"/>
+              <a:buChar char="q"/>
+            </a:pPr>
+            <a:endParaRPr lang="en-US">
+              <a:latin typeface="+mj-lt"/>
+            </a:endParaRPr>
+          </a:p>
+          <a:p>
+            <a:pPr>
+              <a:lnSpc>
+                <a:spcPct val="150000"/>
+              </a:lnSpc>
+            </a:pPr>
+            <a:r>
+              <a:rPr lang="en-US" b="1">
+                <a:latin typeface="+mj-lt"/>
+              </a:rPr>
+              <a:t>CONS</a:t>
+            </a:r>
+          </a:p>
+          <a:p>
+            <a:pPr marL="285750" indent="-285750">
+              <a:lnSpc>
+                <a:spcPct val="150000"/>
+              </a:lnSpc>
+              <a:buFont typeface="Wingdings" panose="05000000000000000000" pitchFamily="2" charset="2"/>
+              <a:buChar char="q"/>
+            </a:pPr>
+            <a:r>
+              <a:rPr lang="en-US">
+                <a:latin typeface="+mj-lt"/>
+              </a:rPr>
+              <a:t>Efficient and fast</a:t>
+            </a:r>
+          </a:p>
+          <a:p>
+            <a:pPr marL="285750" indent="-285750">
+              <a:lnSpc>
+                <a:spcPct val="150000"/>
+              </a:lnSpc>
+              <a:buFont typeface="Wingdings" panose="05000000000000000000" pitchFamily="2" charset="2"/>
+              <a:buChar char="q"/>
+            </a:pPr>
+            <a:endParaRPr lang="en-US">
+              <a:latin typeface="+mj-lt"/>
+            </a:endParaRPr>
+          </a:p>
+          <a:p>
+            <a:pPr algn="l">
+              <a:lnSpc>
+                <a:spcPct val="150000"/>
+              </a:lnSpc>
+            </a:pPr>
+            <a:endParaRPr lang="en-GB">
+              <a:latin typeface="+mj-lt"/>
+            </a:endParaRPr>
+          </a:p>
+          <a:p>
+            <a:pPr>
+              <a:lnSpc>
+                <a:spcPct val="150000"/>
+              </a:lnSpc>
+            </a:pPr>
+            <a:r>
+              <a:rPr lang="en-GB">
+                <a:latin typeface="+mj-lt"/>
+              </a:rPr>
+              <a:t>								</a:t>
+            </a:r>
+            <a:endParaRPr lang="en-US" i="1">
+              <a:latin typeface="+mj-lt"/>
+            </a:endParaRPr>
+          </a:p>
+        </p:txBody>
+      </p:sp>
+      <p:pic>
+        <p:nvPicPr>
+          <p:cNvPr id="9" name="Picture 8" descr="A screenshot of a computer&#10;&#10;Description automatically generated with low confidence">
+            <a:extLst>
+              <a:ext uri="{FF2B5EF4-FFF2-40B4-BE49-F238E27FC236}">
+                <a16:creationId xmlns:a16="http://schemas.microsoft.com/office/drawing/2014/main" id="{31B4B815-5DBC-4D0B-9621-259313B8C1FE}"/>
+              </a:ext>
+            </a:extLst>
+          </p:cNvPr>
+          <p:cNvPicPr>
+            <a:picLocks noChangeAspect="1"/>
+          </p:cNvPicPr>
+          <p:nvPr/>
+        </p:nvPicPr>
+        <p:blipFill>
+          <a:blip r:embed="rId2">
+            <a:extLst>
+              <a:ext uri="{28A0092B-C50C-407E-A947-70E740481C1C}">
+                <a14:useLocalDpi xmlns:a14="http://schemas.microsoft.com/office/drawing/2010/main" val="0"/>
+              </a:ext>
+            </a:extLst>
+          </a:blip>
+          <a:stretch>
+            <a:fillRect/>
+          </a:stretch>
+        </p:blipFill>
+        <p:spPr>
+          <a:xfrm>
+            <a:off x="893115" y="2503341"/>
+            <a:ext cx="4937414" cy="2523766"/>
+          </a:xfrm>
+          <a:prstGeom prst="rect">
+            <a:avLst/>
+          </a:prstGeom>
+        </p:spPr>
+      </p:pic>
+    </p:spTree>
+    <p:extLst>
+      <p:ext uri="{BB962C8B-B14F-4D97-AF65-F5344CB8AC3E}">
+        <p14:creationId xmlns:p14="http://schemas.microsoft.com/office/powerpoint/2010/main" val="453606445"/>
+      </p:ext>
+    </p:extLst>
+  </p:cSld>
+  <p:clrMapOvr>
+    <a:masterClrMapping/>
+  </p:clrMapOvr>
+</p:sld>
+</file>
+
+<file path=ppt/slides/slide18.xml><?xml version="1.0" encoding="utf-8"?>
+<p:sld xmlns:a="http://schemas.openxmlformats.org/drawingml/2006/main" xmlns:r="http://schemas.openxmlformats.org/officeDocument/2006/relationships" xmlns:p="http://schemas.openxmlformats.org/presentationml/2006/main">
+  <p:cSld>
+    <p:spTree>
+      <p:nvGrpSpPr>
+        <p:cNvPr id="1" name=""/>
+        <p:cNvGrpSpPr/>
+        <p:nvPr/>
+      </p:nvGrpSpPr>
+      <p:grpSpPr>
+        <a:xfrm>
+          <a:off x="0" y="0"/>
+          <a:ext cx="0" cy="0"/>
+          <a:chOff x="0" y="0"/>
+          <a:chExt cx="0" cy="0"/>
+        </a:xfrm>
+      </p:grpSpPr>
+      <p:sp>
+        <p:nvSpPr>
+          <p:cNvPr id="4" name="Slide Number Placeholder 3">
+            <a:extLst>
+              <a:ext uri="{FF2B5EF4-FFF2-40B4-BE49-F238E27FC236}">
+                <a16:creationId xmlns:a16="http://schemas.microsoft.com/office/drawing/2014/main" id="{B771BB42-F088-4AFD-B746-CA27AABAF2B2}"/>
+              </a:ext>
+            </a:extLst>
+          </p:cNvPr>
+          <p:cNvSpPr>
+            <a:spLocks noGrp="1"/>
+          </p:cNvSpPr>
+          <p:nvPr>
+            <p:ph type="sldNum" sz="quarter" idx="12"/>
+          </p:nvPr>
+        </p:nvSpPr>
+        <p:spPr/>
+        <p:txBody>
+          <a:bodyPr/>
+          <a:lstStyle/>
+          <a:p>
+            <a:fld id="{41DD9913-027A-4D5C-9772-EAFAEC30D69D}" type="slidenum">
+              <a:rPr lang="en-US" smtClean="0"/>
+              <a:t>18</a:t>
+            </a:fld>
+            <a:endParaRPr lang="en-US"/>
+          </a:p>
+        </p:txBody>
+      </p:sp>
+      <p:sp>
+        <p:nvSpPr>
+          <p:cNvPr id="5" name="Arrow: Chevron 4">
+            <a:extLst>
+              <a:ext uri="{FF2B5EF4-FFF2-40B4-BE49-F238E27FC236}">
+                <a16:creationId xmlns:a16="http://schemas.microsoft.com/office/drawing/2014/main" id="{69A7FEA3-BBA2-47BB-A62E-6A1552283F80}"/>
+              </a:ext>
+            </a:extLst>
+          </p:cNvPr>
+          <p:cNvSpPr/>
+          <p:nvPr/>
+        </p:nvSpPr>
+        <p:spPr>
+          <a:xfrm>
+            <a:off x="4208206" y="2874069"/>
+            <a:ext cx="3775587" cy="1109862"/>
+          </a:xfrm>
+          <a:prstGeom prst="chevron">
+            <a:avLst/>
+          </a:prstGeom>
+          <a:solidFill>
+            <a:srgbClr val="702AF7"/>
+          </a:solidFill>
+          <a:ln>
+            <a:solidFill>
+              <a:schemeClr val="bg1"/>
+            </a:solidFill>
+          </a:ln>
+        </p:spPr>
+        <p:style>
+          <a:lnRef idx="2">
+            <a:schemeClr val="accent5">
+              <a:shade val="50000"/>
+            </a:schemeClr>
+          </a:lnRef>
+          <a:fillRef idx="1">
+            <a:schemeClr val="accent5"/>
+          </a:fillRef>
+          <a:effectRef idx="0">
+            <a:schemeClr val="accent5"/>
+          </a:effectRef>
+          <a:fontRef idx="minor">
+            <a:schemeClr val="lt1"/>
+          </a:fontRef>
+        </p:style>
+        <p:txBody>
+          <a:bodyPr rtlCol="0" anchor="ctr"/>
+          <a:lstStyle/>
+          <a:p>
+            <a:pPr algn="ctr"/>
+            <a:r>
+              <a:rPr lang="en-US" sz="4400">
+                <a:solidFill>
+                  <a:schemeClr val="bg1"/>
+                </a:solidFill>
+              </a:rPr>
+              <a:t>Demo</a:t>
+            </a:r>
+          </a:p>
+        </p:txBody>
+      </p:sp>
+    </p:spTree>
+    <p:extLst>
+      <p:ext uri="{BB962C8B-B14F-4D97-AF65-F5344CB8AC3E}">
+        <p14:creationId xmlns:p14="http://schemas.microsoft.com/office/powerpoint/2010/main" val="2463052143"/>
+      </p:ext>
+    </p:extLst>
+  </p:cSld>
+  <p:clrMapOvr>
+    <a:masterClrMapping/>
+  </p:clrMapOvr>
+</p:sld>
+</file>
+
+<file path=ppt/slides/slide19.xml><?xml version="1.0" encoding="utf-8"?>
+<p:sld xmlns:a="http://schemas.openxmlformats.org/drawingml/2006/main" xmlns:r="http://schemas.openxmlformats.org/officeDocument/2006/relationships" xmlns:p="http://schemas.openxmlformats.org/presentationml/2006/main">
+  <p:cSld>
+    <p:spTree>
+      <p:nvGrpSpPr>
+        <p:cNvPr id="1" name=""/>
+        <p:cNvGrpSpPr/>
+        <p:nvPr/>
+      </p:nvGrpSpPr>
+      <p:grpSpPr>
+        <a:xfrm>
+          <a:off x="0" y="0"/>
+          <a:ext cx="0" cy="0"/>
+          <a:chOff x="0" y="0"/>
+          <a:chExt cx="0" cy="0"/>
+        </a:xfrm>
+      </p:grpSpPr>
+      <p:sp>
+        <p:nvSpPr>
+          <p:cNvPr id="4" name="Slide Number Placeholder 3">
+            <a:extLst>
+              <a:ext uri="{FF2B5EF4-FFF2-40B4-BE49-F238E27FC236}">
+                <a16:creationId xmlns:a16="http://schemas.microsoft.com/office/drawing/2014/main" id="{B771BB42-F088-4AFD-B746-CA27AABAF2B2}"/>
+              </a:ext>
+            </a:extLst>
+          </p:cNvPr>
+          <p:cNvSpPr>
+            <a:spLocks noGrp="1"/>
+          </p:cNvSpPr>
+          <p:nvPr>
+            <p:ph type="sldNum" sz="quarter" idx="12"/>
+          </p:nvPr>
+        </p:nvSpPr>
+        <p:spPr/>
+        <p:txBody>
+          <a:bodyPr/>
+          <a:lstStyle/>
+          <a:p>
+            <a:fld id="{41DD9913-027A-4D5C-9772-EAFAEC30D69D}" type="slidenum">
+              <a:rPr lang="en-US" smtClean="0"/>
+              <a:t>19</a:t>
+            </a:fld>
+            <a:endParaRPr lang="en-US"/>
+          </a:p>
+        </p:txBody>
+      </p:sp>
+      <p:sp>
+        <p:nvSpPr>
+          <p:cNvPr id="2" name="TextBox 1">
+            <a:extLst>
+              <a:ext uri="{FF2B5EF4-FFF2-40B4-BE49-F238E27FC236}">
+                <a16:creationId xmlns:a16="http://schemas.microsoft.com/office/drawing/2014/main" id="{00381DFF-C646-448F-90A5-7673342C3F27}"/>
+              </a:ext>
+            </a:extLst>
+          </p:cNvPr>
+          <p:cNvSpPr txBox="1"/>
+          <p:nvPr/>
+        </p:nvSpPr>
+        <p:spPr>
+          <a:xfrm>
+            <a:off x="1281404" y="643812"/>
+            <a:ext cx="9330612" cy="2616101"/>
+          </a:xfrm>
+          <a:prstGeom prst="rect">
+            <a:avLst/>
+          </a:prstGeom>
+          <a:noFill/>
+        </p:spPr>
+        <p:txBody>
+          <a:bodyPr wrap="square" rtlCol="0">
+            <a:spAutoFit/>
+          </a:bodyPr>
+          <a:lstStyle/>
+          <a:p>
+            <a:r>
+              <a:rPr lang="en-US" b="1">
+                <a:latin typeface="+mj-lt"/>
+              </a:rPr>
+              <a:t>References</a:t>
+            </a:r>
+          </a:p>
+          <a:p>
+            <a:endParaRPr lang="en-US" i="0">
+              <a:solidFill>
+                <a:srgbClr val="231F20"/>
+              </a:solidFill>
+              <a:effectLst/>
+              <a:latin typeface="+mj-lt"/>
+            </a:endParaRPr>
+          </a:p>
+          <a:p>
+            <a:pPr marL="285750" indent="-285750">
+              <a:buFont typeface="Wingdings" panose="05000000000000000000" pitchFamily="2" charset="2"/>
+              <a:buChar char="q"/>
+            </a:pPr>
+            <a:r>
+              <a:rPr lang="en-US" sz="1600" i="0">
+                <a:solidFill>
+                  <a:srgbClr val="231F20"/>
+                </a:solidFill>
+                <a:effectLst/>
+                <a:latin typeface="+mj-lt"/>
+              </a:rPr>
+              <a:t>Server-Side vs Client-Side Programming Languages</a:t>
+            </a:r>
+            <a:endParaRPr lang="en-US" sz="1600">
+              <a:solidFill>
+                <a:srgbClr val="231F20"/>
+              </a:solidFill>
+              <a:latin typeface="+mj-lt"/>
+            </a:endParaRPr>
+          </a:p>
+          <a:p>
+            <a:r>
+              <a:rPr lang="en-US" sz="1600">
+                <a:latin typeface="+mj-lt"/>
+                <a:hlinkClick r:id="rId2"/>
+              </a:rPr>
+              <a:t>https://www.techwebspace.com/server-side-vs-client-side-programming-languages/</a:t>
+            </a:r>
+            <a:endParaRPr lang="en-US" sz="1600">
+              <a:latin typeface="+mj-lt"/>
+            </a:endParaRPr>
+          </a:p>
+          <a:p>
+            <a:endParaRPr lang="en-US" sz="1600">
+              <a:latin typeface="+mj-lt"/>
+            </a:endParaRPr>
+          </a:p>
+          <a:p>
+            <a:pPr marL="285750" indent="-285750">
+              <a:buFont typeface="Wingdings" panose="05000000000000000000" pitchFamily="2" charset="2"/>
+              <a:buChar char="q"/>
+            </a:pPr>
+            <a:r>
+              <a:rPr lang="en-US" sz="1600">
+                <a:latin typeface="+mj-lt"/>
+              </a:rPr>
+              <a:t>WebAssembly</a:t>
+            </a:r>
+          </a:p>
+          <a:p>
+            <a:r>
+              <a:rPr lang="en-US" sz="1600">
+                <a:latin typeface="+mj-lt"/>
+                <a:hlinkClick r:id="rId3"/>
+              </a:rPr>
+              <a:t>https://arghya.xyz/articles/webassembly-wasm-wasi/</a:t>
+            </a:r>
+            <a:endParaRPr lang="en-US" sz="1600">
+              <a:latin typeface="+mj-lt"/>
+            </a:endParaRPr>
+          </a:p>
+          <a:p>
+            <a:endParaRPr lang="en-US" sz="1600">
+              <a:latin typeface="+mj-lt"/>
+            </a:endParaRPr>
+          </a:p>
+          <a:p>
+            <a:pPr marL="285750" indent="-285750">
+              <a:buFont typeface="Wingdings" panose="05000000000000000000" pitchFamily="2" charset="2"/>
+              <a:buChar char="q"/>
+            </a:pPr>
+            <a:r>
+              <a:rPr lang="en-US" sz="1600">
+                <a:latin typeface="+mj-lt"/>
+              </a:rPr>
+              <a:t>Blazor</a:t>
+            </a:r>
+          </a:p>
+          <a:p>
+            <a:r>
+              <a:rPr lang="en-US" sz="1600">
+                <a:latin typeface="+mj-lt"/>
+                <a:hlinkClick r:id="rId4"/>
+              </a:rPr>
+              <a:t>https://www.syncfusion.com/blogs/post/3-blazor-hosting-models.aspx</a:t>
+            </a:r>
+            <a:r>
+              <a:rPr lang="en-US" sz="1600">
+                <a:latin typeface="+mj-lt"/>
+              </a:rPr>
+              <a:t>   </a:t>
+            </a:r>
+          </a:p>
+        </p:txBody>
+      </p:sp>
+    </p:spTree>
+    <p:extLst>
+      <p:ext uri="{BB962C8B-B14F-4D97-AF65-F5344CB8AC3E}">
+        <p14:creationId xmlns:p14="http://schemas.microsoft.com/office/powerpoint/2010/main" val="2986968052"/>
       </p:ext>
     </p:extLst>
   </p:cSld>
@@ -4712,607 +7406,7 @@
 </p:sld>
 </file>
 
-<file path=ppt/slides/slide3.xml><?xml version="1.0" encoding="utf-8"?>
-<p:sld xmlns:a="http://schemas.openxmlformats.org/drawingml/2006/main" xmlns:r="http://schemas.openxmlformats.org/officeDocument/2006/relationships" xmlns:p="http://schemas.openxmlformats.org/presentationml/2006/main">
-  <p:cSld>
-    <p:spTree>
-      <p:nvGrpSpPr>
-        <p:cNvPr id="1" name=""/>
-        <p:cNvGrpSpPr/>
-        <p:nvPr/>
-      </p:nvGrpSpPr>
-      <p:grpSpPr>
-        <a:xfrm>
-          <a:off x="0" y="0"/>
-          <a:ext cx="0" cy="0"/>
-          <a:chOff x="0" y="0"/>
-          <a:chExt cx="0" cy="0"/>
-        </a:xfrm>
-      </p:grpSpPr>
-      <p:sp>
-        <p:nvSpPr>
-          <p:cNvPr id="4" name="Slide Number Placeholder 3">
-            <a:extLst>
-              <a:ext uri="{FF2B5EF4-FFF2-40B4-BE49-F238E27FC236}">
-                <a16:creationId xmlns:a16="http://schemas.microsoft.com/office/drawing/2014/main" id="{B771BB42-F088-4AFD-B746-CA27AABAF2B2}"/>
-              </a:ext>
-            </a:extLst>
-          </p:cNvPr>
-          <p:cNvSpPr>
-            <a:spLocks noGrp="1"/>
-          </p:cNvSpPr>
-          <p:nvPr>
-            <p:ph type="sldNum" sz="quarter" idx="12"/>
-          </p:nvPr>
-        </p:nvSpPr>
-        <p:spPr/>
-        <p:txBody>
-          <a:bodyPr/>
-          <a:lstStyle/>
-          <a:p>
-            <a:fld id="{41DD9913-027A-4D5C-9772-EAFAEC30D69D}" type="slidenum">
-              <a:rPr lang="en-US" smtClean="0"/>
-              <a:t>3</a:t>
-            </a:fld>
-            <a:endParaRPr lang="en-US"/>
-          </a:p>
-        </p:txBody>
-      </p:sp>
-      <p:sp>
-        <p:nvSpPr>
-          <p:cNvPr id="5" name="Arrow: Chevron 4">
-            <a:extLst>
-              <a:ext uri="{FF2B5EF4-FFF2-40B4-BE49-F238E27FC236}">
-                <a16:creationId xmlns:a16="http://schemas.microsoft.com/office/drawing/2014/main" id="{8FF13E13-E227-4FD1-BD85-6C8EFE9C39E6}"/>
-              </a:ext>
-            </a:extLst>
-          </p:cNvPr>
-          <p:cNvSpPr/>
-          <p:nvPr/>
-        </p:nvSpPr>
-        <p:spPr>
-          <a:xfrm>
-            <a:off x="0" y="425224"/>
-            <a:ext cx="6418729" cy="694449"/>
-          </a:xfrm>
-          <a:prstGeom prst="chevron">
-            <a:avLst/>
-          </a:prstGeom>
-          <a:solidFill>
-            <a:srgbClr val="702AF7"/>
-          </a:solidFill>
-          <a:ln>
-            <a:solidFill>
-              <a:schemeClr val="bg1"/>
-            </a:solidFill>
-          </a:ln>
-        </p:spPr>
-        <p:style>
-          <a:lnRef idx="2">
-            <a:schemeClr val="accent5">
-              <a:shade val="50000"/>
-            </a:schemeClr>
-          </a:lnRef>
-          <a:fillRef idx="1">
-            <a:schemeClr val="accent5"/>
-          </a:fillRef>
-          <a:effectRef idx="0">
-            <a:schemeClr val="accent5"/>
-          </a:effectRef>
-          <a:fontRef idx="minor">
-            <a:schemeClr val="lt1"/>
-          </a:fontRef>
-        </p:style>
-        <p:txBody>
-          <a:bodyPr rtlCol="0" anchor="ctr"/>
-          <a:lstStyle/>
-          <a:p>
-            <a:pPr algn="ctr"/>
-            <a:r>
-              <a:rPr lang="en-US" sz="3600">
-                <a:solidFill>
-                  <a:schemeClr val="bg1"/>
-                </a:solidFill>
-              </a:rPr>
-              <a:t>1. What is WebAssembly</a:t>
-            </a:r>
-          </a:p>
-        </p:txBody>
-      </p:sp>
-    </p:spTree>
-    <p:extLst>
-      <p:ext uri="{BB962C8B-B14F-4D97-AF65-F5344CB8AC3E}">
-        <p14:creationId xmlns:p14="http://schemas.microsoft.com/office/powerpoint/2010/main" val="2432108329"/>
-      </p:ext>
-    </p:extLst>
-  </p:cSld>
-  <p:clrMapOvr>
-    <a:masterClrMapping/>
-  </p:clrMapOvr>
-</p:sld>
-</file>
-
-<file path=ppt/slides/slide4.xml><?xml version="1.0" encoding="utf-8"?>
-<p:sld xmlns:a="http://schemas.openxmlformats.org/drawingml/2006/main" xmlns:r="http://schemas.openxmlformats.org/officeDocument/2006/relationships" xmlns:p="http://schemas.openxmlformats.org/presentationml/2006/main">
-  <p:cSld>
-    <p:spTree>
-      <p:nvGrpSpPr>
-        <p:cNvPr id="1" name=""/>
-        <p:cNvGrpSpPr/>
-        <p:nvPr/>
-      </p:nvGrpSpPr>
-      <p:grpSpPr>
-        <a:xfrm>
-          <a:off x="0" y="0"/>
-          <a:ext cx="0" cy="0"/>
-          <a:chOff x="0" y="0"/>
-          <a:chExt cx="0" cy="0"/>
-        </a:xfrm>
-      </p:grpSpPr>
-      <p:sp>
-        <p:nvSpPr>
-          <p:cNvPr id="4" name="Slide Number Placeholder 3">
-            <a:extLst>
-              <a:ext uri="{FF2B5EF4-FFF2-40B4-BE49-F238E27FC236}">
-                <a16:creationId xmlns:a16="http://schemas.microsoft.com/office/drawing/2014/main" id="{B771BB42-F088-4AFD-B746-CA27AABAF2B2}"/>
-              </a:ext>
-            </a:extLst>
-          </p:cNvPr>
-          <p:cNvSpPr>
-            <a:spLocks noGrp="1"/>
-          </p:cNvSpPr>
-          <p:nvPr>
-            <p:ph type="sldNum" sz="quarter" idx="12"/>
-          </p:nvPr>
-        </p:nvSpPr>
-        <p:spPr/>
-        <p:txBody>
-          <a:bodyPr/>
-          <a:lstStyle/>
-          <a:p>
-            <a:fld id="{41DD9913-027A-4D5C-9772-EAFAEC30D69D}" type="slidenum">
-              <a:rPr lang="en-US" smtClean="0"/>
-              <a:t>4</a:t>
-            </a:fld>
-            <a:endParaRPr lang="en-US"/>
-          </a:p>
-        </p:txBody>
-      </p:sp>
-      <p:sp>
-        <p:nvSpPr>
-          <p:cNvPr id="5" name="Arrow: Chevron 4">
-            <a:extLst>
-              <a:ext uri="{FF2B5EF4-FFF2-40B4-BE49-F238E27FC236}">
-                <a16:creationId xmlns:a16="http://schemas.microsoft.com/office/drawing/2014/main" id="{8FF13E13-E227-4FD1-BD85-6C8EFE9C39E6}"/>
-              </a:ext>
-            </a:extLst>
-          </p:cNvPr>
-          <p:cNvSpPr/>
-          <p:nvPr/>
-        </p:nvSpPr>
-        <p:spPr>
-          <a:xfrm>
-            <a:off x="1" y="425224"/>
-            <a:ext cx="4796118" cy="694449"/>
-          </a:xfrm>
-          <a:prstGeom prst="chevron">
-            <a:avLst/>
-          </a:prstGeom>
-          <a:solidFill>
-            <a:srgbClr val="702AF7"/>
-          </a:solidFill>
-          <a:ln>
-            <a:solidFill>
-              <a:schemeClr val="bg1"/>
-            </a:solidFill>
-          </a:ln>
-        </p:spPr>
-        <p:style>
-          <a:lnRef idx="2">
-            <a:schemeClr val="accent5">
-              <a:shade val="50000"/>
-            </a:schemeClr>
-          </a:lnRef>
-          <a:fillRef idx="1">
-            <a:schemeClr val="accent5"/>
-          </a:fillRef>
-          <a:effectRef idx="0">
-            <a:schemeClr val="accent5"/>
-          </a:effectRef>
-          <a:fontRef idx="minor">
-            <a:schemeClr val="lt1"/>
-          </a:fontRef>
-        </p:style>
-        <p:txBody>
-          <a:bodyPr rtlCol="0" anchor="ctr"/>
-          <a:lstStyle/>
-          <a:p>
-            <a:pPr algn="ctr"/>
-            <a:r>
-              <a:rPr lang="en-US" sz="3600">
-                <a:solidFill>
-                  <a:schemeClr val="bg1"/>
-                </a:solidFill>
-              </a:rPr>
-              <a:t>2. What is Blazor</a:t>
-            </a:r>
-          </a:p>
-        </p:txBody>
-      </p:sp>
-    </p:spTree>
-    <p:extLst>
-      <p:ext uri="{BB962C8B-B14F-4D97-AF65-F5344CB8AC3E}">
-        <p14:creationId xmlns:p14="http://schemas.microsoft.com/office/powerpoint/2010/main" val="952839445"/>
-      </p:ext>
-    </p:extLst>
-  </p:cSld>
-  <p:clrMapOvr>
-    <a:masterClrMapping/>
-  </p:clrMapOvr>
-</p:sld>
-</file>
-
-<file path=ppt/slides/slide5.xml><?xml version="1.0" encoding="utf-8"?>
-<p:sld xmlns:a="http://schemas.openxmlformats.org/drawingml/2006/main" xmlns:r="http://schemas.openxmlformats.org/officeDocument/2006/relationships" xmlns:p="http://schemas.openxmlformats.org/presentationml/2006/main">
-  <p:cSld>
-    <p:spTree>
-      <p:nvGrpSpPr>
-        <p:cNvPr id="1" name=""/>
-        <p:cNvGrpSpPr/>
-        <p:nvPr/>
-      </p:nvGrpSpPr>
-      <p:grpSpPr>
-        <a:xfrm>
-          <a:off x="0" y="0"/>
-          <a:ext cx="0" cy="0"/>
-          <a:chOff x="0" y="0"/>
-          <a:chExt cx="0" cy="0"/>
-        </a:xfrm>
-      </p:grpSpPr>
-      <p:sp>
-        <p:nvSpPr>
-          <p:cNvPr id="4" name="Slide Number Placeholder 3">
-            <a:extLst>
-              <a:ext uri="{FF2B5EF4-FFF2-40B4-BE49-F238E27FC236}">
-                <a16:creationId xmlns:a16="http://schemas.microsoft.com/office/drawing/2014/main" id="{B771BB42-F088-4AFD-B746-CA27AABAF2B2}"/>
-              </a:ext>
-            </a:extLst>
-          </p:cNvPr>
-          <p:cNvSpPr>
-            <a:spLocks noGrp="1"/>
-          </p:cNvSpPr>
-          <p:nvPr>
-            <p:ph type="sldNum" sz="quarter" idx="12"/>
-          </p:nvPr>
-        </p:nvSpPr>
-        <p:spPr/>
-        <p:txBody>
-          <a:bodyPr/>
-          <a:lstStyle/>
-          <a:p>
-            <a:fld id="{41DD9913-027A-4D5C-9772-EAFAEC30D69D}" type="slidenum">
-              <a:rPr lang="en-US" smtClean="0"/>
-              <a:t>5</a:t>
-            </a:fld>
-            <a:endParaRPr lang="en-US"/>
-          </a:p>
-        </p:txBody>
-      </p:sp>
-      <p:sp>
-        <p:nvSpPr>
-          <p:cNvPr id="5" name="Arrow: Chevron 4">
-            <a:extLst>
-              <a:ext uri="{FF2B5EF4-FFF2-40B4-BE49-F238E27FC236}">
-                <a16:creationId xmlns:a16="http://schemas.microsoft.com/office/drawing/2014/main" id="{8FF13E13-E227-4FD1-BD85-6C8EFE9C39E6}"/>
-              </a:ext>
-            </a:extLst>
-          </p:cNvPr>
-          <p:cNvSpPr/>
-          <p:nvPr/>
-        </p:nvSpPr>
-        <p:spPr>
-          <a:xfrm>
-            <a:off x="0" y="425224"/>
-            <a:ext cx="9152965" cy="694449"/>
-          </a:xfrm>
-          <a:prstGeom prst="chevron">
-            <a:avLst/>
-          </a:prstGeom>
-          <a:solidFill>
-            <a:srgbClr val="702AF7"/>
-          </a:solidFill>
-          <a:ln>
-            <a:solidFill>
-              <a:schemeClr val="bg1"/>
-            </a:solidFill>
-          </a:ln>
-        </p:spPr>
-        <p:style>
-          <a:lnRef idx="2">
-            <a:schemeClr val="accent5">
-              <a:shade val="50000"/>
-            </a:schemeClr>
-          </a:lnRef>
-          <a:fillRef idx="1">
-            <a:schemeClr val="accent5"/>
-          </a:fillRef>
-          <a:effectRef idx="0">
-            <a:schemeClr val="accent5"/>
-          </a:effectRef>
-          <a:fontRef idx="minor">
-            <a:schemeClr val="lt1"/>
-          </a:fontRef>
-        </p:style>
-        <p:txBody>
-          <a:bodyPr rtlCol="0" anchor="ctr"/>
-          <a:lstStyle/>
-          <a:p>
-            <a:pPr algn="ctr"/>
-            <a:r>
-              <a:rPr lang="en-US" sz="3600">
-                <a:solidFill>
-                  <a:schemeClr val="bg1"/>
-                </a:solidFill>
-              </a:rPr>
-              <a:t>3. Blazor WebAssembly and Blazor Server</a:t>
-            </a:r>
-          </a:p>
-        </p:txBody>
-      </p:sp>
-    </p:spTree>
-    <p:extLst>
-      <p:ext uri="{BB962C8B-B14F-4D97-AF65-F5344CB8AC3E}">
-        <p14:creationId xmlns:p14="http://schemas.microsoft.com/office/powerpoint/2010/main" val="2686841531"/>
-      </p:ext>
-    </p:extLst>
-  </p:cSld>
-  <p:clrMapOvr>
-    <a:masterClrMapping/>
-  </p:clrMapOvr>
-</p:sld>
-</file>
-
-<file path=ppt/slides/slide6.xml><?xml version="1.0" encoding="utf-8"?>
-<p:sld xmlns:a="http://schemas.openxmlformats.org/drawingml/2006/main" xmlns:r="http://schemas.openxmlformats.org/officeDocument/2006/relationships" xmlns:p="http://schemas.openxmlformats.org/presentationml/2006/main">
-  <p:cSld>
-    <p:spTree>
-      <p:nvGrpSpPr>
-        <p:cNvPr id="1" name=""/>
-        <p:cNvGrpSpPr/>
-        <p:nvPr/>
-      </p:nvGrpSpPr>
-      <p:grpSpPr>
-        <a:xfrm>
-          <a:off x="0" y="0"/>
-          <a:ext cx="0" cy="0"/>
-          <a:chOff x="0" y="0"/>
-          <a:chExt cx="0" cy="0"/>
-        </a:xfrm>
-      </p:grpSpPr>
-      <p:sp>
-        <p:nvSpPr>
-          <p:cNvPr id="4" name="Slide Number Placeholder 3">
-            <a:extLst>
-              <a:ext uri="{FF2B5EF4-FFF2-40B4-BE49-F238E27FC236}">
-                <a16:creationId xmlns:a16="http://schemas.microsoft.com/office/drawing/2014/main" id="{B771BB42-F088-4AFD-B746-CA27AABAF2B2}"/>
-              </a:ext>
-            </a:extLst>
-          </p:cNvPr>
-          <p:cNvSpPr>
-            <a:spLocks noGrp="1"/>
-          </p:cNvSpPr>
-          <p:nvPr>
-            <p:ph type="sldNum" sz="quarter" idx="12"/>
-          </p:nvPr>
-        </p:nvSpPr>
-        <p:spPr/>
-        <p:txBody>
-          <a:bodyPr/>
-          <a:lstStyle/>
-          <a:p>
-            <a:fld id="{41DD9913-027A-4D5C-9772-EAFAEC30D69D}" type="slidenum">
-              <a:rPr lang="en-US" smtClean="0"/>
-              <a:t>6</a:t>
-            </a:fld>
-            <a:endParaRPr lang="en-US"/>
-          </a:p>
-        </p:txBody>
-      </p:sp>
-      <p:sp>
-        <p:nvSpPr>
-          <p:cNvPr id="5" name="Arrow: Chevron 4">
-            <a:extLst>
-              <a:ext uri="{FF2B5EF4-FFF2-40B4-BE49-F238E27FC236}">
-                <a16:creationId xmlns:a16="http://schemas.microsoft.com/office/drawing/2014/main" id="{8FF13E13-E227-4FD1-BD85-6C8EFE9C39E6}"/>
-              </a:ext>
-            </a:extLst>
-          </p:cNvPr>
-          <p:cNvSpPr/>
-          <p:nvPr/>
-        </p:nvSpPr>
-        <p:spPr>
-          <a:xfrm>
-            <a:off x="-1" y="425224"/>
-            <a:ext cx="11949953" cy="694449"/>
-          </a:xfrm>
-          <a:prstGeom prst="chevron">
-            <a:avLst/>
-          </a:prstGeom>
-          <a:solidFill>
-            <a:srgbClr val="702AF7"/>
-          </a:solidFill>
-          <a:ln>
-            <a:solidFill>
-              <a:schemeClr val="bg1"/>
-            </a:solidFill>
-          </a:ln>
-        </p:spPr>
-        <p:style>
-          <a:lnRef idx="2">
-            <a:schemeClr val="accent5">
-              <a:shade val="50000"/>
-            </a:schemeClr>
-          </a:lnRef>
-          <a:fillRef idx="1">
-            <a:schemeClr val="accent5"/>
-          </a:fillRef>
-          <a:effectRef idx="0">
-            <a:schemeClr val="accent5"/>
-          </a:effectRef>
-          <a:fontRef idx="minor">
-            <a:schemeClr val="lt1"/>
-          </a:fontRef>
-        </p:style>
-        <p:txBody>
-          <a:bodyPr rtlCol="0" anchor="ctr"/>
-          <a:lstStyle/>
-          <a:p>
-            <a:pPr algn="ctr"/>
-            <a:r>
-              <a:rPr lang="en-US" sz="3600">
-                <a:solidFill>
-                  <a:schemeClr val="bg1"/>
-                </a:solidFill>
-              </a:rPr>
-              <a:t>4. PROS and CONS Blazor WebAssembly and Blazor Server</a:t>
-            </a:r>
-          </a:p>
-        </p:txBody>
-      </p:sp>
-    </p:spTree>
-    <p:extLst>
-      <p:ext uri="{BB962C8B-B14F-4D97-AF65-F5344CB8AC3E}">
-        <p14:creationId xmlns:p14="http://schemas.microsoft.com/office/powerpoint/2010/main" val="3577359368"/>
-      </p:ext>
-    </p:extLst>
-  </p:cSld>
-  <p:clrMapOvr>
-    <a:masterClrMapping/>
-  </p:clrMapOvr>
-</p:sld>
-</file>
-
-<file path=ppt/slides/slide7.xml><?xml version="1.0" encoding="utf-8"?>
-<p:sld xmlns:a="http://schemas.openxmlformats.org/drawingml/2006/main" xmlns:r="http://schemas.openxmlformats.org/officeDocument/2006/relationships" xmlns:p="http://schemas.openxmlformats.org/presentationml/2006/main">
-  <p:cSld>
-    <p:spTree>
-      <p:nvGrpSpPr>
-        <p:cNvPr id="1" name=""/>
-        <p:cNvGrpSpPr/>
-        <p:nvPr/>
-      </p:nvGrpSpPr>
-      <p:grpSpPr>
-        <a:xfrm>
-          <a:off x="0" y="0"/>
-          <a:ext cx="0" cy="0"/>
-          <a:chOff x="0" y="0"/>
-          <a:chExt cx="0" cy="0"/>
-        </a:xfrm>
-      </p:grpSpPr>
-      <p:sp>
-        <p:nvSpPr>
-          <p:cNvPr id="4" name="Slide Number Placeholder 3">
-            <a:extLst>
-              <a:ext uri="{FF2B5EF4-FFF2-40B4-BE49-F238E27FC236}">
-                <a16:creationId xmlns:a16="http://schemas.microsoft.com/office/drawing/2014/main" id="{B771BB42-F088-4AFD-B746-CA27AABAF2B2}"/>
-              </a:ext>
-            </a:extLst>
-          </p:cNvPr>
-          <p:cNvSpPr>
-            <a:spLocks noGrp="1"/>
-          </p:cNvSpPr>
-          <p:nvPr>
-            <p:ph type="sldNum" sz="quarter" idx="12"/>
-          </p:nvPr>
-        </p:nvSpPr>
-        <p:spPr/>
-        <p:txBody>
-          <a:bodyPr/>
-          <a:lstStyle/>
-          <a:p>
-            <a:fld id="{41DD9913-027A-4D5C-9772-EAFAEC30D69D}" type="slidenum">
-              <a:rPr lang="en-US" smtClean="0"/>
-              <a:t>7</a:t>
-            </a:fld>
-            <a:endParaRPr lang="en-US"/>
-          </a:p>
-        </p:txBody>
-      </p:sp>
-      <p:sp>
-        <p:nvSpPr>
-          <p:cNvPr id="5" name="Arrow: Chevron 4">
-            <a:extLst>
-              <a:ext uri="{FF2B5EF4-FFF2-40B4-BE49-F238E27FC236}">
-                <a16:creationId xmlns:a16="http://schemas.microsoft.com/office/drawing/2014/main" id="{8FF13E13-E227-4FD1-BD85-6C8EFE9C39E6}"/>
-              </a:ext>
-            </a:extLst>
-          </p:cNvPr>
-          <p:cNvSpPr/>
-          <p:nvPr/>
-        </p:nvSpPr>
-        <p:spPr>
-          <a:xfrm>
-            <a:off x="0" y="425224"/>
-            <a:ext cx="3039035" cy="694449"/>
-          </a:xfrm>
-          <a:prstGeom prst="chevron">
-            <a:avLst/>
-          </a:prstGeom>
-          <a:solidFill>
-            <a:srgbClr val="702AF7"/>
-          </a:solidFill>
-          <a:ln>
-            <a:solidFill>
-              <a:schemeClr val="bg1"/>
-            </a:solidFill>
-          </a:ln>
-        </p:spPr>
-        <p:style>
-          <a:lnRef idx="2">
-            <a:schemeClr val="accent5">
-              <a:shade val="50000"/>
-            </a:schemeClr>
-          </a:lnRef>
-          <a:fillRef idx="1">
-            <a:schemeClr val="accent5"/>
-          </a:fillRef>
-          <a:effectRef idx="0">
-            <a:schemeClr val="accent5"/>
-          </a:effectRef>
-          <a:fontRef idx="minor">
-            <a:schemeClr val="lt1"/>
-          </a:fontRef>
-        </p:style>
-        <p:txBody>
-          <a:bodyPr rtlCol="0" anchor="ctr"/>
-          <a:lstStyle/>
-          <a:p>
-            <a:pPr algn="ctr"/>
-            <a:r>
-              <a:rPr lang="en-US" sz="3600">
-                <a:solidFill>
-                  <a:schemeClr val="bg1"/>
-                </a:solidFill>
-              </a:rPr>
-              <a:t>5. Demo</a:t>
-            </a:r>
-          </a:p>
-        </p:txBody>
-      </p:sp>
-    </p:spTree>
-    <p:extLst>
-      <p:ext uri="{BB962C8B-B14F-4D97-AF65-F5344CB8AC3E}">
-        <p14:creationId xmlns:p14="http://schemas.microsoft.com/office/powerpoint/2010/main" val="3450184062"/>
-      </p:ext>
-    </p:extLst>
-  </p:cSld>
-  <p:clrMapOvr>
-    <a:masterClrMapping/>
-  </p:clrMapOvr>
-</p:sld>
-</file>
-
-<file path=ppt/slides/slide8.xml><?xml version="1.0" encoding="utf-8"?>
+<file path=ppt/slides/slide20.xml><?xml version="1.0" encoding="utf-8"?>
 <p:sld xmlns:a="http://schemas.openxmlformats.org/drawingml/2006/main" xmlns:r="http://schemas.openxmlformats.org/officeDocument/2006/relationships" xmlns:p="http://schemas.openxmlformats.org/presentationml/2006/main">
   <p:cSld>
     <p:bg>
@@ -5832,7 +7926,7 @@
                   <a:spcPts val="600"/>
                 </a:spcAft>
               </a:pPr>
-              <a:t>8</a:t>
+              <a:t>20</a:t>
             </a:fld>
             <a:endParaRPr lang="en-US"/>
           </a:p>
@@ -5878,6 +7972,1797 @@
     <p:extLst>
       <p:ext uri="{BB962C8B-B14F-4D97-AF65-F5344CB8AC3E}">
         <p14:creationId xmlns:p14="http://schemas.microsoft.com/office/powerpoint/2010/main" val="893846629"/>
+      </p:ext>
+    </p:extLst>
+  </p:cSld>
+  <p:clrMapOvr>
+    <a:masterClrMapping/>
+  </p:clrMapOvr>
+</p:sld>
+</file>
+
+<file path=ppt/slides/slide3.xml><?xml version="1.0" encoding="utf-8"?>
+<p:sld xmlns:a="http://schemas.openxmlformats.org/drawingml/2006/main" xmlns:r="http://schemas.openxmlformats.org/officeDocument/2006/relationships" xmlns:p="http://schemas.openxmlformats.org/presentationml/2006/main">
+  <p:cSld>
+    <p:spTree>
+      <p:nvGrpSpPr>
+        <p:cNvPr id="1" name=""/>
+        <p:cNvGrpSpPr/>
+        <p:nvPr/>
+      </p:nvGrpSpPr>
+      <p:grpSpPr>
+        <a:xfrm>
+          <a:off x="0" y="0"/>
+          <a:ext cx="0" cy="0"/>
+          <a:chOff x="0" y="0"/>
+          <a:chExt cx="0" cy="0"/>
+        </a:xfrm>
+      </p:grpSpPr>
+      <p:sp>
+        <p:nvSpPr>
+          <p:cNvPr id="4" name="Slide Number Placeholder 3">
+            <a:extLst>
+              <a:ext uri="{FF2B5EF4-FFF2-40B4-BE49-F238E27FC236}">
+                <a16:creationId xmlns:a16="http://schemas.microsoft.com/office/drawing/2014/main" id="{B771BB42-F088-4AFD-B746-CA27AABAF2B2}"/>
+              </a:ext>
+            </a:extLst>
+          </p:cNvPr>
+          <p:cNvSpPr>
+            <a:spLocks noGrp="1"/>
+          </p:cNvSpPr>
+          <p:nvPr>
+            <p:ph type="sldNum" sz="quarter" idx="12"/>
+          </p:nvPr>
+        </p:nvSpPr>
+        <p:spPr/>
+        <p:txBody>
+          <a:bodyPr/>
+          <a:lstStyle/>
+          <a:p>
+            <a:fld id="{41DD9913-027A-4D5C-9772-EAFAEC30D69D}" type="slidenum">
+              <a:rPr lang="en-US" smtClean="0"/>
+              <a:t>3</a:t>
+            </a:fld>
+            <a:endParaRPr lang="en-US"/>
+          </a:p>
+        </p:txBody>
+      </p:sp>
+      <p:sp>
+        <p:nvSpPr>
+          <p:cNvPr id="5" name="Arrow: Chevron 4">
+            <a:extLst>
+              <a:ext uri="{FF2B5EF4-FFF2-40B4-BE49-F238E27FC236}">
+                <a16:creationId xmlns:a16="http://schemas.microsoft.com/office/drawing/2014/main" id="{69A7FEA3-BBA2-47BB-A62E-6A1552283F80}"/>
+              </a:ext>
+            </a:extLst>
+          </p:cNvPr>
+          <p:cNvSpPr/>
+          <p:nvPr/>
+        </p:nvSpPr>
+        <p:spPr>
+          <a:xfrm>
+            <a:off x="2163097" y="2734551"/>
+            <a:ext cx="7964129" cy="1109862"/>
+          </a:xfrm>
+          <a:prstGeom prst="chevron">
+            <a:avLst/>
+          </a:prstGeom>
+          <a:solidFill>
+            <a:srgbClr val="702AF7"/>
+          </a:solidFill>
+          <a:ln>
+            <a:solidFill>
+              <a:schemeClr val="bg1"/>
+            </a:solidFill>
+          </a:ln>
+        </p:spPr>
+        <p:style>
+          <a:lnRef idx="2">
+            <a:schemeClr val="accent5">
+              <a:shade val="50000"/>
+            </a:schemeClr>
+          </a:lnRef>
+          <a:fillRef idx="1">
+            <a:schemeClr val="accent5"/>
+          </a:fillRef>
+          <a:effectRef idx="0">
+            <a:schemeClr val="accent5"/>
+          </a:effectRef>
+          <a:fontRef idx="minor">
+            <a:schemeClr val="lt1"/>
+          </a:fontRef>
+        </p:style>
+        <p:txBody>
+          <a:bodyPr rtlCol="0" anchor="ctr"/>
+          <a:lstStyle/>
+          <a:p>
+            <a:pPr algn="ctr"/>
+            <a:r>
+              <a:rPr lang="en-US" sz="4400">
+                <a:solidFill>
+                  <a:schemeClr val="bg1"/>
+                </a:solidFill>
+              </a:rPr>
+              <a:t>What is WebAssembly</a:t>
+            </a:r>
+          </a:p>
+        </p:txBody>
+      </p:sp>
+    </p:spTree>
+    <p:extLst>
+      <p:ext uri="{BB962C8B-B14F-4D97-AF65-F5344CB8AC3E}">
+        <p14:creationId xmlns:p14="http://schemas.microsoft.com/office/powerpoint/2010/main" val="2553097684"/>
+      </p:ext>
+    </p:extLst>
+  </p:cSld>
+  <p:clrMapOvr>
+    <a:masterClrMapping/>
+  </p:clrMapOvr>
+</p:sld>
+</file>
+
+<file path=ppt/slides/slide4.xml><?xml version="1.0" encoding="utf-8"?>
+<p:sld xmlns:a="http://schemas.openxmlformats.org/drawingml/2006/main" xmlns:r="http://schemas.openxmlformats.org/officeDocument/2006/relationships" xmlns:p="http://schemas.openxmlformats.org/presentationml/2006/main">
+  <p:cSld>
+    <p:spTree>
+      <p:nvGrpSpPr>
+        <p:cNvPr id="1" name=""/>
+        <p:cNvGrpSpPr/>
+        <p:nvPr/>
+      </p:nvGrpSpPr>
+      <p:grpSpPr>
+        <a:xfrm>
+          <a:off x="0" y="0"/>
+          <a:ext cx="0" cy="0"/>
+          <a:chOff x="0" y="0"/>
+          <a:chExt cx="0" cy="0"/>
+        </a:xfrm>
+      </p:grpSpPr>
+      <p:sp>
+        <p:nvSpPr>
+          <p:cNvPr id="4" name="Slide Number Placeholder 3">
+            <a:extLst>
+              <a:ext uri="{FF2B5EF4-FFF2-40B4-BE49-F238E27FC236}">
+                <a16:creationId xmlns:a16="http://schemas.microsoft.com/office/drawing/2014/main" id="{B771BB42-F088-4AFD-B746-CA27AABAF2B2}"/>
+              </a:ext>
+            </a:extLst>
+          </p:cNvPr>
+          <p:cNvSpPr>
+            <a:spLocks noGrp="1"/>
+          </p:cNvSpPr>
+          <p:nvPr>
+            <p:ph type="sldNum" sz="quarter" idx="12"/>
+          </p:nvPr>
+        </p:nvSpPr>
+        <p:spPr/>
+        <p:txBody>
+          <a:bodyPr/>
+          <a:lstStyle/>
+          <a:p>
+            <a:fld id="{41DD9913-027A-4D5C-9772-EAFAEC30D69D}" type="slidenum">
+              <a:rPr lang="en-US" smtClean="0"/>
+              <a:t>4</a:t>
+            </a:fld>
+            <a:endParaRPr lang="en-US"/>
+          </a:p>
+        </p:txBody>
+      </p:sp>
+      <p:sp>
+        <p:nvSpPr>
+          <p:cNvPr id="5" name="Arrow: Chevron 4">
+            <a:extLst>
+              <a:ext uri="{FF2B5EF4-FFF2-40B4-BE49-F238E27FC236}">
+                <a16:creationId xmlns:a16="http://schemas.microsoft.com/office/drawing/2014/main" id="{8FF13E13-E227-4FD1-BD85-6C8EFE9C39E6}"/>
+              </a:ext>
+            </a:extLst>
+          </p:cNvPr>
+          <p:cNvSpPr/>
+          <p:nvPr/>
+        </p:nvSpPr>
+        <p:spPr>
+          <a:xfrm>
+            <a:off x="0" y="425224"/>
+            <a:ext cx="6418729" cy="694449"/>
+          </a:xfrm>
+          <a:prstGeom prst="chevron">
+            <a:avLst/>
+          </a:prstGeom>
+          <a:solidFill>
+            <a:srgbClr val="702AF7"/>
+          </a:solidFill>
+          <a:ln>
+            <a:solidFill>
+              <a:schemeClr val="bg1"/>
+            </a:solidFill>
+          </a:ln>
+        </p:spPr>
+        <p:style>
+          <a:lnRef idx="2">
+            <a:schemeClr val="accent5">
+              <a:shade val="50000"/>
+            </a:schemeClr>
+          </a:lnRef>
+          <a:fillRef idx="1">
+            <a:schemeClr val="accent5"/>
+          </a:fillRef>
+          <a:effectRef idx="0">
+            <a:schemeClr val="accent5"/>
+          </a:effectRef>
+          <a:fontRef idx="minor">
+            <a:schemeClr val="lt1"/>
+          </a:fontRef>
+        </p:style>
+        <p:txBody>
+          <a:bodyPr rtlCol="0" anchor="ctr"/>
+          <a:lstStyle/>
+          <a:p>
+            <a:pPr algn="ctr"/>
+            <a:r>
+              <a:rPr lang="en-US" sz="3600">
+                <a:solidFill>
+                  <a:schemeClr val="bg1"/>
+                </a:solidFill>
+              </a:rPr>
+              <a:t>1. What is WebAssembly</a:t>
+            </a:r>
+          </a:p>
+        </p:txBody>
+      </p:sp>
+      <p:grpSp>
+        <p:nvGrpSpPr>
+          <p:cNvPr id="3" name="Group 2">
+            <a:extLst>
+              <a:ext uri="{FF2B5EF4-FFF2-40B4-BE49-F238E27FC236}">
+                <a16:creationId xmlns:a16="http://schemas.microsoft.com/office/drawing/2014/main" id="{F55CD2D9-2696-41C7-9068-66E84C8E88B8}"/>
+              </a:ext>
+            </a:extLst>
+          </p:cNvPr>
+          <p:cNvGrpSpPr/>
+          <p:nvPr/>
+        </p:nvGrpSpPr>
+        <p:grpSpPr>
+          <a:xfrm>
+            <a:off x="893115" y="1610584"/>
+            <a:ext cx="9089085" cy="4538385"/>
+            <a:chOff x="793102" y="1601254"/>
+            <a:chExt cx="9089085" cy="4538385"/>
+          </a:xfrm>
+        </p:grpSpPr>
+        <p:pic>
+          <p:nvPicPr>
+            <p:cNvPr id="6" name="Picture 5" descr="A picture containing diagram&#10;&#10;Description automatically generated">
+              <a:extLst>
+                <a:ext uri="{FF2B5EF4-FFF2-40B4-BE49-F238E27FC236}">
+                  <a16:creationId xmlns:a16="http://schemas.microsoft.com/office/drawing/2014/main" id="{10A361B7-3AF2-4DD8-B800-ED23458DF44C}"/>
+                </a:ext>
+              </a:extLst>
+            </p:cNvPr>
+            <p:cNvPicPr>
+              <a:picLocks noChangeAspect="1"/>
+            </p:cNvPicPr>
+            <p:nvPr/>
+          </p:nvPicPr>
+          <p:blipFill>
+            <a:blip r:embed="rId2">
+              <a:extLst>
+                <a:ext uri="{28A0092B-C50C-407E-A947-70E740481C1C}">
+                  <a14:useLocalDpi xmlns:a14="http://schemas.microsoft.com/office/drawing/2010/main" val="0"/>
+                </a:ext>
+              </a:extLst>
+            </a:blip>
+            <a:stretch>
+              <a:fillRect/>
+            </a:stretch>
+          </p:blipFill>
+          <p:spPr>
+            <a:xfrm>
+              <a:off x="2309812" y="2472514"/>
+              <a:ext cx="7572375" cy="3667125"/>
+            </a:xfrm>
+            <a:prstGeom prst="rect">
+              <a:avLst/>
+            </a:prstGeom>
+          </p:spPr>
+        </p:pic>
+        <p:sp>
+          <p:nvSpPr>
+            <p:cNvPr id="7" name="TextBox 6">
+              <a:extLst>
+                <a:ext uri="{FF2B5EF4-FFF2-40B4-BE49-F238E27FC236}">
+                  <a16:creationId xmlns:a16="http://schemas.microsoft.com/office/drawing/2014/main" id="{8A26490A-AADF-4A9A-BB11-5FAC7A1E835D}"/>
+                </a:ext>
+              </a:extLst>
+            </p:cNvPr>
+            <p:cNvSpPr txBox="1"/>
+            <p:nvPr/>
+          </p:nvSpPr>
+          <p:spPr>
+            <a:xfrm>
+              <a:off x="793102" y="1601254"/>
+              <a:ext cx="7315200" cy="369332"/>
+            </a:xfrm>
+            <a:prstGeom prst="rect">
+              <a:avLst/>
+            </a:prstGeom>
+            <a:noFill/>
+          </p:spPr>
+          <p:txBody>
+            <a:bodyPr wrap="square" rtlCol="0">
+              <a:spAutoFit/>
+            </a:bodyPr>
+            <a:lstStyle/>
+            <a:p>
+              <a:r>
+                <a:rPr lang="en-US" sz="1600" i="0">
+                  <a:solidFill>
+                    <a:srgbClr val="231F20"/>
+                  </a:solidFill>
+                  <a:effectLst/>
+                  <a:latin typeface="+mj-lt"/>
+                </a:rPr>
+                <a:t>Review about Server-Side and </a:t>
+              </a:r>
+              <a:r>
+                <a:rPr lang="en-US" i="0">
+                  <a:solidFill>
+                    <a:srgbClr val="231F20"/>
+                  </a:solidFill>
+                  <a:effectLst/>
+                  <a:latin typeface="+mj-lt"/>
+                </a:rPr>
+                <a:t>Client-Side</a:t>
+              </a:r>
+              <a:r>
+                <a:rPr lang="en-US" sz="1600" i="0">
+                  <a:solidFill>
+                    <a:srgbClr val="231F20"/>
+                  </a:solidFill>
+                  <a:effectLst/>
+                  <a:latin typeface="+mj-lt"/>
+                </a:rPr>
+                <a:t> Programming Languages</a:t>
+              </a:r>
+            </a:p>
+          </p:txBody>
+        </p:sp>
+      </p:grpSp>
+    </p:spTree>
+    <p:extLst>
+      <p:ext uri="{BB962C8B-B14F-4D97-AF65-F5344CB8AC3E}">
+        <p14:creationId xmlns:p14="http://schemas.microsoft.com/office/powerpoint/2010/main" val="499488889"/>
+      </p:ext>
+    </p:extLst>
+  </p:cSld>
+  <p:clrMapOvr>
+    <a:masterClrMapping/>
+  </p:clrMapOvr>
+</p:sld>
+</file>
+
+<file path=ppt/slides/slide5.xml><?xml version="1.0" encoding="utf-8"?>
+<p:sld xmlns:a="http://schemas.openxmlformats.org/drawingml/2006/main" xmlns:r="http://schemas.openxmlformats.org/officeDocument/2006/relationships" xmlns:p="http://schemas.openxmlformats.org/presentationml/2006/main">
+  <p:cSld>
+    <p:spTree>
+      <p:nvGrpSpPr>
+        <p:cNvPr id="1" name=""/>
+        <p:cNvGrpSpPr/>
+        <p:nvPr/>
+      </p:nvGrpSpPr>
+      <p:grpSpPr>
+        <a:xfrm>
+          <a:off x="0" y="0"/>
+          <a:ext cx="0" cy="0"/>
+          <a:chOff x="0" y="0"/>
+          <a:chExt cx="0" cy="0"/>
+        </a:xfrm>
+      </p:grpSpPr>
+      <p:sp>
+        <p:nvSpPr>
+          <p:cNvPr id="4" name="Slide Number Placeholder 3">
+            <a:extLst>
+              <a:ext uri="{FF2B5EF4-FFF2-40B4-BE49-F238E27FC236}">
+                <a16:creationId xmlns:a16="http://schemas.microsoft.com/office/drawing/2014/main" id="{B771BB42-F088-4AFD-B746-CA27AABAF2B2}"/>
+              </a:ext>
+            </a:extLst>
+          </p:cNvPr>
+          <p:cNvSpPr>
+            <a:spLocks noGrp="1"/>
+          </p:cNvSpPr>
+          <p:nvPr>
+            <p:ph type="sldNum" sz="quarter" idx="12"/>
+          </p:nvPr>
+        </p:nvSpPr>
+        <p:spPr/>
+        <p:txBody>
+          <a:bodyPr/>
+          <a:lstStyle/>
+          <a:p>
+            <a:fld id="{41DD9913-027A-4D5C-9772-EAFAEC30D69D}" type="slidenum">
+              <a:rPr lang="en-US" smtClean="0"/>
+              <a:t>5</a:t>
+            </a:fld>
+            <a:endParaRPr lang="en-US"/>
+          </a:p>
+        </p:txBody>
+      </p:sp>
+      <p:sp>
+        <p:nvSpPr>
+          <p:cNvPr id="5" name="Arrow: Chevron 4">
+            <a:extLst>
+              <a:ext uri="{FF2B5EF4-FFF2-40B4-BE49-F238E27FC236}">
+                <a16:creationId xmlns:a16="http://schemas.microsoft.com/office/drawing/2014/main" id="{8FF13E13-E227-4FD1-BD85-6C8EFE9C39E6}"/>
+              </a:ext>
+            </a:extLst>
+          </p:cNvPr>
+          <p:cNvSpPr/>
+          <p:nvPr/>
+        </p:nvSpPr>
+        <p:spPr>
+          <a:xfrm>
+            <a:off x="0" y="425224"/>
+            <a:ext cx="6418729" cy="694449"/>
+          </a:xfrm>
+          <a:prstGeom prst="chevron">
+            <a:avLst/>
+          </a:prstGeom>
+          <a:solidFill>
+            <a:srgbClr val="702AF7"/>
+          </a:solidFill>
+          <a:ln>
+            <a:solidFill>
+              <a:schemeClr val="bg1"/>
+            </a:solidFill>
+          </a:ln>
+        </p:spPr>
+        <p:style>
+          <a:lnRef idx="2">
+            <a:schemeClr val="accent5">
+              <a:shade val="50000"/>
+            </a:schemeClr>
+          </a:lnRef>
+          <a:fillRef idx="1">
+            <a:schemeClr val="accent5"/>
+          </a:fillRef>
+          <a:effectRef idx="0">
+            <a:schemeClr val="accent5"/>
+          </a:effectRef>
+          <a:fontRef idx="minor">
+            <a:schemeClr val="lt1"/>
+          </a:fontRef>
+        </p:style>
+        <p:txBody>
+          <a:bodyPr rtlCol="0" anchor="ctr"/>
+          <a:lstStyle/>
+          <a:p>
+            <a:pPr algn="ctr"/>
+            <a:r>
+              <a:rPr lang="en-US" sz="3600">
+                <a:solidFill>
+                  <a:schemeClr val="bg1"/>
+                </a:solidFill>
+              </a:rPr>
+              <a:t>1. What is WebAssembly</a:t>
+            </a:r>
+          </a:p>
+        </p:txBody>
+      </p:sp>
+      <p:sp>
+        <p:nvSpPr>
+          <p:cNvPr id="2" name="TextBox 1">
+            <a:extLst>
+              <a:ext uri="{FF2B5EF4-FFF2-40B4-BE49-F238E27FC236}">
+                <a16:creationId xmlns:a16="http://schemas.microsoft.com/office/drawing/2014/main" id="{87E9C29C-ACD2-47B7-9EF9-805B2B00C415}"/>
+              </a:ext>
+            </a:extLst>
+          </p:cNvPr>
+          <p:cNvSpPr txBox="1"/>
+          <p:nvPr/>
+        </p:nvSpPr>
+        <p:spPr>
+          <a:xfrm>
+            <a:off x="839755" y="1730715"/>
+            <a:ext cx="10692882" cy="4191276"/>
+          </a:xfrm>
+          <a:prstGeom prst="rect">
+            <a:avLst/>
+          </a:prstGeom>
+          <a:noFill/>
+        </p:spPr>
+        <p:txBody>
+          <a:bodyPr wrap="square" rtlCol="0">
+            <a:spAutoFit/>
+          </a:bodyPr>
+          <a:lstStyle/>
+          <a:p>
+            <a:pPr marL="285750" indent="-285750">
+              <a:lnSpc>
+                <a:spcPct val="150000"/>
+              </a:lnSpc>
+              <a:buFont typeface="Wingdings" panose="05000000000000000000" pitchFamily="2" charset="2"/>
+              <a:buChar char="q"/>
+            </a:pPr>
+            <a:r>
+              <a:rPr lang="en-GB" b="0" i="0">
+                <a:effectLst/>
+                <a:latin typeface="+mj-lt"/>
+              </a:rPr>
+              <a:t>WebAssembly (abbreviated </a:t>
+            </a:r>
+            <a:r>
+              <a:rPr lang="en-GB" b="0" i="1">
+                <a:effectLst/>
+                <a:latin typeface="+mj-lt"/>
+              </a:rPr>
+              <a:t>Wasm</a:t>
+            </a:r>
+            <a:r>
+              <a:rPr lang="en-GB" b="0" i="0">
+                <a:effectLst/>
+                <a:latin typeface="+mj-lt"/>
+              </a:rPr>
+              <a:t>) is a binary instruction format for a stack-based virtual machine</a:t>
+            </a:r>
+          </a:p>
+          <a:p>
+            <a:pPr>
+              <a:lnSpc>
+                <a:spcPct val="150000"/>
+              </a:lnSpc>
+            </a:pPr>
+            <a:endParaRPr lang="en-GB" b="0" i="0">
+              <a:effectLst/>
+              <a:latin typeface="+mj-lt"/>
+            </a:endParaRPr>
+          </a:p>
+          <a:p>
+            <a:pPr marL="285750" indent="-285750">
+              <a:lnSpc>
+                <a:spcPct val="150000"/>
+              </a:lnSpc>
+              <a:buFont typeface="Wingdings" panose="05000000000000000000" pitchFamily="2" charset="2"/>
+              <a:buChar char="q"/>
+            </a:pPr>
+            <a:r>
+              <a:rPr lang="en-GB" b="0" i="0">
+                <a:effectLst/>
+                <a:latin typeface="+mj-lt"/>
+              </a:rPr>
+              <a:t>Wasm is designed as a portable compilation target for programming languages, enabling deployment on the web for client and server applications.</a:t>
+            </a:r>
+          </a:p>
+          <a:p>
+            <a:pPr>
+              <a:lnSpc>
+                <a:spcPct val="150000"/>
+              </a:lnSpc>
+            </a:pPr>
+            <a:endParaRPr lang="en-GB" b="0" i="0">
+              <a:effectLst/>
+              <a:latin typeface="+mj-lt"/>
+            </a:endParaRPr>
+          </a:p>
+          <a:p>
+            <a:pPr marL="285750" indent="-285750">
+              <a:lnSpc>
+                <a:spcPct val="150000"/>
+              </a:lnSpc>
+              <a:buFont typeface="Wingdings" panose="05000000000000000000" pitchFamily="2" charset="2"/>
+              <a:buChar char="q"/>
+            </a:pPr>
+            <a:r>
+              <a:rPr lang="en-GB" b="0" i="0">
+                <a:effectLst/>
+                <a:latin typeface="+mj-lt"/>
+              </a:rPr>
+              <a:t>Wasm</a:t>
+            </a:r>
+            <a:r>
+              <a:rPr lang="en-GB" b="0" i="0">
+                <a:solidFill>
+                  <a:srgbClr val="222222"/>
+                </a:solidFill>
+                <a:effectLst/>
+                <a:latin typeface="+mj-lt"/>
+              </a:rPr>
+              <a:t> became the offical </a:t>
+            </a:r>
+            <a:r>
+              <a:rPr lang="en-GB" b="1" i="1">
+                <a:solidFill>
+                  <a:srgbClr val="222222"/>
+                </a:solidFill>
+                <a:effectLst/>
+                <a:latin typeface="+mj-lt"/>
+              </a:rPr>
+              <a:t>“fourth language for web”</a:t>
+            </a:r>
+            <a:r>
+              <a:rPr lang="en-GB" b="0" i="0">
+                <a:solidFill>
+                  <a:srgbClr val="222222"/>
+                </a:solidFill>
+                <a:effectLst/>
+                <a:latin typeface="+mj-lt"/>
+              </a:rPr>
+              <a:t> on </a:t>
+            </a:r>
+            <a:r>
+              <a:rPr lang="en-GB">
+                <a:latin typeface="+mj-lt"/>
+              </a:rPr>
+              <a:t>5th December 2019</a:t>
+            </a:r>
+            <a:r>
+              <a:rPr lang="en-GB" b="0" i="0">
+                <a:solidFill>
+                  <a:srgbClr val="222222"/>
+                </a:solidFill>
+                <a:effectLst/>
+                <a:latin typeface="+mj-lt"/>
+              </a:rPr>
+              <a:t>, i.e. after HTML, CSS &amp; JavaScript</a:t>
+            </a:r>
+            <a:endParaRPr lang="en-GB" b="0" i="0">
+              <a:effectLst/>
+              <a:latin typeface="+mj-lt"/>
+            </a:endParaRPr>
+          </a:p>
+          <a:p>
+            <a:pPr>
+              <a:lnSpc>
+                <a:spcPct val="150000"/>
+              </a:lnSpc>
+            </a:pPr>
+            <a:endParaRPr lang="en-GB" b="0" i="0">
+              <a:effectLst/>
+              <a:latin typeface="+mj-lt"/>
+            </a:endParaRPr>
+          </a:p>
+          <a:p>
+            <a:pPr>
+              <a:lnSpc>
+                <a:spcPct val="150000"/>
+              </a:lnSpc>
+            </a:pPr>
+            <a:r>
+              <a:rPr lang="en-GB">
+                <a:latin typeface="+mj-lt"/>
+              </a:rPr>
+              <a:t>								</a:t>
+            </a:r>
+            <a:r>
+              <a:rPr lang="en-US" i="1">
+                <a:latin typeface="+mj-lt"/>
+                <a:hlinkClick r:id="rId2"/>
+              </a:rPr>
+              <a:t>https://webassembly.org/</a:t>
+            </a:r>
+            <a:endParaRPr lang="en-US" i="1">
+              <a:latin typeface="+mj-lt"/>
+            </a:endParaRPr>
+          </a:p>
+        </p:txBody>
+      </p:sp>
+    </p:spTree>
+    <p:extLst>
+      <p:ext uri="{BB962C8B-B14F-4D97-AF65-F5344CB8AC3E}">
+        <p14:creationId xmlns:p14="http://schemas.microsoft.com/office/powerpoint/2010/main" val="2432108329"/>
+      </p:ext>
+    </p:extLst>
+  </p:cSld>
+  <p:clrMapOvr>
+    <a:masterClrMapping/>
+  </p:clrMapOvr>
+</p:sld>
+</file>
+
+<file path=ppt/slides/slide6.xml><?xml version="1.0" encoding="utf-8"?>
+<p:sld xmlns:a="http://schemas.openxmlformats.org/drawingml/2006/main" xmlns:r="http://schemas.openxmlformats.org/officeDocument/2006/relationships" xmlns:p="http://schemas.openxmlformats.org/presentationml/2006/main">
+  <p:cSld>
+    <p:spTree>
+      <p:nvGrpSpPr>
+        <p:cNvPr id="1" name=""/>
+        <p:cNvGrpSpPr/>
+        <p:nvPr/>
+      </p:nvGrpSpPr>
+      <p:grpSpPr>
+        <a:xfrm>
+          <a:off x="0" y="0"/>
+          <a:ext cx="0" cy="0"/>
+          <a:chOff x="0" y="0"/>
+          <a:chExt cx="0" cy="0"/>
+        </a:xfrm>
+      </p:grpSpPr>
+      <p:pic>
+        <p:nvPicPr>
+          <p:cNvPr id="26" name="Picture 25" descr="Graphical user interface, text&#10;&#10;Description automatically generated">
+            <a:extLst>
+              <a:ext uri="{FF2B5EF4-FFF2-40B4-BE49-F238E27FC236}">
+                <a16:creationId xmlns:a16="http://schemas.microsoft.com/office/drawing/2014/main" id="{78A7AE4F-5ECC-4CF0-9B08-4C7A996B8920}"/>
+              </a:ext>
+            </a:extLst>
+          </p:cNvPr>
+          <p:cNvPicPr>
+            <a:picLocks noChangeAspect="1"/>
+          </p:cNvPicPr>
+          <p:nvPr/>
+        </p:nvPicPr>
+        <p:blipFill>
+          <a:blip r:embed="rId2">
+            <a:extLst>
+              <a:ext uri="{28A0092B-C50C-407E-A947-70E740481C1C}">
+                <a14:useLocalDpi xmlns:a14="http://schemas.microsoft.com/office/drawing/2010/main" val="0"/>
+              </a:ext>
+            </a:extLst>
+          </a:blip>
+          <a:stretch>
+            <a:fillRect/>
+          </a:stretch>
+        </p:blipFill>
+        <p:spPr>
+          <a:xfrm>
+            <a:off x="2384402" y="1948174"/>
+            <a:ext cx="7597798" cy="3482642"/>
+          </a:xfrm>
+          <a:prstGeom prst="rect">
+            <a:avLst/>
+          </a:prstGeom>
+        </p:spPr>
+      </p:pic>
+      <p:sp>
+        <p:nvSpPr>
+          <p:cNvPr id="4" name="Slide Number Placeholder 3">
+            <a:extLst>
+              <a:ext uri="{FF2B5EF4-FFF2-40B4-BE49-F238E27FC236}">
+                <a16:creationId xmlns:a16="http://schemas.microsoft.com/office/drawing/2014/main" id="{B771BB42-F088-4AFD-B746-CA27AABAF2B2}"/>
+              </a:ext>
+            </a:extLst>
+          </p:cNvPr>
+          <p:cNvSpPr>
+            <a:spLocks noGrp="1"/>
+          </p:cNvSpPr>
+          <p:nvPr>
+            <p:ph type="sldNum" sz="quarter" idx="12"/>
+          </p:nvPr>
+        </p:nvSpPr>
+        <p:spPr/>
+        <p:txBody>
+          <a:bodyPr/>
+          <a:lstStyle/>
+          <a:p>
+            <a:fld id="{41DD9913-027A-4D5C-9772-EAFAEC30D69D}" type="slidenum">
+              <a:rPr lang="en-US" smtClean="0"/>
+              <a:t>6</a:t>
+            </a:fld>
+            <a:endParaRPr lang="en-US"/>
+          </a:p>
+        </p:txBody>
+      </p:sp>
+      <p:sp>
+        <p:nvSpPr>
+          <p:cNvPr id="5" name="Arrow: Chevron 4">
+            <a:extLst>
+              <a:ext uri="{FF2B5EF4-FFF2-40B4-BE49-F238E27FC236}">
+                <a16:creationId xmlns:a16="http://schemas.microsoft.com/office/drawing/2014/main" id="{8FF13E13-E227-4FD1-BD85-6C8EFE9C39E6}"/>
+              </a:ext>
+            </a:extLst>
+          </p:cNvPr>
+          <p:cNvSpPr/>
+          <p:nvPr/>
+        </p:nvSpPr>
+        <p:spPr>
+          <a:xfrm>
+            <a:off x="0" y="425224"/>
+            <a:ext cx="6418729" cy="694449"/>
+          </a:xfrm>
+          <a:prstGeom prst="chevron">
+            <a:avLst/>
+          </a:prstGeom>
+          <a:solidFill>
+            <a:srgbClr val="702AF7"/>
+          </a:solidFill>
+          <a:ln>
+            <a:solidFill>
+              <a:schemeClr val="bg1"/>
+            </a:solidFill>
+          </a:ln>
+        </p:spPr>
+        <p:style>
+          <a:lnRef idx="2">
+            <a:schemeClr val="accent5">
+              <a:shade val="50000"/>
+            </a:schemeClr>
+          </a:lnRef>
+          <a:fillRef idx="1">
+            <a:schemeClr val="accent5"/>
+          </a:fillRef>
+          <a:effectRef idx="0">
+            <a:schemeClr val="accent5"/>
+          </a:effectRef>
+          <a:fontRef idx="minor">
+            <a:schemeClr val="lt1"/>
+          </a:fontRef>
+        </p:style>
+        <p:txBody>
+          <a:bodyPr rtlCol="0" anchor="ctr"/>
+          <a:lstStyle/>
+          <a:p>
+            <a:pPr algn="ctr"/>
+            <a:r>
+              <a:rPr lang="en-US" sz="3600">
+                <a:solidFill>
+                  <a:schemeClr val="bg1"/>
+                </a:solidFill>
+              </a:rPr>
+              <a:t>1. What is WebAssembly</a:t>
+            </a:r>
+          </a:p>
+        </p:txBody>
+      </p:sp>
+      <p:sp>
+        <p:nvSpPr>
+          <p:cNvPr id="7" name="TextBox 6">
+            <a:extLst>
+              <a:ext uri="{FF2B5EF4-FFF2-40B4-BE49-F238E27FC236}">
+                <a16:creationId xmlns:a16="http://schemas.microsoft.com/office/drawing/2014/main" id="{9ADE5857-3487-4263-8084-547EFDBD0AB9}"/>
+              </a:ext>
+            </a:extLst>
+          </p:cNvPr>
+          <p:cNvSpPr txBox="1"/>
+          <p:nvPr/>
+        </p:nvSpPr>
+        <p:spPr>
+          <a:xfrm>
+            <a:off x="874454" y="1353106"/>
+            <a:ext cx="7315200" cy="400110"/>
+          </a:xfrm>
+          <a:prstGeom prst="rect">
+            <a:avLst/>
+          </a:prstGeom>
+          <a:noFill/>
+        </p:spPr>
+        <p:txBody>
+          <a:bodyPr wrap="square" rtlCol="0">
+            <a:spAutoFit/>
+          </a:bodyPr>
+          <a:lstStyle/>
+          <a:p>
+            <a:r>
+              <a:rPr lang="en-US" sz="2000" b="1" i="0">
+                <a:solidFill>
+                  <a:srgbClr val="231F20"/>
+                </a:solidFill>
+                <a:effectLst/>
+                <a:latin typeface="+mj-lt"/>
+              </a:rPr>
+              <a:t>WASM format</a:t>
+            </a:r>
+          </a:p>
+        </p:txBody>
+      </p:sp>
+      <p:grpSp>
+        <p:nvGrpSpPr>
+          <p:cNvPr id="14" name="Group 13">
+            <a:extLst>
+              <a:ext uri="{FF2B5EF4-FFF2-40B4-BE49-F238E27FC236}">
+                <a16:creationId xmlns:a16="http://schemas.microsoft.com/office/drawing/2014/main" id="{9C4CB692-403E-4BB2-8255-591505841097}"/>
+              </a:ext>
+            </a:extLst>
+          </p:cNvPr>
+          <p:cNvGrpSpPr/>
+          <p:nvPr/>
+        </p:nvGrpSpPr>
+        <p:grpSpPr>
+          <a:xfrm>
+            <a:off x="3526958" y="4368673"/>
+            <a:ext cx="2010192" cy="2021823"/>
+            <a:chOff x="2071395" y="4553339"/>
+            <a:chExt cx="774442" cy="2021823"/>
+          </a:xfrm>
+        </p:grpSpPr>
+        <p:sp>
+          <p:nvSpPr>
+            <p:cNvPr id="15" name="TextBox 14">
+              <a:extLst>
+                <a:ext uri="{FF2B5EF4-FFF2-40B4-BE49-F238E27FC236}">
+                  <a16:creationId xmlns:a16="http://schemas.microsoft.com/office/drawing/2014/main" id="{613D792C-5981-44D0-A880-C0906144EC2A}"/>
+                </a:ext>
+              </a:extLst>
+            </p:cNvPr>
+            <p:cNvSpPr txBox="1"/>
+            <p:nvPr/>
+          </p:nvSpPr>
+          <p:spPr>
+            <a:xfrm>
+              <a:off x="2071395" y="5928831"/>
+              <a:ext cx="774442" cy="646331"/>
+            </a:xfrm>
+            <a:prstGeom prst="rect">
+              <a:avLst/>
+            </a:prstGeom>
+            <a:noFill/>
+          </p:spPr>
+          <p:txBody>
+            <a:bodyPr wrap="square" rtlCol="0">
+              <a:spAutoFit/>
+            </a:bodyPr>
+            <a:lstStyle/>
+            <a:p>
+              <a:pPr algn="ctr"/>
+              <a:r>
+                <a:rPr lang="en-US" b="0" i="0" strike="noStrike">
+                  <a:effectLst/>
+                  <a:latin typeface="+mj-lt"/>
+                </a:rPr>
+                <a:t>textual format .wat</a:t>
+              </a:r>
+              <a:endParaRPr lang="en-US">
+                <a:latin typeface="+mj-lt"/>
+              </a:endParaRPr>
+            </a:p>
+          </p:txBody>
+        </p:sp>
+        <p:cxnSp>
+          <p:nvCxnSpPr>
+            <p:cNvPr id="16" name="Straight Arrow Connector 15">
+              <a:extLst>
+                <a:ext uri="{FF2B5EF4-FFF2-40B4-BE49-F238E27FC236}">
+                  <a16:creationId xmlns:a16="http://schemas.microsoft.com/office/drawing/2014/main" id="{E06ED21A-0783-4594-ADA9-6F1853D5F871}"/>
+                </a:ext>
+              </a:extLst>
+            </p:cNvPr>
+            <p:cNvCxnSpPr>
+              <a:cxnSpLocks/>
+              <a:stCxn id="15" idx="0"/>
+            </p:cNvCxnSpPr>
+            <p:nvPr/>
+          </p:nvCxnSpPr>
+          <p:spPr>
+            <a:xfrm flipV="1">
+              <a:off x="2458616" y="4553339"/>
+              <a:ext cx="0" cy="1375492"/>
+            </a:xfrm>
+            <a:prstGeom prst="straightConnector1">
+              <a:avLst/>
+            </a:prstGeom>
+            <a:ln>
+              <a:tailEnd type="triangle"/>
+            </a:ln>
+          </p:spPr>
+          <p:style>
+            <a:lnRef idx="3">
+              <a:schemeClr val="accent5"/>
+            </a:lnRef>
+            <a:fillRef idx="0">
+              <a:schemeClr val="accent5"/>
+            </a:fillRef>
+            <a:effectRef idx="2">
+              <a:schemeClr val="accent5"/>
+            </a:effectRef>
+            <a:fontRef idx="minor">
+              <a:schemeClr val="tx1"/>
+            </a:fontRef>
+          </p:style>
+        </p:cxnSp>
+      </p:grpSp>
+      <p:grpSp>
+        <p:nvGrpSpPr>
+          <p:cNvPr id="21" name="Group 20">
+            <a:extLst>
+              <a:ext uri="{FF2B5EF4-FFF2-40B4-BE49-F238E27FC236}">
+                <a16:creationId xmlns:a16="http://schemas.microsoft.com/office/drawing/2014/main" id="{10815072-5DA4-420C-975B-F58E59C7AC69}"/>
+              </a:ext>
+            </a:extLst>
+          </p:cNvPr>
+          <p:cNvGrpSpPr/>
+          <p:nvPr/>
+        </p:nvGrpSpPr>
+        <p:grpSpPr>
+          <a:xfrm>
+            <a:off x="7184558" y="4368673"/>
+            <a:ext cx="2010192" cy="2021823"/>
+            <a:chOff x="2071395" y="4553339"/>
+            <a:chExt cx="774442" cy="2021823"/>
+          </a:xfrm>
+        </p:grpSpPr>
+        <p:sp>
+          <p:nvSpPr>
+            <p:cNvPr id="22" name="TextBox 21">
+              <a:extLst>
+                <a:ext uri="{FF2B5EF4-FFF2-40B4-BE49-F238E27FC236}">
+                  <a16:creationId xmlns:a16="http://schemas.microsoft.com/office/drawing/2014/main" id="{FFA58F4D-67B4-4055-B325-0D6C60076FFC}"/>
+                </a:ext>
+              </a:extLst>
+            </p:cNvPr>
+            <p:cNvSpPr txBox="1"/>
+            <p:nvPr/>
+          </p:nvSpPr>
+          <p:spPr>
+            <a:xfrm>
+              <a:off x="2071395" y="5928831"/>
+              <a:ext cx="774442" cy="646331"/>
+            </a:xfrm>
+            <a:prstGeom prst="rect">
+              <a:avLst/>
+            </a:prstGeom>
+            <a:noFill/>
+          </p:spPr>
+          <p:txBody>
+            <a:bodyPr wrap="square" rtlCol="0">
+              <a:spAutoFit/>
+            </a:bodyPr>
+            <a:lstStyle/>
+            <a:p>
+              <a:pPr algn="ctr"/>
+              <a:r>
+                <a:rPr lang="en-US" b="0" i="0" strike="noStrike">
+                  <a:effectLst/>
+                  <a:latin typeface="+mj-lt"/>
+                </a:rPr>
+                <a:t>binary format</a:t>
+              </a:r>
+            </a:p>
+            <a:p>
+              <a:pPr algn="ctr"/>
+              <a:r>
+                <a:rPr lang="en-US">
+                  <a:latin typeface="+mj-lt"/>
+                </a:rPr>
+                <a:t>.wasm</a:t>
+              </a:r>
+            </a:p>
+          </p:txBody>
+        </p:sp>
+        <p:cxnSp>
+          <p:nvCxnSpPr>
+            <p:cNvPr id="23" name="Straight Arrow Connector 22">
+              <a:extLst>
+                <a:ext uri="{FF2B5EF4-FFF2-40B4-BE49-F238E27FC236}">
+                  <a16:creationId xmlns:a16="http://schemas.microsoft.com/office/drawing/2014/main" id="{AD12ACE6-CC6B-407A-A9E6-CF3EC3A1E9E1}"/>
+                </a:ext>
+              </a:extLst>
+            </p:cNvPr>
+            <p:cNvCxnSpPr>
+              <a:cxnSpLocks/>
+              <a:stCxn id="22" idx="0"/>
+            </p:cNvCxnSpPr>
+            <p:nvPr/>
+          </p:nvCxnSpPr>
+          <p:spPr>
+            <a:xfrm flipV="1">
+              <a:off x="2458616" y="4553339"/>
+              <a:ext cx="0" cy="1375492"/>
+            </a:xfrm>
+            <a:prstGeom prst="straightConnector1">
+              <a:avLst/>
+            </a:prstGeom>
+            <a:ln>
+              <a:tailEnd type="triangle"/>
+            </a:ln>
+          </p:spPr>
+          <p:style>
+            <a:lnRef idx="3">
+              <a:schemeClr val="accent5"/>
+            </a:lnRef>
+            <a:fillRef idx="0">
+              <a:schemeClr val="accent5"/>
+            </a:fillRef>
+            <a:effectRef idx="2">
+              <a:schemeClr val="accent5"/>
+            </a:effectRef>
+            <a:fontRef idx="minor">
+              <a:schemeClr val="tx1"/>
+            </a:fontRef>
+          </p:style>
+        </p:cxnSp>
+      </p:grpSp>
+    </p:spTree>
+    <p:extLst>
+      <p:ext uri="{BB962C8B-B14F-4D97-AF65-F5344CB8AC3E}">
+        <p14:creationId xmlns:p14="http://schemas.microsoft.com/office/powerpoint/2010/main" val="2461700144"/>
+      </p:ext>
+    </p:extLst>
+  </p:cSld>
+  <p:clrMapOvr>
+    <a:masterClrMapping/>
+  </p:clrMapOvr>
+</p:sld>
+</file>
+
+<file path=ppt/slides/slide7.xml><?xml version="1.0" encoding="utf-8"?>
+<p:sld xmlns:a="http://schemas.openxmlformats.org/drawingml/2006/main" xmlns:r="http://schemas.openxmlformats.org/officeDocument/2006/relationships" xmlns:p="http://schemas.openxmlformats.org/presentationml/2006/main">
+  <p:cSld>
+    <p:spTree>
+      <p:nvGrpSpPr>
+        <p:cNvPr id="1" name=""/>
+        <p:cNvGrpSpPr/>
+        <p:nvPr/>
+      </p:nvGrpSpPr>
+      <p:grpSpPr>
+        <a:xfrm>
+          <a:off x="0" y="0"/>
+          <a:ext cx="0" cy="0"/>
+          <a:chOff x="0" y="0"/>
+          <a:chExt cx="0" cy="0"/>
+        </a:xfrm>
+      </p:grpSpPr>
+      <p:sp>
+        <p:nvSpPr>
+          <p:cNvPr id="4" name="Slide Number Placeholder 3">
+            <a:extLst>
+              <a:ext uri="{FF2B5EF4-FFF2-40B4-BE49-F238E27FC236}">
+                <a16:creationId xmlns:a16="http://schemas.microsoft.com/office/drawing/2014/main" id="{B771BB42-F088-4AFD-B746-CA27AABAF2B2}"/>
+              </a:ext>
+            </a:extLst>
+          </p:cNvPr>
+          <p:cNvSpPr>
+            <a:spLocks noGrp="1"/>
+          </p:cNvSpPr>
+          <p:nvPr>
+            <p:ph type="sldNum" sz="quarter" idx="12"/>
+          </p:nvPr>
+        </p:nvSpPr>
+        <p:spPr/>
+        <p:txBody>
+          <a:bodyPr/>
+          <a:lstStyle/>
+          <a:p>
+            <a:fld id="{41DD9913-027A-4D5C-9772-EAFAEC30D69D}" type="slidenum">
+              <a:rPr lang="en-US" smtClean="0"/>
+              <a:t>7</a:t>
+            </a:fld>
+            <a:endParaRPr lang="en-US"/>
+          </a:p>
+        </p:txBody>
+      </p:sp>
+      <p:sp>
+        <p:nvSpPr>
+          <p:cNvPr id="5" name="Arrow: Chevron 4">
+            <a:extLst>
+              <a:ext uri="{FF2B5EF4-FFF2-40B4-BE49-F238E27FC236}">
+                <a16:creationId xmlns:a16="http://schemas.microsoft.com/office/drawing/2014/main" id="{8FF13E13-E227-4FD1-BD85-6C8EFE9C39E6}"/>
+              </a:ext>
+            </a:extLst>
+          </p:cNvPr>
+          <p:cNvSpPr/>
+          <p:nvPr/>
+        </p:nvSpPr>
+        <p:spPr>
+          <a:xfrm>
+            <a:off x="0" y="425224"/>
+            <a:ext cx="6418729" cy="694449"/>
+          </a:xfrm>
+          <a:prstGeom prst="chevron">
+            <a:avLst/>
+          </a:prstGeom>
+          <a:solidFill>
+            <a:srgbClr val="702AF7"/>
+          </a:solidFill>
+          <a:ln>
+            <a:solidFill>
+              <a:schemeClr val="bg1"/>
+            </a:solidFill>
+          </a:ln>
+        </p:spPr>
+        <p:style>
+          <a:lnRef idx="2">
+            <a:schemeClr val="accent5">
+              <a:shade val="50000"/>
+            </a:schemeClr>
+          </a:lnRef>
+          <a:fillRef idx="1">
+            <a:schemeClr val="accent5"/>
+          </a:fillRef>
+          <a:effectRef idx="0">
+            <a:schemeClr val="accent5"/>
+          </a:effectRef>
+          <a:fontRef idx="minor">
+            <a:schemeClr val="lt1"/>
+          </a:fontRef>
+        </p:style>
+        <p:txBody>
+          <a:bodyPr rtlCol="0" anchor="ctr"/>
+          <a:lstStyle/>
+          <a:p>
+            <a:pPr algn="ctr"/>
+            <a:r>
+              <a:rPr lang="en-US" sz="3600">
+                <a:solidFill>
+                  <a:schemeClr val="bg1"/>
+                </a:solidFill>
+              </a:rPr>
+              <a:t>1. What is WebAssembly</a:t>
+            </a:r>
+          </a:p>
+        </p:txBody>
+      </p:sp>
+      <p:sp>
+        <p:nvSpPr>
+          <p:cNvPr id="17" name="TextBox 16">
+            <a:extLst>
+              <a:ext uri="{FF2B5EF4-FFF2-40B4-BE49-F238E27FC236}">
+                <a16:creationId xmlns:a16="http://schemas.microsoft.com/office/drawing/2014/main" id="{0797FEEC-7DD9-4933-8A21-1829F3CE4EED}"/>
+              </a:ext>
+            </a:extLst>
+          </p:cNvPr>
+          <p:cNvSpPr txBox="1"/>
+          <p:nvPr/>
+        </p:nvSpPr>
+        <p:spPr>
+          <a:xfrm>
+            <a:off x="874454" y="1353106"/>
+            <a:ext cx="8054942" cy="400110"/>
+          </a:xfrm>
+          <a:prstGeom prst="rect">
+            <a:avLst/>
+          </a:prstGeom>
+          <a:noFill/>
+        </p:spPr>
+        <p:txBody>
+          <a:bodyPr wrap="square" rtlCol="0">
+            <a:spAutoFit/>
+          </a:bodyPr>
+          <a:lstStyle/>
+          <a:p>
+            <a:r>
+              <a:rPr lang="en-US" sz="2000" b="1" i="0">
+                <a:solidFill>
+                  <a:srgbClr val="231F20"/>
+                </a:solidFill>
+                <a:effectLst/>
+                <a:latin typeface="+mj-lt"/>
+              </a:rPr>
+              <a:t>Huh, what is that format??? How can I code that?</a:t>
+            </a:r>
+          </a:p>
+        </p:txBody>
+      </p:sp>
+      <p:pic>
+        <p:nvPicPr>
+          <p:cNvPr id="8" name="Picture 7" descr="Shape&#10;&#10;Description automatically generated with medium confidence">
+            <a:extLst>
+              <a:ext uri="{FF2B5EF4-FFF2-40B4-BE49-F238E27FC236}">
+                <a16:creationId xmlns:a16="http://schemas.microsoft.com/office/drawing/2014/main" id="{97F329FF-A1A9-42ED-8640-3749B29C8497}"/>
+              </a:ext>
+            </a:extLst>
+          </p:cNvPr>
+          <p:cNvPicPr>
+            <a:picLocks noChangeAspect="1"/>
+          </p:cNvPicPr>
+          <p:nvPr/>
+        </p:nvPicPr>
+        <p:blipFill>
+          <a:blip r:embed="rId2">
+            <a:extLst>
+              <a:ext uri="{28A0092B-C50C-407E-A947-70E740481C1C}">
+                <a14:useLocalDpi xmlns:a14="http://schemas.microsoft.com/office/drawing/2010/main" val="0"/>
+              </a:ext>
+            </a:extLst>
+          </a:blip>
+          <a:stretch>
+            <a:fillRect/>
+          </a:stretch>
+        </p:blipFill>
+        <p:spPr>
+          <a:xfrm>
+            <a:off x="4191000" y="2233126"/>
+            <a:ext cx="3810000" cy="3810000"/>
+          </a:xfrm>
+          <a:prstGeom prst="rect">
+            <a:avLst/>
+          </a:prstGeom>
+        </p:spPr>
+      </p:pic>
+    </p:spTree>
+    <p:extLst>
+      <p:ext uri="{BB962C8B-B14F-4D97-AF65-F5344CB8AC3E}">
+        <p14:creationId xmlns:p14="http://schemas.microsoft.com/office/powerpoint/2010/main" val="740774123"/>
+      </p:ext>
+    </p:extLst>
+  </p:cSld>
+  <p:clrMapOvr>
+    <a:masterClrMapping/>
+  </p:clrMapOvr>
+</p:sld>
+</file>
+
+<file path=ppt/slides/slide8.xml><?xml version="1.0" encoding="utf-8"?>
+<p:sld xmlns:a="http://schemas.openxmlformats.org/drawingml/2006/main" xmlns:r="http://schemas.openxmlformats.org/officeDocument/2006/relationships" xmlns:p="http://schemas.openxmlformats.org/presentationml/2006/main">
+  <p:cSld>
+    <p:spTree>
+      <p:nvGrpSpPr>
+        <p:cNvPr id="1" name=""/>
+        <p:cNvGrpSpPr/>
+        <p:nvPr/>
+      </p:nvGrpSpPr>
+      <p:grpSpPr>
+        <a:xfrm>
+          <a:off x="0" y="0"/>
+          <a:ext cx="0" cy="0"/>
+          <a:chOff x="0" y="0"/>
+          <a:chExt cx="0" cy="0"/>
+        </a:xfrm>
+      </p:grpSpPr>
+      <p:sp>
+        <p:nvSpPr>
+          <p:cNvPr id="4" name="Slide Number Placeholder 3">
+            <a:extLst>
+              <a:ext uri="{FF2B5EF4-FFF2-40B4-BE49-F238E27FC236}">
+                <a16:creationId xmlns:a16="http://schemas.microsoft.com/office/drawing/2014/main" id="{B771BB42-F088-4AFD-B746-CA27AABAF2B2}"/>
+              </a:ext>
+            </a:extLst>
+          </p:cNvPr>
+          <p:cNvSpPr>
+            <a:spLocks noGrp="1"/>
+          </p:cNvSpPr>
+          <p:nvPr>
+            <p:ph type="sldNum" sz="quarter" idx="12"/>
+          </p:nvPr>
+        </p:nvSpPr>
+        <p:spPr/>
+        <p:txBody>
+          <a:bodyPr/>
+          <a:lstStyle/>
+          <a:p>
+            <a:fld id="{41DD9913-027A-4D5C-9772-EAFAEC30D69D}" type="slidenum">
+              <a:rPr lang="en-US" smtClean="0"/>
+              <a:t>8</a:t>
+            </a:fld>
+            <a:endParaRPr lang="en-US"/>
+          </a:p>
+        </p:txBody>
+      </p:sp>
+      <p:sp>
+        <p:nvSpPr>
+          <p:cNvPr id="5" name="Arrow: Chevron 4">
+            <a:extLst>
+              <a:ext uri="{FF2B5EF4-FFF2-40B4-BE49-F238E27FC236}">
+                <a16:creationId xmlns:a16="http://schemas.microsoft.com/office/drawing/2014/main" id="{8FF13E13-E227-4FD1-BD85-6C8EFE9C39E6}"/>
+              </a:ext>
+            </a:extLst>
+          </p:cNvPr>
+          <p:cNvSpPr/>
+          <p:nvPr/>
+        </p:nvSpPr>
+        <p:spPr>
+          <a:xfrm>
+            <a:off x="0" y="425224"/>
+            <a:ext cx="6418729" cy="694449"/>
+          </a:xfrm>
+          <a:prstGeom prst="chevron">
+            <a:avLst/>
+          </a:prstGeom>
+          <a:solidFill>
+            <a:srgbClr val="702AF7"/>
+          </a:solidFill>
+          <a:ln>
+            <a:solidFill>
+              <a:schemeClr val="bg1"/>
+            </a:solidFill>
+          </a:ln>
+        </p:spPr>
+        <p:style>
+          <a:lnRef idx="2">
+            <a:schemeClr val="accent5">
+              <a:shade val="50000"/>
+            </a:schemeClr>
+          </a:lnRef>
+          <a:fillRef idx="1">
+            <a:schemeClr val="accent5"/>
+          </a:fillRef>
+          <a:effectRef idx="0">
+            <a:schemeClr val="accent5"/>
+          </a:effectRef>
+          <a:fontRef idx="minor">
+            <a:schemeClr val="lt1"/>
+          </a:fontRef>
+        </p:style>
+        <p:txBody>
+          <a:bodyPr rtlCol="0" anchor="ctr"/>
+          <a:lstStyle/>
+          <a:p>
+            <a:pPr algn="ctr"/>
+            <a:r>
+              <a:rPr lang="en-US" sz="3600">
+                <a:solidFill>
+                  <a:schemeClr val="bg1"/>
+                </a:solidFill>
+              </a:rPr>
+              <a:t>1. What is WebAssembly</a:t>
+            </a:r>
+          </a:p>
+        </p:txBody>
+      </p:sp>
+      <p:sp>
+        <p:nvSpPr>
+          <p:cNvPr id="17" name="TextBox 16">
+            <a:extLst>
+              <a:ext uri="{FF2B5EF4-FFF2-40B4-BE49-F238E27FC236}">
+                <a16:creationId xmlns:a16="http://schemas.microsoft.com/office/drawing/2014/main" id="{0797FEEC-7DD9-4933-8A21-1829F3CE4EED}"/>
+              </a:ext>
+            </a:extLst>
+          </p:cNvPr>
+          <p:cNvSpPr txBox="1"/>
+          <p:nvPr/>
+        </p:nvSpPr>
+        <p:spPr>
+          <a:xfrm>
+            <a:off x="874454" y="1353106"/>
+            <a:ext cx="8054942" cy="400110"/>
+          </a:xfrm>
+          <a:prstGeom prst="rect">
+            <a:avLst/>
+          </a:prstGeom>
+          <a:noFill/>
+        </p:spPr>
+        <p:txBody>
+          <a:bodyPr wrap="square" rtlCol="0">
+            <a:spAutoFit/>
+          </a:bodyPr>
+          <a:lstStyle/>
+          <a:p>
+            <a:r>
+              <a:rPr lang="en-US" sz="2000" b="1" i="0">
+                <a:solidFill>
+                  <a:srgbClr val="231F20"/>
+                </a:solidFill>
+                <a:effectLst/>
+                <a:latin typeface="+mj-lt"/>
+              </a:rPr>
+              <a:t>WebAssembly Work</a:t>
+            </a:r>
+          </a:p>
+        </p:txBody>
+      </p:sp>
+      <p:pic>
+        <p:nvPicPr>
+          <p:cNvPr id="3" name="Picture 2" descr="Diagram&#10;&#10;Description automatically generated">
+            <a:extLst>
+              <a:ext uri="{FF2B5EF4-FFF2-40B4-BE49-F238E27FC236}">
+                <a16:creationId xmlns:a16="http://schemas.microsoft.com/office/drawing/2014/main" id="{450ED318-9BDF-45D3-A5C4-E2FB4418CBA6}"/>
+              </a:ext>
+            </a:extLst>
+          </p:cNvPr>
+          <p:cNvPicPr>
+            <a:picLocks noChangeAspect="1"/>
+          </p:cNvPicPr>
+          <p:nvPr/>
+        </p:nvPicPr>
+        <p:blipFill>
+          <a:blip r:embed="rId3">
+            <a:extLst>
+              <a:ext uri="{28A0092B-C50C-407E-A947-70E740481C1C}">
+                <a14:useLocalDpi xmlns:a14="http://schemas.microsoft.com/office/drawing/2010/main" val="0"/>
+              </a:ext>
+            </a:extLst>
+          </a:blip>
+          <a:stretch>
+            <a:fillRect/>
+          </a:stretch>
+        </p:blipFill>
+        <p:spPr>
+          <a:xfrm>
+            <a:off x="935250" y="1986648"/>
+            <a:ext cx="10580076" cy="4199547"/>
+          </a:xfrm>
+          <a:prstGeom prst="rect">
+            <a:avLst/>
+          </a:prstGeom>
+        </p:spPr>
+      </p:pic>
+    </p:spTree>
+    <p:extLst>
+      <p:ext uri="{BB962C8B-B14F-4D97-AF65-F5344CB8AC3E}">
+        <p14:creationId xmlns:p14="http://schemas.microsoft.com/office/powerpoint/2010/main" val="3466659523"/>
+      </p:ext>
+    </p:extLst>
+  </p:cSld>
+  <p:clrMapOvr>
+    <a:masterClrMapping/>
+  </p:clrMapOvr>
+</p:sld>
+</file>
+
+<file path=ppt/slides/slide9.xml><?xml version="1.0" encoding="utf-8"?>
+<p:sld xmlns:a="http://schemas.openxmlformats.org/drawingml/2006/main" xmlns:r="http://schemas.openxmlformats.org/officeDocument/2006/relationships" xmlns:p="http://schemas.openxmlformats.org/presentationml/2006/main">
+  <p:cSld>
+    <p:spTree>
+      <p:nvGrpSpPr>
+        <p:cNvPr id="1" name=""/>
+        <p:cNvGrpSpPr/>
+        <p:nvPr/>
+      </p:nvGrpSpPr>
+      <p:grpSpPr>
+        <a:xfrm>
+          <a:off x="0" y="0"/>
+          <a:ext cx="0" cy="0"/>
+          <a:chOff x="0" y="0"/>
+          <a:chExt cx="0" cy="0"/>
+        </a:xfrm>
+      </p:grpSpPr>
+      <p:sp>
+        <p:nvSpPr>
+          <p:cNvPr id="4" name="Slide Number Placeholder 3">
+            <a:extLst>
+              <a:ext uri="{FF2B5EF4-FFF2-40B4-BE49-F238E27FC236}">
+                <a16:creationId xmlns:a16="http://schemas.microsoft.com/office/drawing/2014/main" id="{B771BB42-F088-4AFD-B746-CA27AABAF2B2}"/>
+              </a:ext>
+            </a:extLst>
+          </p:cNvPr>
+          <p:cNvSpPr>
+            <a:spLocks noGrp="1"/>
+          </p:cNvSpPr>
+          <p:nvPr>
+            <p:ph type="sldNum" sz="quarter" idx="12"/>
+          </p:nvPr>
+        </p:nvSpPr>
+        <p:spPr/>
+        <p:txBody>
+          <a:bodyPr/>
+          <a:lstStyle/>
+          <a:p>
+            <a:fld id="{41DD9913-027A-4D5C-9772-EAFAEC30D69D}" type="slidenum">
+              <a:rPr lang="en-US" smtClean="0"/>
+              <a:t>9</a:t>
+            </a:fld>
+            <a:endParaRPr lang="en-US"/>
+          </a:p>
+        </p:txBody>
+      </p:sp>
+      <p:sp>
+        <p:nvSpPr>
+          <p:cNvPr id="5" name="Arrow: Chevron 4">
+            <a:extLst>
+              <a:ext uri="{FF2B5EF4-FFF2-40B4-BE49-F238E27FC236}">
+                <a16:creationId xmlns:a16="http://schemas.microsoft.com/office/drawing/2014/main" id="{8FF13E13-E227-4FD1-BD85-6C8EFE9C39E6}"/>
+              </a:ext>
+            </a:extLst>
+          </p:cNvPr>
+          <p:cNvSpPr/>
+          <p:nvPr/>
+        </p:nvSpPr>
+        <p:spPr>
+          <a:xfrm>
+            <a:off x="0" y="425224"/>
+            <a:ext cx="6418729" cy="694449"/>
+          </a:xfrm>
+          <a:prstGeom prst="chevron">
+            <a:avLst/>
+          </a:prstGeom>
+          <a:solidFill>
+            <a:srgbClr val="702AF7"/>
+          </a:solidFill>
+          <a:ln>
+            <a:solidFill>
+              <a:schemeClr val="bg1"/>
+            </a:solidFill>
+          </a:ln>
+        </p:spPr>
+        <p:style>
+          <a:lnRef idx="2">
+            <a:schemeClr val="accent5">
+              <a:shade val="50000"/>
+            </a:schemeClr>
+          </a:lnRef>
+          <a:fillRef idx="1">
+            <a:schemeClr val="accent5"/>
+          </a:fillRef>
+          <a:effectRef idx="0">
+            <a:schemeClr val="accent5"/>
+          </a:effectRef>
+          <a:fontRef idx="minor">
+            <a:schemeClr val="lt1"/>
+          </a:fontRef>
+        </p:style>
+        <p:txBody>
+          <a:bodyPr rtlCol="0" anchor="ctr"/>
+          <a:lstStyle/>
+          <a:p>
+            <a:pPr algn="ctr"/>
+            <a:r>
+              <a:rPr lang="en-US" sz="3600">
+                <a:solidFill>
+                  <a:schemeClr val="bg1"/>
+                </a:solidFill>
+              </a:rPr>
+              <a:t>1. What is WebAssembly</a:t>
+            </a:r>
+          </a:p>
+        </p:txBody>
+      </p:sp>
+      <p:sp>
+        <p:nvSpPr>
+          <p:cNvPr id="2" name="TextBox 1">
+            <a:extLst>
+              <a:ext uri="{FF2B5EF4-FFF2-40B4-BE49-F238E27FC236}">
+                <a16:creationId xmlns:a16="http://schemas.microsoft.com/office/drawing/2014/main" id="{87E9C29C-ACD2-47B7-9EF9-805B2B00C415}"/>
+              </a:ext>
+            </a:extLst>
+          </p:cNvPr>
+          <p:cNvSpPr txBox="1"/>
+          <p:nvPr/>
+        </p:nvSpPr>
+        <p:spPr>
+          <a:xfrm>
+            <a:off x="893115" y="2319316"/>
+            <a:ext cx="10692882" cy="4191276"/>
+          </a:xfrm>
+          <a:prstGeom prst="rect">
+            <a:avLst/>
+          </a:prstGeom>
+          <a:noFill/>
+        </p:spPr>
+        <p:txBody>
+          <a:bodyPr wrap="square" rtlCol="0">
+            <a:spAutoFit/>
+          </a:bodyPr>
+          <a:lstStyle/>
+          <a:p>
+            <a:pPr marL="285750" indent="-285750">
+              <a:lnSpc>
+                <a:spcPct val="150000"/>
+              </a:lnSpc>
+              <a:buFont typeface="Wingdings" panose="05000000000000000000" pitchFamily="2" charset="2"/>
+              <a:buChar char="q"/>
+            </a:pPr>
+            <a:r>
+              <a:rPr lang="en-US">
+                <a:latin typeface="+mj-lt"/>
+              </a:rPr>
+              <a:t>Efficient and fast</a:t>
+            </a:r>
+          </a:p>
+          <a:p>
+            <a:pPr>
+              <a:lnSpc>
+                <a:spcPct val="150000"/>
+              </a:lnSpc>
+            </a:pPr>
+            <a:endParaRPr lang="en-US">
+              <a:latin typeface="+mj-lt"/>
+            </a:endParaRPr>
+          </a:p>
+          <a:p>
+            <a:pPr marL="285750" indent="-285750">
+              <a:lnSpc>
+                <a:spcPct val="150000"/>
+              </a:lnSpc>
+              <a:buFont typeface="Wingdings" panose="05000000000000000000" pitchFamily="2" charset="2"/>
+              <a:buChar char="q"/>
+            </a:pPr>
+            <a:r>
+              <a:rPr lang="en-US">
+                <a:latin typeface="+mj-lt"/>
+              </a:rPr>
+              <a:t>Safe</a:t>
+            </a:r>
+          </a:p>
+          <a:p>
+            <a:pPr>
+              <a:lnSpc>
+                <a:spcPct val="150000"/>
+              </a:lnSpc>
+            </a:pPr>
+            <a:endParaRPr lang="en-US">
+              <a:latin typeface="+mj-lt"/>
+            </a:endParaRPr>
+          </a:p>
+          <a:p>
+            <a:pPr marL="285750" indent="-285750" algn="l">
+              <a:lnSpc>
+                <a:spcPct val="150000"/>
+              </a:lnSpc>
+              <a:buFont typeface="Wingdings" panose="05000000000000000000" pitchFamily="2" charset="2"/>
+              <a:buChar char="q"/>
+            </a:pPr>
+            <a:r>
+              <a:rPr lang="en-GB">
+                <a:latin typeface="+mj-lt"/>
+              </a:rPr>
+              <a:t>Compile a WebAssembly module from many languages: C/C++, Rust, C#, F#, Go, Kotlin, Swift,…</a:t>
+            </a:r>
+          </a:p>
+          <a:p>
+            <a:pPr algn="l">
+              <a:lnSpc>
+                <a:spcPct val="150000"/>
+              </a:lnSpc>
+            </a:pPr>
+            <a:endParaRPr lang="en-GB">
+              <a:latin typeface="+mj-lt"/>
+            </a:endParaRPr>
+          </a:p>
+          <a:p>
+            <a:pPr marL="285750" indent="-285750" algn="l">
+              <a:lnSpc>
+                <a:spcPct val="150000"/>
+              </a:lnSpc>
+              <a:buFont typeface="Wingdings" panose="05000000000000000000" pitchFamily="2" charset="2"/>
+              <a:buChar char="q"/>
+            </a:pPr>
+            <a:r>
+              <a:rPr lang="en-GB" b="0" i="0">
+                <a:effectLst/>
+                <a:latin typeface="+mj-lt"/>
+              </a:rPr>
+              <a:t>Can be executed on web, stand-alone</a:t>
+            </a:r>
+          </a:p>
+          <a:p>
+            <a:pPr marL="285750" indent="-285750" algn="l">
+              <a:lnSpc>
+                <a:spcPct val="150000"/>
+              </a:lnSpc>
+              <a:buFont typeface="Wingdings" panose="05000000000000000000" pitchFamily="2" charset="2"/>
+              <a:buChar char="q"/>
+            </a:pPr>
+            <a:endParaRPr lang="en-GB">
+              <a:latin typeface="+mj-lt"/>
+            </a:endParaRPr>
+          </a:p>
+          <a:p>
+            <a:pPr>
+              <a:lnSpc>
+                <a:spcPct val="150000"/>
+              </a:lnSpc>
+            </a:pPr>
+            <a:r>
+              <a:rPr lang="en-GB">
+                <a:latin typeface="+mj-lt"/>
+              </a:rPr>
+              <a:t>								</a:t>
+            </a:r>
+            <a:endParaRPr lang="en-US" i="1">
+              <a:latin typeface="+mj-lt"/>
+            </a:endParaRPr>
+          </a:p>
+        </p:txBody>
+      </p:sp>
+      <p:sp>
+        <p:nvSpPr>
+          <p:cNvPr id="6" name="TextBox 5">
+            <a:extLst>
+              <a:ext uri="{FF2B5EF4-FFF2-40B4-BE49-F238E27FC236}">
+                <a16:creationId xmlns:a16="http://schemas.microsoft.com/office/drawing/2014/main" id="{856C1E08-3200-4582-9674-396866998DA5}"/>
+              </a:ext>
+            </a:extLst>
+          </p:cNvPr>
+          <p:cNvSpPr txBox="1"/>
+          <p:nvPr/>
+        </p:nvSpPr>
+        <p:spPr>
+          <a:xfrm>
+            <a:off x="893115" y="1657949"/>
+            <a:ext cx="7315200" cy="400110"/>
+          </a:xfrm>
+          <a:prstGeom prst="rect">
+            <a:avLst/>
+          </a:prstGeom>
+          <a:noFill/>
+        </p:spPr>
+        <p:txBody>
+          <a:bodyPr wrap="square" rtlCol="0">
+            <a:spAutoFit/>
+          </a:bodyPr>
+          <a:lstStyle/>
+          <a:p>
+            <a:r>
+              <a:rPr lang="en-US" sz="2000" b="1" i="0">
+                <a:solidFill>
+                  <a:srgbClr val="231F20"/>
+                </a:solidFill>
+                <a:effectLst/>
+                <a:latin typeface="+mj-lt"/>
+              </a:rPr>
+              <a:t>Why would I use WebAssembly?</a:t>
+            </a:r>
+          </a:p>
+        </p:txBody>
+      </p:sp>
+    </p:spTree>
+    <p:extLst>
+      <p:ext uri="{BB962C8B-B14F-4D97-AF65-F5344CB8AC3E}">
+        <p14:creationId xmlns:p14="http://schemas.microsoft.com/office/powerpoint/2010/main" val="3871881990"/>
       </p:ext>
     </p:extLst>
   </p:cSld>

--- a/Documents/seminar.pptx
+++ b/Documents/seminar.pptx
@@ -216,7 +216,7 @@
           <a:p>
             <a:fld id="{C581406F-1F21-4F9E-BE6E-4D7E1553F1BC}" type="datetimeFigureOut">
               <a:rPr lang="en-US" smtClean="0"/>
-              <a:t>22-Nov-21</a:t>
+              <a:t>23-Nov-21</a:t>
             </a:fld>
             <a:endParaRPr lang="en-US"/>
           </a:p>
@@ -922,7 +922,7 @@
           <a:p>
             <a:fld id="{0650455F-BC93-47D9-B556-275B2E9BC018}" type="datetime1">
               <a:rPr lang="en-US" smtClean="0"/>
-              <a:t>22-Nov-21</a:t>
+              <a:t>23-Nov-21</a:t>
             </a:fld>
             <a:endParaRPr lang="en-US"/>
           </a:p>
@@ -1120,7 +1120,7 @@
           <a:p>
             <a:fld id="{0C744B2E-4846-49D3-8205-D63C1EEEF817}" type="datetime1">
               <a:rPr lang="en-US" smtClean="0"/>
-              <a:t>22-Nov-21</a:t>
+              <a:t>23-Nov-21</a:t>
             </a:fld>
             <a:endParaRPr lang="en-US"/>
           </a:p>
@@ -1328,7 +1328,7 @@
           <a:p>
             <a:fld id="{2732894A-1C0D-4DEB-85F0-6D077B8D45E2}" type="datetime1">
               <a:rPr lang="en-US" smtClean="0"/>
-              <a:t>22-Nov-21</a:t>
+              <a:t>23-Nov-21</a:t>
             </a:fld>
             <a:endParaRPr lang="en-US"/>
           </a:p>
@@ -1526,7 +1526,7 @@
           <a:p>
             <a:fld id="{0101BED8-DA05-4478-A06A-BAF15333D976}" type="datetime1">
               <a:rPr lang="en-US" smtClean="0"/>
-              <a:t>22-Nov-21</a:t>
+              <a:t>23-Nov-21</a:t>
             </a:fld>
             <a:endParaRPr lang="en-US"/>
           </a:p>
@@ -1801,7 +1801,7 @@
           <a:p>
             <a:fld id="{E28F145A-FD51-4BA0-855C-62F324EA7834}" type="datetime1">
               <a:rPr lang="en-US" smtClean="0"/>
-              <a:t>22-Nov-21</a:t>
+              <a:t>23-Nov-21</a:t>
             </a:fld>
             <a:endParaRPr lang="en-US"/>
           </a:p>
@@ -2066,7 +2066,7 @@
           <a:p>
             <a:fld id="{1E2BD6C9-5F85-4982-8EEA-A2ADB977B339}" type="datetime1">
               <a:rPr lang="en-US" smtClean="0"/>
-              <a:t>22-Nov-21</a:t>
+              <a:t>23-Nov-21</a:t>
             </a:fld>
             <a:endParaRPr lang="en-US"/>
           </a:p>
@@ -2478,7 +2478,7 @@
           <a:p>
             <a:fld id="{296AE375-EEF2-484E-AB35-EB1CC8805346}" type="datetime1">
               <a:rPr lang="en-US" smtClean="0"/>
-              <a:t>22-Nov-21</a:t>
+              <a:t>23-Nov-21</a:t>
             </a:fld>
             <a:endParaRPr lang="en-US"/>
           </a:p>
@@ -2619,7 +2619,7 @@
           <a:p>
             <a:fld id="{AB5E4988-2D44-440E-ACD7-B35950566467}" type="datetime1">
               <a:rPr lang="en-US" smtClean="0"/>
-              <a:t>22-Nov-21</a:t>
+              <a:t>23-Nov-21</a:t>
             </a:fld>
             <a:endParaRPr lang="en-US"/>
           </a:p>
@@ -2732,7 +2732,7 @@
           <a:p>
             <a:fld id="{CE3E1FC6-6226-4927-8376-47C561270091}" type="datetime1">
               <a:rPr lang="en-US" smtClean="0"/>
-              <a:t>22-Nov-21</a:t>
+              <a:t>23-Nov-21</a:t>
             </a:fld>
             <a:endParaRPr lang="en-US"/>
           </a:p>
@@ -3043,7 +3043,7 @@
           <a:p>
             <a:fld id="{ACAE6CC2-4C70-4BAF-B112-439620207357}" type="datetime1">
               <a:rPr lang="en-US" smtClean="0"/>
-              <a:t>22-Nov-21</a:t>
+              <a:t>23-Nov-21</a:t>
             </a:fld>
             <a:endParaRPr lang="en-US"/>
           </a:p>
@@ -3331,7 +3331,7 @@
           <a:p>
             <a:fld id="{D03365A8-8F6F-4B91-A926-DB266F3E1462}" type="datetime1">
               <a:rPr lang="en-US" smtClean="0"/>
-              <a:t>22-Nov-21</a:t>
+              <a:t>23-Nov-21</a:t>
             </a:fld>
             <a:endParaRPr lang="en-US"/>
           </a:p>
@@ -3572,7 +3572,7 @@
           <a:p>
             <a:fld id="{BAB4E235-8349-465F-BE2B-8ED4FB98405E}" type="datetime1">
               <a:rPr lang="en-US" smtClean="0"/>
-              <a:t>22-Nov-21</a:t>
+              <a:t>23-Nov-21</a:t>
             </a:fld>
             <a:endParaRPr lang="en-US"/>
           </a:p>
@@ -5051,8 +5051,8 @@
         </p:nvSpPr>
         <p:spPr>
           <a:xfrm>
-            <a:off x="648929" y="2734551"/>
-            <a:ext cx="11100619" cy="1109862"/>
+            <a:off x="1970202" y="2734551"/>
+            <a:ext cx="8333295" cy="1109862"/>
           </a:xfrm>
           <a:prstGeom prst="chevron">
             <a:avLst/>
@@ -5088,12 +5088,20 @@
           <a:p>
             <a:pPr algn="ctr"/>
             <a:r>
-              <a:rPr lang="en-US" sz="4400">
+              <a:rPr lang="en-US" sz="4400" dirty="0" err="1">
                 <a:solidFill>
                   <a:schemeClr val="bg1"/>
                 </a:solidFill>
               </a:rPr>
-              <a:t>Blazor WebAssembly and Blazor Server</a:t>
+              <a:t>Blazor</a:t>
+            </a:r>
+            <a:r>
+              <a:rPr lang="en-US" sz="4400" dirty="0">
+                <a:solidFill>
+                  <a:schemeClr val="bg1"/>
+                </a:solidFill>
+              </a:rPr>
+              <a:t> hosting models</a:t>
             </a:r>
           </a:p>
         </p:txBody>
@@ -5171,8 +5179,8 @@
         </p:nvSpPr>
         <p:spPr>
           <a:xfrm>
-            <a:off x="0" y="425224"/>
-            <a:ext cx="9152965" cy="694449"/>
+            <a:off x="1" y="425224"/>
+            <a:ext cx="5957740" cy="694449"/>
           </a:xfrm>
           <a:prstGeom prst="chevron">
             <a:avLst/>
@@ -5208,12 +5216,28 @@
           <a:p>
             <a:pPr algn="ctr"/>
             <a:r>
-              <a:rPr lang="en-US" sz="3600">
+              <a:rPr lang="en-US" sz="3600" dirty="0">
                 <a:solidFill>
                   <a:schemeClr val="bg1"/>
                 </a:solidFill>
               </a:rPr>
-              <a:t>3. Blazor WebAssembly and Blazor Server</a:t>
+              <a:t>3. </a:t>
+            </a:r>
+            <a:r>
+              <a:rPr lang="en-US" sz="3600" dirty="0" err="1">
+                <a:solidFill>
+                  <a:schemeClr val="bg1"/>
+                </a:solidFill>
+              </a:rPr>
+              <a:t>Blazor</a:t>
+            </a:r>
+            <a:r>
+              <a:rPr lang="en-US" sz="3600" dirty="0">
+                <a:solidFill>
+                  <a:schemeClr val="bg1"/>
+                </a:solidFill>
+              </a:rPr>
+              <a:t> hosting models</a:t>
             </a:r>
           </a:p>
         </p:txBody>
@@ -6732,9 +6756,14 @@
               <a:buAutoNum type="arabicPeriod"/>
             </a:pPr>
             <a:r>
-              <a:rPr lang="en-US" sz="2400"/>
-              <a:t>What is WebAssembly</a:t>
-            </a:r>
+              <a:rPr lang="en-US" sz="2400" dirty="0"/>
+              <a:t>What is </a:t>
+            </a:r>
+            <a:r>
+              <a:rPr lang="en-US" sz="2400" dirty="0" err="1"/>
+              <a:t>WebAssembly</a:t>
+            </a:r>
+            <a:endParaRPr lang="en-US" sz="2400" dirty="0"/>
           </a:p>
           <a:p>
             <a:pPr marL="342900" indent="-342900">
@@ -6744,9 +6773,14 @@
               <a:buAutoNum type="arabicPeriod"/>
             </a:pPr>
             <a:r>
-              <a:rPr lang="en-US" sz="2400"/>
-              <a:t>What is Blazor</a:t>
-            </a:r>
+              <a:rPr lang="en-US" sz="2400" dirty="0"/>
+              <a:t>What is </a:t>
+            </a:r>
+            <a:r>
+              <a:rPr lang="en-US" sz="2400" dirty="0" err="1"/>
+              <a:t>Blazor</a:t>
+            </a:r>
+            <a:endParaRPr lang="en-US" sz="2400" dirty="0"/>
           </a:p>
           <a:p>
             <a:pPr marL="342900" indent="-342900">
@@ -6756,8 +6790,12 @@
               <a:buAutoNum type="arabicPeriod"/>
             </a:pPr>
             <a:r>
-              <a:rPr lang="en-US" sz="2400"/>
-              <a:t>Blazor WebAssembly and Blazor Server</a:t>
+              <a:rPr lang="en-US" sz="2400" dirty="0" err="1"/>
+              <a:t>Blazor</a:t>
+            </a:r>
+            <a:r>
+              <a:rPr lang="en-US" sz="2400" dirty="0"/>
+              <a:t> hosting models</a:t>
             </a:r>
           </a:p>
           <a:p>
@@ -6769,8 +6807,16 @@
               <a:buAutoNum type="arabicPeriod"/>
             </a:pPr>
             <a:r>
-              <a:rPr lang="en-US" sz="2400"/>
-              <a:t>PROS and CONS of Blazor WebAssembly and Blazor Server</a:t>
+              <a:rPr lang="en-US" sz="2400" dirty="0"/>
+              <a:t>PROS and CONS of each </a:t>
+            </a:r>
+            <a:r>
+              <a:rPr lang="en-US" sz="2400" dirty="0" err="1"/>
+              <a:t>Blazor</a:t>
+            </a:r>
+            <a:r>
+              <a:rPr lang="en-US" sz="2400" dirty="0"/>
+              <a:t> hosting models</a:t>
             </a:r>
           </a:p>
           <a:p>
@@ -6782,7 +6828,7 @@
               <a:buAutoNum type="arabicPeriod"/>
             </a:pPr>
             <a:r>
-              <a:rPr lang="en-US" sz="2400"/>
+              <a:rPr lang="en-US" sz="2400" dirty="0"/>
               <a:t>Demo</a:t>
             </a:r>
           </a:p>

--- a/Documents/seminar.pptx
+++ b/Documents/seminar.pptx
@@ -14,12 +14,12 @@
     <p:sldId id="264" r:id="rId5"/>
     <p:sldId id="258" r:id="rId6"/>
     <p:sldId id="267" r:id="rId7"/>
-    <p:sldId id="268" r:id="rId8"/>
-    <p:sldId id="269" r:id="rId9"/>
-    <p:sldId id="266" r:id="rId10"/>
-    <p:sldId id="271" r:id="rId11"/>
-    <p:sldId id="272" r:id="rId12"/>
-    <p:sldId id="273" r:id="rId13"/>
+    <p:sldId id="269" r:id="rId8"/>
+    <p:sldId id="266" r:id="rId9"/>
+    <p:sldId id="271" r:id="rId10"/>
+    <p:sldId id="272" r:id="rId11"/>
+    <p:sldId id="273" r:id="rId12"/>
+    <p:sldId id="278" r:id="rId13"/>
     <p:sldId id="274" r:id="rId14"/>
     <p:sldId id="260" r:id="rId15"/>
     <p:sldId id="275" r:id="rId16"/>
@@ -216,7 +216,7 @@
           <a:p>
             <a:fld id="{C581406F-1F21-4F9E-BE6E-4D7E1553F1BC}" type="datetimeFigureOut">
               <a:rPr lang="en-US" smtClean="0"/>
-              <a:t>23-Nov-21</a:t>
+              <a:t>01-Mar-22</a:t>
             </a:fld>
             <a:endParaRPr lang="en-US"/>
           </a:p>
@@ -527,9 +527,319 @@
           <a:bodyPr/>
           <a:lstStyle/>
           <a:p>
-            <a:r>
-              <a:rPr lang="en-US"/>
-              <a:t>Show some games after this slides</a:t>
+            <a:pPr marL="228600" indent="-228600">
+              <a:buAutoNum type="arabicPeriod"/>
+            </a:pPr>
+            <a:r>
+              <a:rPr lang="en-US" dirty="0" err="1"/>
+              <a:t>Tìm</a:t>
+            </a:r>
+            <a:r>
+              <a:rPr lang="en-US" dirty="0"/>
+              <a:t> </a:t>
+            </a:r>
+            <a:r>
+              <a:rPr lang="en-US" dirty="0" err="1"/>
+              <a:t>hiểu</a:t>
+            </a:r>
+            <a:r>
+              <a:rPr lang="en-US" dirty="0"/>
+              <a:t> </a:t>
+            </a:r>
+            <a:r>
+              <a:rPr lang="en-US" dirty="0" err="1"/>
+              <a:t>công</a:t>
+            </a:r>
+            <a:r>
+              <a:rPr lang="en-US" dirty="0"/>
+              <a:t> </a:t>
+            </a:r>
+            <a:r>
+              <a:rPr lang="en-US" dirty="0" err="1"/>
+              <a:t>nghệ</a:t>
+            </a:r>
+            <a:r>
+              <a:rPr lang="en-US" dirty="0"/>
+              <a:t> </a:t>
+            </a:r>
+            <a:r>
+              <a:rPr lang="en-US" dirty="0" err="1"/>
+              <a:t>này</a:t>
+            </a:r>
+            <a:r>
+              <a:rPr lang="en-US" dirty="0"/>
+              <a:t>, </a:t>
+            </a:r>
+            <a:r>
+              <a:rPr lang="en-US" dirty="0" err="1"/>
+              <a:t>có</a:t>
+            </a:r>
+            <a:r>
+              <a:rPr lang="en-US" dirty="0"/>
+              <a:t> j </a:t>
+            </a:r>
+            <a:r>
+              <a:rPr lang="en-US" dirty="0" err="1"/>
+              <a:t>vui</a:t>
+            </a:r>
+            <a:r>
+              <a:rPr lang="en-US" dirty="0"/>
+              <a:t>, hay, </a:t>
+            </a:r>
+            <a:r>
+              <a:rPr lang="en-US" dirty="0" err="1"/>
+              <a:t>có</a:t>
+            </a:r>
+            <a:r>
+              <a:rPr lang="en-US" dirty="0"/>
+              <a:t> </a:t>
+            </a:r>
+            <a:r>
+              <a:rPr lang="en-US" dirty="0" err="1"/>
+              <a:t>lquan</a:t>
+            </a:r>
+            <a:r>
+              <a:rPr lang="en-US" dirty="0"/>
+              <a:t> j </a:t>
+            </a:r>
+            <a:r>
+              <a:rPr lang="en-US" dirty="0" err="1"/>
+              <a:t>tới</a:t>
+            </a:r>
+            <a:r>
+              <a:rPr lang="en-US" dirty="0"/>
+              <a:t> </a:t>
+            </a:r>
+            <a:r>
+              <a:rPr lang="en-US" dirty="0" err="1"/>
+              <a:t>blazor</a:t>
+            </a:r>
+            <a:r>
+              <a:rPr lang="en-US" dirty="0"/>
+              <a:t>?</a:t>
+            </a:r>
+          </a:p>
+          <a:p>
+            <a:pPr marL="228600" indent="-228600">
+              <a:buAutoNum type="arabicPeriod"/>
+            </a:pPr>
+            <a:r>
+              <a:rPr lang="en-US" dirty="0" err="1"/>
+              <a:t>Tìm</a:t>
+            </a:r>
+            <a:r>
+              <a:rPr lang="en-US" dirty="0"/>
+              <a:t> </a:t>
+            </a:r>
+            <a:r>
+              <a:rPr lang="en-US" dirty="0" err="1"/>
+              <a:t>hiểu</a:t>
+            </a:r>
+            <a:r>
+              <a:rPr lang="en-US" dirty="0"/>
+              <a:t> </a:t>
+            </a:r>
+            <a:r>
+              <a:rPr lang="en-US" dirty="0" err="1"/>
+              <a:t>blazor</a:t>
+            </a:r>
+            <a:r>
+              <a:rPr lang="en-US" dirty="0"/>
+              <a:t>, </a:t>
+            </a:r>
+            <a:r>
+              <a:rPr lang="en-US" dirty="0" err="1"/>
+              <a:t>đặc</a:t>
+            </a:r>
+            <a:r>
+              <a:rPr lang="en-US" dirty="0"/>
+              <a:t> </a:t>
+            </a:r>
+            <a:r>
+              <a:rPr lang="en-US" dirty="0" err="1"/>
+              <a:t>tính</a:t>
+            </a:r>
+            <a:endParaRPr lang="en-US" dirty="0"/>
+          </a:p>
+          <a:p>
+            <a:pPr marL="228600" indent="-228600">
+              <a:buAutoNum type="arabicPeriod"/>
+            </a:pPr>
+            <a:r>
+              <a:rPr lang="en-US" dirty="0" err="1"/>
+              <a:t>Gthieu</a:t>
+            </a:r>
+            <a:r>
+              <a:rPr lang="en-US" dirty="0"/>
+              <a:t> hosting </a:t>
+            </a:r>
+            <a:r>
+              <a:rPr lang="en-US" dirty="0" err="1"/>
+              <a:t>blazor</a:t>
+            </a:r>
+            <a:r>
+              <a:rPr lang="en-US" dirty="0"/>
+              <a:t> -&gt; </a:t>
+            </a:r>
+            <a:r>
+              <a:rPr lang="en-US" dirty="0" err="1"/>
+              <a:t>vdung</a:t>
+            </a:r>
+            <a:r>
+              <a:rPr lang="en-US" dirty="0"/>
+              <a:t> </a:t>
+            </a:r>
+            <a:r>
+              <a:rPr lang="en-US" dirty="0" err="1"/>
+              <a:t>vào</a:t>
+            </a:r>
+            <a:r>
+              <a:rPr lang="en-US" dirty="0"/>
+              <a:t> </a:t>
+            </a:r>
+            <a:r>
+              <a:rPr lang="en-US" dirty="0" err="1"/>
+              <a:t>iu</a:t>
+            </a:r>
+            <a:r>
+              <a:rPr lang="en-US" dirty="0"/>
+              <a:t> </a:t>
+            </a:r>
+            <a:r>
+              <a:rPr lang="en-US" dirty="0" err="1"/>
+              <a:t>cầu</a:t>
+            </a:r>
+            <a:r>
+              <a:rPr lang="en-US" dirty="0"/>
+              <a:t> </a:t>
+            </a:r>
+            <a:r>
+              <a:rPr lang="en-US" dirty="0" err="1"/>
+              <a:t>cụ</a:t>
+            </a:r>
+            <a:r>
+              <a:rPr lang="en-US" dirty="0"/>
+              <a:t> </a:t>
+            </a:r>
+            <a:r>
+              <a:rPr lang="en-US" dirty="0" err="1"/>
+              <a:t>thể</a:t>
+            </a:r>
+            <a:endParaRPr lang="en-US" dirty="0"/>
+          </a:p>
+          <a:p>
+            <a:pPr marL="228600" indent="-228600">
+              <a:buAutoNum type="arabicPeriod"/>
+            </a:pPr>
+            <a:r>
+              <a:rPr lang="en-US" dirty="0" err="1"/>
+              <a:t>Ưu</a:t>
+            </a:r>
+            <a:r>
+              <a:rPr lang="en-US" dirty="0"/>
+              <a:t> </a:t>
+            </a:r>
+            <a:r>
+              <a:rPr lang="en-US" dirty="0" err="1"/>
+              <a:t>nhược</a:t>
+            </a:r>
+            <a:r>
+              <a:rPr lang="en-US" dirty="0"/>
+              <a:t> </a:t>
+            </a:r>
+            <a:r>
+              <a:rPr lang="en-US" dirty="0" err="1"/>
+              <a:t>điểm</a:t>
+            </a:r>
+            <a:r>
+              <a:rPr lang="en-US" dirty="0"/>
+              <a:t> </a:t>
+            </a:r>
+            <a:r>
+              <a:rPr lang="en-US" dirty="0" err="1"/>
+              <a:t>mỗi</a:t>
+            </a:r>
+            <a:r>
+              <a:rPr lang="en-US" dirty="0"/>
+              <a:t> </a:t>
+            </a:r>
+            <a:r>
+              <a:rPr lang="en-US" dirty="0" err="1"/>
+              <a:t>loại</a:t>
+            </a:r>
+            <a:endParaRPr lang="en-US" dirty="0"/>
+          </a:p>
+          <a:p>
+            <a:pPr marL="228600" indent="-228600">
+              <a:buAutoNum type="arabicPeriod"/>
+            </a:pPr>
+            <a:r>
+              <a:rPr lang="en-US" dirty="0"/>
+              <a:t>Demo, </a:t>
+            </a:r>
+            <a:r>
+              <a:rPr lang="en-US" dirty="0" err="1"/>
+              <a:t>mổ</a:t>
+            </a:r>
+            <a:r>
+              <a:rPr lang="en-US" dirty="0"/>
+              <a:t> </a:t>
+            </a:r>
+            <a:r>
+              <a:rPr lang="en-US" dirty="0" err="1"/>
+              <a:t>xẻ</a:t>
+            </a:r>
+            <a:r>
+              <a:rPr lang="en-US" dirty="0"/>
+              <a:t> </a:t>
+            </a:r>
+            <a:r>
+              <a:rPr lang="en-US" dirty="0" err="1"/>
+              <a:t>proj</a:t>
+            </a:r>
+            <a:r>
+              <a:rPr lang="en-US" dirty="0"/>
+              <a:t>. Component </a:t>
+            </a:r>
+            <a:r>
+              <a:rPr lang="en-US" dirty="0" err="1"/>
+              <a:t>blazor</a:t>
+            </a:r>
+            <a:r>
+              <a:rPr lang="en-US" dirty="0"/>
+              <a:t> </a:t>
+            </a:r>
+            <a:r>
+              <a:rPr lang="en-US" dirty="0" err="1"/>
+              <a:t>sử</a:t>
+            </a:r>
+            <a:r>
+              <a:rPr lang="en-US" dirty="0"/>
+              <a:t> </a:t>
+            </a:r>
+            <a:r>
+              <a:rPr lang="en-US" dirty="0" err="1"/>
+              <a:t>dụng</a:t>
+            </a:r>
+            <a:r>
+              <a:rPr lang="en-US" dirty="0"/>
+              <a:t> </a:t>
+            </a:r>
+            <a:r>
+              <a:rPr lang="en-US" dirty="0" err="1"/>
+              <a:t>dễ</a:t>
+            </a:r>
+            <a:r>
+              <a:rPr lang="en-US" dirty="0"/>
+              <a:t> </a:t>
+            </a:r>
+            <a:r>
+              <a:rPr lang="en-US" dirty="0" err="1"/>
+              <a:t>dàng</a:t>
+            </a:r>
+            <a:r>
+              <a:rPr lang="en-US" dirty="0"/>
+              <a:t> hay ko?</a:t>
             </a:r>
           </a:p>
         </p:txBody>
@@ -551,7 +861,7 @@
           <a:p>
             <a:fld id="{1F672F56-6FAF-4F26-95A0-718CA3C86690}" type="slidenum">
               <a:rPr lang="en-US" smtClean="0"/>
-              <a:t>8</a:t>
+              <a:t>2</a:t>
             </a:fld>
             <a:endParaRPr lang="en-US"/>
           </a:p>
@@ -560,7 +870,2617 @@
     </p:spTree>
     <p:extLst>
       <p:ext uri="{BB962C8B-B14F-4D97-AF65-F5344CB8AC3E}">
-        <p14:creationId xmlns:p14="http://schemas.microsoft.com/office/powerpoint/2010/main" val="4184867403"/>
+        <p14:creationId xmlns:p14="http://schemas.microsoft.com/office/powerpoint/2010/main" val="3320888717"/>
+      </p:ext>
+    </p:extLst>
+  </p:cSld>
+  <p:clrMapOvr>
+    <a:masterClrMapping/>
+  </p:clrMapOvr>
+</p:notes>
+</file>
+
+<file path=ppt/notesSlides/notesSlide10.xml><?xml version="1.0" encoding="utf-8"?>
+<p:notes xmlns:a="http://schemas.openxmlformats.org/drawingml/2006/main" xmlns:r="http://schemas.openxmlformats.org/officeDocument/2006/relationships" xmlns:p="http://schemas.openxmlformats.org/presentationml/2006/main">
+  <p:cSld>
+    <p:spTree>
+      <p:nvGrpSpPr>
+        <p:cNvPr id="1" name=""/>
+        <p:cNvGrpSpPr/>
+        <p:nvPr/>
+      </p:nvGrpSpPr>
+      <p:grpSpPr>
+        <a:xfrm>
+          <a:off x="0" y="0"/>
+          <a:ext cx="0" cy="0"/>
+          <a:chOff x="0" y="0"/>
+          <a:chExt cx="0" cy="0"/>
+        </a:xfrm>
+      </p:grpSpPr>
+      <p:sp>
+        <p:nvSpPr>
+          <p:cNvPr id="2" name="Slide Image Placeholder 1"/>
+          <p:cNvSpPr>
+            <a:spLocks noGrp="1" noRot="1" noChangeAspect="1"/>
+          </p:cNvSpPr>
+          <p:nvPr>
+            <p:ph type="sldImg"/>
+          </p:nvPr>
+        </p:nvSpPr>
+        <p:spPr/>
+      </p:sp>
+      <p:sp>
+        <p:nvSpPr>
+          <p:cNvPr id="3" name="Notes Placeholder 2"/>
+          <p:cNvSpPr>
+            <a:spLocks noGrp="1"/>
+          </p:cNvSpPr>
+          <p:nvPr>
+            <p:ph type="body" idx="1"/>
+          </p:nvPr>
+        </p:nvSpPr>
+        <p:spPr/>
+        <p:txBody>
+          <a:bodyPr/>
+          <a:lstStyle/>
+          <a:p>
+            <a:endParaRPr lang="en-US" dirty="0"/>
+          </a:p>
+        </p:txBody>
+      </p:sp>
+      <p:sp>
+        <p:nvSpPr>
+          <p:cNvPr id="4" name="Slide Number Placeholder 3"/>
+          <p:cNvSpPr>
+            <a:spLocks noGrp="1"/>
+          </p:cNvSpPr>
+          <p:nvPr>
+            <p:ph type="sldNum" sz="quarter" idx="5"/>
+          </p:nvPr>
+        </p:nvSpPr>
+        <p:spPr/>
+        <p:txBody>
+          <a:bodyPr/>
+          <a:lstStyle/>
+          <a:p>
+            <a:fld id="{1F672F56-6FAF-4F26-95A0-718CA3C86690}" type="slidenum">
+              <a:rPr lang="en-US" smtClean="0"/>
+              <a:t>13</a:t>
+            </a:fld>
+            <a:endParaRPr lang="en-US"/>
+          </a:p>
+        </p:txBody>
+      </p:sp>
+    </p:spTree>
+    <p:extLst>
+      <p:ext uri="{BB962C8B-B14F-4D97-AF65-F5344CB8AC3E}">
+        <p14:creationId xmlns:p14="http://schemas.microsoft.com/office/powerpoint/2010/main" val="1149837366"/>
+      </p:ext>
+    </p:extLst>
+  </p:cSld>
+  <p:clrMapOvr>
+    <a:masterClrMapping/>
+  </p:clrMapOvr>
+</p:notes>
+</file>
+
+<file path=ppt/notesSlides/notesSlide11.xml><?xml version="1.0" encoding="utf-8"?>
+<p:notes xmlns:a="http://schemas.openxmlformats.org/drawingml/2006/main" xmlns:r="http://schemas.openxmlformats.org/officeDocument/2006/relationships" xmlns:p="http://schemas.openxmlformats.org/presentationml/2006/main">
+  <p:cSld>
+    <p:spTree>
+      <p:nvGrpSpPr>
+        <p:cNvPr id="1" name=""/>
+        <p:cNvGrpSpPr/>
+        <p:nvPr/>
+      </p:nvGrpSpPr>
+      <p:grpSpPr>
+        <a:xfrm>
+          <a:off x="0" y="0"/>
+          <a:ext cx="0" cy="0"/>
+          <a:chOff x="0" y="0"/>
+          <a:chExt cx="0" cy="0"/>
+        </a:xfrm>
+      </p:grpSpPr>
+      <p:sp>
+        <p:nvSpPr>
+          <p:cNvPr id="2" name="Slide Image Placeholder 1"/>
+          <p:cNvSpPr>
+            <a:spLocks noGrp="1" noRot="1" noChangeAspect="1"/>
+          </p:cNvSpPr>
+          <p:nvPr>
+            <p:ph type="sldImg"/>
+          </p:nvPr>
+        </p:nvSpPr>
+        <p:spPr/>
+      </p:sp>
+      <p:sp>
+        <p:nvSpPr>
+          <p:cNvPr id="3" name="Notes Placeholder 2"/>
+          <p:cNvSpPr>
+            <a:spLocks noGrp="1"/>
+          </p:cNvSpPr>
+          <p:nvPr>
+            <p:ph type="body" idx="1"/>
+          </p:nvPr>
+        </p:nvSpPr>
+        <p:spPr/>
+        <p:txBody>
+          <a:bodyPr/>
+          <a:lstStyle/>
+          <a:p>
+            <a:r>
+              <a:rPr lang="en-US" dirty="0" err="1"/>
+              <a:t>Blazor</a:t>
+            </a:r>
+            <a:r>
+              <a:rPr lang="en-US" dirty="0"/>
+              <a:t> server: </a:t>
+            </a:r>
+            <a:r>
+              <a:rPr lang="en-US" dirty="0" err="1"/>
+              <a:t>thực</a:t>
+            </a:r>
+            <a:r>
+              <a:rPr lang="en-US" dirty="0"/>
+              <a:t> </a:t>
+            </a:r>
+            <a:r>
+              <a:rPr lang="en-US" dirty="0" err="1"/>
+              <a:t>thi</a:t>
+            </a:r>
+            <a:r>
+              <a:rPr lang="en-US" dirty="0"/>
+              <a:t> </a:t>
+            </a:r>
+            <a:r>
+              <a:rPr lang="en-US" dirty="0" err="1"/>
+              <a:t>hết</a:t>
+            </a:r>
+            <a:r>
+              <a:rPr lang="en-US" dirty="0"/>
+              <a:t> ở server -&gt; </a:t>
+            </a:r>
+            <a:r>
+              <a:rPr lang="en-US" dirty="0" err="1"/>
+              <a:t>thông</a:t>
+            </a:r>
+            <a:r>
+              <a:rPr lang="en-US" dirty="0"/>
+              <a:t> qua </a:t>
+            </a:r>
+            <a:r>
+              <a:rPr lang="en-US" dirty="0" err="1"/>
+              <a:t>SignalR</a:t>
+            </a:r>
+            <a:r>
+              <a:rPr lang="en-US" dirty="0"/>
+              <a:t> -&gt; </a:t>
+            </a:r>
+            <a:r>
+              <a:rPr lang="en-US" dirty="0" err="1"/>
+              <a:t>tương</a:t>
+            </a:r>
+            <a:r>
+              <a:rPr lang="en-US" dirty="0"/>
+              <a:t> </a:t>
+            </a:r>
+            <a:r>
+              <a:rPr lang="en-US" dirty="0" err="1"/>
+              <a:t>tự</a:t>
+            </a:r>
+            <a:r>
+              <a:rPr lang="en-US" dirty="0"/>
+              <a:t> </a:t>
+            </a:r>
+            <a:r>
+              <a:rPr lang="en-US" dirty="0" err="1"/>
+              <a:t>bên</a:t>
+            </a:r>
+            <a:r>
+              <a:rPr lang="en-US" dirty="0"/>
+              <a:t> client, update UI,… -&gt; </a:t>
+            </a:r>
+            <a:r>
+              <a:rPr lang="en-US" dirty="0" err="1"/>
+              <a:t>gửi</a:t>
+            </a:r>
+            <a:r>
+              <a:rPr lang="en-US" dirty="0"/>
+              <a:t> </a:t>
+            </a:r>
+            <a:r>
+              <a:rPr lang="en-US" dirty="0" err="1"/>
+              <a:t>SignalR</a:t>
+            </a:r>
+            <a:r>
+              <a:rPr lang="en-US" dirty="0"/>
+              <a:t> </a:t>
+            </a:r>
+            <a:r>
+              <a:rPr lang="en-US" dirty="0" err="1"/>
+              <a:t>cho</a:t>
+            </a:r>
+            <a:r>
+              <a:rPr lang="en-US" dirty="0"/>
+              <a:t> server</a:t>
+            </a:r>
+          </a:p>
+          <a:p>
+            <a:r>
+              <a:rPr lang="en-US" dirty="0" err="1"/>
+              <a:t>SignalR</a:t>
+            </a:r>
+            <a:r>
+              <a:rPr lang="en-US" dirty="0"/>
+              <a:t>: </a:t>
+            </a:r>
+            <a:r>
+              <a:rPr lang="en-US" dirty="0" err="1"/>
+              <a:t>kthuat</a:t>
+            </a:r>
+            <a:r>
+              <a:rPr lang="en-US" dirty="0"/>
+              <a:t> </a:t>
+            </a:r>
+            <a:r>
+              <a:rPr lang="en-US" dirty="0" err="1"/>
+              <a:t>của</a:t>
+            </a:r>
+            <a:r>
+              <a:rPr lang="en-US" dirty="0"/>
+              <a:t> Microsoft, </a:t>
+            </a:r>
+            <a:r>
+              <a:rPr lang="en-US" dirty="0" err="1"/>
+              <a:t>hdong</a:t>
+            </a:r>
+            <a:r>
+              <a:rPr lang="en-US" dirty="0"/>
+              <a:t> </a:t>
+            </a:r>
+            <a:r>
+              <a:rPr lang="en-US" dirty="0" err="1"/>
+              <a:t>trên</a:t>
+            </a:r>
+            <a:r>
+              <a:rPr lang="en-US" dirty="0"/>
+              <a:t> </a:t>
+            </a:r>
+            <a:r>
+              <a:rPr lang="en-US" dirty="0" err="1"/>
+              <a:t>cơ</a:t>
+            </a:r>
+            <a:r>
+              <a:rPr lang="en-US" dirty="0"/>
+              <a:t> </a:t>
+            </a:r>
+            <a:r>
+              <a:rPr lang="en-US" dirty="0" err="1"/>
+              <a:t>chế</a:t>
+            </a:r>
+            <a:r>
+              <a:rPr lang="en-US" dirty="0"/>
+              <a:t> </a:t>
+            </a:r>
+            <a:r>
+              <a:rPr lang="en-US" dirty="0" err="1"/>
+              <a:t>websocket</a:t>
+            </a:r>
+            <a:endParaRPr lang="en-US" dirty="0"/>
+          </a:p>
+          <a:p>
+            <a:r>
+              <a:rPr lang="en-US" dirty="0" err="1"/>
+              <a:t>Blazor</a:t>
+            </a:r>
+            <a:r>
+              <a:rPr lang="en-US" dirty="0"/>
+              <a:t> server ko </a:t>
+            </a:r>
+            <a:r>
+              <a:rPr lang="en-US" dirty="0" err="1"/>
+              <a:t>sử</a:t>
+            </a:r>
+            <a:r>
+              <a:rPr lang="en-US" dirty="0"/>
+              <a:t> </a:t>
+            </a:r>
+            <a:r>
+              <a:rPr lang="en-US" dirty="0" err="1"/>
+              <a:t>dụng</a:t>
+            </a:r>
+            <a:r>
+              <a:rPr lang="en-US" dirty="0"/>
+              <a:t> </a:t>
+            </a:r>
+            <a:r>
+              <a:rPr lang="en-US" dirty="0" err="1"/>
+              <a:t>kthuat</a:t>
+            </a:r>
+            <a:r>
+              <a:rPr lang="en-US" dirty="0"/>
+              <a:t> web assembly</a:t>
+            </a:r>
+          </a:p>
+          <a:p>
+            <a:endParaRPr lang="en-US" dirty="0"/>
+          </a:p>
+          <a:p>
+            <a:r>
+              <a:rPr lang="en-US" dirty="0" err="1"/>
+              <a:t>Blazor</a:t>
+            </a:r>
+            <a:r>
+              <a:rPr lang="en-US" dirty="0"/>
+              <a:t> </a:t>
+            </a:r>
+            <a:r>
+              <a:rPr lang="en-US" dirty="0" err="1"/>
+              <a:t>webassembly</a:t>
+            </a:r>
+            <a:r>
+              <a:rPr lang="en-US" dirty="0"/>
+              <a:t>: </a:t>
+            </a:r>
+            <a:r>
+              <a:rPr lang="en-US" dirty="0" err="1"/>
+              <a:t>kế</a:t>
+            </a:r>
+            <a:r>
+              <a:rPr lang="en-US" dirty="0"/>
+              <a:t> </a:t>
+            </a:r>
+            <a:r>
+              <a:rPr lang="en-US" dirty="0" err="1"/>
+              <a:t>thừa</a:t>
+            </a:r>
+            <a:r>
+              <a:rPr lang="en-US" dirty="0"/>
+              <a:t> </a:t>
+            </a:r>
+            <a:r>
+              <a:rPr lang="en-US" dirty="0" err="1"/>
+              <a:t>toàn</a:t>
+            </a:r>
+            <a:r>
+              <a:rPr lang="en-US" dirty="0"/>
+              <a:t> </a:t>
+            </a:r>
+            <a:r>
+              <a:rPr lang="en-US" dirty="0" err="1"/>
+              <a:t>bộ</a:t>
+            </a:r>
+            <a:r>
+              <a:rPr lang="en-US" dirty="0"/>
+              <a:t> </a:t>
+            </a:r>
+            <a:r>
+              <a:rPr lang="en-US" dirty="0" err="1"/>
+              <a:t>ưu</a:t>
+            </a:r>
+            <a:r>
+              <a:rPr lang="en-US" dirty="0"/>
+              <a:t> </a:t>
+            </a:r>
+            <a:r>
+              <a:rPr lang="en-US" dirty="0" err="1"/>
+              <a:t>điểm</a:t>
+            </a:r>
+            <a:r>
+              <a:rPr lang="en-US" dirty="0"/>
+              <a:t> </a:t>
+            </a:r>
+            <a:r>
+              <a:rPr lang="en-US" dirty="0" err="1"/>
+              <a:t>của</a:t>
+            </a:r>
+            <a:r>
+              <a:rPr lang="en-US" dirty="0"/>
+              <a:t> </a:t>
+            </a:r>
+            <a:r>
+              <a:rPr lang="en-US" dirty="0" err="1"/>
+              <a:t>webassembly</a:t>
+            </a:r>
+            <a:endParaRPr lang="en-US" dirty="0"/>
+          </a:p>
+          <a:p>
+            <a:endParaRPr lang="en-US" dirty="0"/>
+          </a:p>
+          <a:p>
+            <a:r>
+              <a:rPr lang="en-US" dirty="0" err="1"/>
+              <a:t>Khác</a:t>
+            </a:r>
+            <a:r>
+              <a:rPr lang="en-US" dirty="0"/>
+              <a:t> </a:t>
+            </a:r>
+            <a:r>
+              <a:rPr lang="en-US" dirty="0" err="1"/>
+              <a:t>biệt</a:t>
+            </a:r>
+            <a:r>
+              <a:rPr lang="en-US" dirty="0"/>
+              <a:t> </a:t>
+            </a:r>
+            <a:r>
+              <a:rPr lang="en-US" dirty="0" err="1"/>
+              <a:t>lớn</a:t>
+            </a:r>
+            <a:r>
+              <a:rPr lang="en-US" dirty="0"/>
+              <a:t> </a:t>
+            </a:r>
+            <a:r>
+              <a:rPr lang="en-US" dirty="0" err="1"/>
+              <a:t>nhất</a:t>
+            </a:r>
+            <a:endParaRPr lang="en-US" dirty="0"/>
+          </a:p>
+          <a:p>
+            <a:r>
+              <a:rPr lang="en-US" dirty="0" err="1"/>
+              <a:t>Blazor</a:t>
+            </a:r>
+            <a:r>
+              <a:rPr lang="en-US" dirty="0"/>
+              <a:t> Web assembly download </a:t>
+            </a:r>
+            <a:r>
+              <a:rPr lang="en-US" dirty="0" err="1"/>
+              <a:t>toàn</a:t>
+            </a:r>
+            <a:r>
+              <a:rPr lang="en-US" dirty="0"/>
+              <a:t> </a:t>
+            </a:r>
+            <a:r>
+              <a:rPr lang="en-US" dirty="0" err="1"/>
+              <a:t>bộ</a:t>
+            </a:r>
+            <a:r>
+              <a:rPr lang="en-US" dirty="0"/>
+              <a:t> application </a:t>
+            </a:r>
+            <a:r>
+              <a:rPr lang="en-US" dirty="0" err="1"/>
+              <a:t>về</a:t>
+            </a:r>
+            <a:r>
+              <a:rPr lang="en-US" dirty="0"/>
+              <a:t> browser</a:t>
+            </a:r>
+          </a:p>
+          <a:p>
+            <a:r>
+              <a:rPr lang="en-US" dirty="0" err="1"/>
+              <a:t>Blazor</a:t>
+            </a:r>
+            <a:r>
+              <a:rPr lang="en-US" dirty="0"/>
+              <a:t> server: download 1 </a:t>
+            </a:r>
+            <a:r>
+              <a:rPr lang="en-US" dirty="0" err="1"/>
+              <a:t>phần</a:t>
+            </a:r>
+            <a:r>
+              <a:rPr lang="en-US" dirty="0"/>
+              <a:t>, </a:t>
+            </a:r>
+            <a:r>
+              <a:rPr lang="en-US" dirty="0" err="1"/>
+              <a:t>cần</a:t>
+            </a:r>
+            <a:r>
+              <a:rPr lang="en-US" dirty="0"/>
+              <a:t> </a:t>
+            </a:r>
+            <a:r>
+              <a:rPr lang="en-US" dirty="0" err="1"/>
+              <a:t>thì</a:t>
+            </a:r>
+            <a:r>
+              <a:rPr lang="en-US" dirty="0"/>
+              <a:t> download </a:t>
+            </a:r>
+            <a:r>
+              <a:rPr lang="en-US" dirty="0" err="1"/>
+              <a:t>tiếp</a:t>
+            </a:r>
+            <a:endParaRPr lang="en-US" dirty="0"/>
+          </a:p>
+          <a:p>
+            <a:endParaRPr lang="en-US" dirty="0"/>
+          </a:p>
+          <a:p>
+            <a:r>
+              <a:rPr lang="en-US" dirty="0"/>
+              <a:t>-&gt; </a:t>
+            </a:r>
+            <a:r>
+              <a:rPr lang="en-US" dirty="0" err="1"/>
+              <a:t>hiểu</a:t>
+            </a:r>
+            <a:r>
+              <a:rPr lang="en-US" dirty="0"/>
+              <a:t> </a:t>
+            </a:r>
+            <a:r>
+              <a:rPr lang="en-US" dirty="0" err="1"/>
+              <a:t>rõ</a:t>
+            </a:r>
+            <a:r>
+              <a:rPr lang="en-US" dirty="0"/>
+              <a:t> </a:t>
+            </a:r>
+            <a:r>
+              <a:rPr lang="en-US" dirty="0" err="1"/>
+              <a:t>hơn</a:t>
+            </a:r>
+            <a:r>
+              <a:rPr lang="en-US" dirty="0"/>
+              <a:t> -&gt; qua slide </a:t>
+            </a:r>
+            <a:r>
+              <a:rPr lang="en-US" dirty="0" err="1"/>
+              <a:t>tiếp</a:t>
+            </a:r>
+            <a:r>
+              <a:rPr lang="en-US" dirty="0"/>
+              <a:t> </a:t>
+            </a:r>
+            <a:r>
+              <a:rPr lang="en-US" dirty="0" err="1"/>
+              <a:t>theo</a:t>
+            </a:r>
+            <a:r>
+              <a:rPr lang="en-US" dirty="0"/>
+              <a:t> </a:t>
+            </a:r>
+            <a:r>
+              <a:rPr lang="en-US" dirty="0" err="1"/>
+              <a:t>về</a:t>
+            </a:r>
+            <a:r>
+              <a:rPr lang="en-US" dirty="0"/>
+              <a:t> </a:t>
+            </a:r>
+            <a:r>
+              <a:rPr lang="en-US" dirty="0" err="1"/>
+              <a:t>ưu</a:t>
+            </a:r>
+            <a:r>
+              <a:rPr lang="en-US" dirty="0"/>
+              <a:t> </a:t>
+            </a:r>
+            <a:r>
+              <a:rPr lang="en-US" dirty="0" err="1"/>
+              <a:t>nhược</a:t>
+            </a:r>
+            <a:r>
+              <a:rPr lang="en-US" dirty="0"/>
+              <a:t> </a:t>
+            </a:r>
+            <a:r>
+              <a:rPr lang="en-US" dirty="0" err="1"/>
+              <a:t>điểm</a:t>
+            </a:r>
+            <a:endParaRPr lang="en-US" dirty="0"/>
+          </a:p>
+        </p:txBody>
+      </p:sp>
+      <p:sp>
+        <p:nvSpPr>
+          <p:cNvPr id="4" name="Slide Number Placeholder 3"/>
+          <p:cNvSpPr>
+            <a:spLocks noGrp="1"/>
+          </p:cNvSpPr>
+          <p:nvPr>
+            <p:ph type="sldNum" sz="quarter" idx="5"/>
+          </p:nvPr>
+        </p:nvSpPr>
+        <p:spPr/>
+        <p:txBody>
+          <a:bodyPr/>
+          <a:lstStyle/>
+          <a:p>
+            <a:fld id="{1F672F56-6FAF-4F26-95A0-718CA3C86690}" type="slidenum">
+              <a:rPr lang="en-US" smtClean="0"/>
+              <a:t>14</a:t>
+            </a:fld>
+            <a:endParaRPr lang="en-US"/>
+          </a:p>
+        </p:txBody>
+      </p:sp>
+    </p:spTree>
+    <p:extLst>
+      <p:ext uri="{BB962C8B-B14F-4D97-AF65-F5344CB8AC3E}">
+        <p14:creationId xmlns:p14="http://schemas.microsoft.com/office/powerpoint/2010/main" val="567154119"/>
+      </p:ext>
+    </p:extLst>
+  </p:cSld>
+  <p:clrMapOvr>
+    <a:masterClrMapping/>
+  </p:clrMapOvr>
+</p:notes>
+</file>
+
+<file path=ppt/notesSlides/notesSlide12.xml><?xml version="1.0" encoding="utf-8"?>
+<p:notes xmlns:a="http://schemas.openxmlformats.org/drawingml/2006/main" xmlns:r="http://schemas.openxmlformats.org/officeDocument/2006/relationships" xmlns:p="http://schemas.openxmlformats.org/presentationml/2006/main">
+  <p:cSld>
+    <p:spTree>
+      <p:nvGrpSpPr>
+        <p:cNvPr id="1" name=""/>
+        <p:cNvGrpSpPr/>
+        <p:nvPr/>
+      </p:nvGrpSpPr>
+      <p:grpSpPr>
+        <a:xfrm>
+          <a:off x="0" y="0"/>
+          <a:ext cx="0" cy="0"/>
+          <a:chOff x="0" y="0"/>
+          <a:chExt cx="0" cy="0"/>
+        </a:xfrm>
+      </p:grpSpPr>
+      <p:sp>
+        <p:nvSpPr>
+          <p:cNvPr id="2" name="Slide Image Placeholder 1"/>
+          <p:cNvSpPr>
+            <a:spLocks noGrp="1" noRot="1" noChangeAspect="1"/>
+          </p:cNvSpPr>
+          <p:nvPr>
+            <p:ph type="sldImg"/>
+          </p:nvPr>
+        </p:nvSpPr>
+        <p:spPr/>
+      </p:sp>
+      <p:sp>
+        <p:nvSpPr>
+          <p:cNvPr id="3" name="Notes Placeholder 2"/>
+          <p:cNvSpPr>
+            <a:spLocks noGrp="1"/>
+          </p:cNvSpPr>
+          <p:nvPr>
+            <p:ph type="body" idx="1"/>
+          </p:nvPr>
+        </p:nvSpPr>
+        <p:spPr/>
+        <p:txBody>
+          <a:bodyPr/>
+          <a:lstStyle/>
+          <a:p>
+            <a:r>
+              <a:rPr lang="en-US" dirty="0"/>
+              <a:t>Good performance</a:t>
+            </a:r>
+          </a:p>
+          <a:p>
+            <a:pPr marL="0" marR="0" lvl="0" indent="0" algn="l" defTabSz="914400" rtl="0" eaLnBrk="1" fontAlgn="auto" latinLnBrk="0" hangingPunct="1">
+              <a:lnSpc>
+                <a:spcPct val="100000"/>
+              </a:lnSpc>
+              <a:spcBef>
+                <a:spcPts val="0"/>
+              </a:spcBef>
+              <a:spcAft>
+                <a:spcPts val="0"/>
+              </a:spcAft>
+              <a:buClrTx/>
+              <a:buSzTx/>
+              <a:buFontTx/>
+              <a:buNone/>
+              <a:tabLst/>
+              <a:defRPr/>
+            </a:pPr>
+            <a:r>
+              <a:rPr lang="en-US" dirty="0">
+                <a:latin typeface="+mj-lt"/>
+              </a:rPr>
+              <a:t>Progressive Web App (PWA) : website </a:t>
+            </a:r>
+            <a:r>
+              <a:rPr lang="en-US" dirty="0" err="1">
+                <a:latin typeface="+mj-lt"/>
+              </a:rPr>
+              <a:t>nhìn</a:t>
+            </a:r>
+            <a:r>
+              <a:rPr lang="en-US" dirty="0">
+                <a:latin typeface="+mj-lt"/>
+              </a:rPr>
+              <a:t> ko </a:t>
+            </a:r>
+            <a:r>
+              <a:rPr lang="en-US" dirty="0" err="1">
+                <a:latin typeface="+mj-lt"/>
+              </a:rPr>
+              <a:t>khác</a:t>
+            </a:r>
+            <a:r>
+              <a:rPr lang="en-US" dirty="0">
+                <a:latin typeface="+mj-lt"/>
+              </a:rPr>
+              <a:t> j 1 </a:t>
+            </a:r>
+            <a:r>
+              <a:rPr lang="en-US" dirty="0" err="1">
+                <a:latin typeface="+mj-lt"/>
+              </a:rPr>
+              <a:t>ứng</a:t>
+            </a:r>
+            <a:r>
+              <a:rPr lang="en-US" dirty="0">
+                <a:latin typeface="+mj-lt"/>
+              </a:rPr>
+              <a:t> </a:t>
+            </a:r>
+            <a:r>
+              <a:rPr lang="en-US" dirty="0" err="1">
+                <a:latin typeface="+mj-lt"/>
+              </a:rPr>
+              <a:t>dụng</a:t>
+            </a:r>
+            <a:r>
+              <a:rPr lang="en-US" dirty="0">
+                <a:latin typeface="+mj-lt"/>
+              </a:rPr>
+              <a:t> </a:t>
+            </a:r>
+            <a:r>
+              <a:rPr lang="en-US" dirty="0" err="1">
+                <a:latin typeface="+mj-lt"/>
+              </a:rPr>
+              <a:t>thông</a:t>
+            </a:r>
+            <a:r>
+              <a:rPr lang="en-US" dirty="0">
+                <a:latin typeface="+mj-lt"/>
+              </a:rPr>
+              <a:t> </a:t>
+            </a:r>
+            <a:r>
+              <a:rPr lang="en-US" dirty="0" err="1">
+                <a:latin typeface="+mj-lt"/>
+              </a:rPr>
+              <a:t>thường</a:t>
+            </a:r>
+            <a:endParaRPr lang="en-US" dirty="0">
+              <a:latin typeface="+mj-lt"/>
+            </a:endParaRPr>
+          </a:p>
+          <a:p>
+            <a:pPr marL="0" marR="0" lvl="0" indent="0" algn="l" defTabSz="914400" rtl="0" eaLnBrk="1" fontAlgn="auto" latinLnBrk="0" hangingPunct="1">
+              <a:lnSpc>
+                <a:spcPct val="100000"/>
+              </a:lnSpc>
+              <a:spcBef>
+                <a:spcPts val="0"/>
+              </a:spcBef>
+              <a:spcAft>
+                <a:spcPts val="0"/>
+              </a:spcAft>
+              <a:buClrTx/>
+              <a:buSzTx/>
+              <a:buFontTx/>
+              <a:buNone/>
+              <a:tabLst/>
+              <a:defRPr/>
+            </a:pPr>
+            <a:r>
+              <a:rPr lang="en-US" dirty="0">
+                <a:latin typeface="+mj-lt"/>
+              </a:rPr>
+              <a:t>Khi ng dung </a:t>
+            </a:r>
+            <a:r>
+              <a:rPr lang="en-US" dirty="0" err="1">
+                <a:latin typeface="+mj-lt"/>
+              </a:rPr>
+              <a:t>mở</a:t>
+            </a:r>
+            <a:r>
+              <a:rPr lang="en-US" dirty="0">
+                <a:latin typeface="+mj-lt"/>
+              </a:rPr>
+              <a:t> PWA ở </a:t>
+            </a:r>
+            <a:r>
+              <a:rPr lang="en-US" dirty="0" err="1">
+                <a:latin typeface="+mj-lt"/>
+              </a:rPr>
+              <a:t>trình</a:t>
+            </a:r>
+            <a:r>
+              <a:rPr lang="en-US" dirty="0">
+                <a:latin typeface="+mj-lt"/>
+              </a:rPr>
+              <a:t> </a:t>
+            </a:r>
+            <a:r>
+              <a:rPr lang="en-US" dirty="0" err="1">
+                <a:latin typeface="+mj-lt"/>
+              </a:rPr>
+              <a:t>duyệt</a:t>
+            </a:r>
+            <a:r>
+              <a:rPr lang="en-US" dirty="0">
+                <a:latin typeface="+mj-lt"/>
+              </a:rPr>
+              <a:t> -&gt; </a:t>
+            </a:r>
+            <a:r>
+              <a:rPr lang="en-US" dirty="0" err="1">
+                <a:latin typeface="+mj-lt"/>
+              </a:rPr>
+              <a:t>thông</a:t>
+            </a:r>
+            <a:r>
+              <a:rPr lang="en-US" dirty="0">
+                <a:latin typeface="+mj-lt"/>
+              </a:rPr>
+              <a:t> </a:t>
+            </a:r>
+            <a:r>
+              <a:rPr lang="en-US" dirty="0" err="1">
+                <a:latin typeface="+mj-lt"/>
+              </a:rPr>
+              <a:t>báo</a:t>
+            </a:r>
+            <a:r>
+              <a:rPr lang="en-US" dirty="0">
+                <a:latin typeface="+mj-lt"/>
+              </a:rPr>
+              <a:t> </a:t>
+            </a:r>
+            <a:r>
+              <a:rPr lang="en-US" dirty="0" err="1">
+                <a:latin typeface="+mj-lt"/>
+              </a:rPr>
+              <a:t>cài</a:t>
+            </a:r>
+            <a:r>
+              <a:rPr lang="en-US" dirty="0">
+                <a:latin typeface="+mj-lt"/>
+              </a:rPr>
+              <a:t> </a:t>
+            </a:r>
+            <a:r>
+              <a:rPr lang="en-US" dirty="0" err="1">
+                <a:latin typeface="+mj-lt"/>
+              </a:rPr>
+              <a:t>đặt</a:t>
+            </a:r>
+            <a:r>
+              <a:rPr lang="en-US" dirty="0">
+                <a:latin typeface="+mj-lt"/>
+              </a:rPr>
+              <a:t> ở </a:t>
+            </a:r>
+            <a:r>
+              <a:rPr lang="en-US" dirty="0" err="1">
+                <a:latin typeface="+mj-lt"/>
+              </a:rPr>
+              <a:t>dthoai</a:t>
+            </a:r>
+            <a:r>
+              <a:rPr lang="en-US" dirty="0">
+                <a:latin typeface="+mj-lt"/>
+              </a:rPr>
+              <a:t> -&gt; </a:t>
+            </a:r>
+            <a:r>
+              <a:rPr lang="en-US" dirty="0" err="1">
+                <a:latin typeface="+mj-lt"/>
+              </a:rPr>
+              <a:t>cài</a:t>
+            </a:r>
+            <a:r>
+              <a:rPr lang="en-US" dirty="0">
+                <a:latin typeface="+mj-lt"/>
+              </a:rPr>
+              <a:t> </a:t>
+            </a:r>
+            <a:r>
+              <a:rPr lang="en-US" dirty="0" err="1">
+                <a:latin typeface="+mj-lt"/>
+              </a:rPr>
+              <a:t>xong</a:t>
+            </a:r>
+            <a:r>
+              <a:rPr lang="en-US" dirty="0">
+                <a:latin typeface="+mj-lt"/>
+              </a:rPr>
+              <a:t> -&gt; icon </a:t>
+            </a:r>
+            <a:r>
+              <a:rPr lang="en-US" dirty="0" err="1">
+                <a:latin typeface="+mj-lt"/>
+              </a:rPr>
+              <a:t>hiển</a:t>
+            </a:r>
+            <a:r>
+              <a:rPr lang="en-US" dirty="0">
+                <a:latin typeface="+mj-lt"/>
+              </a:rPr>
+              <a:t> </a:t>
+            </a:r>
+            <a:r>
+              <a:rPr lang="en-US" dirty="0" err="1">
+                <a:latin typeface="+mj-lt"/>
+              </a:rPr>
+              <a:t>thị</a:t>
+            </a:r>
+            <a:r>
+              <a:rPr lang="en-US" dirty="0">
+                <a:latin typeface="+mj-lt"/>
+              </a:rPr>
+              <a:t> -&gt; user dung </a:t>
+            </a:r>
+            <a:r>
+              <a:rPr lang="en-US" dirty="0" err="1">
+                <a:latin typeface="+mj-lt"/>
+              </a:rPr>
+              <a:t>như</a:t>
+            </a:r>
+            <a:r>
+              <a:rPr lang="en-US" dirty="0">
+                <a:latin typeface="+mj-lt"/>
+              </a:rPr>
+              <a:t> 1 app -&gt; PWA </a:t>
+            </a:r>
+            <a:r>
+              <a:rPr lang="en-US" dirty="0" err="1">
+                <a:latin typeface="+mj-lt"/>
+              </a:rPr>
+              <a:t>hỗ</a:t>
+            </a:r>
+            <a:r>
+              <a:rPr lang="en-US" dirty="0">
+                <a:latin typeface="+mj-lt"/>
+              </a:rPr>
+              <a:t> </a:t>
+            </a:r>
+            <a:r>
+              <a:rPr lang="en-US" dirty="0" err="1">
+                <a:latin typeface="+mj-lt"/>
+              </a:rPr>
+              <a:t>trợ</a:t>
+            </a:r>
+            <a:r>
+              <a:rPr lang="en-US" dirty="0">
+                <a:latin typeface="+mj-lt"/>
+              </a:rPr>
+              <a:t> offline</a:t>
+            </a:r>
+          </a:p>
+          <a:p>
+            <a:pPr marL="0" marR="0" lvl="0" indent="0" algn="l" defTabSz="914400" rtl="0" eaLnBrk="1" fontAlgn="auto" latinLnBrk="0" hangingPunct="1">
+              <a:lnSpc>
+                <a:spcPct val="100000"/>
+              </a:lnSpc>
+              <a:spcBef>
+                <a:spcPts val="0"/>
+              </a:spcBef>
+              <a:spcAft>
+                <a:spcPts val="0"/>
+              </a:spcAft>
+              <a:buClrTx/>
+              <a:buSzTx/>
+              <a:buFontTx/>
+              <a:buNone/>
+              <a:tabLst/>
+              <a:defRPr/>
+            </a:pPr>
+            <a:endParaRPr lang="en-US" dirty="0">
+              <a:latin typeface="+mj-lt"/>
+            </a:endParaRPr>
+          </a:p>
+          <a:p>
+            <a:pPr marL="0" marR="0" lvl="0" indent="0" algn="l" defTabSz="914400" rtl="0" eaLnBrk="1" fontAlgn="auto" latinLnBrk="0" hangingPunct="1">
+              <a:lnSpc>
+                <a:spcPct val="100000"/>
+              </a:lnSpc>
+              <a:spcBef>
+                <a:spcPts val="0"/>
+              </a:spcBef>
+              <a:spcAft>
+                <a:spcPts val="0"/>
+              </a:spcAft>
+              <a:buClrTx/>
+              <a:buSzTx/>
+              <a:buFontTx/>
+              <a:buNone/>
+              <a:tabLst/>
+              <a:defRPr/>
+            </a:pPr>
+            <a:endParaRPr lang="en-US" dirty="0">
+              <a:latin typeface="+mj-lt"/>
+            </a:endParaRPr>
+          </a:p>
+          <a:p>
+            <a:pPr marL="0" marR="0" lvl="0" indent="0" algn="l" defTabSz="914400" rtl="0" eaLnBrk="1" fontAlgn="auto" latinLnBrk="0" hangingPunct="1">
+              <a:lnSpc>
+                <a:spcPct val="100000"/>
+              </a:lnSpc>
+              <a:spcBef>
+                <a:spcPts val="0"/>
+              </a:spcBef>
+              <a:spcAft>
+                <a:spcPts val="0"/>
+              </a:spcAft>
+              <a:buClrTx/>
+              <a:buSzTx/>
+              <a:buFontTx/>
+              <a:buNone/>
+              <a:tabLst/>
+              <a:defRPr/>
+            </a:pPr>
+            <a:r>
+              <a:rPr lang="en-US" dirty="0">
+                <a:latin typeface="+mj-lt"/>
+              </a:rPr>
+              <a:t>Old browser cannot be used -&gt; IE ko </a:t>
+            </a:r>
+            <a:r>
+              <a:rPr lang="en-US" dirty="0" err="1">
+                <a:latin typeface="+mj-lt"/>
+              </a:rPr>
+              <a:t>hỗ</a:t>
+            </a:r>
+            <a:r>
+              <a:rPr lang="en-US" dirty="0">
+                <a:latin typeface="+mj-lt"/>
+              </a:rPr>
+              <a:t> </a:t>
+            </a:r>
+            <a:r>
+              <a:rPr lang="en-US" dirty="0" err="1">
+                <a:latin typeface="+mj-lt"/>
+              </a:rPr>
+              <a:t>trợ</a:t>
+            </a:r>
+            <a:r>
+              <a:rPr lang="en-US" dirty="0">
+                <a:latin typeface="+mj-lt"/>
+              </a:rPr>
+              <a:t>, </a:t>
+            </a:r>
+            <a:r>
+              <a:rPr lang="en-US" dirty="0" err="1">
+                <a:latin typeface="+mj-lt"/>
+              </a:rPr>
+              <a:t>còn</a:t>
+            </a:r>
+            <a:r>
+              <a:rPr lang="en-US" dirty="0">
+                <a:latin typeface="+mj-lt"/>
+              </a:rPr>
+              <a:t> </a:t>
+            </a:r>
+            <a:r>
+              <a:rPr lang="en-US" dirty="0" err="1">
+                <a:latin typeface="+mj-lt"/>
+              </a:rPr>
+              <a:t>lại</a:t>
+            </a:r>
+            <a:r>
+              <a:rPr lang="en-US" dirty="0">
+                <a:latin typeface="+mj-lt"/>
+              </a:rPr>
+              <a:t> support </a:t>
+            </a:r>
+            <a:r>
+              <a:rPr lang="en-US" dirty="0" err="1">
+                <a:latin typeface="+mj-lt"/>
+              </a:rPr>
+              <a:t>hết</a:t>
+            </a:r>
+            <a:endParaRPr lang="en-US" dirty="0">
+              <a:latin typeface="+mj-lt"/>
+            </a:endParaRPr>
+          </a:p>
+          <a:p>
+            <a:pPr marL="0" marR="0" lvl="0" indent="0" algn="l" defTabSz="914400" rtl="0" eaLnBrk="1" fontAlgn="auto" latinLnBrk="0" hangingPunct="1">
+              <a:lnSpc>
+                <a:spcPct val="100000"/>
+              </a:lnSpc>
+              <a:spcBef>
+                <a:spcPts val="0"/>
+              </a:spcBef>
+              <a:spcAft>
+                <a:spcPts val="0"/>
+              </a:spcAft>
+              <a:buClrTx/>
+              <a:buSzTx/>
+              <a:buFontTx/>
+              <a:buNone/>
+              <a:tabLst/>
+              <a:defRPr/>
+            </a:pPr>
+            <a:r>
+              <a:rPr lang="en-US" dirty="0">
+                <a:latin typeface="+mj-lt"/>
+              </a:rPr>
+              <a:t>Need times to developer tools for </a:t>
+            </a:r>
+            <a:r>
+              <a:rPr lang="en-US" dirty="0" err="1">
+                <a:latin typeface="+mj-lt"/>
+              </a:rPr>
+              <a:t>devs</a:t>
+            </a:r>
+            <a:r>
+              <a:rPr lang="en-US" dirty="0">
+                <a:latin typeface="+mj-lt"/>
+              </a:rPr>
+              <a:t> -&gt; </a:t>
+            </a:r>
+            <a:r>
+              <a:rPr lang="en-US" dirty="0" err="1">
+                <a:latin typeface="+mj-lt"/>
+              </a:rPr>
+              <a:t>vì</a:t>
+            </a:r>
+            <a:r>
+              <a:rPr lang="en-US" dirty="0">
+                <a:latin typeface="+mj-lt"/>
+              </a:rPr>
+              <a:t> do </a:t>
+            </a:r>
+            <a:r>
+              <a:rPr lang="en-US" dirty="0" err="1">
+                <a:latin typeface="+mj-lt"/>
+              </a:rPr>
+              <a:t>mới</a:t>
+            </a:r>
+            <a:r>
+              <a:rPr lang="en-US" dirty="0">
+                <a:latin typeface="+mj-lt"/>
+              </a:rPr>
+              <a:t> </a:t>
+            </a:r>
+            <a:r>
+              <a:rPr lang="en-US" dirty="0" err="1">
+                <a:latin typeface="+mj-lt"/>
+              </a:rPr>
+              <a:t>ptrien</a:t>
+            </a:r>
+            <a:r>
+              <a:rPr lang="en-US" dirty="0">
+                <a:latin typeface="+mj-lt"/>
+              </a:rPr>
+              <a:t> </a:t>
+            </a:r>
+            <a:r>
+              <a:rPr lang="en-US" dirty="0" err="1">
+                <a:latin typeface="+mj-lt"/>
+              </a:rPr>
+              <a:t>gần</a:t>
+            </a:r>
+            <a:r>
+              <a:rPr lang="en-US" dirty="0">
+                <a:latin typeface="+mj-lt"/>
+              </a:rPr>
+              <a:t> </a:t>
+            </a:r>
+            <a:r>
+              <a:rPr lang="en-US" dirty="0" err="1">
+                <a:latin typeface="+mj-lt"/>
+              </a:rPr>
+              <a:t>đây</a:t>
+            </a:r>
+            <a:endParaRPr lang="en-US" dirty="0">
+              <a:latin typeface="+mj-lt"/>
+            </a:endParaRPr>
+          </a:p>
+        </p:txBody>
+      </p:sp>
+      <p:sp>
+        <p:nvSpPr>
+          <p:cNvPr id="4" name="Slide Number Placeholder 3"/>
+          <p:cNvSpPr>
+            <a:spLocks noGrp="1"/>
+          </p:cNvSpPr>
+          <p:nvPr>
+            <p:ph type="sldNum" sz="quarter" idx="5"/>
+          </p:nvPr>
+        </p:nvSpPr>
+        <p:spPr/>
+        <p:txBody>
+          <a:bodyPr/>
+          <a:lstStyle/>
+          <a:p>
+            <a:fld id="{1F672F56-6FAF-4F26-95A0-718CA3C86690}" type="slidenum">
+              <a:rPr lang="en-US" smtClean="0"/>
+              <a:t>16</a:t>
+            </a:fld>
+            <a:endParaRPr lang="en-US"/>
+          </a:p>
+        </p:txBody>
+      </p:sp>
+    </p:spTree>
+    <p:extLst>
+      <p:ext uri="{BB962C8B-B14F-4D97-AF65-F5344CB8AC3E}">
+        <p14:creationId xmlns:p14="http://schemas.microsoft.com/office/powerpoint/2010/main" val="2921185312"/>
+      </p:ext>
+    </p:extLst>
+  </p:cSld>
+  <p:clrMapOvr>
+    <a:masterClrMapping/>
+  </p:clrMapOvr>
+</p:notes>
+</file>
+
+<file path=ppt/notesSlides/notesSlide13.xml><?xml version="1.0" encoding="utf-8"?>
+<p:notes xmlns:a="http://schemas.openxmlformats.org/drawingml/2006/main" xmlns:r="http://schemas.openxmlformats.org/officeDocument/2006/relationships" xmlns:p="http://schemas.openxmlformats.org/presentationml/2006/main">
+  <p:cSld>
+    <p:spTree>
+      <p:nvGrpSpPr>
+        <p:cNvPr id="1" name=""/>
+        <p:cNvGrpSpPr/>
+        <p:nvPr/>
+      </p:nvGrpSpPr>
+      <p:grpSpPr>
+        <a:xfrm>
+          <a:off x="0" y="0"/>
+          <a:ext cx="0" cy="0"/>
+          <a:chOff x="0" y="0"/>
+          <a:chExt cx="0" cy="0"/>
+        </a:xfrm>
+      </p:grpSpPr>
+      <p:sp>
+        <p:nvSpPr>
+          <p:cNvPr id="2" name="Slide Image Placeholder 1"/>
+          <p:cNvSpPr>
+            <a:spLocks noGrp="1" noRot="1" noChangeAspect="1"/>
+          </p:cNvSpPr>
+          <p:nvPr>
+            <p:ph type="sldImg"/>
+          </p:nvPr>
+        </p:nvSpPr>
+        <p:spPr/>
+      </p:sp>
+      <p:sp>
+        <p:nvSpPr>
+          <p:cNvPr id="3" name="Notes Placeholder 2"/>
+          <p:cNvSpPr>
+            <a:spLocks noGrp="1"/>
+          </p:cNvSpPr>
+          <p:nvPr>
+            <p:ph type="body" idx="1"/>
+          </p:nvPr>
+        </p:nvSpPr>
+        <p:spPr/>
+        <p:txBody>
+          <a:bodyPr/>
+          <a:lstStyle/>
+          <a:p>
+            <a:pPr marL="0" marR="0" lvl="0" indent="0" algn="l" defTabSz="914400" rtl="0" eaLnBrk="1" fontAlgn="auto" latinLnBrk="0" hangingPunct="1">
+              <a:lnSpc>
+                <a:spcPct val="100000"/>
+              </a:lnSpc>
+              <a:spcBef>
+                <a:spcPts val="0"/>
+              </a:spcBef>
+              <a:spcAft>
+                <a:spcPts val="0"/>
+              </a:spcAft>
+              <a:buClrTx/>
+              <a:buSzTx/>
+              <a:buFontTx/>
+              <a:buNone/>
+              <a:tabLst/>
+              <a:defRPr/>
+            </a:pPr>
+            <a:r>
+              <a:rPr lang="en-US" dirty="0">
+                <a:latin typeface="+mj-lt"/>
+              </a:rPr>
+              <a:t>Server-side rendering -&gt; for SEO</a:t>
+            </a:r>
+          </a:p>
+          <a:p>
+            <a:pPr marL="0" marR="0" lvl="0" indent="0" algn="l" defTabSz="914400" rtl="0" eaLnBrk="1" fontAlgn="auto" latinLnBrk="0" hangingPunct="1">
+              <a:lnSpc>
+                <a:spcPct val="100000"/>
+              </a:lnSpc>
+              <a:spcBef>
+                <a:spcPts val="0"/>
+              </a:spcBef>
+              <a:spcAft>
+                <a:spcPts val="0"/>
+              </a:spcAft>
+              <a:buClrTx/>
+              <a:buSzTx/>
+              <a:buFontTx/>
+              <a:buNone/>
+              <a:tabLst/>
+              <a:defRPr/>
+            </a:pPr>
+            <a:r>
+              <a:rPr lang="en-US" dirty="0">
+                <a:latin typeface="+mj-lt"/>
+              </a:rPr>
+              <a:t>Can be used in older browser -&gt; web assembly ko </a:t>
+            </a:r>
+            <a:r>
+              <a:rPr lang="en-US" dirty="0" err="1">
+                <a:latin typeface="+mj-lt"/>
+              </a:rPr>
+              <a:t>làm</a:t>
+            </a:r>
+            <a:r>
+              <a:rPr lang="en-US" dirty="0">
+                <a:latin typeface="+mj-lt"/>
+              </a:rPr>
+              <a:t> d</a:t>
+            </a:r>
+          </a:p>
+          <a:p>
+            <a:pPr marL="0" marR="0" lvl="0" indent="0" algn="l" defTabSz="914400" rtl="0" eaLnBrk="1" fontAlgn="auto" latinLnBrk="0" hangingPunct="1">
+              <a:lnSpc>
+                <a:spcPct val="100000"/>
+              </a:lnSpc>
+              <a:spcBef>
+                <a:spcPts val="0"/>
+              </a:spcBef>
+              <a:spcAft>
+                <a:spcPts val="0"/>
+              </a:spcAft>
+              <a:buClrTx/>
+              <a:buSzTx/>
+              <a:buFontTx/>
+              <a:buNone/>
+              <a:tabLst/>
+              <a:defRPr/>
+            </a:pPr>
+            <a:r>
+              <a:rPr lang="en-US" dirty="0">
+                <a:latin typeface="+mj-lt"/>
+              </a:rPr>
+              <a:t>API private -&gt; </a:t>
+            </a:r>
+            <a:r>
+              <a:rPr lang="en-US" dirty="0" err="1">
+                <a:latin typeface="+mj-lt"/>
+              </a:rPr>
+              <a:t>ưu</a:t>
+            </a:r>
+            <a:r>
+              <a:rPr lang="en-US" dirty="0">
+                <a:latin typeface="+mj-lt"/>
+              </a:rPr>
+              <a:t> </a:t>
+            </a:r>
+            <a:r>
+              <a:rPr lang="en-US" dirty="0" err="1">
+                <a:latin typeface="+mj-lt"/>
+              </a:rPr>
+              <a:t>điểm</a:t>
+            </a:r>
+            <a:r>
+              <a:rPr lang="en-US" dirty="0">
+                <a:latin typeface="+mj-lt"/>
+              </a:rPr>
+              <a:t> </a:t>
+            </a:r>
+            <a:r>
+              <a:rPr lang="en-US" dirty="0" err="1">
+                <a:latin typeface="+mj-lt"/>
+              </a:rPr>
+              <a:t>chung</a:t>
+            </a:r>
+            <a:r>
+              <a:rPr lang="en-US" dirty="0">
+                <a:latin typeface="+mj-lt"/>
+              </a:rPr>
+              <a:t> </a:t>
+            </a:r>
+            <a:r>
+              <a:rPr lang="en-US" dirty="0" err="1">
+                <a:latin typeface="+mj-lt"/>
+              </a:rPr>
+              <a:t>của</a:t>
+            </a:r>
+            <a:r>
+              <a:rPr lang="en-US" dirty="0">
+                <a:latin typeface="+mj-lt"/>
+              </a:rPr>
+              <a:t> server side rendering</a:t>
+            </a:r>
+          </a:p>
+          <a:p>
+            <a:pPr marL="0" marR="0" lvl="0" indent="0" algn="l" defTabSz="914400" rtl="0" eaLnBrk="1" fontAlgn="auto" latinLnBrk="0" hangingPunct="1">
+              <a:lnSpc>
+                <a:spcPct val="100000"/>
+              </a:lnSpc>
+              <a:spcBef>
+                <a:spcPts val="0"/>
+              </a:spcBef>
+              <a:spcAft>
+                <a:spcPts val="0"/>
+              </a:spcAft>
+              <a:buClrTx/>
+              <a:buSzTx/>
+              <a:buFontTx/>
+              <a:buNone/>
+              <a:tabLst/>
+              <a:defRPr/>
+            </a:pPr>
+            <a:endParaRPr lang="en-US" dirty="0">
+              <a:latin typeface="+mj-lt"/>
+            </a:endParaRPr>
+          </a:p>
+          <a:p>
+            <a:pPr marL="0" marR="0" lvl="0" indent="0" algn="l" defTabSz="914400" rtl="0" eaLnBrk="1" fontAlgn="auto" latinLnBrk="0" hangingPunct="1">
+              <a:lnSpc>
+                <a:spcPct val="100000"/>
+              </a:lnSpc>
+              <a:spcBef>
+                <a:spcPts val="0"/>
+              </a:spcBef>
+              <a:spcAft>
+                <a:spcPts val="0"/>
+              </a:spcAft>
+              <a:buClrTx/>
+              <a:buSzTx/>
+              <a:buFontTx/>
+              <a:buNone/>
+              <a:tabLst/>
+              <a:defRPr/>
+            </a:pPr>
+            <a:r>
+              <a:rPr lang="en-US" dirty="0" err="1">
+                <a:latin typeface="+mj-lt"/>
+              </a:rPr>
+              <a:t>SignalR</a:t>
+            </a:r>
+            <a:r>
+              <a:rPr lang="en-US" dirty="0">
+                <a:latin typeface="+mj-lt"/>
+              </a:rPr>
+              <a:t> </a:t>
+            </a:r>
+            <a:r>
+              <a:rPr lang="en-US" dirty="0" err="1">
+                <a:latin typeface="+mj-lt"/>
+              </a:rPr>
+              <a:t>trên</a:t>
+            </a:r>
+            <a:r>
+              <a:rPr lang="en-US" dirty="0">
+                <a:latin typeface="+mj-lt"/>
+              </a:rPr>
+              <a:t> </a:t>
+            </a:r>
+            <a:r>
+              <a:rPr lang="en-US" dirty="0" err="1">
+                <a:latin typeface="+mj-lt"/>
+              </a:rPr>
+              <a:t>mọi</a:t>
+            </a:r>
+            <a:r>
+              <a:rPr lang="en-US" dirty="0">
+                <a:latin typeface="+mj-lt"/>
+              </a:rPr>
+              <a:t> event -&gt; </a:t>
+            </a:r>
+            <a:r>
+              <a:rPr lang="en-US" dirty="0" err="1">
+                <a:latin typeface="+mj-lt"/>
+              </a:rPr>
+              <a:t>luôn</a:t>
+            </a:r>
+            <a:r>
+              <a:rPr lang="en-US" dirty="0">
+                <a:latin typeface="+mj-lt"/>
+              </a:rPr>
+              <a:t> </a:t>
+            </a:r>
+            <a:r>
+              <a:rPr lang="en-US" dirty="0" err="1">
+                <a:latin typeface="+mj-lt"/>
+              </a:rPr>
+              <a:t>có</a:t>
+            </a:r>
+            <a:r>
+              <a:rPr lang="en-US" dirty="0">
+                <a:latin typeface="+mj-lt"/>
+              </a:rPr>
+              <a:t> </a:t>
+            </a:r>
+            <a:r>
+              <a:rPr lang="en-US" dirty="0" err="1">
+                <a:latin typeface="+mj-lt"/>
+              </a:rPr>
+              <a:t>độ</a:t>
+            </a:r>
+            <a:r>
+              <a:rPr lang="en-US" dirty="0">
+                <a:latin typeface="+mj-lt"/>
+              </a:rPr>
+              <a:t> </a:t>
+            </a:r>
+            <a:r>
+              <a:rPr lang="en-US" dirty="0" err="1">
+                <a:latin typeface="+mj-lt"/>
+              </a:rPr>
+              <a:t>trễ</a:t>
+            </a:r>
+            <a:r>
+              <a:rPr lang="en-US" dirty="0">
+                <a:latin typeface="+mj-lt"/>
+              </a:rPr>
+              <a:t> </a:t>
+            </a:r>
+            <a:r>
+              <a:rPr lang="en-US" dirty="0" err="1">
+                <a:latin typeface="+mj-lt"/>
+              </a:rPr>
+              <a:t>dù</a:t>
+            </a:r>
+            <a:r>
+              <a:rPr lang="en-US" dirty="0">
+                <a:latin typeface="+mj-lt"/>
+              </a:rPr>
+              <a:t> </a:t>
+            </a:r>
+            <a:r>
+              <a:rPr lang="en-US" dirty="0" err="1">
+                <a:latin typeface="+mj-lt"/>
+              </a:rPr>
+              <a:t>là</a:t>
+            </a:r>
+            <a:r>
+              <a:rPr lang="en-US" dirty="0">
+                <a:latin typeface="+mj-lt"/>
+              </a:rPr>
+              <a:t> </a:t>
+            </a:r>
+            <a:r>
+              <a:rPr lang="en-US" dirty="0" err="1">
+                <a:latin typeface="+mj-lt"/>
+              </a:rPr>
+              <a:t>nhỏ</a:t>
+            </a:r>
+            <a:r>
+              <a:rPr lang="en-US" dirty="0">
+                <a:latin typeface="+mj-lt"/>
+              </a:rPr>
+              <a:t> </a:t>
+            </a:r>
+            <a:r>
+              <a:rPr lang="en-US" dirty="0" err="1">
+                <a:latin typeface="+mj-lt"/>
+              </a:rPr>
+              <a:t>nhất</a:t>
+            </a:r>
+            <a:endParaRPr lang="en-US" dirty="0">
+              <a:latin typeface="+mj-lt"/>
+            </a:endParaRPr>
+          </a:p>
+          <a:p>
+            <a:pPr marL="0" marR="0" lvl="0" indent="0" algn="l" defTabSz="914400" rtl="0" eaLnBrk="1" fontAlgn="auto" latinLnBrk="0" hangingPunct="1">
+              <a:lnSpc>
+                <a:spcPct val="100000"/>
+              </a:lnSpc>
+              <a:spcBef>
+                <a:spcPts val="0"/>
+              </a:spcBef>
+              <a:spcAft>
+                <a:spcPts val="0"/>
+              </a:spcAft>
+              <a:buClrTx/>
+              <a:buSzTx/>
+              <a:buFontTx/>
+              <a:buNone/>
+              <a:tabLst/>
+              <a:defRPr/>
+            </a:pPr>
+            <a:endParaRPr lang="en-US" dirty="0">
+              <a:latin typeface="+mj-lt"/>
+            </a:endParaRPr>
+          </a:p>
+          <a:p>
+            <a:pPr marL="0" marR="0" lvl="0" indent="0" algn="l" defTabSz="914400" rtl="0" eaLnBrk="1" fontAlgn="auto" latinLnBrk="0" hangingPunct="1">
+              <a:lnSpc>
+                <a:spcPct val="100000"/>
+              </a:lnSpc>
+              <a:spcBef>
+                <a:spcPts val="0"/>
+              </a:spcBef>
+              <a:spcAft>
+                <a:spcPts val="0"/>
+              </a:spcAft>
+              <a:buClrTx/>
+              <a:buSzTx/>
+              <a:buFontTx/>
+              <a:buNone/>
+              <a:tabLst/>
+              <a:defRPr/>
+            </a:pPr>
+            <a:endParaRPr lang="en-US" dirty="0">
+              <a:latin typeface="+mj-lt"/>
+            </a:endParaRPr>
+          </a:p>
+          <a:p>
+            <a:pPr marL="0" marR="0" lvl="0" indent="0" algn="l" defTabSz="914400" rtl="0" eaLnBrk="1" fontAlgn="auto" latinLnBrk="0" hangingPunct="1">
+              <a:lnSpc>
+                <a:spcPct val="100000"/>
+              </a:lnSpc>
+              <a:spcBef>
+                <a:spcPts val="0"/>
+              </a:spcBef>
+              <a:spcAft>
+                <a:spcPts val="0"/>
+              </a:spcAft>
+              <a:buClrTx/>
+              <a:buSzTx/>
+              <a:buFontTx/>
+              <a:buNone/>
+              <a:tabLst/>
+              <a:defRPr/>
+            </a:pPr>
+            <a:r>
+              <a:rPr lang="en-US" dirty="0" err="1">
+                <a:latin typeface="+mj-lt"/>
+              </a:rPr>
+              <a:t>Túm</a:t>
+            </a:r>
+            <a:r>
+              <a:rPr lang="en-US" dirty="0">
+                <a:latin typeface="+mj-lt"/>
+              </a:rPr>
+              <a:t> </a:t>
+            </a:r>
+            <a:r>
+              <a:rPr lang="en-US" dirty="0" err="1">
+                <a:latin typeface="+mj-lt"/>
+              </a:rPr>
+              <a:t>lại</a:t>
+            </a:r>
+            <a:endParaRPr lang="en-US" dirty="0">
+              <a:latin typeface="+mj-lt"/>
+            </a:endParaRPr>
+          </a:p>
+          <a:p>
+            <a:pPr marL="0" marR="0" lvl="0" indent="0" algn="l" defTabSz="914400" rtl="0" eaLnBrk="1" fontAlgn="auto" latinLnBrk="0" hangingPunct="1">
+              <a:lnSpc>
+                <a:spcPct val="100000"/>
+              </a:lnSpc>
+              <a:spcBef>
+                <a:spcPts val="0"/>
+              </a:spcBef>
+              <a:spcAft>
+                <a:spcPts val="0"/>
+              </a:spcAft>
+              <a:buClrTx/>
+              <a:buSzTx/>
+              <a:buFontTx/>
+              <a:buNone/>
+              <a:tabLst/>
+              <a:defRPr/>
+            </a:pPr>
+            <a:r>
+              <a:rPr lang="en-US" dirty="0">
+                <a:latin typeface="+mj-lt"/>
+              </a:rPr>
+              <a:t>Performance &lt; SEO -&gt; dung </a:t>
+            </a:r>
+            <a:r>
+              <a:rPr lang="en-US" dirty="0" err="1">
+                <a:latin typeface="+mj-lt"/>
+              </a:rPr>
+              <a:t>blazor</a:t>
+            </a:r>
+            <a:r>
+              <a:rPr lang="en-US" dirty="0">
+                <a:latin typeface="+mj-lt"/>
+              </a:rPr>
+              <a:t> server -&gt; </a:t>
+            </a:r>
+            <a:r>
+              <a:rPr lang="en-US" dirty="0" err="1">
+                <a:latin typeface="+mj-lt"/>
+              </a:rPr>
+              <a:t>có</a:t>
+            </a:r>
+            <a:r>
+              <a:rPr lang="en-US" dirty="0">
+                <a:latin typeface="+mj-lt"/>
+              </a:rPr>
+              <a:t> </a:t>
+            </a:r>
+            <a:r>
+              <a:rPr lang="en-US" dirty="0" err="1">
+                <a:latin typeface="+mj-lt"/>
+              </a:rPr>
+              <a:t>serverside</a:t>
+            </a:r>
+            <a:r>
+              <a:rPr lang="en-US" dirty="0">
+                <a:latin typeface="+mj-lt"/>
+              </a:rPr>
+              <a:t> rendering</a:t>
+            </a:r>
+          </a:p>
+          <a:p>
+            <a:pPr marL="0" marR="0" lvl="0" indent="0" algn="l" defTabSz="914400" rtl="0" eaLnBrk="1" fontAlgn="auto" latinLnBrk="0" hangingPunct="1">
+              <a:lnSpc>
+                <a:spcPct val="100000"/>
+              </a:lnSpc>
+              <a:spcBef>
+                <a:spcPts val="0"/>
+              </a:spcBef>
+              <a:spcAft>
+                <a:spcPts val="0"/>
+              </a:spcAft>
+              <a:buClrTx/>
+              <a:buSzTx/>
+              <a:buFontTx/>
+              <a:buNone/>
+              <a:tabLst/>
+              <a:defRPr/>
+            </a:pPr>
+            <a:r>
+              <a:rPr lang="en-US" dirty="0" err="1">
+                <a:latin typeface="+mj-lt"/>
+              </a:rPr>
+              <a:t>Ưu</a:t>
+            </a:r>
+            <a:r>
+              <a:rPr lang="en-US" dirty="0">
+                <a:latin typeface="+mj-lt"/>
+              </a:rPr>
+              <a:t> </a:t>
+            </a:r>
+            <a:r>
+              <a:rPr lang="en-US" dirty="0" err="1">
+                <a:latin typeface="+mj-lt"/>
+              </a:rPr>
+              <a:t>tiên</a:t>
+            </a:r>
+            <a:r>
+              <a:rPr lang="en-US" dirty="0">
+                <a:latin typeface="+mj-lt"/>
+              </a:rPr>
+              <a:t> ng dung -&gt; dung </a:t>
+            </a:r>
+            <a:r>
+              <a:rPr lang="en-US" dirty="0" err="1">
+                <a:latin typeface="+mj-lt"/>
+              </a:rPr>
+              <a:t>blazor</a:t>
+            </a:r>
+            <a:r>
+              <a:rPr lang="en-US" dirty="0">
+                <a:latin typeface="+mj-lt"/>
+              </a:rPr>
+              <a:t> </a:t>
+            </a:r>
+            <a:r>
+              <a:rPr lang="en-US" dirty="0" err="1">
+                <a:latin typeface="+mj-lt"/>
+              </a:rPr>
+              <a:t>wasm</a:t>
+            </a:r>
+            <a:endParaRPr lang="en-US" dirty="0">
+              <a:latin typeface="+mj-lt"/>
+            </a:endParaRPr>
+          </a:p>
+        </p:txBody>
+      </p:sp>
+      <p:sp>
+        <p:nvSpPr>
+          <p:cNvPr id="4" name="Slide Number Placeholder 3"/>
+          <p:cNvSpPr>
+            <a:spLocks noGrp="1"/>
+          </p:cNvSpPr>
+          <p:nvPr>
+            <p:ph type="sldNum" sz="quarter" idx="5"/>
+          </p:nvPr>
+        </p:nvSpPr>
+        <p:spPr/>
+        <p:txBody>
+          <a:bodyPr/>
+          <a:lstStyle/>
+          <a:p>
+            <a:fld id="{1F672F56-6FAF-4F26-95A0-718CA3C86690}" type="slidenum">
+              <a:rPr lang="en-US" smtClean="0"/>
+              <a:t>17</a:t>
+            </a:fld>
+            <a:endParaRPr lang="en-US"/>
+          </a:p>
+        </p:txBody>
+      </p:sp>
+    </p:spTree>
+    <p:extLst>
+      <p:ext uri="{BB962C8B-B14F-4D97-AF65-F5344CB8AC3E}">
+        <p14:creationId xmlns:p14="http://schemas.microsoft.com/office/powerpoint/2010/main" val="2676386482"/>
+      </p:ext>
+    </p:extLst>
+  </p:cSld>
+  <p:clrMapOvr>
+    <a:masterClrMapping/>
+  </p:clrMapOvr>
+</p:notes>
+</file>
+
+<file path=ppt/notesSlides/notesSlide14.xml><?xml version="1.0" encoding="utf-8"?>
+<p:notes xmlns:a="http://schemas.openxmlformats.org/drawingml/2006/main" xmlns:r="http://schemas.openxmlformats.org/officeDocument/2006/relationships" xmlns:p="http://schemas.openxmlformats.org/presentationml/2006/main">
+  <p:cSld>
+    <p:spTree>
+      <p:nvGrpSpPr>
+        <p:cNvPr id="1" name=""/>
+        <p:cNvGrpSpPr/>
+        <p:nvPr/>
+      </p:nvGrpSpPr>
+      <p:grpSpPr>
+        <a:xfrm>
+          <a:off x="0" y="0"/>
+          <a:ext cx="0" cy="0"/>
+          <a:chOff x="0" y="0"/>
+          <a:chExt cx="0" cy="0"/>
+        </a:xfrm>
+      </p:grpSpPr>
+      <p:sp>
+        <p:nvSpPr>
+          <p:cNvPr id="2" name="Slide Image Placeholder 1"/>
+          <p:cNvSpPr>
+            <a:spLocks noGrp="1" noRot="1" noChangeAspect="1"/>
+          </p:cNvSpPr>
+          <p:nvPr>
+            <p:ph type="sldImg"/>
+          </p:nvPr>
+        </p:nvSpPr>
+        <p:spPr/>
+      </p:sp>
+      <p:sp>
+        <p:nvSpPr>
+          <p:cNvPr id="3" name="Notes Placeholder 2"/>
+          <p:cNvSpPr>
+            <a:spLocks noGrp="1"/>
+          </p:cNvSpPr>
+          <p:nvPr>
+            <p:ph type="body" idx="1"/>
+          </p:nvPr>
+        </p:nvSpPr>
+        <p:spPr/>
+        <p:txBody>
+          <a:bodyPr/>
+          <a:lstStyle/>
+          <a:p>
+            <a:r>
+              <a:rPr lang="en-US" dirty="0" err="1"/>
+              <a:t>Đã</a:t>
+            </a:r>
+            <a:r>
+              <a:rPr lang="en-US" dirty="0"/>
+              <a:t> </a:t>
+            </a:r>
+            <a:r>
+              <a:rPr lang="en-US" dirty="0" err="1"/>
+              <a:t>đi</a:t>
+            </a:r>
+            <a:r>
+              <a:rPr lang="en-US" dirty="0"/>
+              <a:t> qua </a:t>
+            </a:r>
+            <a:r>
+              <a:rPr lang="en-US" dirty="0" err="1"/>
+              <a:t>lý</a:t>
+            </a:r>
+            <a:r>
+              <a:rPr lang="en-US" dirty="0"/>
+              <a:t> </a:t>
+            </a:r>
+            <a:r>
+              <a:rPr lang="en-US" dirty="0" err="1"/>
+              <a:t>thuyết</a:t>
+            </a:r>
+            <a:r>
+              <a:rPr lang="en-US" dirty="0"/>
+              <a:t> </a:t>
+            </a:r>
+            <a:r>
+              <a:rPr lang="en-US" dirty="0" err="1"/>
+              <a:t>và</a:t>
+            </a:r>
+            <a:r>
+              <a:rPr lang="en-US" dirty="0"/>
+              <a:t> 2 </a:t>
+            </a:r>
+            <a:r>
+              <a:rPr lang="en-US" dirty="0" err="1"/>
+              <a:t>kiểu</a:t>
+            </a:r>
+            <a:r>
+              <a:rPr lang="en-US" dirty="0"/>
+              <a:t> hosting model</a:t>
+            </a:r>
+          </a:p>
+          <a:p>
+            <a:r>
+              <a:rPr lang="en-US" dirty="0"/>
+              <a:t>-&gt; sang </a:t>
+            </a:r>
+            <a:r>
+              <a:rPr lang="en-US" dirty="0" err="1"/>
+              <a:t>phần</a:t>
+            </a:r>
+            <a:r>
+              <a:rPr lang="en-US" dirty="0"/>
+              <a:t> demo </a:t>
+            </a:r>
+            <a:r>
+              <a:rPr lang="en-US" dirty="0" err="1"/>
+              <a:t>để</a:t>
+            </a:r>
+            <a:r>
+              <a:rPr lang="en-US" dirty="0"/>
+              <a:t> </a:t>
+            </a:r>
+            <a:r>
+              <a:rPr lang="en-US" dirty="0" err="1"/>
+              <a:t>hiểu</a:t>
+            </a:r>
+            <a:r>
+              <a:rPr lang="en-US" dirty="0"/>
+              <a:t> </a:t>
+            </a:r>
+            <a:r>
+              <a:rPr lang="en-US" dirty="0" err="1"/>
+              <a:t>rõ</a:t>
+            </a:r>
+            <a:r>
+              <a:rPr lang="en-US" dirty="0"/>
+              <a:t> </a:t>
+            </a:r>
+            <a:r>
+              <a:rPr lang="en-US" dirty="0" err="1"/>
+              <a:t>hơn</a:t>
+            </a:r>
+            <a:endParaRPr lang="en-US" dirty="0"/>
+          </a:p>
+          <a:p>
+            <a:r>
+              <a:rPr lang="en-US" dirty="0"/>
+              <a:t>-&gt; </a:t>
+            </a:r>
+            <a:r>
+              <a:rPr lang="en-US" dirty="0" err="1"/>
+              <a:t>ưu</a:t>
+            </a:r>
+            <a:r>
+              <a:rPr lang="en-US" dirty="0"/>
+              <a:t> </a:t>
+            </a:r>
+            <a:r>
+              <a:rPr lang="en-US" dirty="0" err="1"/>
+              <a:t>tiên</a:t>
+            </a:r>
+            <a:r>
+              <a:rPr lang="en-US" dirty="0"/>
+              <a:t> demo </a:t>
+            </a:r>
+            <a:r>
+              <a:rPr lang="en-US" dirty="0" err="1"/>
+              <a:t>wasm</a:t>
+            </a:r>
+            <a:endParaRPr lang="en-US" dirty="0"/>
+          </a:p>
+          <a:p>
+            <a:endParaRPr lang="en-US" dirty="0"/>
+          </a:p>
+          <a:p>
+            <a:r>
+              <a:rPr lang="en-US" dirty="0"/>
+              <a:t>dotnet new </a:t>
+            </a:r>
+            <a:r>
+              <a:rPr lang="en-US" dirty="0" err="1"/>
+              <a:t>blazorwasm</a:t>
+            </a:r>
+            <a:r>
+              <a:rPr lang="en-US" dirty="0"/>
+              <a:t> –h -&gt; help</a:t>
+            </a:r>
+          </a:p>
+          <a:p>
+            <a:endParaRPr lang="en-US" dirty="0"/>
+          </a:p>
+          <a:p>
+            <a:r>
+              <a:rPr lang="en-US" dirty="0"/>
+              <a:t>dotnet new </a:t>
+            </a:r>
+            <a:r>
+              <a:rPr lang="en-US" dirty="0" err="1"/>
+              <a:t>blazorwasm</a:t>
+            </a:r>
+            <a:r>
+              <a:rPr lang="en-US" dirty="0"/>
+              <a:t> -&gt; default template</a:t>
+            </a:r>
+          </a:p>
+          <a:p>
+            <a:r>
+              <a:rPr lang="en-US" dirty="0"/>
+              <a:t>dotnet watch run</a:t>
+            </a:r>
+          </a:p>
+          <a:p>
+            <a:endParaRPr lang="en-US" dirty="0"/>
+          </a:p>
+          <a:p>
+            <a:r>
+              <a:rPr lang="en-US" dirty="0" err="1"/>
+              <a:t>Bật</a:t>
+            </a:r>
+            <a:r>
+              <a:rPr lang="en-US" dirty="0"/>
+              <a:t> F12 </a:t>
+            </a:r>
+            <a:r>
+              <a:rPr lang="en-US" dirty="0" err="1"/>
+              <a:t>lên</a:t>
+            </a:r>
+            <a:r>
+              <a:rPr lang="en-US" dirty="0"/>
+              <a:t> -&gt; show </a:t>
+            </a:r>
+            <a:r>
+              <a:rPr lang="en-US" dirty="0" err="1"/>
+              <a:t>số</a:t>
+            </a:r>
+            <a:r>
+              <a:rPr lang="en-US" dirty="0"/>
+              <a:t> </a:t>
+            </a:r>
+            <a:r>
+              <a:rPr lang="en-US" dirty="0" err="1"/>
+              <a:t>lượng</a:t>
+            </a:r>
+            <a:r>
+              <a:rPr lang="en-US" dirty="0"/>
+              <a:t> MB </a:t>
+            </a:r>
+            <a:r>
+              <a:rPr lang="en-US" dirty="0" err="1"/>
+              <a:t>cần</a:t>
+            </a:r>
+            <a:r>
+              <a:rPr lang="en-US" dirty="0"/>
+              <a:t> load </a:t>
+            </a:r>
+            <a:r>
+              <a:rPr lang="en-US" dirty="0" err="1"/>
+              <a:t>và</a:t>
+            </a:r>
+            <a:r>
+              <a:rPr lang="en-US" dirty="0"/>
+              <a:t> show DLL</a:t>
+            </a:r>
+          </a:p>
+          <a:p>
+            <a:r>
+              <a:rPr lang="en-US" dirty="0"/>
+              <a:t>-&gt; load </a:t>
+            </a:r>
+            <a:r>
+              <a:rPr lang="en-US" dirty="0" err="1"/>
+              <a:t>nhiều</a:t>
+            </a:r>
+            <a:r>
+              <a:rPr lang="en-US" dirty="0"/>
+              <a:t> -&gt; NHƯNG -&gt; </a:t>
+            </a:r>
+            <a:r>
+              <a:rPr lang="en-US" dirty="0" err="1"/>
+              <a:t>chỉ</a:t>
+            </a:r>
+            <a:r>
+              <a:rPr lang="en-US" dirty="0"/>
+              <a:t> </a:t>
+            </a:r>
+            <a:r>
+              <a:rPr lang="en-US" dirty="0" err="1"/>
+              <a:t>là</a:t>
+            </a:r>
+            <a:r>
+              <a:rPr lang="en-US" dirty="0"/>
+              <a:t> </a:t>
+            </a:r>
+            <a:r>
+              <a:rPr lang="en-US" dirty="0" err="1"/>
+              <a:t>lần</a:t>
+            </a:r>
+            <a:r>
+              <a:rPr lang="en-US" dirty="0"/>
+              <a:t> </a:t>
+            </a:r>
+            <a:r>
+              <a:rPr lang="en-US" dirty="0" err="1"/>
+              <a:t>đầu</a:t>
+            </a:r>
+            <a:r>
+              <a:rPr lang="en-US" dirty="0"/>
+              <a:t> </a:t>
+            </a:r>
+            <a:r>
+              <a:rPr lang="en-US" dirty="0" err="1"/>
+              <a:t>tiên</a:t>
+            </a:r>
+            <a:r>
+              <a:rPr lang="en-US" dirty="0"/>
+              <a:t> -&gt; cache </a:t>
+            </a:r>
+            <a:r>
+              <a:rPr lang="en-US" dirty="0" err="1"/>
+              <a:t>lại</a:t>
+            </a:r>
+            <a:r>
+              <a:rPr lang="en-US" dirty="0"/>
+              <a:t> </a:t>
+            </a:r>
+            <a:r>
+              <a:rPr lang="en-US" dirty="0" err="1"/>
+              <a:t>rồi</a:t>
+            </a:r>
+            <a:endParaRPr lang="en-US" dirty="0"/>
+          </a:p>
+          <a:p>
+            <a:endParaRPr lang="en-US" dirty="0"/>
+          </a:p>
+          <a:p>
+            <a:r>
+              <a:rPr lang="en-US" dirty="0" err="1"/>
+              <a:t>Bật</a:t>
+            </a:r>
+            <a:r>
+              <a:rPr lang="en-US" dirty="0"/>
+              <a:t> solution </a:t>
+            </a:r>
+            <a:r>
+              <a:rPr lang="en-US" dirty="0" err="1"/>
+              <a:t>lên</a:t>
+            </a:r>
+            <a:r>
+              <a:rPr lang="en-US" dirty="0"/>
+              <a:t> -&gt; </a:t>
+            </a:r>
+            <a:r>
+              <a:rPr lang="en-US" dirty="0" err="1"/>
+              <a:t>có</a:t>
+            </a:r>
+            <a:r>
+              <a:rPr lang="en-US" dirty="0"/>
+              <a:t> </a:t>
+            </a:r>
+            <a:r>
+              <a:rPr lang="en-US" dirty="0" err="1"/>
+              <a:t>thể</a:t>
+            </a:r>
+            <a:r>
+              <a:rPr lang="en-US" dirty="0"/>
+              <a:t> dung VS Code or VS</a:t>
+            </a:r>
+          </a:p>
+          <a:p>
+            <a:endParaRPr lang="en-US" dirty="0"/>
+          </a:p>
+          <a:p>
+            <a:r>
+              <a:rPr lang="en-US" dirty="0"/>
+              <a:t>-&gt; </a:t>
+            </a:r>
+            <a:r>
+              <a:rPr lang="en-US" dirty="0" err="1"/>
+              <a:t>mở</a:t>
+            </a:r>
+            <a:r>
+              <a:rPr lang="en-US" dirty="0"/>
+              <a:t> file </a:t>
+            </a:r>
+            <a:r>
+              <a:rPr lang="en-US" dirty="0" err="1"/>
+              <a:t>program.cs</a:t>
+            </a:r>
+            <a:endParaRPr lang="en-US" dirty="0"/>
+          </a:p>
+          <a:p>
+            <a:r>
+              <a:rPr lang="en-US" dirty="0"/>
+              <a:t>-&gt; </a:t>
+            </a:r>
+            <a:r>
+              <a:rPr lang="en-US" dirty="0" err="1"/>
+              <a:t>có</a:t>
+            </a:r>
+            <a:r>
+              <a:rPr lang="en-US" dirty="0"/>
+              <a:t> </a:t>
+            </a:r>
+            <a:r>
+              <a:rPr lang="en-US" dirty="0" err="1"/>
+              <a:t>rootcomponent</a:t>
+            </a:r>
+            <a:r>
+              <a:rPr lang="en-US" dirty="0"/>
+              <a:t> -&gt;  </a:t>
+            </a:r>
+            <a:r>
+              <a:rPr lang="en-US" dirty="0" err="1"/>
+              <a:t>nó</a:t>
+            </a:r>
+            <a:r>
+              <a:rPr lang="en-US" dirty="0"/>
+              <a:t> </a:t>
+            </a:r>
+            <a:r>
+              <a:rPr lang="en-US" dirty="0" err="1"/>
+              <a:t>sẽ</a:t>
+            </a:r>
+            <a:r>
+              <a:rPr lang="en-US" dirty="0"/>
+              <a:t> </a:t>
+            </a:r>
+            <a:r>
+              <a:rPr lang="en-US" dirty="0" err="1"/>
+              <a:t>hiển</a:t>
+            </a:r>
+            <a:r>
+              <a:rPr lang="en-US" dirty="0"/>
+              <a:t> </a:t>
+            </a:r>
+            <a:r>
+              <a:rPr lang="en-US" dirty="0" err="1"/>
+              <a:t>thị</a:t>
+            </a:r>
+            <a:r>
+              <a:rPr lang="en-US" dirty="0"/>
+              <a:t> </a:t>
+            </a:r>
+            <a:r>
+              <a:rPr lang="en-US" dirty="0" err="1"/>
+              <a:t>cái</a:t>
+            </a:r>
+            <a:r>
+              <a:rPr lang="en-US" dirty="0"/>
+              <a:t> j -&gt; </a:t>
+            </a:r>
+            <a:r>
+              <a:rPr lang="en-US" dirty="0" err="1"/>
+              <a:t>có</a:t>
+            </a:r>
+            <a:r>
+              <a:rPr lang="en-US" dirty="0"/>
+              <a:t> index.html -&gt; id = app -&gt; </a:t>
+            </a:r>
+            <a:r>
+              <a:rPr lang="en-US" dirty="0" err="1"/>
+              <a:t>hiển</a:t>
+            </a:r>
+            <a:r>
+              <a:rPr lang="en-US" dirty="0"/>
+              <a:t> </a:t>
+            </a:r>
+            <a:r>
+              <a:rPr lang="en-US" dirty="0" err="1"/>
+              <a:t>thị</a:t>
+            </a:r>
+            <a:r>
+              <a:rPr lang="en-US" dirty="0"/>
+              <a:t> </a:t>
+            </a:r>
+            <a:r>
+              <a:rPr lang="en-US" dirty="0" err="1"/>
+              <a:t>cái</a:t>
+            </a:r>
+            <a:r>
+              <a:rPr lang="en-US" dirty="0"/>
+              <a:t> </a:t>
+            </a:r>
+            <a:r>
+              <a:rPr lang="en-US" dirty="0" err="1"/>
+              <a:t>này</a:t>
+            </a:r>
+            <a:endParaRPr lang="en-US" dirty="0"/>
+          </a:p>
+          <a:p>
+            <a:r>
+              <a:rPr lang="en-US" dirty="0"/>
+              <a:t>-&gt; </a:t>
+            </a:r>
+            <a:r>
+              <a:rPr lang="en-US" dirty="0" err="1"/>
+              <a:t>có</a:t>
+            </a:r>
+            <a:r>
+              <a:rPr lang="en-US" dirty="0"/>
+              <a:t> file _</a:t>
+            </a:r>
+            <a:r>
+              <a:rPr lang="en-US" dirty="0" err="1"/>
+              <a:t>import.razor</a:t>
+            </a:r>
+            <a:r>
+              <a:rPr lang="en-US" dirty="0"/>
+              <a:t> -&gt; import library</a:t>
+            </a:r>
+          </a:p>
+          <a:p>
+            <a:r>
+              <a:rPr lang="en-US" dirty="0"/>
+              <a:t>-&gt; </a:t>
+            </a:r>
+            <a:r>
+              <a:rPr lang="en-US" dirty="0" err="1"/>
+              <a:t>wwwroot</a:t>
+            </a:r>
+            <a:r>
+              <a:rPr lang="en-US" dirty="0"/>
+              <a:t>: static html, </a:t>
+            </a:r>
+            <a:r>
+              <a:rPr lang="en-US" dirty="0" err="1"/>
+              <a:t>css</a:t>
+            </a:r>
+            <a:r>
+              <a:rPr lang="en-US" dirty="0"/>
+              <a:t> style</a:t>
+            </a:r>
+          </a:p>
+          <a:p>
+            <a:r>
+              <a:rPr lang="en-US" dirty="0"/>
+              <a:t>-&gt; pages: file </a:t>
+            </a:r>
+            <a:r>
+              <a:rPr lang="en-US" dirty="0" err="1"/>
+              <a:t>có</a:t>
+            </a:r>
+            <a:r>
+              <a:rPr lang="en-US" dirty="0"/>
+              <a:t> </a:t>
+            </a:r>
+            <a:r>
+              <a:rPr lang="en-US" dirty="0" err="1"/>
+              <a:t>đuôi</a:t>
+            </a:r>
+            <a:r>
+              <a:rPr lang="en-US" dirty="0"/>
+              <a:t> .razor, style </a:t>
+            </a:r>
+            <a:r>
+              <a:rPr lang="en-US" dirty="0" err="1"/>
+              <a:t>riêng</a:t>
+            </a:r>
+            <a:r>
+              <a:rPr lang="en-US" dirty="0"/>
+              <a:t> </a:t>
+            </a:r>
+            <a:r>
+              <a:rPr lang="en-US" dirty="0" err="1"/>
+              <a:t>từng</a:t>
+            </a:r>
+            <a:r>
+              <a:rPr lang="en-US" dirty="0"/>
+              <a:t> page -&gt; </a:t>
+            </a:r>
+            <a:r>
+              <a:rPr lang="en-US" dirty="0" err="1"/>
+              <a:t>nói</a:t>
+            </a:r>
+            <a:r>
+              <a:rPr lang="en-US" dirty="0"/>
+              <a:t> </a:t>
+            </a:r>
+            <a:r>
+              <a:rPr lang="en-US" dirty="0" err="1"/>
+              <a:t>sơ</a:t>
+            </a:r>
+            <a:r>
+              <a:rPr lang="en-US" dirty="0"/>
+              <a:t> </a:t>
+            </a:r>
+            <a:r>
+              <a:rPr lang="en-US" dirty="0" err="1"/>
+              <a:t>sơ</a:t>
+            </a:r>
+            <a:r>
+              <a:rPr lang="en-US" dirty="0"/>
+              <a:t> </a:t>
+            </a:r>
+            <a:r>
+              <a:rPr lang="en-US" dirty="0" err="1"/>
+              <a:t>về</a:t>
+            </a:r>
+            <a:r>
+              <a:rPr lang="en-US" dirty="0"/>
+              <a:t> component (@page, </a:t>
+            </a:r>
+            <a:r>
+              <a:rPr lang="en-US" dirty="0" err="1"/>
+              <a:t>các</a:t>
+            </a:r>
+            <a:r>
+              <a:rPr lang="en-US" dirty="0"/>
+              <a:t> tag, @code: logic component, </a:t>
+            </a:r>
+            <a:r>
+              <a:rPr lang="en-US" dirty="0" err="1"/>
+              <a:t>có</a:t>
+            </a:r>
+            <a:r>
+              <a:rPr lang="en-US" dirty="0"/>
+              <a:t> </a:t>
+            </a:r>
+            <a:r>
+              <a:rPr lang="en-US" dirty="0" err="1"/>
+              <a:t>thể</a:t>
+            </a:r>
+            <a:r>
+              <a:rPr lang="en-US" dirty="0"/>
+              <a:t> </a:t>
+            </a:r>
+            <a:r>
+              <a:rPr lang="en-US" dirty="0" err="1"/>
+              <a:t>tách</a:t>
+            </a:r>
+            <a:r>
+              <a:rPr lang="en-US" dirty="0"/>
+              <a:t> ra file .CS </a:t>
+            </a:r>
+            <a:r>
+              <a:rPr lang="en-US" dirty="0" err="1"/>
+              <a:t>khác</a:t>
+            </a:r>
+            <a:r>
+              <a:rPr lang="en-US" dirty="0"/>
+              <a:t>)</a:t>
+            </a:r>
+          </a:p>
+          <a:p>
+            <a:r>
+              <a:rPr lang="en-US" dirty="0"/>
+              <a:t>-&gt; shared: component dung </a:t>
+            </a:r>
+            <a:r>
+              <a:rPr lang="en-US" dirty="0" err="1"/>
+              <a:t>chung</a:t>
+            </a:r>
+            <a:endParaRPr lang="en-US" dirty="0"/>
+          </a:p>
+          <a:p>
+            <a:r>
+              <a:rPr lang="en-US" dirty="0"/>
+              <a:t>-&gt; </a:t>
+            </a:r>
+            <a:r>
+              <a:rPr lang="en-US" dirty="0" err="1"/>
+              <a:t>thử</a:t>
+            </a:r>
+            <a:r>
+              <a:rPr lang="en-US" dirty="0"/>
+              <a:t> </a:t>
+            </a:r>
+            <a:r>
+              <a:rPr lang="en-US" dirty="0" err="1"/>
+              <a:t>gọi</a:t>
+            </a:r>
+            <a:r>
+              <a:rPr lang="en-US" dirty="0"/>
+              <a:t> component </a:t>
+            </a:r>
+            <a:r>
+              <a:rPr lang="en-US" dirty="0" err="1"/>
+              <a:t>trong</a:t>
+            </a:r>
+            <a:r>
+              <a:rPr lang="en-US" dirty="0"/>
+              <a:t> page</a:t>
+            </a:r>
+          </a:p>
+          <a:p>
+            <a:r>
+              <a:rPr lang="en-US" dirty="0"/>
+              <a:t>-&gt; </a:t>
+            </a:r>
+            <a:r>
+              <a:rPr lang="en-US" dirty="0" err="1"/>
+              <a:t>tạo</a:t>
+            </a:r>
+            <a:r>
+              <a:rPr lang="en-US" dirty="0"/>
+              <a:t> 1 file JS </a:t>
+            </a:r>
+            <a:r>
+              <a:rPr lang="en-US" dirty="0" err="1"/>
+              <a:t>trong</a:t>
+            </a:r>
+            <a:r>
+              <a:rPr lang="en-US" dirty="0"/>
+              <a:t> folder scripts -&gt; </a:t>
+            </a:r>
+            <a:r>
+              <a:rPr lang="en-US" dirty="0" err="1"/>
+              <a:t>viết</a:t>
+            </a:r>
+            <a:r>
+              <a:rPr lang="en-US" dirty="0"/>
+              <a:t> </a:t>
+            </a:r>
+            <a:r>
+              <a:rPr lang="en-US" dirty="0" err="1"/>
+              <a:t>hàm</a:t>
+            </a:r>
+            <a:r>
+              <a:rPr lang="en-US" dirty="0"/>
+              <a:t> console.log…</a:t>
+            </a:r>
+          </a:p>
+          <a:p>
+            <a:r>
+              <a:rPr lang="en-US" dirty="0"/>
+              <a:t>-&gt; </a:t>
+            </a:r>
+            <a:r>
+              <a:rPr lang="en-US" dirty="0" err="1"/>
+              <a:t>gọi</a:t>
+            </a:r>
+            <a:r>
+              <a:rPr lang="en-US" dirty="0"/>
+              <a:t> </a:t>
+            </a:r>
+            <a:r>
+              <a:rPr lang="en-US" dirty="0" err="1"/>
+              <a:t>trong</a:t>
+            </a:r>
+            <a:r>
+              <a:rPr lang="en-US" dirty="0"/>
+              <a:t> tag script </a:t>
+            </a:r>
+            <a:r>
+              <a:rPr lang="en-US" dirty="0" err="1"/>
+              <a:t>trong</a:t>
+            </a:r>
+            <a:r>
+              <a:rPr lang="en-US" dirty="0"/>
+              <a:t> file index</a:t>
+            </a:r>
+          </a:p>
+        </p:txBody>
+      </p:sp>
+      <p:sp>
+        <p:nvSpPr>
+          <p:cNvPr id="4" name="Slide Number Placeholder 3"/>
+          <p:cNvSpPr>
+            <a:spLocks noGrp="1"/>
+          </p:cNvSpPr>
+          <p:nvPr>
+            <p:ph type="sldNum" sz="quarter" idx="5"/>
+          </p:nvPr>
+        </p:nvSpPr>
+        <p:spPr/>
+        <p:txBody>
+          <a:bodyPr/>
+          <a:lstStyle/>
+          <a:p>
+            <a:fld id="{1F672F56-6FAF-4F26-95A0-718CA3C86690}" type="slidenum">
+              <a:rPr lang="en-US" smtClean="0"/>
+              <a:t>18</a:t>
+            </a:fld>
+            <a:endParaRPr lang="en-US"/>
+          </a:p>
+        </p:txBody>
+      </p:sp>
+    </p:spTree>
+    <p:extLst>
+      <p:ext uri="{BB962C8B-B14F-4D97-AF65-F5344CB8AC3E}">
+        <p14:creationId xmlns:p14="http://schemas.microsoft.com/office/powerpoint/2010/main" val="3259236783"/>
       </p:ext>
     </p:extLst>
   </p:cSld>
@@ -615,43 +3535,404 @@
           <a:lstStyle/>
           <a:p>
             <a:r>
-              <a:rPr lang="en-US"/>
-              <a:t>Efficient fast : binary</a:t>
-            </a:r>
-          </a:p>
-          <a:p>
-            <a:r>
-              <a:rPr lang="en-US"/>
-              <a:t>Safe: </a:t>
-            </a:r>
-            <a:r>
-              <a:rPr lang="en-US" b="0" i="0">
-                <a:solidFill>
-                  <a:srgbClr val="3D3D3E"/>
-                </a:solidFill>
-                <a:effectLst/>
-                <a:latin typeface="Helvetica" panose="020B0604020202020204" pitchFamily="34" charset="0"/>
-              </a:rPr>
-              <a:t>memory-safe, sandboxed </a:t>
-            </a:r>
-            <a:r>
-              <a:rPr lang="en-US" b="0" i="0" u="none" strike="noStrike">
-                <a:solidFill>
-                  <a:srgbClr val="6797E2"/>
-                </a:solidFill>
-                <a:effectLst/>
-                <a:latin typeface="Helvetica" panose="020B0604020202020204" pitchFamily="34" charset="0"/>
-                <a:hlinkClick r:id="rId3"/>
-              </a:rPr>
-              <a:t>execution environment</a:t>
-            </a:r>
-            <a:endParaRPr lang="en-US" b="0" i="0" u="none" strike="noStrike">
-              <a:solidFill>
-                <a:srgbClr val="6797E2"/>
-              </a:solidFill>
-              <a:effectLst/>
-              <a:latin typeface="Helvetica" panose="020B0604020202020204" pitchFamily="34" charset="0"/>
-            </a:endParaRPr>
+              <a:rPr lang="en-US" dirty="0" err="1"/>
+              <a:t>Mô</a:t>
+            </a:r>
+            <a:r>
+              <a:rPr lang="en-US" dirty="0"/>
+              <a:t> </a:t>
+            </a:r>
+            <a:r>
+              <a:rPr lang="en-US" dirty="0" err="1"/>
+              <a:t>hình</a:t>
+            </a:r>
+            <a:r>
+              <a:rPr lang="en-US" dirty="0"/>
+              <a:t> </a:t>
+            </a:r>
+            <a:r>
+              <a:rPr lang="en-US" dirty="0" err="1"/>
+              <a:t>ptrien</a:t>
+            </a:r>
+            <a:r>
+              <a:rPr lang="en-US" dirty="0"/>
+              <a:t> </a:t>
+            </a:r>
+            <a:r>
+              <a:rPr lang="en-US" dirty="0" err="1"/>
+              <a:t>udung</a:t>
+            </a:r>
+            <a:r>
+              <a:rPr lang="en-US" dirty="0"/>
+              <a:t> web </a:t>
+            </a:r>
+            <a:r>
+              <a:rPr lang="en-US" dirty="0" err="1"/>
+              <a:t>đang</a:t>
+            </a:r>
+            <a:r>
+              <a:rPr lang="en-US" dirty="0"/>
+              <a:t> </a:t>
+            </a:r>
+            <a:r>
+              <a:rPr lang="en-US" dirty="0" err="1"/>
+              <a:t>sử</a:t>
+            </a:r>
+            <a:r>
+              <a:rPr lang="en-US" dirty="0"/>
+              <a:t> </a:t>
+            </a:r>
+            <a:r>
+              <a:rPr lang="en-US" dirty="0" err="1"/>
+              <a:t>dụng</a:t>
+            </a:r>
+            <a:endParaRPr lang="en-US" dirty="0"/>
+          </a:p>
+          <a:p>
+            <a:r>
+              <a:rPr lang="en-US" dirty="0" err="1"/>
+              <a:t>Tách</a:t>
+            </a:r>
+            <a:r>
+              <a:rPr lang="en-US" dirty="0"/>
+              <a:t> </a:t>
+            </a:r>
+            <a:r>
+              <a:rPr lang="en-US" dirty="0" err="1"/>
+              <a:t>biệt</a:t>
+            </a:r>
+            <a:r>
+              <a:rPr lang="en-US" dirty="0"/>
+              <a:t> client server</a:t>
+            </a:r>
+          </a:p>
+          <a:p>
+            <a:r>
+              <a:rPr lang="en-US" dirty="0"/>
+              <a:t>Client: </a:t>
+            </a:r>
+            <a:r>
+              <a:rPr lang="en-US" dirty="0" err="1"/>
+              <a:t>dùng</a:t>
+            </a:r>
+            <a:r>
+              <a:rPr lang="en-US" dirty="0"/>
+              <a:t> </a:t>
+            </a:r>
+            <a:r>
+              <a:rPr lang="en-US" dirty="0" err="1"/>
+              <a:t>framwork</a:t>
+            </a:r>
+            <a:r>
+              <a:rPr lang="en-US" dirty="0"/>
+              <a:t> library </a:t>
+            </a:r>
+            <a:r>
+              <a:rPr lang="en-US" dirty="0" err="1"/>
+              <a:t>nổi</a:t>
+            </a:r>
+            <a:r>
+              <a:rPr lang="en-US" dirty="0"/>
+              <a:t> </a:t>
+            </a:r>
+            <a:r>
+              <a:rPr lang="en-US" dirty="0" err="1"/>
+              <a:t>tiếng</a:t>
+            </a:r>
+            <a:r>
+              <a:rPr lang="en-US" dirty="0"/>
+              <a:t>, </a:t>
+            </a:r>
+            <a:r>
+              <a:rPr lang="en-US" dirty="0" err="1"/>
+              <a:t>ví</a:t>
+            </a:r>
+            <a:r>
+              <a:rPr lang="en-US" dirty="0"/>
+              <a:t> </a:t>
+            </a:r>
+            <a:r>
+              <a:rPr lang="en-US" dirty="0" err="1"/>
+              <a:t>dụ</a:t>
+            </a:r>
+            <a:r>
+              <a:rPr lang="en-US" dirty="0"/>
+              <a:t>….</a:t>
+            </a:r>
+          </a:p>
+          <a:p>
+            <a:r>
+              <a:rPr lang="en-US" dirty="0"/>
+              <a:t>Server: </a:t>
+            </a:r>
+            <a:r>
+              <a:rPr lang="en-US" dirty="0" err="1"/>
+              <a:t>ngôn</a:t>
+            </a:r>
+            <a:r>
+              <a:rPr lang="en-US" dirty="0"/>
+              <a:t> </a:t>
+            </a:r>
+            <a:r>
+              <a:rPr lang="en-US" dirty="0" err="1"/>
+              <a:t>ngữ</a:t>
+            </a:r>
+            <a:r>
+              <a:rPr lang="en-US" dirty="0"/>
+              <a:t> C#, java, php,…</a:t>
+            </a:r>
+          </a:p>
+          <a:p>
+            <a:r>
+              <a:rPr lang="en-US" dirty="0"/>
+              <a:t>-&gt; </a:t>
+            </a:r>
+            <a:r>
+              <a:rPr lang="en-US" dirty="0" err="1"/>
+              <a:t>tương</a:t>
+            </a:r>
+            <a:r>
+              <a:rPr lang="en-US" dirty="0"/>
+              <a:t> </a:t>
+            </a:r>
+            <a:r>
+              <a:rPr lang="en-US" dirty="0" err="1"/>
+              <a:t>tác</a:t>
+            </a:r>
+            <a:r>
+              <a:rPr lang="en-US" dirty="0"/>
+              <a:t> = web </a:t>
+            </a:r>
+            <a:r>
+              <a:rPr lang="en-US" dirty="0" err="1"/>
+              <a:t>api</a:t>
+            </a:r>
+            <a:endParaRPr lang="en-US" dirty="0"/>
+          </a:p>
+          <a:p>
+            <a:r>
+              <a:rPr lang="en-US" dirty="0" err="1"/>
+              <a:t>Có</a:t>
+            </a:r>
+            <a:r>
+              <a:rPr lang="en-US" dirty="0"/>
+              <a:t> BE, FE </a:t>
+            </a:r>
+            <a:r>
+              <a:rPr lang="en-US" dirty="0" err="1"/>
+              <a:t>tách</a:t>
+            </a:r>
+            <a:r>
+              <a:rPr lang="en-US" dirty="0"/>
+              <a:t> </a:t>
+            </a:r>
+            <a:r>
+              <a:rPr lang="en-US" dirty="0" err="1"/>
+              <a:t>biệt</a:t>
+            </a:r>
+            <a:r>
+              <a:rPr lang="en-US" dirty="0"/>
+              <a:t> -&gt; </a:t>
+            </a:r>
+            <a:r>
+              <a:rPr lang="en-US" dirty="0" err="1"/>
+              <a:t>thực</a:t>
+            </a:r>
+            <a:r>
+              <a:rPr lang="en-US" dirty="0"/>
+              <a:t> </a:t>
+            </a:r>
+            <a:r>
+              <a:rPr lang="en-US" dirty="0" err="1"/>
+              <a:t>tế</a:t>
+            </a:r>
+            <a:r>
+              <a:rPr lang="en-US" dirty="0"/>
+              <a:t>, ai </a:t>
+            </a:r>
+            <a:r>
+              <a:rPr lang="en-US" dirty="0" err="1"/>
+              <a:t>cũng</a:t>
+            </a:r>
+            <a:r>
+              <a:rPr lang="en-US" dirty="0"/>
+              <a:t> </a:t>
+            </a:r>
+            <a:r>
+              <a:rPr lang="en-US" dirty="0" err="1"/>
+              <a:t>muốn</a:t>
+            </a:r>
+            <a:r>
+              <a:rPr lang="en-US" dirty="0"/>
+              <a:t> </a:t>
+            </a:r>
+            <a:r>
+              <a:rPr lang="en-US" dirty="0" err="1"/>
+              <a:t>hướng</a:t>
+            </a:r>
+            <a:r>
+              <a:rPr lang="en-US" dirty="0"/>
+              <a:t> </a:t>
+            </a:r>
+            <a:r>
+              <a:rPr lang="en-US" dirty="0" err="1"/>
+              <a:t>tới</a:t>
+            </a:r>
+            <a:r>
+              <a:rPr lang="en-US" dirty="0"/>
+              <a:t> full-stack </a:t>
+            </a:r>
+          </a:p>
+          <a:p>
+            <a:r>
+              <a:rPr lang="en-US" dirty="0" err="1"/>
+              <a:t>Ví</a:t>
+            </a:r>
+            <a:r>
+              <a:rPr lang="en-US" dirty="0"/>
+              <a:t> </a:t>
+            </a:r>
+            <a:r>
+              <a:rPr lang="en-US" dirty="0" err="1"/>
+              <a:t>dụ</a:t>
+            </a:r>
+            <a:r>
+              <a:rPr lang="en-US" dirty="0"/>
+              <a:t> </a:t>
+            </a:r>
+            <a:r>
+              <a:rPr lang="en-US" dirty="0" err="1"/>
+              <a:t>bản</a:t>
+            </a:r>
+            <a:r>
+              <a:rPr lang="en-US" dirty="0"/>
+              <a:t> </a:t>
+            </a:r>
+            <a:r>
+              <a:rPr lang="en-US" dirty="0" err="1"/>
+              <a:t>thân</a:t>
+            </a:r>
+            <a:r>
+              <a:rPr lang="en-US" dirty="0"/>
+              <a:t> -&gt; ko </a:t>
+            </a:r>
+            <a:r>
+              <a:rPr lang="en-US" dirty="0" err="1"/>
+              <a:t>dễ</a:t>
+            </a:r>
+            <a:r>
+              <a:rPr lang="en-US" dirty="0"/>
+              <a:t> </a:t>
+            </a:r>
+            <a:r>
+              <a:rPr lang="en-US" dirty="0" err="1"/>
+              <a:t>dàng</a:t>
+            </a:r>
+            <a:r>
+              <a:rPr lang="en-US" dirty="0"/>
+              <a:t> </a:t>
+            </a:r>
+            <a:r>
+              <a:rPr lang="en-US" dirty="0" err="1"/>
+              <a:t>tiếp</a:t>
+            </a:r>
+            <a:r>
+              <a:rPr lang="en-US" dirty="0"/>
+              <a:t> </a:t>
+            </a:r>
+            <a:r>
+              <a:rPr lang="en-US" dirty="0" err="1"/>
+              <a:t>cận</a:t>
+            </a:r>
+            <a:r>
+              <a:rPr lang="en-US" dirty="0"/>
+              <a:t> FE -&gt; </a:t>
+            </a:r>
+            <a:r>
+              <a:rPr lang="en-US" dirty="0" err="1"/>
+              <a:t>mất</a:t>
+            </a:r>
+            <a:r>
+              <a:rPr lang="en-US" dirty="0"/>
+              <a:t> time </a:t>
+            </a:r>
+            <a:r>
+              <a:rPr lang="en-US" dirty="0" err="1"/>
+              <a:t>để</a:t>
+            </a:r>
+            <a:r>
+              <a:rPr lang="en-US" dirty="0"/>
+              <a:t> </a:t>
+            </a:r>
+            <a:r>
+              <a:rPr lang="en-US" dirty="0" err="1"/>
+              <a:t>học</a:t>
+            </a:r>
+            <a:r>
+              <a:rPr lang="en-US" dirty="0"/>
+              <a:t> -&gt; </a:t>
+            </a:r>
+            <a:r>
+              <a:rPr lang="en-US" dirty="0" err="1"/>
+              <a:t>mong</a:t>
+            </a:r>
+            <a:r>
+              <a:rPr lang="en-US" dirty="0"/>
+              <a:t> </a:t>
+            </a:r>
+            <a:r>
+              <a:rPr lang="en-US" dirty="0" err="1"/>
+              <a:t>muốn</a:t>
+            </a:r>
+            <a:r>
+              <a:rPr lang="en-US" dirty="0"/>
+              <a:t> dung </a:t>
+            </a:r>
+            <a:r>
+              <a:rPr lang="en-US" dirty="0" err="1"/>
+              <a:t>chính</a:t>
+            </a:r>
+            <a:r>
+              <a:rPr lang="en-US" dirty="0"/>
+              <a:t> </a:t>
+            </a:r>
+            <a:r>
+              <a:rPr lang="en-US" dirty="0" err="1"/>
+              <a:t>ngôn</a:t>
+            </a:r>
+            <a:r>
+              <a:rPr lang="en-US" dirty="0"/>
+              <a:t> </a:t>
+            </a:r>
+            <a:r>
+              <a:rPr lang="en-US" dirty="0" err="1"/>
+              <a:t>ngữ</a:t>
+            </a:r>
+            <a:r>
+              <a:rPr lang="en-US" dirty="0"/>
+              <a:t> BE </a:t>
+            </a:r>
+            <a:r>
+              <a:rPr lang="en-US" dirty="0" err="1"/>
+              <a:t>cho</a:t>
+            </a:r>
+            <a:r>
+              <a:rPr lang="en-US" dirty="0"/>
+              <a:t> FE -&gt; ra </a:t>
+            </a:r>
+            <a:r>
+              <a:rPr lang="en-US" dirty="0" err="1"/>
+              <a:t>đời</a:t>
+            </a:r>
+            <a:r>
+              <a:rPr lang="en-US" dirty="0"/>
+              <a:t> </a:t>
+            </a:r>
+            <a:r>
+              <a:rPr lang="en-US" dirty="0" err="1"/>
+              <a:t>webassembly</a:t>
+            </a:r>
+            <a:endParaRPr lang="en-US" dirty="0"/>
           </a:p>
         </p:txBody>
       </p:sp>
@@ -672,7 +3953,7 @@
           <a:p>
             <a:fld id="{1F672F56-6FAF-4F26-95A0-718CA3C86690}" type="slidenum">
               <a:rPr lang="en-US" smtClean="0"/>
-              <a:t>9</a:t>
+              <a:t>4</a:t>
             </a:fld>
             <a:endParaRPr lang="en-US"/>
           </a:p>
@@ -681,7 +3962,7 @@
     </p:spTree>
     <p:extLst>
       <p:ext uri="{BB962C8B-B14F-4D97-AF65-F5344CB8AC3E}">
-        <p14:creationId xmlns:p14="http://schemas.microsoft.com/office/powerpoint/2010/main" val="2928077482"/>
+        <p14:creationId xmlns:p14="http://schemas.microsoft.com/office/powerpoint/2010/main" val="2516155683"/>
       </p:ext>
     </p:extLst>
   </p:cSld>
@@ -735,7 +4016,710 @@
           <a:bodyPr/>
           <a:lstStyle/>
           <a:p>
-            <a:endParaRPr lang="en-US"/>
+            <a:r>
+              <a:rPr lang="en-US" dirty="0" err="1"/>
+              <a:t>Là</a:t>
+            </a:r>
+            <a:r>
+              <a:rPr lang="en-US" dirty="0"/>
+              <a:t> 1 </a:t>
+            </a:r>
+            <a:r>
+              <a:rPr lang="en-US" dirty="0" err="1"/>
+              <a:t>CNghe</a:t>
+            </a:r>
+            <a:r>
+              <a:rPr lang="en-US" dirty="0"/>
+              <a:t> </a:t>
+            </a:r>
+            <a:r>
+              <a:rPr lang="en-US" dirty="0" err="1"/>
+              <a:t>mới</a:t>
+            </a:r>
+            <a:endParaRPr lang="en-US" dirty="0"/>
+          </a:p>
+          <a:p>
+            <a:r>
+              <a:rPr lang="en-US" dirty="0" err="1"/>
+              <a:t>Định</a:t>
+            </a:r>
+            <a:r>
+              <a:rPr lang="en-US" dirty="0"/>
+              <a:t> </a:t>
+            </a:r>
+            <a:r>
+              <a:rPr lang="en-US" dirty="0" err="1"/>
+              <a:t>dạng</a:t>
+            </a:r>
+            <a:r>
+              <a:rPr lang="en-US" dirty="0"/>
+              <a:t> </a:t>
+            </a:r>
+            <a:r>
+              <a:rPr lang="en-US" dirty="0" err="1"/>
+              <a:t>nhị</a:t>
+            </a:r>
+            <a:r>
+              <a:rPr lang="en-US" dirty="0"/>
+              <a:t> </a:t>
+            </a:r>
+            <a:r>
+              <a:rPr lang="en-US" dirty="0" err="1"/>
+              <a:t>phân</a:t>
+            </a:r>
+            <a:r>
+              <a:rPr lang="en-US" dirty="0"/>
+              <a:t> </a:t>
+            </a:r>
+            <a:r>
+              <a:rPr lang="en-US" dirty="0" err="1"/>
+              <a:t>chạy</a:t>
+            </a:r>
+            <a:r>
+              <a:rPr lang="en-US" dirty="0"/>
+              <a:t> </a:t>
+            </a:r>
+            <a:r>
+              <a:rPr lang="en-US" dirty="0" err="1"/>
+              <a:t>trên</a:t>
+            </a:r>
+            <a:r>
+              <a:rPr lang="en-US" dirty="0"/>
+              <a:t> </a:t>
+            </a:r>
+            <a:r>
+              <a:rPr lang="en-US" dirty="0" err="1"/>
+              <a:t>máy</a:t>
+            </a:r>
+            <a:r>
+              <a:rPr lang="en-US" dirty="0"/>
+              <a:t> </a:t>
+            </a:r>
+            <a:r>
+              <a:rPr lang="en-US" dirty="0" err="1"/>
+              <a:t>ảo</a:t>
+            </a:r>
+            <a:r>
+              <a:rPr lang="en-US" dirty="0"/>
+              <a:t> (</a:t>
+            </a:r>
+            <a:r>
+              <a:rPr lang="en-GB" b="0" i="0" dirty="0">
+                <a:effectLst/>
+                <a:latin typeface="+mj-lt"/>
+              </a:rPr>
+              <a:t>stack-based virtual machine)</a:t>
+            </a:r>
+          </a:p>
+          <a:p>
+            <a:r>
+              <a:rPr lang="en-GB" b="0" i="0" dirty="0">
+                <a:effectLst/>
+                <a:latin typeface="+mj-lt"/>
+              </a:rPr>
+              <a:t>stack-based virtual machine: </a:t>
+            </a:r>
+            <a:r>
+              <a:rPr lang="en-GB" b="0" i="0" dirty="0" err="1">
+                <a:effectLst/>
+                <a:latin typeface="+mj-lt"/>
+              </a:rPr>
+              <a:t>chạy</a:t>
+            </a:r>
+            <a:r>
+              <a:rPr lang="en-GB" b="0" i="0" dirty="0">
+                <a:effectLst/>
+                <a:latin typeface="+mj-lt"/>
+              </a:rPr>
+              <a:t> app = C# -&gt; need CLR,…</a:t>
+            </a:r>
+          </a:p>
+          <a:p>
+            <a:endParaRPr lang="en-GB" b="0" i="0" dirty="0">
+              <a:effectLst/>
+              <a:latin typeface="+mj-lt"/>
+            </a:endParaRPr>
+          </a:p>
+          <a:p>
+            <a:r>
+              <a:rPr lang="en-GB" b="0" i="0" dirty="0" err="1">
+                <a:effectLst/>
+                <a:latin typeface="+mj-lt"/>
+              </a:rPr>
+              <a:t>webassembly</a:t>
+            </a:r>
+            <a:r>
+              <a:rPr lang="en-GB" b="0" i="0" dirty="0">
+                <a:effectLst/>
+                <a:latin typeface="+mj-lt"/>
+              </a:rPr>
+              <a:t> -&gt; </a:t>
+            </a:r>
+            <a:r>
+              <a:rPr lang="en-GB" b="0" i="0" dirty="0" err="1">
+                <a:effectLst/>
+                <a:latin typeface="+mj-lt"/>
+              </a:rPr>
+              <a:t>biên</a:t>
+            </a:r>
+            <a:r>
+              <a:rPr lang="en-GB" b="0" i="0" dirty="0">
+                <a:effectLst/>
+                <a:latin typeface="+mj-lt"/>
+              </a:rPr>
+              <a:t> </a:t>
+            </a:r>
+            <a:r>
+              <a:rPr lang="en-GB" b="0" i="0" dirty="0" err="1">
+                <a:effectLst/>
+                <a:latin typeface="+mj-lt"/>
+              </a:rPr>
+              <a:t>dịch</a:t>
+            </a:r>
+            <a:r>
+              <a:rPr lang="en-GB" b="0" i="0" dirty="0">
+                <a:effectLst/>
+                <a:latin typeface="+mj-lt"/>
+              </a:rPr>
+              <a:t> </a:t>
+            </a:r>
+            <a:r>
+              <a:rPr lang="en-GB" b="0" i="0" dirty="0" err="1">
+                <a:effectLst/>
+                <a:latin typeface="+mj-lt"/>
+              </a:rPr>
+              <a:t>các</a:t>
+            </a:r>
+            <a:r>
+              <a:rPr lang="en-GB" b="0" i="0" dirty="0">
+                <a:effectLst/>
+                <a:latin typeface="+mj-lt"/>
+              </a:rPr>
+              <a:t> BE language -&gt; </a:t>
+            </a:r>
+            <a:r>
+              <a:rPr lang="en-GB" b="0" i="0" dirty="0" err="1">
+                <a:effectLst/>
+                <a:latin typeface="+mj-lt"/>
+              </a:rPr>
+              <a:t>chuẩn</a:t>
+            </a:r>
+            <a:r>
+              <a:rPr lang="en-GB" b="0" i="0" dirty="0">
+                <a:effectLst/>
+                <a:latin typeface="+mj-lt"/>
+              </a:rPr>
+              <a:t> </a:t>
+            </a:r>
+            <a:r>
+              <a:rPr lang="en-GB" b="0" i="0" dirty="0" err="1">
+                <a:effectLst/>
+                <a:latin typeface="+mj-lt"/>
+              </a:rPr>
+              <a:t>chung</a:t>
+            </a:r>
+            <a:r>
+              <a:rPr lang="en-GB" b="0" i="0" dirty="0">
+                <a:effectLst/>
+                <a:latin typeface="+mj-lt"/>
+              </a:rPr>
+              <a:t> </a:t>
+            </a:r>
+            <a:r>
+              <a:rPr lang="en-GB" b="0" i="0" dirty="0" err="1">
+                <a:effectLst/>
+                <a:latin typeface="+mj-lt"/>
+              </a:rPr>
+              <a:t>chạy</a:t>
+            </a:r>
+            <a:r>
+              <a:rPr lang="en-GB" b="0" i="0" dirty="0">
+                <a:effectLst/>
+                <a:latin typeface="+mj-lt"/>
+              </a:rPr>
+              <a:t> </a:t>
+            </a:r>
+            <a:r>
+              <a:rPr lang="en-GB" b="0" i="0" dirty="0" err="1">
+                <a:effectLst/>
+                <a:latin typeface="+mj-lt"/>
+              </a:rPr>
+              <a:t>trên</a:t>
+            </a:r>
+            <a:r>
+              <a:rPr lang="en-GB" b="0" i="0" dirty="0">
+                <a:effectLst/>
+                <a:latin typeface="+mj-lt"/>
+              </a:rPr>
+              <a:t> browser</a:t>
+            </a:r>
+          </a:p>
+          <a:p>
+            <a:endParaRPr lang="en-GB" b="0" i="0" dirty="0">
+              <a:effectLst/>
+              <a:latin typeface="+mj-lt"/>
+            </a:endParaRPr>
+          </a:p>
+          <a:p>
+            <a:r>
+              <a:rPr lang="en-GB" b="0" i="0" dirty="0" err="1">
+                <a:effectLst/>
+                <a:latin typeface="+mj-lt"/>
+              </a:rPr>
+              <a:t>Từ</a:t>
+            </a:r>
+            <a:r>
+              <a:rPr lang="en-GB" b="0" i="0" dirty="0">
+                <a:effectLst/>
+                <a:latin typeface="+mj-lt"/>
+              </a:rPr>
+              <a:t> </a:t>
+            </a:r>
+            <a:r>
+              <a:rPr lang="en-GB" b="0" i="0" dirty="0" err="1">
+                <a:effectLst/>
+                <a:latin typeface="+mj-lt"/>
+              </a:rPr>
+              <a:t>xưa</a:t>
+            </a:r>
+            <a:r>
+              <a:rPr lang="en-GB" b="0" i="0" dirty="0">
+                <a:effectLst/>
+                <a:latin typeface="+mj-lt"/>
+              </a:rPr>
+              <a:t> </a:t>
+            </a:r>
+            <a:r>
+              <a:rPr lang="en-GB" b="0" i="0" dirty="0" err="1">
+                <a:effectLst/>
+                <a:latin typeface="+mj-lt"/>
+              </a:rPr>
+              <a:t>đã</a:t>
+            </a:r>
+            <a:r>
+              <a:rPr lang="en-GB" b="0" i="0" dirty="0">
+                <a:effectLst/>
+                <a:latin typeface="+mj-lt"/>
+              </a:rPr>
+              <a:t> </a:t>
+            </a:r>
+            <a:r>
+              <a:rPr lang="en-GB" b="0" i="0" dirty="0" err="1">
+                <a:effectLst/>
+                <a:latin typeface="+mj-lt"/>
+              </a:rPr>
+              <a:t>có</a:t>
+            </a:r>
+            <a:r>
+              <a:rPr lang="en-GB" b="0" i="0" dirty="0">
+                <a:effectLst/>
+                <a:latin typeface="+mj-lt"/>
+              </a:rPr>
+              <a:t>: flash adobe, Silverlight Microsoft -&gt; </a:t>
+            </a:r>
+            <a:r>
+              <a:rPr lang="en-GB" b="0" i="0" dirty="0" err="1">
+                <a:effectLst/>
+                <a:latin typeface="+mj-lt"/>
+              </a:rPr>
+              <a:t>Cnghe</a:t>
+            </a:r>
+            <a:r>
+              <a:rPr lang="en-GB" b="0" i="0" dirty="0">
+                <a:effectLst/>
+                <a:latin typeface="+mj-lt"/>
+              </a:rPr>
+              <a:t> </a:t>
+            </a:r>
+            <a:r>
+              <a:rPr lang="en-GB" b="0" i="0" dirty="0" err="1">
+                <a:effectLst/>
+                <a:latin typeface="+mj-lt"/>
+              </a:rPr>
+              <a:t>độc</a:t>
+            </a:r>
+            <a:r>
+              <a:rPr lang="en-GB" b="0" i="0" dirty="0">
+                <a:effectLst/>
+                <a:latin typeface="+mj-lt"/>
+              </a:rPr>
+              <a:t> </a:t>
+            </a:r>
+            <a:r>
+              <a:rPr lang="en-GB" b="0" i="0" dirty="0" err="1">
+                <a:effectLst/>
+                <a:latin typeface="+mj-lt"/>
+              </a:rPr>
+              <a:t>quyền</a:t>
+            </a:r>
+            <a:r>
+              <a:rPr lang="en-GB" b="0" i="0" dirty="0">
+                <a:effectLst/>
+                <a:latin typeface="+mj-lt"/>
+              </a:rPr>
+              <a:t> -&gt; </a:t>
+            </a:r>
+            <a:r>
+              <a:rPr lang="en-GB" b="0" i="0" dirty="0" err="1">
+                <a:effectLst/>
+                <a:latin typeface="+mj-lt"/>
+              </a:rPr>
+              <a:t>cần</a:t>
+            </a:r>
+            <a:r>
+              <a:rPr lang="en-GB" b="0" i="0" dirty="0">
+                <a:effectLst/>
+                <a:latin typeface="+mj-lt"/>
+              </a:rPr>
+              <a:t> </a:t>
+            </a:r>
+            <a:r>
+              <a:rPr lang="en-GB" b="0" i="0" dirty="0" err="1">
+                <a:effectLst/>
+                <a:latin typeface="+mj-lt"/>
+              </a:rPr>
+              <a:t>phải</a:t>
+            </a:r>
+            <a:r>
+              <a:rPr lang="en-GB" b="0" i="0" dirty="0">
+                <a:effectLst/>
+                <a:latin typeface="+mj-lt"/>
+              </a:rPr>
+              <a:t> </a:t>
+            </a:r>
+            <a:r>
+              <a:rPr lang="en-GB" b="0" i="0" dirty="0" err="1">
+                <a:effectLst/>
+                <a:latin typeface="+mj-lt"/>
+              </a:rPr>
+              <a:t>học</a:t>
+            </a:r>
+            <a:r>
+              <a:rPr lang="en-GB" b="0" i="0" dirty="0">
+                <a:effectLst/>
+                <a:latin typeface="+mj-lt"/>
+              </a:rPr>
+              <a:t>. Ng </a:t>
+            </a:r>
+            <a:r>
+              <a:rPr lang="en-GB" b="0" i="0" dirty="0" err="1">
+                <a:effectLst/>
+                <a:latin typeface="+mj-lt"/>
+              </a:rPr>
+              <a:t>dùng</a:t>
+            </a:r>
+            <a:r>
+              <a:rPr lang="en-GB" b="0" i="0" dirty="0">
+                <a:effectLst/>
+                <a:latin typeface="+mj-lt"/>
+              </a:rPr>
+              <a:t> </a:t>
+            </a:r>
+            <a:r>
+              <a:rPr lang="en-GB" b="0" i="0" dirty="0" err="1">
+                <a:effectLst/>
+                <a:latin typeface="+mj-lt"/>
+              </a:rPr>
+              <a:t>cần</a:t>
+            </a:r>
+            <a:r>
+              <a:rPr lang="en-GB" b="0" i="0" dirty="0">
+                <a:effectLst/>
+                <a:latin typeface="+mj-lt"/>
+              </a:rPr>
+              <a:t> </a:t>
+            </a:r>
+            <a:r>
+              <a:rPr lang="en-GB" b="0" i="0" dirty="0" err="1">
+                <a:effectLst/>
+                <a:latin typeface="+mj-lt"/>
+              </a:rPr>
+              <a:t>cài</a:t>
+            </a:r>
+            <a:r>
+              <a:rPr lang="en-GB" b="0" i="0" dirty="0">
+                <a:effectLst/>
+                <a:latin typeface="+mj-lt"/>
+              </a:rPr>
+              <a:t> extension -&gt; </a:t>
+            </a:r>
+            <a:r>
+              <a:rPr lang="en-GB" b="0" i="0" dirty="0" err="1">
+                <a:effectLst/>
+                <a:latin typeface="+mj-lt"/>
+              </a:rPr>
+              <a:t>bất</a:t>
+            </a:r>
+            <a:r>
+              <a:rPr lang="en-GB" b="0" i="0" dirty="0">
+                <a:effectLst/>
+                <a:latin typeface="+mj-lt"/>
+              </a:rPr>
+              <a:t> </a:t>
+            </a:r>
+            <a:r>
+              <a:rPr lang="en-GB" b="0" i="0" dirty="0" err="1">
+                <a:effectLst/>
+                <a:latin typeface="+mj-lt"/>
+              </a:rPr>
+              <a:t>tiện</a:t>
+            </a:r>
+            <a:r>
+              <a:rPr lang="en-GB" b="0" i="0" dirty="0">
+                <a:effectLst/>
+                <a:latin typeface="+mj-lt"/>
+              </a:rPr>
+              <a:t>, security</a:t>
+            </a:r>
+          </a:p>
+          <a:p>
+            <a:endParaRPr lang="en-GB" b="0" i="0" dirty="0">
+              <a:effectLst/>
+              <a:latin typeface="+mj-lt"/>
+            </a:endParaRPr>
+          </a:p>
+          <a:p>
+            <a:r>
+              <a:rPr lang="en-GB" b="0" i="0" dirty="0" err="1">
+                <a:effectLst/>
+                <a:latin typeface="+mj-lt"/>
+              </a:rPr>
+              <a:t>Wasm</a:t>
+            </a:r>
+            <a:r>
+              <a:rPr lang="en-GB" b="0" i="0" dirty="0">
+                <a:effectLst/>
+                <a:latin typeface="+mj-lt"/>
+              </a:rPr>
+              <a:t> -&gt; ko </a:t>
+            </a:r>
+            <a:r>
+              <a:rPr lang="en-GB" b="0" i="0" dirty="0" err="1">
+                <a:effectLst/>
+                <a:latin typeface="+mj-lt"/>
+              </a:rPr>
+              <a:t>phải</a:t>
+            </a:r>
+            <a:r>
+              <a:rPr lang="en-GB" b="0" i="0" dirty="0">
+                <a:effectLst/>
+                <a:latin typeface="+mj-lt"/>
+              </a:rPr>
+              <a:t> extension. </a:t>
+            </a:r>
+            <a:r>
+              <a:rPr lang="en-GB" b="0" i="0" dirty="0" err="1">
+                <a:effectLst/>
+                <a:latin typeface="+mj-lt"/>
+              </a:rPr>
+              <a:t>Chỉ</a:t>
+            </a:r>
+            <a:r>
+              <a:rPr lang="en-GB" b="0" i="0" dirty="0">
+                <a:effectLst/>
+                <a:latin typeface="+mj-lt"/>
+              </a:rPr>
+              <a:t> </a:t>
+            </a:r>
+            <a:r>
+              <a:rPr lang="en-GB" b="0" i="0" dirty="0" err="1">
+                <a:effectLst/>
+                <a:latin typeface="+mj-lt"/>
+              </a:rPr>
+              <a:t>cần</a:t>
+            </a:r>
+            <a:r>
+              <a:rPr lang="en-GB" b="0" i="0" dirty="0">
+                <a:effectLst/>
+                <a:latin typeface="+mj-lt"/>
+              </a:rPr>
+              <a:t> </a:t>
+            </a:r>
+            <a:r>
+              <a:rPr lang="en-GB" b="0" i="0" dirty="0" err="1">
+                <a:effectLst/>
+                <a:latin typeface="+mj-lt"/>
+              </a:rPr>
+              <a:t>có</a:t>
+            </a:r>
+            <a:r>
+              <a:rPr lang="en-GB" b="0" i="0" dirty="0">
+                <a:effectLst/>
+                <a:latin typeface="+mj-lt"/>
+              </a:rPr>
+              <a:t> modern browser </a:t>
+            </a:r>
+            <a:r>
+              <a:rPr lang="en-GB" b="0" i="0" dirty="0" err="1">
+                <a:effectLst/>
+                <a:latin typeface="+mj-lt"/>
+              </a:rPr>
+              <a:t>là</a:t>
+            </a:r>
+            <a:r>
+              <a:rPr lang="en-GB" b="0" i="0" dirty="0">
+                <a:effectLst/>
+                <a:latin typeface="+mj-lt"/>
+              </a:rPr>
+              <a:t> use dc</a:t>
+            </a:r>
+          </a:p>
+          <a:p>
+            <a:endParaRPr lang="en-GB" b="0" i="0" dirty="0">
+              <a:effectLst/>
+              <a:latin typeface="+mj-lt"/>
+            </a:endParaRPr>
+          </a:p>
+          <a:p>
+            <a:r>
+              <a:rPr lang="en-GB" b="0" i="0" dirty="0" err="1">
+                <a:effectLst/>
+                <a:latin typeface="+mj-lt"/>
+              </a:rPr>
+              <a:t>Wasm</a:t>
+            </a:r>
+            <a:r>
+              <a:rPr lang="en-GB" b="0" i="0" dirty="0">
+                <a:effectLst/>
+                <a:latin typeface="+mj-lt"/>
+              </a:rPr>
+              <a:t> </a:t>
+            </a:r>
+            <a:r>
+              <a:rPr lang="en-GB" b="0" i="0" dirty="0" err="1">
+                <a:effectLst/>
+                <a:latin typeface="+mj-lt"/>
+              </a:rPr>
+              <a:t>công</a:t>
+            </a:r>
+            <a:r>
+              <a:rPr lang="en-GB" b="0" i="0" dirty="0">
+                <a:effectLst/>
+                <a:latin typeface="+mj-lt"/>
+              </a:rPr>
+              <a:t> </a:t>
+            </a:r>
+            <a:r>
+              <a:rPr lang="en-GB" b="0" i="0" dirty="0" err="1">
+                <a:effectLst/>
+                <a:latin typeface="+mj-lt"/>
+              </a:rPr>
+              <a:t>bố</a:t>
+            </a:r>
+            <a:r>
+              <a:rPr lang="en-GB" b="0" i="0" dirty="0">
+                <a:effectLst/>
+                <a:latin typeface="+mj-lt"/>
+              </a:rPr>
+              <a:t> 2015 -&gt; 2017 </a:t>
+            </a:r>
+            <a:r>
+              <a:rPr lang="en-GB" b="0" i="0" dirty="0" err="1">
+                <a:effectLst/>
+                <a:latin typeface="+mj-lt"/>
+              </a:rPr>
+              <a:t>đa</a:t>
+            </a:r>
+            <a:r>
+              <a:rPr lang="en-GB" b="0" i="0" dirty="0">
+                <a:effectLst/>
+                <a:latin typeface="+mj-lt"/>
+              </a:rPr>
+              <a:t> </a:t>
+            </a:r>
+            <a:r>
+              <a:rPr lang="en-GB" b="0" i="0" dirty="0" err="1">
+                <a:effectLst/>
+                <a:latin typeface="+mj-lt"/>
+              </a:rPr>
+              <a:t>số</a:t>
+            </a:r>
+            <a:r>
+              <a:rPr lang="en-GB" b="0" i="0" dirty="0">
+                <a:effectLst/>
+                <a:latin typeface="+mj-lt"/>
+              </a:rPr>
+              <a:t> modern browser use dc -&gt; 2019…</a:t>
+            </a:r>
+          </a:p>
+          <a:p>
+            <a:endParaRPr lang="en-GB" b="0" i="0" dirty="0">
+              <a:effectLst/>
+              <a:latin typeface="+mj-lt"/>
+            </a:endParaRPr>
+          </a:p>
+          <a:p>
+            <a:r>
+              <a:rPr lang="en-GB" b="0" i="0" dirty="0" err="1">
+                <a:effectLst/>
+                <a:latin typeface="+mj-lt"/>
+              </a:rPr>
+              <a:t>Efficience</a:t>
+            </a:r>
+            <a:r>
+              <a:rPr lang="en-GB" b="0" i="0" dirty="0">
+                <a:effectLst/>
+                <a:latin typeface="+mj-lt"/>
+              </a:rPr>
+              <a:t> and fast , safe, ko </a:t>
+            </a:r>
+            <a:r>
+              <a:rPr lang="en-GB" b="0" i="0" dirty="0" err="1">
+                <a:effectLst/>
+                <a:latin typeface="+mj-lt"/>
+              </a:rPr>
+              <a:t>thể</a:t>
+            </a:r>
+            <a:r>
+              <a:rPr lang="en-GB" b="0" i="0" dirty="0">
+                <a:effectLst/>
+                <a:latin typeface="+mj-lt"/>
+              </a:rPr>
+              <a:t> </a:t>
+            </a:r>
+            <a:r>
+              <a:rPr lang="en-GB" b="0" i="0" dirty="0" err="1">
+                <a:effectLst/>
+                <a:latin typeface="+mj-lt"/>
+              </a:rPr>
+              <a:t>truy</a:t>
+            </a:r>
+            <a:r>
+              <a:rPr lang="en-GB" b="0" i="0" dirty="0">
+                <a:effectLst/>
+                <a:latin typeface="+mj-lt"/>
+              </a:rPr>
+              <a:t> </a:t>
+            </a:r>
+            <a:r>
+              <a:rPr lang="en-GB" b="0" i="0" dirty="0" err="1">
+                <a:effectLst/>
+                <a:latin typeface="+mj-lt"/>
+              </a:rPr>
+              <a:t>cập</a:t>
+            </a:r>
+            <a:r>
+              <a:rPr lang="en-GB" b="0" i="0" dirty="0">
+                <a:effectLst/>
+                <a:latin typeface="+mj-lt"/>
+              </a:rPr>
+              <a:t> file system </a:t>
+            </a:r>
+            <a:r>
+              <a:rPr lang="en-GB" b="0" i="0" dirty="0" err="1">
+                <a:effectLst/>
+                <a:latin typeface="+mj-lt"/>
+              </a:rPr>
+              <a:t>của</a:t>
+            </a:r>
+            <a:r>
+              <a:rPr lang="en-GB" b="0" i="0" dirty="0">
+                <a:effectLst/>
+                <a:latin typeface="+mj-lt"/>
+              </a:rPr>
+              <a:t> user.</a:t>
+            </a:r>
+            <a:endParaRPr lang="en-US" dirty="0"/>
           </a:p>
         </p:txBody>
       </p:sp>
@@ -756,7 +4740,1489 @@
           <a:p>
             <a:fld id="{1F672F56-6FAF-4F26-95A0-718CA3C86690}" type="slidenum">
               <a:rPr lang="en-US" smtClean="0"/>
-              <a:t>11</a:t>
+              <a:t>5</a:t>
+            </a:fld>
+            <a:endParaRPr lang="en-US"/>
+          </a:p>
+        </p:txBody>
+      </p:sp>
+    </p:spTree>
+    <p:extLst>
+      <p:ext uri="{BB962C8B-B14F-4D97-AF65-F5344CB8AC3E}">
+        <p14:creationId xmlns:p14="http://schemas.microsoft.com/office/powerpoint/2010/main" val="1228469498"/>
+      </p:ext>
+    </p:extLst>
+  </p:cSld>
+  <p:clrMapOvr>
+    <a:masterClrMapping/>
+  </p:clrMapOvr>
+</p:notes>
+</file>
+
+<file path=ppt/notesSlides/notesSlide4.xml><?xml version="1.0" encoding="utf-8"?>
+<p:notes xmlns:a="http://schemas.openxmlformats.org/drawingml/2006/main" xmlns:r="http://schemas.openxmlformats.org/officeDocument/2006/relationships" xmlns:p="http://schemas.openxmlformats.org/presentationml/2006/main">
+  <p:cSld>
+    <p:spTree>
+      <p:nvGrpSpPr>
+        <p:cNvPr id="1" name=""/>
+        <p:cNvGrpSpPr/>
+        <p:nvPr/>
+      </p:nvGrpSpPr>
+      <p:grpSpPr>
+        <a:xfrm>
+          <a:off x="0" y="0"/>
+          <a:ext cx="0" cy="0"/>
+          <a:chOff x="0" y="0"/>
+          <a:chExt cx="0" cy="0"/>
+        </a:xfrm>
+      </p:grpSpPr>
+      <p:sp>
+        <p:nvSpPr>
+          <p:cNvPr id="2" name="Slide Image Placeholder 1"/>
+          <p:cNvSpPr>
+            <a:spLocks noGrp="1" noRot="1" noChangeAspect="1"/>
+          </p:cNvSpPr>
+          <p:nvPr>
+            <p:ph type="sldImg"/>
+          </p:nvPr>
+        </p:nvSpPr>
+        <p:spPr/>
+      </p:sp>
+      <p:sp>
+        <p:nvSpPr>
+          <p:cNvPr id="3" name="Notes Placeholder 2"/>
+          <p:cNvSpPr>
+            <a:spLocks noGrp="1"/>
+          </p:cNvSpPr>
+          <p:nvPr>
+            <p:ph type="body" idx="1"/>
+          </p:nvPr>
+        </p:nvSpPr>
+        <p:spPr/>
+        <p:txBody>
+          <a:bodyPr/>
+          <a:lstStyle/>
+          <a:p>
+            <a:r>
+              <a:rPr lang="en-US" dirty="0"/>
+              <a:t>2 </a:t>
+            </a:r>
+            <a:r>
+              <a:rPr lang="en-US" dirty="0" err="1"/>
+              <a:t>định</a:t>
+            </a:r>
+            <a:r>
+              <a:rPr lang="en-US" dirty="0"/>
+              <a:t> </a:t>
+            </a:r>
+            <a:r>
+              <a:rPr lang="en-US" dirty="0" err="1"/>
+              <a:t>dạng</a:t>
+            </a:r>
+            <a:endParaRPr lang="en-US" dirty="0"/>
+          </a:p>
+          <a:p>
+            <a:r>
+              <a:rPr lang="en-US" dirty="0"/>
+              <a:t>.wat: </a:t>
+            </a:r>
+            <a:r>
+              <a:rPr lang="en-US" dirty="0" err="1"/>
+              <a:t>có</a:t>
+            </a:r>
+            <a:r>
+              <a:rPr lang="en-US" dirty="0"/>
+              <a:t> </a:t>
+            </a:r>
+            <a:r>
+              <a:rPr lang="en-US" dirty="0" err="1"/>
+              <a:t>thể</a:t>
+            </a:r>
+            <a:r>
+              <a:rPr lang="en-US" dirty="0"/>
+              <a:t> </a:t>
+            </a:r>
+            <a:r>
+              <a:rPr lang="en-US" dirty="0" err="1"/>
+              <a:t>hiểu</a:t>
+            </a:r>
+            <a:r>
+              <a:rPr lang="en-US" dirty="0"/>
+              <a:t> dc</a:t>
+            </a:r>
+          </a:p>
+          <a:p>
+            <a:r>
+              <a:rPr lang="en-US" dirty="0"/>
+              <a:t>.</a:t>
+            </a:r>
+            <a:r>
+              <a:rPr lang="en-US" dirty="0" err="1"/>
+              <a:t>wasm</a:t>
+            </a:r>
+            <a:r>
+              <a:rPr lang="en-US" dirty="0"/>
+              <a:t>: browser </a:t>
+            </a:r>
+            <a:r>
+              <a:rPr lang="en-US" dirty="0" err="1"/>
+              <a:t>sẽ</a:t>
+            </a:r>
+            <a:r>
+              <a:rPr lang="en-US" dirty="0"/>
+              <a:t> </a:t>
+            </a:r>
+            <a:r>
+              <a:rPr lang="en-US" dirty="0" err="1"/>
+              <a:t>sử</a:t>
+            </a:r>
+            <a:r>
+              <a:rPr lang="en-US" dirty="0"/>
+              <a:t> </a:t>
+            </a:r>
+            <a:r>
+              <a:rPr lang="en-US" dirty="0" err="1"/>
+              <a:t>dụng</a:t>
+            </a:r>
+            <a:r>
+              <a:rPr lang="en-US" dirty="0"/>
+              <a:t> </a:t>
+            </a:r>
+            <a:r>
+              <a:rPr lang="en-US" dirty="0" err="1"/>
+              <a:t>định</a:t>
+            </a:r>
+            <a:r>
+              <a:rPr lang="en-US" dirty="0"/>
+              <a:t> </a:t>
+            </a:r>
+            <a:r>
+              <a:rPr lang="en-US" dirty="0" err="1"/>
+              <a:t>dạng</a:t>
+            </a:r>
+            <a:r>
+              <a:rPr lang="en-US" dirty="0"/>
+              <a:t> </a:t>
+            </a:r>
+            <a:r>
+              <a:rPr lang="en-US" dirty="0" err="1"/>
+              <a:t>này</a:t>
+            </a:r>
+            <a:endParaRPr lang="en-US" dirty="0"/>
+          </a:p>
+          <a:p>
+            <a:r>
+              <a:rPr lang="en-US" dirty="0"/>
+              <a:t>-&gt; </a:t>
+            </a:r>
+            <a:r>
+              <a:rPr lang="en-US" dirty="0" err="1"/>
+              <a:t>gthieu</a:t>
+            </a:r>
+            <a:r>
+              <a:rPr lang="en-US" dirty="0"/>
+              <a:t> </a:t>
+            </a:r>
+            <a:r>
+              <a:rPr lang="en-US" dirty="0" err="1"/>
+              <a:t>trang</a:t>
+            </a:r>
+            <a:r>
+              <a:rPr lang="en-US" dirty="0"/>
+              <a:t> web: https://mbebenita.github.io/WasmExplorer/</a:t>
+            </a:r>
+          </a:p>
+          <a:p>
+            <a:endParaRPr lang="en-US" dirty="0"/>
+          </a:p>
+        </p:txBody>
+      </p:sp>
+      <p:sp>
+        <p:nvSpPr>
+          <p:cNvPr id="4" name="Slide Number Placeholder 3"/>
+          <p:cNvSpPr>
+            <a:spLocks noGrp="1"/>
+          </p:cNvSpPr>
+          <p:nvPr>
+            <p:ph type="sldNum" sz="quarter" idx="5"/>
+          </p:nvPr>
+        </p:nvSpPr>
+        <p:spPr/>
+        <p:txBody>
+          <a:bodyPr/>
+          <a:lstStyle/>
+          <a:p>
+            <a:fld id="{1F672F56-6FAF-4F26-95A0-718CA3C86690}" type="slidenum">
+              <a:rPr lang="en-US" smtClean="0"/>
+              <a:t>6</a:t>
+            </a:fld>
+            <a:endParaRPr lang="en-US"/>
+          </a:p>
+        </p:txBody>
+      </p:sp>
+    </p:spTree>
+    <p:extLst>
+      <p:ext uri="{BB962C8B-B14F-4D97-AF65-F5344CB8AC3E}">
+        <p14:creationId xmlns:p14="http://schemas.microsoft.com/office/powerpoint/2010/main" val="2398012326"/>
+      </p:ext>
+    </p:extLst>
+  </p:cSld>
+  <p:clrMapOvr>
+    <a:masterClrMapping/>
+  </p:clrMapOvr>
+</p:notes>
+</file>
+
+<file path=ppt/notesSlides/notesSlide5.xml><?xml version="1.0" encoding="utf-8"?>
+<p:notes xmlns:a="http://schemas.openxmlformats.org/drawingml/2006/main" xmlns:r="http://schemas.openxmlformats.org/officeDocument/2006/relationships" xmlns:p="http://schemas.openxmlformats.org/presentationml/2006/main">
+  <p:cSld>
+    <p:spTree>
+      <p:nvGrpSpPr>
+        <p:cNvPr id="1" name=""/>
+        <p:cNvGrpSpPr/>
+        <p:nvPr/>
+      </p:nvGrpSpPr>
+      <p:grpSpPr>
+        <a:xfrm>
+          <a:off x="0" y="0"/>
+          <a:ext cx="0" cy="0"/>
+          <a:chOff x="0" y="0"/>
+          <a:chExt cx="0" cy="0"/>
+        </a:xfrm>
+      </p:grpSpPr>
+      <p:sp>
+        <p:nvSpPr>
+          <p:cNvPr id="2" name="Slide Image Placeholder 1"/>
+          <p:cNvSpPr>
+            <a:spLocks noGrp="1" noRot="1" noChangeAspect="1"/>
+          </p:cNvSpPr>
+          <p:nvPr>
+            <p:ph type="sldImg"/>
+          </p:nvPr>
+        </p:nvSpPr>
+        <p:spPr/>
+      </p:sp>
+      <p:sp>
+        <p:nvSpPr>
+          <p:cNvPr id="3" name="Notes Placeholder 2"/>
+          <p:cNvSpPr>
+            <a:spLocks noGrp="1"/>
+          </p:cNvSpPr>
+          <p:nvPr>
+            <p:ph type="body" idx="1"/>
+          </p:nvPr>
+        </p:nvSpPr>
+        <p:spPr/>
+        <p:txBody>
+          <a:bodyPr/>
+          <a:lstStyle/>
+          <a:p>
+            <a:r>
+              <a:rPr lang="en-US" dirty="0" err="1"/>
+              <a:t>Có</a:t>
+            </a:r>
+            <a:r>
+              <a:rPr lang="en-US" dirty="0"/>
+              <a:t> </a:t>
+            </a:r>
+            <a:r>
+              <a:rPr lang="en-US" dirty="0" err="1"/>
+              <a:t>thể</a:t>
+            </a:r>
+            <a:r>
+              <a:rPr lang="en-US" dirty="0"/>
+              <a:t> </a:t>
+            </a:r>
+            <a:r>
+              <a:rPr lang="en-US" dirty="0" err="1"/>
+              <a:t>viết</a:t>
+            </a:r>
+            <a:r>
+              <a:rPr lang="en-US" dirty="0"/>
+              <a:t> </a:t>
+            </a:r>
+            <a:r>
+              <a:rPr lang="en-US" dirty="0" err="1"/>
+              <a:t>được</a:t>
+            </a:r>
+            <a:r>
+              <a:rPr lang="en-US" dirty="0"/>
+              <a:t> </a:t>
+            </a:r>
+            <a:r>
+              <a:rPr lang="en-US" dirty="0" err="1"/>
+              <a:t>định</a:t>
+            </a:r>
+            <a:r>
+              <a:rPr lang="en-US" dirty="0"/>
+              <a:t> </a:t>
+            </a:r>
+            <a:r>
+              <a:rPr lang="en-US" dirty="0" err="1"/>
+              <a:t>dạng</a:t>
+            </a:r>
+            <a:r>
+              <a:rPr lang="en-US" dirty="0"/>
+              <a:t> </a:t>
+            </a:r>
+            <a:r>
+              <a:rPr lang="en-US" dirty="0" err="1"/>
+              <a:t>đó</a:t>
+            </a:r>
+            <a:r>
+              <a:rPr lang="en-US" dirty="0"/>
+              <a:t> -&gt; ko ai </a:t>
+            </a:r>
+            <a:r>
+              <a:rPr lang="en-US" dirty="0" err="1"/>
+              <a:t>rảnh</a:t>
+            </a:r>
+            <a:r>
+              <a:rPr lang="en-US" dirty="0"/>
+              <a:t> </a:t>
+            </a:r>
+            <a:r>
+              <a:rPr lang="en-US" dirty="0" err="1"/>
+              <a:t>để</a:t>
+            </a:r>
+            <a:r>
+              <a:rPr lang="en-US" dirty="0"/>
+              <a:t> </a:t>
+            </a:r>
+            <a:r>
+              <a:rPr lang="en-US" dirty="0" err="1"/>
+              <a:t>làm</a:t>
+            </a:r>
+            <a:r>
+              <a:rPr lang="en-US" dirty="0"/>
+              <a:t> </a:t>
+            </a:r>
+            <a:r>
+              <a:rPr lang="en-US" dirty="0" err="1"/>
+              <a:t>như</a:t>
+            </a:r>
+            <a:r>
+              <a:rPr lang="en-US" dirty="0"/>
+              <a:t> </a:t>
+            </a:r>
+            <a:r>
+              <a:rPr lang="en-US" dirty="0" err="1"/>
+              <a:t>thế</a:t>
+            </a:r>
+            <a:endParaRPr lang="en-US" dirty="0"/>
+          </a:p>
+          <a:p>
+            <a:r>
+              <a:rPr lang="en-US" dirty="0" err="1"/>
+              <a:t>Mỗi</a:t>
+            </a:r>
+            <a:r>
+              <a:rPr lang="en-US" dirty="0"/>
+              <a:t> language </a:t>
+            </a:r>
+            <a:r>
+              <a:rPr lang="en-US" dirty="0" err="1"/>
+              <a:t>có</a:t>
+            </a:r>
+            <a:r>
+              <a:rPr lang="en-US" dirty="0"/>
+              <a:t> compiler </a:t>
+            </a:r>
+            <a:r>
+              <a:rPr lang="en-US" dirty="0" err="1"/>
+              <a:t>riêng</a:t>
+            </a:r>
+            <a:r>
+              <a:rPr lang="en-US" dirty="0"/>
+              <a:t> -&gt; </a:t>
+            </a:r>
+            <a:r>
+              <a:rPr lang="en-US" dirty="0" err="1"/>
+              <a:t>wasm</a:t>
+            </a:r>
+            <a:r>
+              <a:rPr lang="en-US" dirty="0"/>
+              <a:t> -&gt; </a:t>
+            </a:r>
+            <a:r>
+              <a:rPr lang="en-US" dirty="0" err="1"/>
+              <a:t>chạy</a:t>
+            </a:r>
+            <a:r>
+              <a:rPr lang="en-US" dirty="0"/>
+              <a:t> </a:t>
+            </a:r>
+            <a:r>
+              <a:rPr lang="en-US" dirty="0" err="1"/>
+              <a:t>trên</a:t>
+            </a:r>
+            <a:r>
+              <a:rPr lang="en-US" dirty="0"/>
+              <a:t> </a:t>
+            </a:r>
+            <a:r>
+              <a:rPr lang="en-US" dirty="0" err="1"/>
+              <a:t>stackbase</a:t>
+            </a:r>
+            <a:endParaRPr lang="en-US" dirty="0"/>
+          </a:p>
+        </p:txBody>
+      </p:sp>
+      <p:sp>
+        <p:nvSpPr>
+          <p:cNvPr id="4" name="Slide Number Placeholder 3"/>
+          <p:cNvSpPr>
+            <a:spLocks noGrp="1"/>
+          </p:cNvSpPr>
+          <p:nvPr>
+            <p:ph type="sldNum" sz="quarter" idx="5"/>
+          </p:nvPr>
+        </p:nvSpPr>
+        <p:spPr/>
+        <p:txBody>
+          <a:bodyPr/>
+          <a:lstStyle/>
+          <a:p>
+            <a:fld id="{1F672F56-6FAF-4F26-95A0-718CA3C86690}" type="slidenum">
+              <a:rPr lang="en-US" smtClean="0"/>
+              <a:t>7</a:t>
+            </a:fld>
+            <a:endParaRPr lang="en-US"/>
+          </a:p>
+        </p:txBody>
+      </p:sp>
+    </p:spTree>
+    <p:extLst>
+      <p:ext uri="{BB962C8B-B14F-4D97-AF65-F5344CB8AC3E}">
+        <p14:creationId xmlns:p14="http://schemas.microsoft.com/office/powerpoint/2010/main" val="4184867403"/>
+      </p:ext>
+    </p:extLst>
+  </p:cSld>
+  <p:clrMapOvr>
+    <a:masterClrMapping/>
+  </p:clrMapOvr>
+</p:notes>
+</file>
+
+<file path=ppt/notesSlides/notesSlide6.xml><?xml version="1.0" encoding="utf-8"?>
+<p:notes xmlns:a="http://schemas.openxmlformats.org/drawingml/2006/main" xmlns:r="http://schemas.openxmlformats.org/officeDocument/2006/relationships" xmlns:p="http://schemas.openxmlformats.org/presentationml/2006/main">
+  <p:cSld>
+    <p:spTree>
+      <p:nvGrpSpPr>
+        <p:cNvPr id="1" name=""/>
+        <p:cNvGrpSpPr/>
+        <p:nvPr/>
+      </p:nvGrpSpPr>
+      <p:grpSpPr>
+        <a:xfrm>
+          <a:off x="0" y="0"/>
+          <a:ext cx="0" cy="0"/>
+          <a:chOff x="0" y="0"/>
+          <a:chExt cx="0" cy="0"/>
+        </a:xfrm>
+      </p:grpSpPr>
+      <p:sp>
+        <p:nvSpPr>
+          <p:cNvPr id="2" name="Slide Image Placeholder 1"/>
+          <p:cNvSpPr>
+            <a:spLocks noGrp="1" noRot="1" noChangeAspect="1"/>
+          </p:cNvSpPr>
+          <p:nvPr>
+            <p:ph type="sldImg"/>
+          </p:nvPr>
+        </p:nvSpPr>
+        <p:spPr/>
+      </p:sp>
+      <p:sp>
+        <p:nvSpPr>
+          <p:cNvPr id="3" name="Notes Placeholder 2"/>
+          <p:cNvSpPr>
+            <a:spLocks noGrp="1"/>
+          </p:cNvSpPr>
+          <p:nvPr>
+            <p:ph type="body" idx="1"/>
+          </p:nvPr>
+        </p:nvSpPr>
+        <p:spPr/>
+        <p:txBody>
+          <a:bodyPr/>
+          <a:lstStyle/>
+          <a:p>
+            <a:r>
+              <a:rPr lang="en-US" dirty="0" err="1"/>
+              <a:t>Vậy</a:t>
+            </a:r>
+            <a:r>
+              <a:rPr lang="en-US" dirty="0"/>
+              <a:t> </a:t>
+            </a:r>
+            <a:r>
+              <a:rPr lang="en-US" dirty="0" err="1"/>
+              <a:t>tại</a:t>
+            </a:r>
+            <a:r>
+              <a:rPr lang="en-US" dirty="0"/>
+              <a:t> </a:t>
+            </a:r>
+            <a:r>
+              <a:rPr lang="en-US" dirty="0" err="1"/>
+              <a:t>sao</a:t>
+            </a:r>
+            <a:r>
+              <a:rPr lang="en-US" dirty="0"/>
+              <a:t> </a:t>
+            </a:r>
+            <a:r>
+              <a:rPr lang="en-US" dirty="0" err="1"/>
+              <a:t>cần</a:t>
+            </a:r>
+            <a:r>
+              <a:rPr lang="en-US" dirty="0"/>
+              <a:t>, </a:t>
+            </a:r>
+            <a:r>
+              <a:rPr lang="en-US" dirty="0" err="1"/>
+              <a:t>có</a:t>
+            </a:r>
+            <a:r>
+              <a:rPr lang="en-US" dirty="0"/>
+              <a:t> </a:t>
+            </a:r>
+            <a:r>
+              <a:rPr lang="en-US" dirty="0" err="1"/>
+              <a:t>thể</a:t>
+            </a:r>
+            <a:r>
+              <a:rPr lang="en-US" dirty="0"/>
+              <a:t> </a:t>
+            </a:r>
+            <a:r>
+              <a:rPr lang="en-US" dirty="0" err="1"/>
+              <a:t>học</a:t>
+            </a:r>
+            <a:r>
+              <a:rPr lang="en-US" dirty="0"/>
+              <a:t> them 1 FE language </a:t>
+            </a:r>
+            <a:r>
+              <a:rPr lang="en-US" dirty="0" err="1"/>
+              <a:t>khác</a:t>
+            </a:r>
+            <a:endParaRPr lang="en-US" dirty="0"/>
+          </a:p>
+          <a:p>
+            <a:r>
+              <a:rPr lang="en-US" dirty="0" err="1"/>
+              <a:t>Wasm</a:t>
+            </a:r>
+            <a:r>
+              <a:rPr lang="en-US" dirty="0"/>
+              <a:t> -&gt; </a:t>
+            </a:r>
+            <a:r>
+              <a:rPr lang="en-US" dirty="0" err="1"/>
+              <a:t>sinh</a:t>
+            </a:r>
+            <a:r>
+              <a:rPr lang="en-US" dirty="0"/>
+              <a:t> ra ko </a:t>
+            </a:r>
+            <a:r>
+              <a:rPr lang="en-US" dirty="0" err="1"/>
+              <a:t>để</a:t>
+            </a:r>
+            <a:r>
+              <a:rPr lang="en-US" dirty="0"/>
+              <a:t> </a:t>
+            </a:r>
+            <a:r>
+              <a:rPr lang="en-US" dirty="0" err="1"/>
+              <a:t>thay</a:t>
+            </a:r>
+            <a:r>
+              <a:rPr lang="en-US" dirty="0"/>
+              <a:t> </a:t>
+            </a:r>
+            <a:r>
+              <a:rPr lang="en-US" dirty="0" err="1"/>
+              <a:t>thể</a:t>
+            </a:r>
+            <a:r>
+              <a:rPr lang="en-US" dirty="0"/>
+              <a:t> </a:t>
+            </a:r>
+            <a:r>
+              <a:rPr lang="en-US" dirty="0" err="1"/>
+              <a:t>js</a:t>
+            </a:r>
+            <a:r>
+              <a:rPr lang="en-US" dirty="0"/>
+              <a:t> -&gt; </a:t>
+            </a:r>
+            <a:r>
+              <a:rPr lang="en-US" dirty="0" err="1"/>
+              <a:t>sinh</a:t>
+            </a:r>
+            <a:r>
+              <a:rPr lang="en-US" dirty="0"/>
+              <a:t> ra </a:t>
+            </a:r>
+            <a:r>
+              <a:rPr lang="en-US" dirty="0" err="1"/>
+              <a:t>để</a:t>
+            </a:r>
+            <a:r>
+              <a:rPr lang="en-US" dirty="0"/>
+              <a:t> song </a:t>
+            </a:r>
+            <a:r>
+              <a:rPr lang="en-US" dirty="0" err="1"/>
+              <a:t>hành</a:t>
+            </a:r>
+            <a:r>
+              <a:rPr lang="en-US" dirty="0"/>
+              <a:t> (</a:t>
+            </a:r>
+            <a:r>
+              <a:rPr lang="en-US" dirty="0" err="1"/>
+              <a:t>vdu</a:t>
+            </a:r>
+            <a:r>
+              <a:rPr lang="en-US" dirty="0"/>
+              <a:t> = game)</a:t>
+            </a:r>
+          </a:p>
+          <a:p>
+            <a:endParaRPr lang="en-US" dirty="0"/>
+          </a:p>
+          <a:p>
+            <a:r>
+              <a:rPr lang="en-US" dirty="0"/>
+              <a:t>=&gt;</a:t>
+            </a:r>
+          </a:p>
+          <a:p>
+            <a:r>
+              <a:rPr lang="en-US" dirty="0"/>
+              <a:t>Efficient fast -&gt; </a:t>
+            </a:r>
+            <a:r>
+              <a:rPr lang="en-US" dirty="0" err="1"/>
+              <a:t>bởi</a:t>
+            </a:r>
+            <a:r>
+              <a:rPr lang="en-US" dirty="0"/>
+              <a:t> </a:t>
+            </a:r>
+            <a:r>
+              <a:rPr lang="en-US" dirty="0" err="1"/>
+              <a:t>vì</a:t>
+            </a:r>
+            <a:r>
+              <a:rPr lang="en-US" dirty="0"/>
+              <a:t> </a:t>
+            </a:r>
+            <a:r>
+              <a:rPr lang="en-US" dirty="0" err="1"/>
+              <a:t>là</a:t>
+            </a:r>
+            <a:r>
+              <a:rPr lang="en-US" dirty="0"/>
+              <a:t> binary</a:t>
+            </a:r>
+          </a:p>
+          <a:p>
+            <a:r>
+              <a:rPr lang="en-US" dirty="0"/>
+              <a:t>Safe: </a:t>
+            </a:r>
+            <a:r>
+              <a:rPr lang="en-US" b="0" i="0" dirty="0">
+                <a:solidFill>
+                  <a:srgbClr val="3D3D3E"/>
+                </a:solidFill>
+                <a:effectLst/>
+                <a:latin typeface="Helvetica" panose="020B0604020202020204" pitchFamily="34" charset="0"/>
+              </a:rPr>
+              <a:t>memory-safe, sandboxed </a:t>
+            </a:r>
+            <a:r>
+              <a:rPr lang="en-US" b="0" i="0" u="none" strike="noStrike" dirty="0">
+                <a:solidFill>
+                  <a:srgbClr val="6797E2"/>
+                </a:solidFill>
+                <a:effectLst/>
+                <a:latin typeface="Helvetica" panose="020B0604020202020204" pitchFamily="34" charset="0"/>
+                <a:hlinkClick r:id="rId3"/>
+              </a:rPr>
+              <a:t>execution environment</a:t>
+            </a:r>
+            <a:endParaRPr lang="en-US" b="0" i="0" u="none" strike="noStrike" dirty="0">
+              <a:solidFill>
+                <a:srgbClr val="6797E2"/>
+              </a:solidFill>
+              <a:effectLst/>
+              <a:latin typeface="Helvetica" panose="020B0604020202020204" pitchFamily="34" charset="0"/>
+            </a:endParaRPr>
+          </a:p>
+          <a:p>
+            <a:endParaRPr lang="en-US" b="0" i="0" u="none" strike="noStrike" dirty="0">
+              <a:solidFill>
+                <a:srgbClr val="6797E2"/>
+              </a:solidFill>
+              <a:effectLst/>
+              <a:latin typeface="Helvetica" panose="020B0604020202020204" pitchFamily="34" charset="0"/>
+            </a:endParaRPr>
+          </a:p>
+          <a:p>
+            <a:endParaRPr lang="en-US" dirty="0"/>
+          </a:p>
+          <a:p>
+            <a:r>
+              <a:rPr lang="en-US" dirty="0"/>
+              <a:t>Show some games after this slides: https://www.webassemblygames.com/</a:t>
+            </a:r>
+          </a:p>
+          <a:p>
+            <a:endParaRPr lang="en-US" b="0" i="0" u="none" strike="noStrike" dirty="0">
+              <a:solidFill>
+                <a:srgbClr val="6797E2"/>
+              </a:solidFill>
+              <a:effectLst/>
+              <a:latin typeface="Helvetica" panose="020B0604020202020204" pitchFamily="34" charset="0"/>
+            </a:endParaRPr>
+          </a:p>
+        </p:txBody>
+      </p:sp>
+      <p:sp>
+        <p:nvSpPr>
+          <p:cNvPr id="4" name="Slide Number Placeholder 3"/>
+          <p:cNvSpPr>
+            <a:spLocks noGrp="1"/>
+          </p:cNvSpPr>
+          <p:nvPr>
+            <p:ph type="sldNum" sz="quarter" idx="5"/>
+          </p:nvPr>
+        </p:nvSpPr>
+        <p:spPr/>
+        <p:txBody>
+          <a:bodyPr/>
+          <a:lstStyle/>
+          <a:p>
+            <a:fld id="{1F672F56-6FAF-4F26-95A0-718CA3C86690}" type="slidenum">
+              <a:rPr lang="en-US" smtClean="0"/>
+              <a:t>8</a:t>
+            </a:fld>
+            <a:endParaRPr lang="en-US"/>
+          </a:p>
+        </p:txBody>
+      </p:sp>
+    </p:spTree>
+    <p:extLst>
+      <p:ext uri="{BB962C8B-B14F-4D97-AF65-F5344CB8AC3E}">
+        <p14:creationId xmlns:p14="http://schemas.microsoft.com/office/powerpoint/2010/main" val="2928077482"/>
+      </p:ext>
+    </p:extLst>
+  </p:cSld>
+  <p:clrMapOvr>
+    <a:masterClrMapping/>
+  </p:clrMapOvr>
+</p:notes>
+</file>
+
+<file path=ppt/notesSlides/notesSlide7.xml><?xml version="1.0" encoding="utf-8"?>
+<p:notes xmlns:a="http://schemas.openxmlformats.org/drawingml/2006/main" xmlns:r="http://schemas.openxmlformats.org/officeDocument/2006/relationships" xmlns:p="http://schemas.openxmlformats.org/presentationml/2006/main">
+  <p:cSld>
+    <p:spTree>
+      <p:nvGrpSpPr>
+        <p:cNvPr id="1" name=""/>
+        <p:cNvGrpSpPr/>
+        <p:nvPr/>
+      </p:nvGrpSpPr>
+      <p:grpSpPr>
+        <a:xfrm>
+          <a:off x="0" y="0"/>
+          <a:ext cx="0" cy="0"/>
+          <a:chOff x="0" y="0"/>
+          <a:chExt cx="0" cy="0"/>
+        </a:xfrm>
+      </p:grpSpPr>
+      <p:sp>
+        <p:nvSpPr>
+          <p:cNvPr id="2" name="Slide Image Placeholder 1"/>
+          <p:cNvSpPr>
+            <a:spLocks noGrp="1" noRot="1" noChangeAspect="1"/>
+          </p:cNvSpPr>
+          <p:nvPr>
+            <p:ph type="sldImg"/>
+          </p:nvPr>
+        </p:nvSpPr>
+        <p:spPr/>
+      </p:sp>
+      <p:sp>
+        <p:nvSpPr>
+          <p:cNvPr id="3" name="Notes Placeholder 2"/>
+          <p:cNvSpPr>
+            <a:spLocks noGrp="1"/>
+          </p:cNvSpPr>
+          <p:nvPr>
+            <p:ph type="body" idx="1"/>
+          </p:nvPr>
+        </p:nvSpPr>
+        <p:spPr/>
+        <p:txBody>
+          <a:bodyPr/>
+          <a:lstStyle/>
+          <a:p>
+            <a:r>
+              <a:rPr lang="en-US" dirty="0" err="1"/>
+              <a:t>Blazor</a:t>
+            </a:r>
+            <a:r>
+              <a:rPr lang="en-US" dirty="0"/>
+              <a:t> </a:t>
+            </a:r>
+            <a:r>
+              <a:rPr lang="en-US" dirty="0" err="1"/>
+              <a:t>là</a:t>
+            </a:r>
+            <a:r>
+              <a:rPr lang="en-US" dirty="0"/>
+              <a:t> j, </a:t>
+            </a:r>
+            <a:r>
+              <a:rPr lang="en-US" dirty="0" err="1"/>
+              <a:t>có</a:t>
+            </a:r>
+            <a:r>
+              <a:rPr lang="en-US" dirty="0"/>
+              <a:t> </a:t>
+            </a:r>
+            <a:r>
+              <a:rPr lang="en-US" dirty="0" err="1"/>
+              <a:t>lquan</a:t>
+            </a:r>
+            <a:r>
+              <a:rPr lang="en-US" dirty="0"/>
+              <a:t> j </a:t>
+            </a:r>
+            <a:r>
+              <a:rPr lang="en-US" dirty="0" err="1"/>
+              <a:t>tới</a:t>
+            </a:r>
+            <a:r>
+              <a:rPr lang="en-US" dirty="0"/>
+              <a:t> </a:t>
+            </a:r>
+            <a:r>
+              <a:rPr lang="en-US" dirty="0" err="1"/>
+              <a:t>wasm</a:t>
+            </a:r>
+            <a:r>
+              <a:rPr lang="en-US" dirty="0"/>
+              <a:t>?</a:t>
+            </a:r>
+          </a:p>
+          <a:p>
+            <a:r>
+              <a:rPr lang="en-US" dirty="0"/>
+              <a:t>Microsoft </a:t>
+            </a:r>
+            <a:r>
+              <a:rPr lang="en-US" dirty="0" err="1"/>
+              <a:t>thấy</a:t>
+            </a:r>
+            <a:r>
+              <a:rPr lang="en-US" dirty="0"/>
+              <a:t> </a:t>
+            </a:r>
+            <a:r>
+              <a:rPr lang="en-US" dirty="0" err="1"/>
+              <a:t>tiềm</a:t>
+            </a:r>
+            <a:r>
+              <a:rPr lang="en-US" dirty="0"/>
+              <a:t> </a:t>
+            </a:r>
+            <a:r>
+              <a:rPr lang="en-US" dirty="0" err="1"/>
+              <a:t>năng</a:t>
+            </a:r>
+            <a:r>
+              <a:rPr lang="en-US" dirty="0"/>
+              <a:t> </a:t>
+            </a:r>
+            <a:r>
+              <a:rPr lang="en-US" dirty="0" err="1"/>
+              <a:t>wasm</a:t>
+            </a:r>
+            <a:r>
+              <a:rPr lang="en-US" dirty="0"/>
+              <a:t> -&gt; </a:t>
+            </a:r>
+            <a:r>
+              <a:rPr lang="en-US" dirty="0" err="1"/>
+              <a:t>tạo</a:t>
+            </a:r>
+            <a:r>
+              <a:rPr lang="en-US" dirty="0"/>
+              <a:t> ra </a:t>
+            </a:r>
+            <a:r>
+              <a:rPr lang="en-US" dirty="0" err="1"/>
+              <a:t>blazor</a:t>
+            </a:r>
+            <a:r>
+              <a:rPr lang="en-US" dirty="0"/>
+              <a:t> </a:t>
+            </a:r>
+            <a:r>
+              <a:rPr lang="en-US" dirty="0" err="1"/>
+              <a:t>gia</a:t>
+            </a:r>
+            <a:r>
+              <a:rPr lang="en-US" dirty="0"/>
+              <a:t> </a:t>
+            </a:r>
+            <a:r>
+              <a:rPr lang="en-US" dirty="0" err="1"/>
+              <a:t>nhập</a:t>
+            </a:r>
+            <a:r>
+              <a:rPr lang="en-US" dirty="0"/>
+              <a:t> </a:t>
+            </a:r>
+            <a:r>
+              <a:rPr lang="en-US" dirty="0" err="1"/>
+              <a:t>cuộc</a:t>
+            </a:r>
+            <a:r>
+              <a:rPr lang="en-US" dirty="0"/>
+              <a:t> </a:t>
+            </a:r>
+            <a:r>
+              <a:rPr lang="en-US" dirty="0" err="1"/>
+              <a:t>chơi</a:t>
+            </a:r>
+            <a:r>
+              <a:rPr lang="en-US" dirty="0"/>
+              <a:t> vs </a:t>
+            </a:r>
+            <a:r>
+              <a:rPr lang="en-US" dirty="0" err="1"/>
+              <a:t>wasm</a:t>
+            </a:r>
+            <a:endParaRPr lang="en-US" dirty="0"/>
+          </a:p>
+        </p:txBody>
+      </p:sp>
+      <p:sp>
+        <p:nvSpPr>
+          <p:cNvPr id="4" name="Slide Number Placeholder 3"/>
+          <p:cNvSpPr>
+            <a:spLocks noGrp="1"/>
+          </p:cNvSpPr>
+          <p:nvPr>
+            <p:ph type="sldNum" sz="quarter" idx="5"/>
+          </p:nvPr>
+        </p:nvSpPr>
+        <p:spPr/>
+        <p:txBody>
+          <a:bodyPr/>
+          <a:lstStyle/>
+          <a:p>
+            <a:fld id="{1F672F56-6FAF-4F26-95A0-718CA3C86690}" type="slidenum">
+              <a:rPr lang="en-US" smtClean="0"/>
+              <a:t>9</a:t>
+            </a:fld>
+            <a:endParaRPr lang="en-US"/>
+          </a:p>
+        </p:txBody>
+      </p:sp>
+    </p:spTree>
+    <p:extLst>
+      <p:ext uri="{BB962C8B-B14F-4D97-AF65-F5344CB8AC3E}">
+        <p14:creationId xmlns:p14="http://schemas.microsoft.com/office/powerpoint/2010/main" val="3104663828"/>
+      </p:ext>
+    </p:extLst>
+  </p:cSld>
+  <p:clrMapOvr>
+    <a:masterClrMapping/>
+  </p:clrMapOvr>
+</p:notes>
+</file>
+
+<file path=ppt/notesSlides/notesSlide8.xml><?xml version="1.0" encoding="utf-8"?>
+<p:notes xmlns:a="http://schemas.openxmlformats.org/drawingml/2006/main" xmlns:r="http://schemas.openxmlformats.org/officeDocument/2006/relationships" xmlns:p="http://schemas.openxmlformats.org/presentationml/2006/main">
+  <p:cSld>
+    <p:spTree>
+      <p:nvGrpSpPr>
+        <p:cNvPr id="1" name=""/>
+        <p:cNvGrpSpPr/>
+        <p:nvPr/>
+      </p:nvGrpSpPr>
+      <p:grpSpPr>
+        <a:xfrm>
+          <a:off x="0" y="0"/>
+          <a:ext cx="0" cy="0"/>
+          <a:chOff x="0" y="0"/>
+          <a:chExt cx="0" cy="0"/>
+        </a:xfrm>
+      </p:grpSpPr>
+      <p:sp>
+        <p:nvSpPr>
+          <p:cNvPr id="2" name="Slide Image Placeholder 1"/>
+          <p:cNvSpPr>
+            <a:spLocks noGrp="1" noRot="1" noChangeAspect="1"/>
+          </p:cNvSpPr>
+          <p:nvPr>
+            <p:ph type="sldImg"/>
+          </p:nvPr>
+        </p:nvSpPr>
+        <p:spPr/>
+      </p:sp>
+      <p:sp>
+        <p:nvSpPr>
+          <p:cNvPr id="3" name="Notes Placeholder 2"/>
+          <p:cNvSpPr>
+            <a:spLocks noGrp="1"/>
+          </p:cNvSpPr>
+          <p:nvPr>
+            <p:ph type="body" idx="1"/>
+          </p:nvPr>
+        </p:nvSpPr>
+        <p:spPr/>
+        <p:txBody>
+          <a:bodyPr/>
+          <a:lstStyle/>
+          <a:p>
+            <a:r>
+              <a:rPr lang="en-US" dirty="0" err="1"/>
+              <a:t>Thư</a:t>
+            </a:r>
+            <a:r>
+              <a:rPr lang="en-US" dirty="0"/>
+              <a:t> </a:t>
+            </a:r>
+            <a:r>
+              <a:rPr lang="en-US" dirty="0" err="1"/>
+              <a:t>viện</a:t>
+            </a:r>
+            <a:r>
+              <a:rPr lang="en-US" dirty="0"/>
+              <a:t> </a:t>
+            </a:r>
+            <a:r>
+              <a:rPr lang="en-US" dirty="0" err="1"/>
+              <a:t>phía</a:t>
+            </a:r>
+            <a:r>
+              <a:rPr lang="en-US" dirty="0"/>
+              <a:t> client dung .NET </a:t>
+            </a:r>
+            <a:r>
+              <a:rPr lang="en-US" dirty="0" err="1"/>
+              <a:t>trên</a:t>
+            </a:r>
+            <a:r>
+              <a:rPr lang="en-US" dirty="0"/>
+              <a:t> </a:t>
+            </a:r>
+            <a:r>
+              <a:rPr lang="en-US" dirty="0" err="1"/>
+              <a:t>nền</a:t>
+            </a:r>
+            <a:r>
+              <a:rPr lang="en-US" dirty="0"/>
+              <a:t> </a:t>
+            </a:r>
+            <a:r>
+              <a:rPr lang="en-US" dirty="0" err="1"/>
+              <a:t>tảng</a:t>
+            </a:r>
+            <a:r>
+              <a:rPr lang="en-US" dirty="0"/>
+              <a:t> </a:t>
+            </a:r>
+            <a:r>
+              <a:rPr lang="en-US" dirty="0" err="1"/>
+              <a:t>wasm</a:t>
+            </a:r>
+            <a:r>
+              <a:rPr lang="en-US" dirty="0"/>
+              <a:t> -&gt; </a:t>
+            </a:r>
+            <a:r>
+              <a:rPr lang="en-US" dirty="0" err="1"/>
+              <a:t>ptrien</a:t>
+            </a:r>
+            <a:r>
+              <a:rPr lang="en-US" dirty="0"/>
+              <a:t> </a:t>
+            </a:r>
+            <a:r>
+              <a:rPr lang="en-US" dirty="0" err="1"/>
+              <a:t>ứng</a:t>
+            </a:r>
+            <a:r>
+              <a:rPr lang="en-US" dirty="0"/>
+              <a:t> </a:t>
+            </a:r>
+            <a:r>
+              <a:rPr lang="en-US" dirty="0" err="1"/>
+              <a:t>dụng</a:t>
+            </a:r>
+            <a:r>
+              <a:rPr lang="en-US" dirty="0"/>
+              <a:t> SPA</a:t>
+            </a:r>
+          </a:p>
+          <a:p>
+            <a:r>
+              <a:rPr lang="en-US" dirty="0" err="1"/>
+              <a:t>Viết</a:t>
+            </a:r>
+            <a:r>
+              <a:rPr lang="en-US" dirty="0"/>
+              <a:t> = C# -&gt; </a:t>
+            </a:r>
+            <a:r>
+              <a:rPr lang="en-US" dirty="0" err="1"/>
+              <a:t>cú</a:t>
+            </a:r>
+            <a:r>
+              <a:rPr lang="en-US" dirty="0"/>
+              <a:t> </a:t>
+            </a:r>
+            <a:r>
+              <a:rPr lang="en-US" dirty="0" err="1"/>
+              <a:t>pháp</a:t>
+            </a:r>
+            <a:r>
+              <a:rPr lang="en-US" dirty="0"/>
+              <a:t> razor (</a:t>
+            </a:r>
+            <a:r>
+              <a:rPr lang="en-US" dirty="0" err="1"/>
+              <a:t>làm</a:t>
+            </a:r>
+            <a:r>
+              <a:rPr lang="en-US" dirty="0"/>
+              <a:t> </a:t>
+            </a:r>
+            <a:r>
+              <a:rPr lang="en-US" dirty="0" err="1"/>
+              <a:t>việc</a:t>
+            </a:r>
+            <a:r>
+              <a:rPr lang="en-US" dirty="0"/>
+              <a:t> vs MVC </a:t>
+            </a:r>
+            <a:r>
+              <a:rPr lang="en-US" dirty="0" err="1"/>
+              <a:t>sẽ</a:t>
+            </a:r>
+            <a:r>
+              <a:rPr lang="en-US" dirty="0"/>
+              <a:t> </a:t>
+            </a:r>
+            <a:r>
+              <a:rPr lang="en-US" dirty="0" err="1"/>
+              <a:t>gặp</a:t>
+            </a:r>
+            <a:r>
+              <a:rPr lang="en-US" dirty="0"/>
+              <a:t> </a:t>
+            </a:r>
+            <a:r>
+              <a:rPr lang="en-US" dirty="0" err="1"/>
+              <a:t>nhiều</a:t>
+            </a:r>
+            <a:r>
+              <a:rPr lang="en-US" dirty="0"/>
+              <a:t>)</a:t>
+            </a:r>
+          </a:p>
+          <a:p>
+            <a:endParaRPr lang="en-US" dirty="0"/>
+          </a:p>
+          <a:p>
+            <a:r>
+              <a:rPr lang="en-US" dirty="0" err="1"/>
+              <a:t>Blazor</a:t>
+            </a:r>
+            <a:r>
+              <a:rPr lang="en-US" dirty="0"/>
+              <a:t>: free and open source</a:t>
+            </a:r>
+          </a:p>
+          <a:p>
+            <a:endParaRPr lang="en-US" dirty="0"/>
+          </a:p>
+          <a:p>
+            <a:r>
+              <a:rPr lang="en-US" dirty="0" err="1"/>
+              <a:t>Làm</a:t>
+            </a:r>
+            <a:r>
+              <a:rPr lang="en-US" dirty="0"/>
+              <a:t> </a:t>
+            </a:r>
+            <a:r>
+              <a:rPr lang="en-US" dirty="0" err="1"/>
+              <a:t>mn</a:t>
+            </a:r>
+            <a:r>
+              <a:rPr lang="en-US" dirty="0"/>
+              <a:t> </a:t>
+            </a:r>
+            <a:r>
+              <a:rPr lang="en-US" dirty="0" err="1"/>
+              <a:t>nhớ</a:t>
+            </a:r>
+            <a:r>
+              <a:rPr lang="en-US" dirty="0"/>
+              <a:t> </a:t>
+            </a:r>
+            <a:r>
+              <a:rPr lang="en-US" dirty="0" err="1"/>
+              <a:t>đến</a:t>
+            </a:r>
+            <a:r>
+              <a:rPr lang="en-US" dirty="0"/>
+              <a:t> Silverlight (C# on browser) -&gt; </a:t>
+            </a:r>
+            <a:r>
+              <a:rPr lang="en-US" dirty="0" err="1"/>
+              <a:t>có</a:t>
+            </a:r>
+            <a:r>
+              <a:rPr lang="en-US" dirty="0"/>
+              <a:t> time </a:t>
+            </a:r>
+            <a:r>
+              <a:rPr lang="en-US" dirty="0" err="1"/>
+              <a:t>cực</a:t>
+            </a:r>
+            <a:r>
+              <a:rPr lang="en-US" dirty="0"/>
+              <a:t> </a:t>
+            </a:r>
+            <a:r>
+              <a:rPr lang="en-US" dirty="0" err="1"/>
+              <a:t>kì</a:t>
+            </a:r>
+            <a:r>
+              <a:rPr lang="en-US" dirty="0"/>
+              <a:t> </a:t>
+            </a:r>
+            <a:r>
+              <a:rPr lang="en-US" dirty="0" err="1"/>
+              <a:t>ptrien</a:t>
+            </a:r>
+            <a:r>
+              <a:rPr lang="en-US" dirty="0"/>
+              <a:t> -&gt; NHƯNG -&gt; </a:t>
+            </a:r>
+            <a:r>
+              <a:rPr lang="en-US" dirty="0" err="1"/>
+              <a:t>cài</a:t>
+            </a:r>
+            <a:r>
+              <a:rPr lang="en-US" dirty="0"/>
+              <a:t> </a:t>
+            </a:r>
+            <a:r>
+              <a:rPr lang="en-US" dirty="0" err="1"/>
+              <a:t>đặt</a:t>
+            </a:r>
+            <a:r>
+              <a:rPr lang="en-US" dirty="0"/>
+              <a:t> them plugin, </a:t>
+            </a:r>
+            <a:r>
+              <a:rPr lang="en-US" dirty="0" err="1"/>
+              <a:t>sự</a:t>
+            </a:r>
+            <a:r>
+              <a:rPr lang="en-US" dirty="0"/>
+              <a:t> </a:t>
+            </a:r>
+            <a:r>
+              <a:rPr lang="en-US" dirty="0" err="1"/>
+              <a:t>ptrien</a:t>
+            </a:r>
+            <a:r>
+              <a:rPr lang="en-US" dirty="0"/>
+              <a:t> </a:t>
+            </a:r>
+            <a:r>
+              <a:rPr lang="en-US" dirty="0" err="1"/>
+              <a:t>chóng</a:t>
+            </a:r>
+            <a:r>
+              <a:rPr lang="en-US" dirty="0"/>
+              <a:t> </a:t>
+            </a:r>
+            <a:r>
+              <a:rPr lang="en-US" dirty="0" err="1"/>
+              <a:t>mặt</a:t>
+            </a:r>
+            <a:r>
+              <a:rPr lang="en-US" dirty="0"/>
+              <a:t> </a:t>
+            </a:r>
+            <a:r>
+              <a:rPr lang="en-US" dirty="0" err="1"/>
+              <a:t>của</a:t>
+            </a:r>
+            <a:r>
+              <a:rPr lang="en-US" dirty="0"/>
+              <a:t> JS </a:t>
+            </a:r>
+            <a:r>
+              <a:rPr lang="en-US" dirty="0" err="1"/>
+              <a:t>và</a:t>
+            </a:r>
+            <a:r>
+              <a:rPr lang="en-US" dirty="0"/>
+              <a:t> HTML5 -&gt; Silverlight </a:t>
+            </a:r>
+            <a:r>
+              <a:rPr lang="en-US" dirty="0" err="1"/>
+              <a:t>khai</a:t>
+            </a:r>
+            <a:r>
+              <a:rPr lang="en-US" dirty="0"/>
+              <a:t> </a:t>
+            </a:r>
+            <a:r>
+              <a:rPr lang="en-US" dirty="0" err="1"/>
+              <a:t>tử</a:t>
+            </a:r>
+            <a:endParaRPr lang="en-US" dirty="0"/>
+          </a:p>
+          <a:p>
+            <a:endParaRPr lang="en-US" dirty="0"/>
+          </a:p>
+          <a:p>
+            <a:r>
+              <a:rPr lang="en-US" dirty="0" err="1"/>
+              <a:t>Blazor</a:t>
+            </a:r>
+            <a:r>
+              <a:rPr lang="en-US" dirty="0"/>
+              <a:t> ra </a:t>
+            </a:r>
+            <a:r>
+              <a:rPr lang="en-US" dirty="0" err="1"/>
+              <a:t>mắt</a:t>
+            </a:r>
+            <a:r>
+              <a:rPr lang="en-US" dirty="0"/>
+              <a:t> -&gt; Mn </a:t>
+            </a:r>
+            <a:r>
+              <a:rPr lang="en-US" dirty="0" err="1"/>
+              <a:t>lầm</a:t>
+            </a:r>
+            <a:r>
+              <a:rPr lang="en-US" dirty="0"/>
+              <a:t> </a:t>
+            </a:r>
+            <a:r>
+              <a:rPr lang="en-US" dirty="0" err="1"/>
+              <a:t>tưởng</a:t>
+            </a:r>
+            <a:r>
+              <a:rPr lang="en-US" dirty="0"/>
+              <a:t> Microsoft </a:t>
+            </a:r>
+            <a:r>
+              <a:rPr lang="en-US" dirty="0" err="1"/>
+              <a:t>muốn</a:t>
+            </a:r>
+            <a:r>
+              <a:rPr lang="en-US" dirty="0"/>
+              <a:t> </a:t>
+            </a:r>
+            <a:r>
+              <a:rPr lang="en-US" dirty="0" err="1"/>
+              <a:t>hồi</a:t>
+            </a:r>
+            <a:r>
+              <a:rPr lang="en-US" dirty="0"/>
+              <a:t> </a:t>
+            </a:r>
+            <a:r>
+              <a:rPr lang="en-US" dirty="0" err="1"/>
+              <a:t>sinh</a:t>
+            </a:r>
+            <a:r>
+              <a:rPr lang="en-US" dirty="0"/>
+              <a:t> Silverlight -&gt; </a:t>
+            </a:r>
+            <a:r>
+              <a:rPr lang="en-US" dirty="0" err="1"/>
+              <a:t>thay</a:t>
+            </a:r>
+            <a:r>
+              <a:rPr lang="en-US" dirty="0"/>
+              <a:t> </a:t>
+            </a:r>
+            <a:r>
+              <a:rPr lang="en-US" dirty="0" err="1"/>
+              <a:t>vỏ</a:t>
+            </a:r>
+            <a:r>
+              <a:rPr lang="en-US" dirty="0"/>
+              <a:t> -&gt; NHƯNG ko -&gt; ko </a:t>
+            </a:r>
+            <a:r>
+              <a:rPr lang="en-US" dirty="0" err="1"/>
+              <a:t>cần</a:t>
+            </a:r>
+            <a:r>
+              <a:rPr lang="en-US" dirty="0"/>
+              <a:t> plugin, </a:t>
+            </a:r>
+            <a:r>
+              <a:rPr lang="en-US" dirty="0" err="1"/>
+              <a:t>chỉ</a:t>
+            </a:r>
+            <a:r>
+              <a:rPr lang="en-US" dirty="0"/>
+              <a:t> </a:t>
+            </a:r>
+            <a:r>
+              <a:rPr lang="en-US" dirty="0" err="1"/>
+              <a:t>cần</a:t>
+            </a:r>
+            <a:r>
+              <a:rPr lang="en-US" dirty="0"/>
+              <a:t> modern browser</a:t>
+            </a:r>
+          </a:p>
+        </p:txBody>
+      </p:sp>
+      <p:sp>
+        <p:nvSpPr>
+          <p:cNvPr id="4" name="Slide Number Placeholder 3"/>
+          <p:cNvSpPr>
+            <a:spLocks noGrp="1"/>
+          </p:cNvSpPr>
+          <p:nvPr>
+            <p:ph type="sldNum" sz="quarter" idx="5"/>
+          </p:nvPr>
+        </p:nvSpPr>
+        <p:spPr/>
+        <p:txBody>
+          <a:bodyPr/>
+          <a:lstStyle/>
+          <a:p>
+            <a:fld id="{1F672F56-6FAF-4F26-95A0-718CA3C86690}" type="slidenum">
+              <a:rPr lang="en-US" smtClean="0"/>
+              <a:t>10</a:t>
             </a:fld>
             <a:endParaRPr lang="en-US"/>
           </a:p>
@@ -766,6 +6232,129 @@
     <p:extLst>
       <p:ext uri="{BB962C8B-B14F-4D97-AF65-F5344CB8AC3E}">
         <p14:creationId xmlns:p14="http://schemas.microsoft.com/office/powerpoint/2010/main" val="774527549"/>
+      </p:ext>
+    </p:extLst>
+  </p:cSld>
+  <p:clrMapOvr>
+    <a:masterClrMapping/>
+  </p:clrMapOvr>
+</p:notes>
+</file>
+
+<file path=ppt/notesSlides/notesSlide9.xml><?xml version="1.0" encoding="utf-8"?>
+<p:notes xmlns:a="http://schemas.openxmlformats.org/drawingml/2006/main" xmlns:r="http://schemas.openxmlformats.org/officeDocument/2006/relationships" xmlns:p="http://schemas.openxmlformats.org/presentationml/2006/main">
+  <p:cSld>
+    <p:spTree>
+      <p:nvGrpSpPr>
+        <p:cNvPr id="1" name=""/>
+        <p:cNvGrpSpPr/>
+        <p:nvPr/>
+      </p:nvGrpSpPr>
+      <p:grpSpPr>
+        <a:xfrm>
+          <a:off x="0" y="0"/>
+          <a:ext cx="0" cy="0"/>
+          <a:chOff x="0" y="0"/>
+          <a:chExt cx="0" cy="0"/>
+        </a:xfrm>
+      </p:grpSpPr>
+      <p:sp>
+        <p:nvSpPr>
+          <p:cNvPr id="2" name="Slide Image Placeholder 1"/>
+          <p:cNvSpPr>
+            <a:spLocks noGrp="1" noRot="1" noChangeAspect="1"/>
+          </p:cNvSpPr>
+          <p:nvPr>
+            <p:ph type="sldImg"/>
+          </p:nvPr>
+        </p:nvSpPr>
+        <p:spPr/>
+      </p:sp>
+      <p:sp>
+        <p:nvSpPr>
+          <p:cNvPr id="3" name="Notes Placeholder 2"/>
+          <p:cNvSpPr>
+            <a:spLocks noGrp="1"/>
+          </p:cNvSpPr>
+          <p:nvPr>
+            <p:ph type="body" idx="1"/>
+          </p:nvPr>
+        </p:nvSpPr>
+        <p:spPr/>
+        <p:txBody>
+          <a:bodyPr/>
+          <a:lstStyle/>
+          <a:p>
+            <a:r>
+              <a:rPr lang="en-US" dirty="0" err="1"/>
+              <a:t>Tóm</a:t>
+            </a:r>
+            <a:r>
+              <a:rPr lang="en-US" dirty="0"/>
+              <a:t> </a:t>
+            </a:r>
+            <a:r>
+              <a:rPr lang="en-US" dirty="0" err="1"/>
+              <a:t>lại</a:t>
+            </a:r>
+            <a:r>
+              <a:rPr lang="en-US" dirty="0"/>
+              <a:t> -&gt; C# </a:t>
+            </a:r>
+            <a:r>
+              <a:rPr lang="en-US" dirty="0" err="1"/>
+              <a:t>cho</a:t>
+            </a:r>
+            <a:r>
+              <a:rPr lang="en-US" dirty="0"/>
+              <a:t> </a:t>
+            </a:r>
+            <a:r>
+              <a:rPr lang="en-US" dirty="0" err="1"/>
+              <a:t>cả</a:t>
+            </a:r>
+            <a:r>
+              <a:rPr lang="en-US" dirty="0"/>
+              <a:t> FE </a:t>
+            </a:r>
+            <a:r>
+              <a:rPr lang="en-US" dirty="0" err="1"/>
+              <a:t>và</a:t>
+            </a:r>
+            <a:r>
+              <a:rPr lang="en-US" dirty="0"/>
+              <a:t> BE</a:t>
+            </a:r>
+          </a:p>
+        </p:txBody>
+      </p:sp>
+      <p:sp>
+        <p:nvSpPr>
+          <p:cNvPr id="4" name="Slide Number Placeholder 3"/>
+          <p:cNvSpPr>
+            <a:spLocks noGrp="1"/>
+          </p:cNvSpPr>
+          <p:nvPr>
+            <p:ph type="sldNum" sz="quarter" idx="5"/>
+          </p:nvPr>
+        </p:nvSpPr>
+        <p:spPr/>
+        <p:txBody>
+          <a:bodyPr/>
+          <a:lstStyle/>
+          <a:p>
+            <a:fld id="{1F672F56-6FAF-4F26-95A0-718CA3C86690}" type="slidenum">
+              <a:rPr lang="en-US" smtClean="0"/>
+              <a:t>11</a:t>
+            </a:fld>
+            <a:endParaRPr lang="en-US"/>
+          </a:p>
+        </p:txBody>
+      </p:sp>
+    </p:spTree>
+    <p:extLst>
+      <p:ext uri="{BB962C8B-B14F-4D97-AF65-F5344CB8AC3E}">
+        <p14:creationId xmlns:p14="http://schemas.microsoft.com/office/powerpoint/2010/main" val="3897030136"/>
       </p:ext>
     </p:extLst>
   </p:cSld>
@@ -922,7 +6511,7 @@
           <a:p>
             <a:fld id="{0650455F-BC93-47D9-B556-275B2E9BC018}" type="datetime1">
               <a:rPr lang="en-US" smtClean="0"/>
-              <a:t>23-Nov-21</a:t>
+              <a:t>01-Mar-22</a:t>
             </a:fld>
             <a:endParaRPr lang="en-US"/>
           </a:p>
@@ -1120,7 +6709,7 @@
           <a:p>
             <a:fld id="{0C744B2E-4846-49D3-8205-D63C1EEEF817}" type="datetime1">
               <a:rPr lang="en-US" smtClean="0"/>
-              <a:t>23-Nov-21</a:t>
+              <a:t>01-Mar-22</a:t>
             </a:fld>
             <a:endParaRPr lang="en-US"/>
           </a:p>
@@ -1328,7 +6917,7 @@
           <a:p>
             <a:fld id="{2732894A-1C0D-4DEB-85F0-6D077B8D45E2}" type="datetime1">
               <a:rPr lang="en-US" smtClean="0"/>
-              <a:t>23-Nov-21</a:t>
+              <a:t>01-Mar-22</a:t>
             </a:fld>
             <a:endParaRPr lang="en-US"/>
           </a:p>
@@ -1526,7 +7115,7 @@
           <a:p>
             <a:fld id="{0101BED8-DA05-4478-A06A-BAF15333D976}" type="datetime1">
               <a:rPr lang="en-US" smtClean="0"/>
-              <a:t>23-Nov-21</a:t>
+              <a:t>01-Mar-22</a:t>
             </a:fld>
             <a:endParaRPr lang="en-US"/>
           </a:p>
@@ -1801,7 +7390,7 @@
           <a:p>
             <a:fld id="{E28F145A-FD51-4BA0-855C-62F324EA7834}" type="datetime1">
               <a:rPr lang="en-US" smtClean="0"/>
-              <a:t>23-Nov-21</a:t>
+              <a:t>01-Mar-22</a:t>
             </a:fld>
             <a:endParaRPr lang="en-US"/>
           </a:p>
@@ -2066,7 +7655,7 @@
           <a:p>
             <a:fld id="{1E2BD6C9-5F85-4982-8EEA-A2ADB977B339}" type="datetime1">
               <a:rPr lang="en-US" smtClean="0"/>
-              <a:t>23-Nov-21</a:t>
+              <a:t>01-Mar-22</a:t>
             </a:fld>
             <a:endParaRPr lang="en-US"/>
           </a:p>
@@ -2478,7 +8067,7 @@
           <a:p>
             <a:fld id="{296AE375-EEF2-484E-AB35-EB1CC8805346}" type="datetime1">
               <a:rPr lang="en-US" smtClean="0"/>
-              <a:t>23-Nov-21</a:t>
+              <a:t>01-Mar-22</a:t>
             </a:fld>
             <a:endParaRPr lang="en-US"/>
           </a:p>
@@ -2619,7 +8208,7 @@
           <a:p>
             <a:fld id="{AB5E4988-2D44-440E-ACD7-B35950566467}" type="datetime1">
               <a:rPr lang="en-US" smtClean="0"/>
-              <a:t>23-Nov-21</a:t>
+              <a:t>01-Mar-22</a:t>
             </a:fld>
             <a:endParaRPr lang="en-US"/>
           </a:p>
@@ -2732,7 +8321,7 @@
           <a:p>
             <a:fld id="{CE3E1FC6-6226-4927-8376-47C561270091}" type="datetime1">
               <a:rPr lang="en-US" smtClean="0"/>
-              <a:t>23-Nov-21</a:t>
+              <a:t>01-Mar-22</a:t>
             </a:fld>
             <a:endParaRPr lang="en-US"/>
           </a:p>
@@ -3043,7 +8632,7 @@
           <a:p>
             <a:fld id="{ACAE6CC2-4C70-4BAF-B112-439620207357}" type="datetime1">
               <a:rPr lang="en-US" smtClean="0"/>
-              <a:t>23-Nov-21</a:t>
+              <a:t>01-Mar-22</a:t>
             </a:fld>
             <a:endParaRPr lang="en-US"/>
           </a:p>
@@ -3331,7 +8920,7 @@
           <a:p>
             <a:fld id="{D03365A8-8F6F-4B91-A926-DB266F3E1462}" type="datetime1">
               <a:rPr lang="en-US" smtClean="0"/>
-              <a:t>23-Nov-21</a:t>
+              <a:t>01-Mar-22</a:t>
             </a:fld>
             <a:endParaRPr lang="en-US"/>
           </a:p>
@@ -3572,7 +9161,7 @@
           <a:p>
             <a:fld id="{BAB4E235-8349-465F-BE2B-8ED4FB98405E}" type="datetime1">
               <a:rPr lang="en-US" smtClean="0"/>
-              <a:t>23-Nov-21</a:t>
+              <a:t>01-Mar-22</a:t>
             </a:fld>
             <a:endParaRPr lang="en-US"/>
           </a:p>
@@ -4280,126 +9869,6 @@
           <p:cNvPr id="5" name="Arrow: Chevron 4">
             <a:extLst>
               <a:ext uri="{FF2B5EF4-FFF2-40B4-BE49-F238E27FC236}">
-                <a16:creationId xmlns:a16="http://schemas.microsoft.com/office/drawing/2014/main" id="{69A7FEA3-BBA2-47BB-A62E-6A1552283F80}"/>
-              </a:ext>
-            </a:extLst>
-          </p:cNvPr>
-          <p:cNvSpPr/>
-          <p:nvPr/>
-        </p:nvSpPr>
-        <p:spPr>
-          <a:xfrm>
-            <a:off x="2163097" y="2734551"/>
-            <a:ext cx="7964129" cy="1109862"/>
-          </a:xfrm>
-          <a:prstGeom prst="chevron">
-            <a:avLst/>
-          </a:prstGeom>
-          <a:solidFill>
-            <a:srgbClr val="702AF7"/>
-          </a:solidFill>
-          <a:ln>
-            <a:solidFill>
-              <a:schemeClr val="bg1"/>
-            </a:solidFill>
-          </a:ln>
-        </p:spPr>
-        <p:style>
-          <a:lnRef idx="2">
-            <a:schemeClr val="accent5">
-              <a:shade val="50000"/>
-            </a:schemeClr>
-          </a:lnRef>
-          <a:fillRef idx="1">
-            <a:schemeClr val="accent5"/>
-          </a:fillRef>
-          <a:effectRef idx="0">
-            <a:schemeClr val="accent5"/>
-          </a:effectRef>
-          <a:fontRef idx="minor">
-            <a:schemeClr val="lt1"/>
-          </a:fontRef>
-        </p:style>
-        <p:txBody>
-          <a:bodyPr rtlCol="0" anchor="ctr"/>
-          <a:lstStyle/>
-          <a:p>
-            <a:pPr algn="ctr"/>
-            <a:r>
-              <a:rPr lang="en-US" sz="4400">
-                <a:solidFill>
-                  <a:schemeClr val="bg1"/>
-                </a:solidFill>
-              </a:rPr>
-              <a:t>What is Blazor</a:t>
-            </a:r>
-          </a:p>
-        </p:txBody>
-      </p:sp>
-    </p:spTree>
-    <p:extLst>
-      <p:ext uri="{BB962C8B-B14F-4D97-AF65-F5344CB8AC3E}">
-        <p14:creationId xmlns:p14="http://schemas.microsoft.com/office/powerpoint/2010/main" val="2797188924"/>
-      </p:ext>
-    </p:extLst>
-  </p:cSld>
-  <p:clrMapOvr>
-    <a:masterClrMapping/>
-  </p:clrMapOvr>
-</p:sld>
-</file>
-
-<file path=ppt/slides/slide11.xml><?xml version="1.0" encoding="utf-8"?>
-<p:sld xmlns:a="http://schemas.openxmlformats.org/drawingml/2006/main" xmlns:r="http://schemas.openxmlformats.org/officeDocument/2006/relationships" xmlns:p="http://schemas.openxmlformats.org/presentationml/2006/main">
-  <p:cSld>
-    <p:spTree>
-      <p:nvGrpSpPr>
-        <p:cNvPr id="1" name=""/>
-        <p:cNvGrpSpPr/>
-        <p:nvPr/>
-      </p:nvGrpSpPr>
-      <p:grpSpPr>
-        <a:xfrm>
-          <a:off x="0" y="0"/>
-          <a:ext cx="0" cy="0"/>
-          <a:chOff x="0" y="0"/>
-          <a:chExt cx="0" cy="0"/>
-        </a:xfrm>
-      </p:grpSpPr>
-      <p:sp>
-        <p:nvSpPr>
-          <p:cNvPr id="4" name="Slide Number Placeholder 3">
-            <a:extLst>
-              <a:ext uri="{FF2B5EF4-FFF2-40B4-BE49-F238E27FC236}">
-                <a16:creationId xmlns:a16="http://schemas.microsoft.com/office/drawing/2014/main" id="{B771BB42-F088-4AFD-B746-CA27AABAF2B2}"/>
-              </a:ext>
-            </a:extLst>
-          </p:cNvPr>
-          <p:cNvSpPr>
-            <a:spLocks noGrp="1"/>
-          </p:cNvSpPr>
-          <p:nvPr>
-            <p:ph type="sldNum" sz="quarter" idx="12"/>
-          </p:nvPr>
-        </p:nvSpPr>
-        <p:spPr/>
-        <p:txBody>
-          <a:bodyPr/>
-          <a:lstStyle/>
-          <a:p>
-            <a:fld id="{41DD9913-027A-4D5C-9772-EAFAEC30D69D}" type="slidenum">
-              <a:rPr lang="en-US" smtClean="0"/>
-              <a:t>11</a:t>
-            </a:fld>
-            <a:endParaRPr lang="en-US"/>
-          </a:p>
-        </p:txBody>
-      </p:sp>
-      <p:sp>
-        <p:nvSpPr>
-          <p:cNvPr id="5" name="Arrow: Chevron 4">
-            <a:extLst>
-              <a:ext uri="{FF2B5EF4-FFF2-40B4-BE49-F238E27FC236}">
                 <a16:creationId xmlns:a16="http://schemas.microsoft.com/office/drawing/2014/main" id="{8FF13E13-E227-4FD1-BD85-6C8EFE9C39E6}"/>
               </a:ext>
             </a:extLst>
@@ -4492,7 +9961,7 @@
               <a:buChar char="q"/>
             </a:pPr>
             <a:r>
-              <a:rPr lang="en-US">
+              <a:rPr lang="en-US" dirty="0">
                 <a:latin typeface="+mj-lt"/>
               </a:rPr>
               <a:t>Release in 2018</a:t>
@@ -4504,7 +9973,7 @@
                 <a:spcPct val="150000"/>
               </a:lnSpc>
             </a:pPr>
-            <a:endParaRPr lang="en-US">
+            <a:endParaRPr lang="en-US" dirty="0">
               <a:latin typeface="+mj-lt"/>
             </a:endParaRPr>
           </a:p>
@@ -4517,11 +9986,20 @@
               <a:buChar char="q"/>
             </a:pPr>
             <a:r>
-              <a:rPr lang="en-US">
-                <a:latin typeface="+mj-lt"/>
-              </a:rPr>
-              <a:t>A client-side library that use .NET on WebAssembly</a:t>
-            </a:r>
+              <a:rPr lang="en-US" dirty="0">
+                <a:latin typeface="+mj-lt"/>
+              </a:rPr>
+              <a:t>A client-side library that use .NET on </a:t>
+            </a:r>
+            <a:r>
+              <a:rPr lang="en-US" dirty="0" err="1">
+                <a:latin typeface="+mj-lt"/>
+              </a:rPr>
+              <a:t>WebAssembly</a:t>
+            </a:r>
+            <a:endParaRPr lang="en-US" dirty="0">
+              <a:latin typeface="+mj-lt"/>
+            </a:endParaRPr>
           </a:p>
           <a:p>
             <a:pPr>
@@ -4529,7 +10007,7 @@
                 <a:spcPct val="150000"/>
               </a:lnSpc>
             </a:pPr>
-            <a:endParaRPr lang="en-US">
+            <a:endParaRPr lang="en-US" dirty="0">
               <a:latin typeface="+mj-lt"/>
             </a:endParaRPr>
           </a:p>
@@ -4542,7 +10020,7 @@
               <a:buChar char="q"/>
             </a:pPr>
             <a:r>
-              <a:rPr lang="en-GB">
+              <a:rPr lang="en-GB" dirty="0">
                 <a:latin typeface="+mj-lt"/>
               </a:rPr>
               <a:t>Support SPAs written in C# with Razor template</a:t>
@@ -4556,7 +10034,7 @@
               <a:buFont typeface="Wingdings" panose="05000000000000000000" pitchFamily="2" charset="2"/>
               <a:buChar char="q"/>
             </a:pPr>
-            <a:endParaRPr lang="en-GB">
+            <a:endParaRPr lang="en-GB" dirty="0">
               <a:latin typeface="+mj-lt"/>
             </a:endParaRPr>
           </a:p>
@@ -4567,14 +10045,14 @@
               </a:lnSpc>
             </a:pPr>
             <a:r>
-              <a:rPr lang="en-GB" i="1">
+              <a:rPr lang="en-GB" i="1" dirty="0">
                 <a:latin typeface="+mj-lt"/>
                 <a:hlinkClick r:id="rId3"/>
               </a:rPr>
               <a:t>https://docs.microsoft.com/en-us/aspnet/core/blazor/?view=aspnetcore-6.0</a:t>
             </a:r>
             <a:r>
-              <a:rPr lang="en-GB">
+              <a:rPr lang="en-GB" dirty="0">
                 <a:latin typeface="+mj-lt"/>
               </a:rPr>
               <a:t> </a:t>
@@ -4587,12 +10065,12 @@
               </a:lnSpc>
             </a:pPr>
             <a:r>
-              <a:rPr lang="en-GB">
+              <a:rPr lang="en-GB" dirty="0">
                 <a:latin typeface="+mj-lt"/>
               </a:rPr>
               <a:t>								</a:t>
             </a:r>
-            <a:endParaRPr lang="en-US" i="1">
+            <a:endParaRPr lang="en-US" i="1" dirty="0">
               <a:latin typeface="+mj-lt"/>
             </a:endParaRPr>
           </a:p>
@@ -4611,7 +10089,7 @@
 </p:sld>
 </file>
 
-<file path=ppt/slides/slide12.xml><?xml version="1.0" encoding="utf-8"?>
+<file path=ppt/slides/slide11.xml><?xml version="1.0" encoding="utf-8"?>
 <p:sld xmlns:a="http://schemas.openxmlformats.org/drawingml/2006/main" xmlns:r="http://schemas.openxmlformats.org/officeDocument/2006/relationships" xmlns:p="http://schemas.openxmlformats.org/presentationml/2006/main">
   <p:cSld>
     <p:spTree>
@@ -4651,7 +10129,7 @@
           <a:p>
             <a:fld id="{41DD9913-027A-4D5C-9772-EAFAEC30D69D}" type="slidenum">
               <a:rPr lang="en-US" smtClean="0"/>
-              <a:t>12</a:t>
+              <a:t>11</a:t>
             </a:fld>
             <a:endParaRPr lang="en-US"/>
           </a:p>
@@ -4733,7 +10211,7 @@
           <p:nvPr/>
         </p:nvPicPr>
         <p:blipFill>
-          <a:blip r:embed="rId2">
+          <a:blip r:embed="rId3">
             <a:extLst>
               <a:ext uri="{28A0092B-C50C-407E-A947-70E740481C1C}">
                 <a14:useLocalDpi xmlns:a14="http://schemas.microsoft.com/office/drawing/2010/main" val="0"/>
@@ -4783,7 +10261,7 @@
           <a:lstStyle/>
           <a:p>
             <a:r>
-              <a:rPr lang="en-US" sz="1600" i="0">
+              <a:rPr lang="en-US" sz="1600" i="0" dirty="0">
                 <a:solidFill>
                   <a:srgbClr val="231F20"/>
                 </a:solidFill>
@@ -4793,7 +10271,7 @@
               <a:t>Server-Side and </a:t>
             </a:r>
             <a:r>
-              <a:rPr lang="en-US" i="0">
+              <a:rPr lang="en-US" i="0" dirty="0">
                 <a:solidFill>
                   <a:srgbClr val="231F20"/>
                 </a:solidFill>
@@ -4803,7 +10281,7 @@
               <a:t>Client-Side</a:t>
             </a:r>
             <a:r>
-              <a:rPr lang="en-US" sz="1600" i="0">
+              <a:rPr lang="en-US" sz="1600" i="0" dirty="0">
                 <a:solidFill>
                   <a:srgbClr val="231F20"/>
                 </a:solidFill>
@@ -4830,7 +10308,7 @@
           <p:nvPr/>
         </p:nvPicPr>
         <p:blipFill>
-          <a:blip r:embed="rId3">
+          <a:blip r:embed="rId4">
             <a:extLst>
               <a:ext uri="{28A0092B-C50C-407E-A947-70E740481C1C}">
                 <a14:useLocalDpi xmlns:a14="http://schemas.microsoft.com/office/drawing/2010/main" val="0"/>
@@ -4991,6 +10469,586 @@
 </p:sld>
 </file>
 
+<file path=ppt/slides/slide12.xml><?xml version="1.0" encoding="utf-8"?>
+<p:sld xmlns:a="http://schemas.openxmlformats.org/drawingml/2006/main" xmlns:r="http://schemas.openxmlformats.org/officeDocument/2006/relationships" xmlns:p="http://schemas.openxmlformats.org/presentationml/2006/main">
+  <p:cSld>
+    <p:spTree>
+      <p:nvGrpSpPr>
+        <p:cNvPr id="1" name=""/>
+        <p:cNvGrpSpPr/>
+        <p:nvPr/>
+      </p:nvGrpSpPr>
+      <p:grpSpPr>
+        <a:xfrm>
+          <a:off x="0" y="0"/>
+          <a:ext cx="0" cy="0"/>
+          <a:chOff x="0" y="0"/>
+          <a:chExt cx="0" cy="0"/>
+        </a:xfrm>
+      </p:grpSpPr>
+      <p:sp>
+        <p:nvSpPr>
+          <p:cNvPr id="4" name="Slide Number Placeholder 3">
+            <a:extLst>
+              <a:ext uri="{FF2B5EF4-FFF2-40B4-BE49-F238E27FC236}">
+                <a16:creationId xmlns:a16="http://schemas.microsoft.com/office/drawing/2014/main" id="{33356CE2-E375-4830-A1F9-CD76E582454A}"/>
+              </a:ext>
+            </a:extLst>
+          </p:cNvPr>
+          <p:cNvSpPr>
+            <a:spLocks noGrp="1"/>
+          </p:cNvSpPr>
+          <p:nvPr>
+            <p:ph type="sldNum" sz="quarter" idx="12"/>
+          </p:nvPr>
+        </p:nvSpPr>
+        <p:spPr/>
+        <p:txBody>
+          <a:bodyPr/>
+          <a:lstStyle/>
+          <a:p>
+            <a:fld id="{41DD9913-027A-4D5C-9772-EAFAEC30D69D}" type="slidenum">
+              <a:rPr lang="en-US" smtClean="0"/>
+              <a:t>12</a:t>
+            </a:fld>
+            <a:endParaRPr lang="en-US"/>
+          </a:p>
+        </p:txBody>
+      </p:sp>
+      <p:sp>
+        <p:nvSpPr>
+          <p:cNvPr id="5" name="Slide Number Placeholder 3">
+            <a:extLst>
+              <a:ext uri="{FF2B5EF4-FFF2-40B4-BE49-F238E27FC236}">
+                <a16:creationId xmlns:a16="http://schemas.microsoft.com/office/drawing/2014/main" id="{BF826DE3-A342-4574-AF55-4B2CC9F8D0E0}"/>
+              </a:ext>
+            </a:extLst>
+          </p:cNvPr>
+          <p:cNvSpPr txBox="1">
+            <a:spLocks/>
+          </p:cNvSpPr>
+          <p:nvPr/>
+        </p:nvSpPr>
+        <p:spPr>
+          <a:xfrm>
+            <a:off x="8610600" y="6356350"/>
+            <a:ext cx="2743200" cy="365125"/>
+          </a:xfrm>
+          <a:prstGeom prst="rect">
+            <a:avLst/>
+          </a:prstGeom>
+        </p:spPr>
+        <p:txBody>
+          <a:bodyPr vert="horz" lIns="91440" tIns="45720" rIns="91440" bIns="45720" rtlCol="0" anchor="ctr"/>
+          <a:lstStyle>
+            <a:defPPr>
+              <a:defRPr lang="en-US"/>
+            </a:defPPr>
+            <a:lvl1pPr marL="0" algn="r" defTabSz="914400" rtl="0" eaLnBrk="1" latinLnBrk="0" hangingPunct="1">
+              <a:defRPr sz="1200" kern="1200">
+                <a:solidFill>
+                  <a:schemeClr val="tx1">
+                    <a:tint val="75000"/>
+                  </a:schemeClr>
+                </a:solidFill>
+                <a:latin typeface="+mn-lt"/>
+                <a:ea typeface="+mn-ea"/>
+                <a:cs typeface="+mn-cs"/>
+              </a:defRPr>
+            </a:lvl1pPr>
+            <a:lvl2pPr marL="457200" algn="l" defTabSz="914400" rtl="0" eaLnBrk="1" latinLnBrk="0" hangingPunct="1">
+              <a:defRPr sz="1800" kern="1200">
+                <a:solidFill>
+                  <a:schemeClr val="tx1"/>
+                </a:solidFill>
+                <a:latin typeface="+mn-lt"/>
+                <a:ea typeface="+mn-ea"/>
+                <a:cs typeface="+mn-cs"/>
+              </a:defRPr>
+            </a:lvl2pPr>
+            <a:lvl3pPr marL="914400" algn="l" defTabSz="914400" rtl="0" eaLnBrk="1" latinLnBrk="0" hangingPunct="1">
+              <a:defRPr sz="1800" kern="1200">
+                <a:solidFill>
+                  <a:schemeClr val="tx1"/>
+                </a:solidFill>
+                <a:latin typeface="+mn-lt"/>
+                <a:ea typeface="+mn-ea"/>
+                <a:cs typeface="+mn-cs"/>
+              </a:defRPr>
+            </a:lvl3pPr>
+            <a:lvl4pPr marL="1371600" algn="l" defTabSz="914400" rtl="0" eaLnBrk="1" latinLnBrk="0" hangingPunct="1">
+              <a:defRPr sz="1800" kern="1200">
+                <a:solidFill>
+                  <a:schemeClr val="tx1"/>
+                </a:solidFill>
+                <a:latin typeface="+mn-lt"/>
+                <a:ea typeface="+mn-ea"/>
+                <a:cs typeface="+mn-cs"/>
+              </a:defRPr>
+            </a:lvl4pPr>
+            <a:lvl5pPr marL="1828800" algn="l" defTabSz="914400" rtl="0" eaLnBrk="1" latinLnBrk="0" hangingPunct="1">
+              <a:defRPr sz="1800" kern="1200">
+                <a:solidFill>
+                  <a:schemeClr val="tx1"/>
+                </a:solidFill>
+                <a:latin typeface="+mn-lt"/>
+                <a:ea typeface="+mn-ea"/>
+                <a:cs typeface="+mn-cs"/>
+              </a:defRPr>
+            </a:lvl5pPr>
+            <a:lvl6pPr marL="2286000" algn="l" defTabSz="914400" rtl="0" eaLnBrk="1" latinLnBrk="0" hangingPunct="1">
+              <a:defRPr sz="1800" kern="1200">
+                <a:solidFill>
+                  <a:schemeClr val="tx1"/>
+                </a:solidFill>
+                <a:latin typeface="+mn-lt"/>
+                <a:ea typeface="+mn-ea"/>
+                <a:cs typeface="+mn-cs"/>
+              </a:defRPr>
+            </a:lvl6pPr>
+            <a:lvl7pPr marL="2743200" algn="l" defTabSz="914400" rtl="0" eaLnBrk="1" latinLnBrk="0" hangingPunct="1">
+              <a:defRPr sz="1800" kern="1200">
+                <a:solidFill>
+                  <a:schemeClr val="tx1"/>
+                </a:solidFill>
+                <a:latin typeface="+mn-lt"/>
+                <a:ea typeface="+mn-ea"/>
+                <a:cs typeface="+mn-cs"/>
+              </a:defRPr>
+            </a:lvl7pPr>
+            <a:lvl8pPr marL="3200400" algn="l" defTabSz="914400" rtl="0" eaLnBrk="1" latinLnBrk="0" hangingPunct="1">
+              <a:defRPr sz="1800" kern="1200">
+                <a:solidFill>
+                  <a:schemeClr val="tx1"/>
+                </a:solidFill>
+                <a:latin typeface="+mn-lt"/>
+                <a:ea typeface="+mn-ea"/>
+                <a:cs typeface="+mn-cs"/>
+              </a:defRPr>
+            </a:lvl8pPr>
+            <a:lvl9pPr marL="3657600" algn="l" defTabSz="914400" rtl="0" eaLnBrk="1" latinLnBrk="0" hangingPunct="1">
+              <a:defRPr sz="1800" kern="1200">
+                <a:solidFill>
+                  <a:schemeClr val="tx1"/>
+                </a:solidFill>
+                <a:latin typeface="+mn-lt"/>
+                <a:ea typeface="+mn-ea"/>
+                <a:cs typeface="+mn-cs"/>
+              </a:defRPr>
+            </a:lvl9pPr>
+          </a:lstStyle>
+          <a:p>
+            <a:fld id="{41DD9913-027A-4D5C-9772-EAFAEC30D69D}" type="slidenum">
+              <a:rPr lang="en-US" smtClean="0"/>
+              <a:pPr/>
+              <a:t>12</a:t>
+            </a:fld>
+            <a:endParaRPr lang="en-US"/>
+          </a:p>
+        </p:txBody>
+      </p:sp>
+      <p:sp>
+        <p:nvSpPr>
+          <p:cNvPr id="6" name="Arrow: Chevron 5">
+            <a:extLst>
+              <a:ext uri="{FF2B5EF4-FFF2-40B4-BE49-F238E27FC236}">
+                <a16:creationId xmlns:a16="http://schemas.microsoft.com/office/drawing/2014/main" id="{7A99A1FB-A5A8-4842-BF9C-4BC0965040B0}"/>
+              </a:ext>
+            </a:extLst>
+          </p:cNvPr>
+          <p:cNvSpPr/>
+          <p:nvPr/>
+        </p:nvSpPr>
+        <p:spPr>
+          <a:xfrm>
+            <a:off x="1" y="425224"/>
+            <a:ext cx="4796118" cy="694449"/>
+          </a:xfrm>
+          <a:prstGeom prst="chevron">
+            <a:avLst/>
+          </a:prstGeom>
+          <a:solidFill>
+            <a:srgbClr val="702AF7"/>
+          </a:solidFill>
+          <a:ln>
+            <a:solidFill>
+              <a:schemeClr val="bg1"/>
+            </a:solidFill>
+          </a:ln>
+        </p:spPr>
+        <p:style>
+          <a:lnRef idx="2">
+            <a:schemeClr val="accent5">
+              <a:shade val="50000"/>
+            </a:schemeClr>
+          </a:lnRef>
+          <a:fillRef idx="1">
+            <a:schemeClr val="accent5"/>
+          </a:fillRef>
+          <a:effectRef idx="0">
+            <a:schemeClr val="accent5"/>
+          </a:effectRef>
+          <a:fontRef idx="minor">
+            <a:schemeClr val="lt1"/>
+          </a:fontRef>
+        </p:style>
+        <p:txBody>
+          <a:bodyPr rtlCol="0" anchor="ctr"/>
+          <a:lstStyle/>
+          <a:p>
+            <a:pPr algn="ctr"/>
+            <a:r>
+              <a:rPr lang="en-US" sz="3600">
+                <a:solidFill>
+                  <a:schemeClr val="bg1"/>
+                </a:solidFill>
+              </a:rPr>
+              <a:t>2. What is Blazor</a:t>
+            </a:r>
+          </a:p>
+        </p:txBody>
+      </p:sp>
+      <p:sp>
+        <p:nvSpPr>
+          <p:cNvPr id="8" name="TextBox 7">
+            <a:extLst>
+              <a:ext uri="{FF2B5EF4-FFF2-40B4-BE49-F238E27FC236}">
+                <a16:creationId xmlns:a16="http://schemas.microsoft.com/office/drawing/2014/main" id="{BA2FEECD-B32D-4111-B2B4-2444509DD7E6}"/>
+              </a:ext>
+            </a:extLst>
+          </p:cNvPr>
+          <p:cNvSpPr txBox="1"/>
+          <p:nvPr/>
+        </p:nvSpPr>
+        <p:spPr>
+          <a:xfrm>
+            <a:off x="893115" y="1610584"/>
+            <a:ext cx="7315200" cy="400110"/>
+          </a:xfrm>
+          <a:prstGeom prst="rect">
+            <a:avLst/>
+          </a:prstGeom>
+          <a:noFill/>
+        </p:spPr>
+        <p:txBody>
+          <a:bodyPr wrap="square" rtlCol="0">
+            <a:spAutoFit/>
+          </a:bodyPr>
+          <a:lstStyle/>
+          <a:p>
+            <a:r>
+              <a:rPr lang="en-US" sz="2000" b="1" i="0" dirty="0">
+                <a:solidFill>
+                  <a:srgbClr val="231F20"/>
+                </a:solidFill>
+                <a:effectLst/>
+                <a:latin typeface="+mj-lt"/>
+              </a:rPr>
+              <a:t>Milestones</a:t>
+            </a:r>
+          </a:p>
+        </p:txBody>
+      </p:sp>
+      <p:sp>
+        <p:nvSpPr>
+          <p:cNvPr id="10" name="TextBox 9">
+            <a:extLst>
+              <a:ext uri="{FF2B5EF4-FFF2-40B4-BE49-F238E27FC236}">
+                <a16:creationId xmlns:a16="http://schemas.microsoft.com/office/drawing/2014/main" id="{AD93801C-ACDA-4835-BE59-6B1FA5280993}"/>
+              </a:ext>
+            </a:extLst>
+          </p:cNvPr>
+          <p:cNvSpPr txBox="1"/>
+          <p:nvPr/>
+        </p:nvSpPr>
+        <p:spPr>
+          <a:xfrm>
+            <a:off x="893114" y="2101495"/>
+            <a:ext cx="9165285" cy="4122026"/>
+          </a:xfrm>
+          <a:prstGeom prst="rect">
+            <a:avLst/>
+          </a:prstGeom>
+          <a:noFill/>
+        </p:spPr>
+        <p:txBody>
+          <a:bodyPr wrap="square" rtlCol="0">
+            <a:spAutoFit/>
+          </a:bodyPr>
+          <a:lstStyle/>
+          <a:p>
+            <a:pPr marL="285750" indent="-285750">
+              <a:lnSpc>
+                <a:spcPct val="250000"/>
+              </a:lnSpc>
+              <a:buFont typeface="Wingdings" panose="05000000000000000000" pitchFamily="2" charset="2"/>
+              <a:buChar char="Ø"/>
+            </a:pPr>
+            <a:r>
+              <a:rPr lang="en-US" i="0" dirty="0">
+                <a:solidFill>
+                  <a:srgbClr val="231F20"/>
+                </a:solidFill>
+                <a:effectLst/>
+                <a:latin typeface="+mj-lt"/>
+              </a:rPr>
+              <a:t>2017 : Web Assembly</a:t>
+            </a:r>
+          </a:p>
+          <a:p>
+            <a:pPr marL="285750" indent="-285750">
+              <a:lnSpc>
+                <a:spcPct val="250000"/>
+              </a:lnSpc>
+              <a:buFont typeface="Wingdings" panose="05000000000000000000" pitchFamily="2" charset="2"/>
+              <a:buChar char="Ø"/>
+            </a:pPr>
+            <a:r>
+              <a:rPr lang="en-US" dirty="0">
+                <a:solidFill>
+                  <a:srgbClr val="231F20"/>
+                </a:solidFill>
+                <a:latin typeface="+mj-lt"/>
+              </a:rPr>
+              <a:t>2017 : </a:t>
+            </a:r>
+            <a:r>
+              <a:rPr lang="en-US" dirty="0" err="1">
+                <a:solidFill>
+                  <a:srgbClr val="231F20"/>
+                </a:solidFill>
+                <a:latin typeface="+mj-lt"/>
+              </a:rPr>
+              <a:t>Blazor</a:t>
+            </a:r>
+            <a:r>
+              <a:rPr lang="en-US" dirty="0">
+                <a:solidFill>
+                  <a:srgbClr val="231F20"/>
+                </a:solidFill>
+                <a:latin typeface="+mj-lt"/>
+              </a:rPr>
+              <a:t> </a:t>
+            </a:r>
+            <a:r>
+              <a:rPr lang="en-US" i="0" dirty="0">
+                <a:solidFill>
+                  <a:srgbClr val="231F20"/>
+                </a:solidFill>
+                <a:effectLst/>
+                <a:latin typeface="+mj-lt"/>
+              </a:rPr>
+              <a:t>1</a:t>
+            </a:r>
+            <a:r>
+              <a:rPr lang="en-US" i="0" baseline="30000" dirty="0">
+                <a:solidFill>
+                  <a:srgbClr val="231F20"/>
+                </a:solidFill>
+                <a:effectLst/>
+                <a:latin typeface="+mj-lt"/>
+              </a:rPr>
+              <a:t>st</a:t>
+            </a:r>
+            <a:r>
+              <a:rPr lang="en-US" dirty="0">
+                <a:solidFill>
+                  <a:srgbClr val="231F20"/>
+                </a:solidFill>
+                <a:latin typeface="+mj-lt"/>
+              </a:rPr>
+              <a:t> announced</a:t>
+            </a:r>
+          </a:p>
+          <a:p>
+            <a:pPr marL="285750" indent="-285750">
+              <a:lnSpc>
+                <a:spcPct val="250000"/>
+              </a:lnSpc>
+              <a:buFont typeface="Wingdings" panose="05000000000000000000" pitchFamily="2" charset="2"/>
+              <a:buChar char="Ø"/>
+            </a:pPr>
+            <a:r>
+              <a:rPr lang="en-US" i="0" dirty="0">
+                <a:solidFill>
+                  <a:srgbClr val="231F20"/>
+                </a:solidFill>
+                <a:effectLst/>
+                <a:latin typeface="+mj-lt"/>
+              </a:rPr>
+              <a:t>2019 : </a:t>
+            </a:r>
+            <a:r>
+              <a:rPr lang="en-US" i="0" dirty="0" err="1">
+                <a:solidFill>
+                  <a:srgbClr val="231F20"/>
+                </a:solidFill>
+                <a:effectLst/>
+                <a:latin typeface="+mj-lt"/>
+              </a:rPr>
+              <a:t>Blazor</a:t>
+            </a:r>
+            <a:r>
+              <a:rPr lang="en-US" i="0" dirty="0">
+                <a:solidFill>
+                  <a:srgbClr val="231F20"/>
+                </a:solidFill>
+                <a:effectLst/>
+                <a:latin typeface="+mj-lt"/>
+              </a:rPr>
+              <a:t> 1</a:t>
+            </a:r>
+            <a:r>
+              <a:rPr lang="en-US" i="0" baseline="30000" dirty="0">
+                <a:solidFill>
+                  <a:srgbClr val="231F20"/>
+                </a:solidFill>
+                <a:effectLst/>
+                <a:latin typeface="+mj-lt"/>
+              </a:rPr>
+              <a:t>st</a:t>
+            </a:r>
+            <a:r>
+              <a:rPr lang="en-US" i="0" dirty="0">
+                <a:solidFill>
+                  <a:srgbClr val="231F20"/>
+                </a:solidFill>
+                <a:effectLst/>
+                <a:latin typeface="+mj-lt"/>
+              </a:rPr>
+              <a:t> preview</a:t>
+            </a:r>
+          </a:p>
+          <a:p>
+            <a:pPr marL="285750" indent="-285750">
+              <a:lnSpc>
+                <a:spcPct val="250000"/>
+              </a:lnSpc>
+              <a:buFont typeface="Wingdings" panose="05000000000000000000" pitchFamily="2" charset="2"/>
+              <a:buChar char="Ø"/>
+            </a:pPr>
+            <a:r>
+              <a:rPr lang="en-US" dirty="0">
+                <a:solidFill>
+                  <a:srgbClr val="231F20"/>
+                </a:solidFill>
+                <a:latin typeface="+mj-lt"/>
+              </a:rPr>
+              <a:t>2019 : </a:t>
+            </a:r>
+            <a:r>
+              <a:rPr lang="en-US" dirty="0" err="1">
+                <a:solidFill>
+                  <a:srgbClr val="231F20"/>
+                </a:solidFill>
+                <a:latin typeface="+mj-lt"/>
+              </a:rPr>
+              <a:t>Blazor</a:t>
+            </a:r>
+            <a:r>
+              <a:rPr lang="en-US" dirty="0">
+                <a:solidFill>
+                  <a:srgbClr val="231F20"/>
+                </a:solidFill>
+                <a:latin typeface="+mj-lt"/>
+              </a:rPr>
+              <a:t> Server</a:t>
+            </a:r>
+            <a:endParaRPr lang="en-US" i="0" dirty="0">
+              <a:solidFill>
+                <a:srgbClr val="231F20"/>
+              </a:solidFill>
+              <a:effectLst/>
+              <a:latin typeface="+mj-lt"/>
+            </a:endParaRPr>
+          </a:p>
+          <a:p>
+            <a:pPr marL="285750" indent="-285750">
+              <a:lnSpc>
+                <a:spcPct val="250000"/>
+              </a:lnSpc>
+              <a:buFont typeface="Wingdings" panose="05000000000000000000" pitchFamily="2" charset="2"/>
+              <a:buChar char="Ø"/>
+            </a:pPr>
+            <a:r>
+              <a:rPr lang="en-US" dirty="0">
+                <a:solidFill>
+                  <a:srgbClr val="231F20"/>
+                </a:solidFill>
+                <a:latin typeface="+mj-lt"/>
+              </a:rPr>
+              <a:t>2019 : </a:t>
+            </a:r>
+            <a:r>
+              <a:rPr lang="en-US" dirty="0" err="1">
+                <a:solidFill>
+                  <a:srgbClr val="231F20"/>
+                </a:solidFill>
+                <a:latin typeface="+mj-lt"/>
+              </a:rPr>
+              <a:t>Blazor</a:t>
+            </a:r>
+            <a:r>
+              <a:rPr lang="en-US" dirty="0">
+                <a:solidFill>
+                  <a:srgbClr val="231F20"/>
+                </a:solidFill>
+                <a:latin typeface="+mj-lt"/>
+              </a:rPr>
+              <a:t> Web Assembly</a:t>
+            </a:r>
+          </a:p>
+          <a:p>
+            <a:pPr marL="285750" indent="-285750">
+              <a:lnSpc>
+                <a:spcPct val="250000"/>
+              </a:lnSpc>
+              <a:buFont typeface="Wingdings" panose="05000000000000000000" pitchFamily="2" charset="2"/>
+              <a:buChar char="Ø"/>
+            </a:pPr>
+            <a:r>
+              <a:rPr lang="en-US" i="0" dirty="0">
+                <a:solidFill>
+                  <a:srgbClr val="231F20"/>
+                </a:solidFill>
+                <a:effectLst/>
+                <a:latin typeface="+mj-lt"/>
+              </a:rPr>
+              <a:t>2021 : LTS for </a:t>
+            </a:r>
+            <a:r>
+              <a:rPr lang="en-US" i="0" dirty="0" err="1">
+                <a:solidFill>
+                  <a:srgbClr val="231F20"/>
+                </a:solidFill>
+                <a:effectLst/>
+                <a:latin typeface="+mj-lt"/>
+              </a:rPr>
+              <a:t>Blazor</a:t>
+            </a:r>
+            <a:endParaRPr lang="en-US" i="0" dirty="0">
+              <a:solidFill>
+                <a:srgbClr val="231F20"/>
+              </a:solidFill>
+              <a:effectLst/>
+              <a:latin typeface="+mj-lt"/>
+            </a:endParaRPr>
+          </a:p>
+        </p:txBody>
+      </p:sp>
+    </p:spTree>
+    <p:extLst>
+      <p:ext uri="{BB962C8B-B14F-4D97-AF65-F5344CB8AC3E}">
+        <p14:creationId xmlns:p14="http://schemas.microsoft.com/office/powerpoint/2010/main" val="1826348767"/>
+      </p:ext>
+    </p:extLst>
+  </p:cSld>
+  <p:clrMapOvr>
+    <a:masterClrMapping/>
+  </p:clrMapOvr>
+</p:sld>
+</file>
+
 <file path=ppt/slides/slide13.xml><?xml version="1.0" encoding="utf-8"?>
 <p:sld xmlns:a="http://schemas.openxmlformats.org/drawingml/2006/main" xmlns:r="http://schemas.openxmlformats.org/officeDocument/2006/relationships" xmlns:p="http://schemas.openxmlformats.org/presentationml/2006/main">
   <p:cSld>
@@ -5277,7 +11335,7 @@
             <p:nvPr/>
           </p:nvPicPr>
           <p:blipFill>
-            <a:blip r:embed="rId2">
+            <a:blip r:embed="rId3">
               <a:extLst>
                 <a:ext uri="{28A0092B-C50C-407E-A947-70E740481C1C}">
                   <a14:useLocalDpi xmlns:a14="http://schemas.microsoft.com/office/drawing/2010/main" val="0"/>
@@ -5407,7 +11465,7 @@
             <p:nvPr/>
           </p:nvPicPr>
           <p:blipFill>
-            <a:blip r:embed="rId3">
+            <a:blip r:embed="rId4">
               <a:extLst>
                 <a:ext uri="{28A0092B-C50C-407E-A947-70E740481C1C}">
                   <a14:useLocalDpi xmlns:a14="http://schemas.microsoft.com/office/drawing/2010/main" val="0"/>
@@ -5817,7 +11875,7 @@
           <p:nvPr/>
         </p:nvPicPr>
         <p:blipFill>
-          <a:blip r:embed="rId2">
+          <a:blip r:embed="rId3">
             <a:extLst>
               <a:ext uri="{28A0092B-C50C-407E-A947-70E740481C1C}">
                 <a14:useLocalDpi xmlns:a14="http://schemas.microsoft.com/office/drawing/2010/main" val="0"/>
@@ -5853,7 +11911,7 @@
         <p:spPr>
           <a:xfrm>
             <a:off x="4835850" y="1606428"/>
-            <a:ext cx="6933363" cy="3775777"/>
+            <a:ext cx="7696809" cy="5437771"/>
           </a:xfrm>
           <a:prstGeom prst="rect">
             <a:avLst/>
@@ -5872,7 +11930,7 @@
               </a:lnSpc>
             </a:pPr>
             <a:r>
-              <a:rPr lang="en-US" b="1">
+              <a:rPr lang="en-US" b="1" dirty="0">
                 <a:latin typeface="+mj-lt"/>
               </a:rPr>
               <a:t>PROS</a:t>
@@ -5887,10 +11945,10 @@
               <a:buChar char="q"/>
             </a:pPr>
             <a:r>
-              <a:rPr lang="en-US">
-                <a:latin typeface="+mj-lt"/>
-              </a:rPr>
-              <a:t>Efficient and fast</a:t>
+              <a:rPr lang="en-US" dirty="0">
+                <a:latin typeface="+mj-lt"/>
+              </a:rPr>
+              <a:t>.NET code for browser</a:t>
             </a:r>
           </a:p>
           <a:p>
@@ -5901,21 +11959,11 @@
               <a:buFont typeface="Wingdings" panose="05000000000000000000" pitchFamily="2" charset="2"/>
               <a:buChar char="q"/>
             </a:pPr>
-            <a:endParaRPr lang="en-US">
-              <a:latin typeface="+mj-lt"/>
-            </a:endParaRPr>
-          </a:p>
-          <a:p>
-            <a:pPr>
-              <a:lnSpc>
-                <a:spcPct val="150000"/>
-              </a:lnSpc>
-            </a:pPr>
-            <a:r>
-              <a:rPr lang="en-US" b="1">
-                <a:latin typeface="+mj-lt"/>
-              </a:rPr>
-              <a:t>CONS</a:t>
+            <a:r>
+              <a:rPr lang="en-US" dirty="0">
+                <a:latin typeface="+mj-lt"/>
+              </a:rPr>
+              <a:t>Efficient and fast</a:t>
             </a:r>
           </a:p>
           <a:p>
@@ -5927,10 +11975,10 @@
               <a:buChar char="q"/>
             </a:pPr>
             <a:r>
-              <a:rPr lang="en-US">
-                <a:latin typeface="+mj-lt"/>
-              </a:rPr>
-              <a:t>Efficient and fast</a:t>
+              <a:rPr lang="en-US" dirty="0">
+                <a:latin typeface="+mj-lt"/>
+              </a:rPr>
+              <a:t>NO server-side dependencies</a:t>
             </a:r>
           </a:p>
           <a:p>
@@ -5941,7 +11989,104 @@
               <a:buFont typeface="Wingdings" panose="05000000000000000000" pitchFamily="2" charset="2"/>
               <a:buChar char="q"/>
             </a:pPr>
-            <a:endParaRPr lang="en-US">
+            <a:r>
+              <a:rPr lang="en-US" dirty="0">
+                <a:latin typeface="+mj-lt"/>
+              </a:rPr>
+              <a:t>Progressive Web App (PWA)</a:t>
+            </a:r>
+          </a:p>
+          <a:p>
+            <a:pPr marL="285750" indent="-285750">
+              <a:lnSpc>
+                <a:spcPct val="150000"/>
+              </a:lnSpc>
+              <a:buFont typeface="Wingdings" panose="05000000000000000000" pitchFamily="2" charset="2"/>
+              <a:buChar char="q"/>
+            </a:pPr>
+            <a:endParaRPr lang="en-US" dirty="0">
+              <a:latin typeface="+mj-lt"/>
+            </a:endParaRPr>
+          </a:p>
+          <a:p>
+            <a:pPr>
+              <a:lnSpc>
+                <a:spcPct val="150000"/>
+              </a:lnSpc>
+            </a:pPr>
+            <a:r>
+              <a:rPr lang="en-US" b="1" dirty="0">
+                <a:latin typeface="+mj-lt"/>
+              </a:rPr>
+              <a:t>CONS</a:t>
+            </a:r>
+          </a:p>
+          <a:p>
+            <a:pPr marL="285750" indent="-285750">
+              <a:lnSpc>
+                <a:spcPct val="150000"/>
+              </a:lnSpc>
+              <a:buFont typeface="Wingdings" panose="05000000000000000000" pitchFamily="2" charset="2"/>
+              <a:buChar char="q"/>
+            </a:pPr>
+            <a:r>
+              <a:rPr lang="en-US" dirty="0">
+                <a:latin typeface="+mj-lt"/>
+              </a:rPr>
+              <a:t>Need download resources before 1</a:t>
+            </a:r>
+            <a:r>
+              <a:rPr lang="en-US" baseline="30000" dirty="0">
+                <a:latin typeface="+mj-lt"/>
+              </a:rPr>
+              <a:t>st</a:t>
+            </a:r>
+            <a:r>
+              <a:rPr lang="en-US" dirty="0">
+                <a:latin typeface="+mj-lt"/>
+              </a:rPr>
+              <a:t> running (~700 KB)</a:t>
+            </a:r>
+          </a:p>
+          <a:p>
+            <a:pPr marL="285750" indent="-285750">
+              <a:lnSpc>
+                <a:spcPct val="150000"/>
+              </a:lnSpc>
+              <a:buFont typeface="Wingdings" panose="05000000000000000000" pitchFamily="2" charset="2"/>
+              <a:buChar char="q"/>
+            </a:pPr>
+            <a:r>
+              <a:rPr lang="en-US" dirty="0">
+                <a:latin typeface="+mj-lt"/>
+              </a:rPr>
+              <a:t>Old browser cannot be used</a:t>
+            </a:r>
+          </a:p>
+          <a:p>
+            <a:pPr marL="285750" indent="-285750">
+              <a:lnSpc>
+                <a:spcPct val="150000"/>
+              </a:lnSpc>
+              <a:buFont typeface="Wingdings" panose="05000000000000000000" pitchFamily="2" charset="2"/>
+              <a:buChar char="q"/>
+            </a:pPr>
+            <a:r>
+              <a:rPr lang="en-US" dirty="0">
+                <a:latin typeface="+mj-lt"/>
+              </a:rPr>
+              <a:t>Need times to developing tools for developers</a:t>
+            </a:r>
+          </a:p>
+          <a:p>
+            <a:pPr marL="285750" indent="-285750">
+              <a:lnSpc>
+                <a:spcPct val="150000"/>
+              </a:lnSpc>
+              <a:buFont typeface="Wingdings" panose="05000000000000000000" pitchFamily="2" charset="2"/>
+              <a:buChar char="q"/>
+            </a:pPr>
+            <a:endParaRPr lang="en-US" dirty="0">
               <a:latin typeface="+mj-lt"/>
             </a:endParaRPr>
           </a:p>
@@ -5951,7 +12096,7 @@
                 <a:spcPct val="150000"/>
               </a:lnSpc>
             </a:pPr>
-            <a:endParaRPr lang="en-GB">
+            <a:endParaRPr lang="en-GB" dirty="0">
               <a:latin typeface="+mj-lt"/>
             </a:endParaRPr>
           </a:p>
@@ -5962,12 +12107,12 @@
               </a:lnSpc>
             </a:pPr>
             <a:r>
-              <a:rPr lang="en-GB">
+              <a:rPr lang="en-GB" dirty="0">
                 <a:latin typeface="+mj-lt"/>
               </a:rPr>
               <a:t>								</a:t>
             </a:r>
-            <a:endParaRPr lang="en-US" i="1">
+            <a:endParaRPr lang="en-US" i="1" dirty="0">
               <a:latin typeface="+mj-lt"/>
             </a:endParaRPr>
           </a:p>
@@ -6148,8 +12293,8 @@
         </p:nvSpPr>
         <p:spPr>
           <a:xfrm>
-            <a:off x="6192702" y="1657949"/>
-            <a:ext cx="5409364" cy="3775777"/>
+            <a:off x="6192702" y="1648463"/>
+            <a:ext cx="5409364" cy="6684266"/>
           </a:xfrm>
           <a:prstGeom prst="rect">
             <a:avLst/>
@@ -6168,7 +12313,7 @@
               </a:lnSpc>
             </a:pPr>
             <a:r>
-              <a:rPr lang="en-US" b="1">
+              <a:rPr lang="en-US" b="1" dirty="0">
                 <a:latin typeface="+mj-lt"/>
               </a:rPr>
               <a:t>PROS</a:t>
@@ -6183,10 +12328,10 @@
               <a:buChar char="q"/>
             </a:pPr>
             <a:r>
-              <a:rPr lang="en-US">
-                <a:latin typeface="+mj-lt"/>
-              </a:rPr>
-              <a:t>Efficient and fast</a:t>
+              <a:rPr lang="en-US" dirty="0">
+                <a:latin typeface="+mj-lt"/>
+              </a:rPr>
+              <a:t>NO need to download before running</a:t>
             </a:r>
           </a:p>
           <a:p>
@@ -6197,21 +12342,11 @@
               <a:buFont typeface="Wingdings" panose="05000000000000000000" pitchFamily="2" charset="2"/>
               <a:buChar char="q"/>
             </a:pPr>
-            <a:endParaRPr lang="en-US">
-              <a:latin typeface="+mj-lt"/>
-            </a:endParaRPr>
-          </a:p>
-          <a:p>
-            <a:pPr>
-              <a:lnSpc>
-                <a:spcPct val="150000"/>
-              </a:lnSpc>
-            </a:pPr>
-            <a:r>
-              <a:rPr lang="en-US" b="1">
-                <a:latin typeface="+mj-lt"/>
-              </a:rPr>
-              <a:t>CONS</a:t>
+            <a:r>
+              <a:rPr lang="en-US" dirty="0">
+                <a:latin typeface="+mj-lt"/>
+              </a:rPr>
+              <a:t>Server-side rendering</a:t>
             </a:r>
           </a:p>
           <a:p>
@@ -6223,10 +12358,22 @@
               <a:buChar char="q"/>
             </a:pPr>
             <a:r>
-              <a:rPr lang="en-US">
-                <a:latin typeface="+mj-lt"/>
-              </a:rPr>
-              <a:t>Efficient and fast</a:t>
+              <a:rPr lang="en-US" dirty="0">
+                <a:latin typeface="+mj-lt"/>
+              </a:rPr>
+              <a:t>Load fast in 1</a:t>
+            </a:r>
+            <a:r>
+              <a:rPr lang="en-US" baseline="30000" dirty="0">
+                <a:latin typeface="+mj-lt"/>
+              </a:rPr>
+              <a:t>st</a:t>
+            </a:r>
+            <a:r>
+              <a:rPr lang="en-US" dirty="0">
+                <a:latin typeface="+mj-lt"/>
+              </a:rPr>
+              <a:t> time</a:t>
             </a:r>
           </a:p>
           <a:p>
@@ -6237,7 +12384,128 @@
               <a:buFont typeface="Wingdings" panose="05000000000000000000" pitchFamily="2" charset="2"/>
               <a:buChar char="q"/>
             </a:pPr>
-            <a:endParaRPr lang="en-US">
+            <a:r>
+              <a:rPr lang="en-US" dirty="0">
+                <a:latin typeface="+mj-lt"/>
+              </a:rPr>
+              <a:t>Can be used in older browser</a:t>
+            </a:r>
+          </a:p>
+          <a:p>
+            <a:pPr marL="285750" indent="-285750">
+              <a:lnSpc>
+                <a:spcPct val="150000"/>
+              </a:lnSpc>
+              <a:buFont typeface="Wingdings" panose="05000000000000000000" pitchFamily="2" charset="2"/>
+              <a:buChar char="q"/>
+            </a:pPr>
+            <a:r>
+              <a:rPr lang="en-US" dirty="0">
+                <a:latin typeface="+mj-lt"/>
+              </a:rPr>
+              <a:t>API private</a:t>
+            </a:r>
+          </a:p>
+          <a:p>
+            <a:pPr marL="285750" indent="-285750">
+              <a:lnSpc>
+                <a:spcPct val="150000"/>
+              </a:lnSpc>
+              <a:buFont typeface="Wingdings" panose="05000000000000000000" pitchFamily="2" charset="2"/>
+              <a:buChar char="q"/>
+            </a:pPr>
+            <a:endParaRPr lang="en-US" dirty="0">
+              <a:latin typeface="+mj-lt"/>
+            </a:endParaRPr>
+          </a:p>
+          <a:p>
+            <a:pPr>
+              <a:lnSpc>
+                <a:spcPct val="150000"/>
+              </a:lnSpc>
+            </a:pPr>
+            <a:r>
+              <a:rPr lang="en-US" b="1" dirty="0">
+                <a:latin typeface="+mj-lt"/>
+              </a:rPr>
+              <a:t>CONS</a:t>
+            </a:r>
+          </a:p>
+          <a:p>
+            <a:pPr marL="285750" indent="-285750">
+              <a:lnSpc>
+                <a:spcPct val="150000"/>
+              </a:lnSpc>
+              <a:buFont typeface="Wingdings" panose="05000000000000000000" pitchFamily="2" charset="2"/>
+              <a:buChar char="q"/>
+            </a:pPr>
+            <a:r>
+              <a:rPr lang="en-US" dirty="0" err="1">
+                <a:latin typeface="+mj-lt"/>
+              </a:rPr>
+              <a:t>SignalR</a:t>
+            </a:r>
+            <a:r>
+              <a:rPr lang="en-US" dirty="0">
+                <a:latin typeface="+mj-lt"/>
+              </a:rPr>
+              <a:t> -&gt; latency on each event</a:t>
+            </a:r>
+          </a:p>
+          <a:p>
+            <a:pPr marL="285750" indent="-285750">
+              <a:lnSpc>
+                <a:spcPct val="150000"/>
+              </a:lnSpc>
+              <a:buFont typeface="Wingdings" panose="05000000000000000000" pitchFamily="2" charset="2"/>
+              <a:buChar char="q"/>
+            </a:pPr>
+            <a:r>
+              <a:rPr lang="en-US" dirty="0">
+                <a:latin typeface="+mj-lt"/>
+              </a:rPr>
+              <a:t>Always keeps connection</a:t>
+            </a:r>
+          </a:p>
+          <a:p>
+            <a:pPr marL="285750" indent="-285750">
+              <a:lnSpc>
+                <a:spcPct val="150000"/>
+              </a:lnSpc>
+              <a:buFont typeface="Wingdings" panose="05000000000000000000" pitchFamily="2" charset="2"/>
+              <a:buChar char="q"/>
+            </a:pPr>
+            <a:r>
+              <a:rPr lang="en-US" dirty="0">
+                <a:latin typeface="+mj-lt"/>
+              </a:rPr>
+              <a:t>NO offline mode</a:t>
+            </a:r>
+          </a:p>
+          <a:p>
+            <a:pPr marL="285750" indent="-285750">
+              <a:lnSpc>
+                <a:spcPct val="150000"/>
+              </a:lnSpc>
+              <a:buFont typeface="Wingdings" panose="05000000000000000000" pitchFamily="2" charset="2"/>
+              <a:buChar char="q"/>
+            </a:pPr>
+            <a:r>
+              <a:rPr lang="en-US" dirty="0">
+                <a:latin typeface="+mj-lt"/>
+              </a:rPr>
+              <a:t>High memory usage</a:t>
+            </a:r>
+          </a:p>
+          <a:p>
+            <a:pPr marL="285750" indent="-285750">
+              <a:lnSpc>
+                <a:spcPct val="150000"/>
+              </a:lnSpc>
+              <a:buFont typeface="Wingdings" panose="05000000000000000000" pitchFamily="2" charset="2"/>
+              <a:buChar char="q"/>
+            </a:pPr>
+            <a:endParaRPr lang="en-US" dirty="0">
               <a:latin typeface="+mj-lt"/>
             </a:endParaRPr>
           </a:p>
@@ -6247,7 +12515,7 @@
                 <a:spcPct val="150000"/>
               </a:lnSpc>
             </a:pPr>
-            <a:endParaRPr lang="en-GB">
+            <a:endParaRPr lang="en-GB" dirty="0">
               <a:latin typeface="+mj-lt"/>
             </a:endParaRPr>
           </a:p>
@@ -6258,12 +12526,12 @@
               </a:lnSpc>
             </a:pPr>
             <a:r>
-              <a:rPr lang="en-GB">
+              <a:rPr lang="en-GB" dirty="0">
                 <a:latin typeface="+mj-lt"/>
               </a:rPr>
               <a:t>								</a:t>
             </a:r>
-            <a:endParaRPr lang="en-US" i="1">
+            <a:endParaRPr lang="en-US" i="1" dirty="0">
               <a:latin typeface="+mj-lt"/>
             </a:endParaRPr>
           </a:p>
@@ -6284,7 +12552,7 @@
           <p:nvPr/>
         </p:nvPicPr>
         <p:blipFill>
-          <a:blip r:embed="rId2">
+          <a:blip r:embed="rId3">
             <a:extLst>
               <a:ext uri="{28A0092B-C50C-407E-A947-70E740481C1C}">
                 <a14:useLocalDpi xmlns:a14="http://schemas.microsoft.com/office/drawing/2010/main" val="0"/>
@@ -7576,7 +13844,7 @@
               </a:spcAft>
             </a:pPr>
             <a:r>
-              <a:rPr lang="en-US" sz="4800" kern="1200">
+              <a:rPr lang="en-US" sz="4800" kern="1200" dirty="0">
                 <a:solidFill>
                   <a:schemeClr val="tx1"/>
                 </a:solidFill>
@@ -8289,7 +14557,7 @@
             <p:nvPr/>
           </p:nvPicPr>
           <p:blipFill>
-            <a:blip r:embed="rId2">
+            <a:blip r:embed="rId3">
               <a:extLst>
                 <a:ext uri="{28A0092B-C50C-407E-A947-70E740481C1C}">
                   <a14:useLocalDpi xmlns:a14="http://schemas.microsoft.com/office/drawing/2010/main" val="0"/>
@@ -8339,7 +14607,7 @@
             <a:lstStyle/>
             <a:p>
               <a:r>
-                <a:rPr lang="en-US" sz="1600" i="0">
+                <a:rPr lang="en-US" sz="1600" i="0" dirty="0">
                   <a:solidFill>
                     <a:srgbClr val="231F20"/>
                   </a:solidFill>
@@ -8349,7 +14617,7 @@
                 <a:t>Review about Server-Side and </a:t>
               </a:r>
               <a:r>
-                <a:rPr lang="en-US" i="0">
+                <a:rPr lang="en-US" i="0" dirty="0">
                   <a:solidFill>
                     <a:srgbClr val="231F20"/>
                   </a:solidFill>
@@ -8359,7 +14627,7 @@
                 <a:t>Client-Side</a:t>
               </a:r>
               <a:r>
-                <a:rPr lang="en-US" sz="1600" i="0">
+                <a:rPr lang="en-US" sz="1600" i="0" dirty="0">
                   <a:solidFill>
                     <a:srgbClr val="231F20"/>
                   </a:solidFill>
@@ -8507,7 +14775,7 @@
         <p:spPr>
           <a:xfrm>
             <a:off x="839755" y="1730715"/>
-            <a:ext cx="10692882" cy="4191276"/>
+            <a:ext cx="10692882" cy="4606774"/>
           </a:xfrm>
           <a:prstGeom prst="rect">
             <a:avLst/>
@@ -8528,21 +14796,28 @@
               <a:buChar char="q"/>
             </a:pPr>
             <a:r>
-              <a:rPr lang="en-GB" b="0" i="0">
+              <a:rPr lang="en-GB" b="0" i="0" dirty="0" err="1">
                 <a:effectLst/>
                 <a:latin typeface="+mj-lt"/>
               </a:rPr>
-              <a:t>WebAssembly (abbreviated </a:t>
-            </a:r>
-            <a:r>
-              <a:rPr lang="en-GB" b="0" i="1">
+              <a:t>WebAssembly</a:t>
+            </a:r>
+            <a:r>
+              <a:rPr lang="en-GB" b="0" i="0" dirty="0">
                 <a:effectLst/>
                 <a:latin typeface="+mj-lt"/>
               </a:rPr>
+              <a:t> (abbreviated </a:t>
+            </a:r>
+            <a:r>
+              <a:rPr lang="en-GB" b="0" i="1" dirty="0" err="1">
+                <a:effectLst/>
+                <a:latin typeface="+mj-lt"/>
+              </a:rPr>
               <a:t>Wasm</a:t>
             </a:r>
             <a:r>
-              <a:rPr lang="en-GB" b="0" i="0">
+              <a:rPr lang="en-GB" b="0" i="0" dirty="0">
                 <a:effectLst/>
                 <a:latin typeface="+mj-lt"/>
               </a:rPr>
@@ -8555,7 +14830,7 @@
                 <a:spcPct val="150000"/>
               </a:lnSpc>
             </a:pPr>
-            <a:endParaRPr lang="en-GB" b="0" i="0">
+            <a:endParaRPr lang="en-GB" b="0" i="0" dirty="0">
               <a:effectLst/>
               <a:latin typeface="+mj-lt"/>
             </a:endParaRPr>
@@ -8569,11 +14844,18 @@
               <a:buChar char="q"/>
             </a:pPr>
             <a:r>
-              <a:rPr lang="en-GB" b="0" i="0">
+              <a:rPr lang="en-GB" b="0" i="0" dirty="0" err="1">
                 <a:effectLst/>
                 <a:latin typeface="+mj-lt"/>
               </a:rPr>
-              <a:t>Wasm is designed as a portable compilation target for programming languages, enabling deployment on the web for client and server applications.</a:t>
+              <a:t>Wasm</a:t>
+            </a:r>
+            <a:r>
+              <a:rPr lang="en-GB" b="0" i="0" dirty="0">
+                <a:effectLst/>
+                <a:latin typeface="+mj-lt"/>
+              </a:rPr>
+              <a:t> is designed as a portable compilation target for programming languages, enabling deployment on the web for client and server applications.</a:t>
             </a:r>
           </a:p>
           <a:p>
@@ -8582,7 +14864,7 @@
                 <a:spcPct val="150000"/>
               </a:lnSpc>
             </a:pPr>
-            <a:endParaRPr lang="en-GB" b="0" i="0">
+            <a:endParaRPr lang="en-GB" b="0" i="0" dirty="0">
               <a:effectLst/>
               <a:latin typeface="+mj-lt"/>
             </a:endParaRPr>
@@ -8596,94 +14878,125 @@
               <a:buChar char="q"/>
             </a:pPr>
             <a:r>
-              <a:rPr lang="en-GB" b="0" i="0">
+              <a:rPr lang="en-GB" b="0" i="0" dirty="0" err="1">
                 <a:effectLst/>
                 <a:latin typeface="+mj-lt"/>
               </a:rPr>
               <a:t>Wasm</a:t>
             </a:r>
             <a:r>
-              <a:rPr lang="en-GB" b="0" i="0">
+              <a:rPr lang="en-GB" b="0" i="0" dirty="0">
                 <a:solidFill>
                   <a:srgbClr val="222222"/>
                 </a:solidFill>
                 <a:effectLst/>
                 <a:latin typeface="+mj-lt"/>
               </a:rPr>
-              <a:t> became the offical </a:t>
-            </a:r>
-            <a:r>
-              <a:rPr lang="en-GB" b="1" i="1">
+              <a:t> became the </a:t>
+            </a:r>
+            <a:r>
+              <a:rPr lang="en-GB" b="0" i="0" dirty="0" err="1">
                 <a:solidFill>
                   <a:srgbClr val="222222"/>
                 </a:solidFill>
                 <a:effectLst/>
                 <a:latin typeface="+mj-lt"/>
               </a:rPr>
-              <a:t>“fourth language for web”</a:t>
-            </a:r>
-            <a:r>
-              <a:rPr lang="en-GB" b="0" i="0">
+              <a:t>offical</a:t>
+            </a:r>
+            <a:r>
+              <a:rPr lang="en-GB" b="0" i="0" dirty="0">
                 <a:solidFill>
                   <a:srgbClr val="222222"/>
                 </a:solidFill>
                 <a:effectLst/>
                 <a:latin typeface="+mj-lt"/>
               </a:rPr>
-              <a:t> on </a:t>
-            </a:r>
-            <a:r>
-              <a:rPr lang="en-GB">
-                <a:latin typeface="+mj-lt"/>
-              </a:rPr>
-              <a:t>5th December 2019</a:t>
-            </a:r>
-            <a:r>
-              <a:rPr lang="en-GB" b="0" i="0">
+              <a:t> </a:t>
+            </a:r>
+            <a:r>
+              <a:rPr lang="en-GB" b="1" i="1" dirty="0">
                 <a:solidFill>
                   <a:srgbClr val="222222"/>
                 </a:solidFill>
                 <a:effectLst/>
                 <a:latin typeface="+mj-lt"/>
               </a:rPr>
+              <a:t>“fourth language for web”</a:t>
+            </a:r>
+            <a:r>
+              <a:rPr lang="en-GB" b="0" i="0" dirty="0">
+                <a:solidFill>
+                  <a:srgbClr val="222222"/>
+                </a:solidFill>
+                <a:effectLst/>
+                <a:latin typeface="+mj-lt"/>
+              </a:rPr>
+              <a:t> on </a:t>
+            </a:r>
+            <a:r>
+              <a:rPr lang="en-GB" dirty="0">
+                <a:latin typeface="+mj-lt"/>
+              </a:rPr>
+              <a:t>5th December 2019</a:t>
+            </a:r>
+            <a:r>
+              <a:rPr lang="en-GB" b="0" i="0" dirty="0">
+                <a:solidFill>
+                  <a:srgbClr val="222222"/>
+                </a:solidFill>
+                <a:effectLst/>
+                <a:latin typeface="+mj-lt"/>
+              </a:rPr>
               <a:t>, i.e. after HTML, CSS &amp; JavaScript</a:t>
             </a:r>
-            <a:endParaRPr lang="en-GB" b="0" i="0">
+          </a:p>
+          <a:p>
+            <a:pPr marL="285750" indent="-285750">
+              <a:lnSpc>
+                <a:spcPct val="150000"/>
+              </a:lnSpc>
+              <a:buFont typeface="Wingdings" panose="05000000000000000000" pitchFamily="2" charset="2"/>
+              <a:buChar char="q"/>
+            </a:pPr>
+            <a:endParaRPr lang="en-GB" b="0" i="0" dirty="0">
+              <a:solidFill>
+                <a:srgbClr val="222222"/>
+              </a:solidFill>
               <a:effectLst/>
               <a:latin typeface="+mj-lt"/>
             </a:endParaRPr>
           </a:p>
           <a:p>
-            <a:pPr>
+            <a:pPr marL="285750" indent="-285750">
+              <a:lnSpc>
+                <a:spcPct val="150000"/>
+              </a:lnSpc>
+              <a:buFont typeface="Wingdings" panose="05000000000000000000" pitchFamily="2" charset="2"/>
+              <a:buChar char="q"/>
+            </a:pPr>
+            <a:r>
+              <a:rPr lang="en-GB" b="0" i="0" dirty="0">
+                <a:effectLst/>
+                <a:latin typeface="+mj-lt"/>
+              </a:rPr>
+              <a:t>Can written by C/C++, C#, Python,…</a:t>
+            </a:r>
+          </a:p>
+          <a:p>
+            <a:pPr algn="r">
               <a:lnSpc>
                 <a:spcPct val="150000"/>
               </a:lnSpc>
             </a:pPr>
-            <a:endParaRPr lang="en-GB" b="0" i="0">
-              <a:effectLst/>
-              <a:latin typeface="+mj-lt"/>
-            </a:endParaRPr>
-          </a:p>
-          <a:p>
-            <a:pPr>
-              <a:lnSpc>
-                <a:spcPct val="150000"/>
-              </a:lnSpc>
-            </a:pPr>
-            <a:r>
-              <a:rPr lang="en-GB">
-                <a:latin typeface="+mj-lt"/>
-              </a:rPr>
-              <a:t>								</a:t>
-            </a:r>
-            <a:r>
-              <a:rPr lang="en-US" i="1">
-                <a:latin typeface="+mj-lt"/>
-                <a:hlinkClick r:id="rId2"/>
+            <a:r>
+              <a:rPr lang="en-US" i="1" dirty="0">
+                <a:latin typeface="+mj-lt"/>
+                <a:hlinkClick r:id="rId3"/>
               </a:rPr>
               <a:t>https://webassembly.org/</a:t>
             </a:r>
-            <a:endParaRPr lang="en-US" i="1">
+            <a:endParaRPr lang="en-US" i="1" dirty="0">
               <a:latin typeface="+mj-lt"/>
             </a:endParaRPr>
           </a:p>
@@ -8734,7 +15047,7 @@
           <p:nvPr/>
         </p:nvPicPr>
         <p:blipFill>
-          <a:blip r:embed="rId2">
+          <a:blip r:embed="rId3">
             <a:extLst>
               <a:ext uri="{28A0092B-C50C-407E-A947-70E740481C1C}">
                 <a14:useLocalDpi xmlns:a14="http://schemas.microsoft.com/office/drawing/2010/main" val="0"/>
@@ -9258,203 +15571,6 @@
                 <a:effectLst/>
                 <a:latin typeface="+mj-lt"/>
               </a:rPr>
-              <a:t>Huh, what is that format??? How can I code that?</a:t>
-            </a:r>
-          </a:p>
-        </p:txBody>
-      </p:sp>
-      <p:pic>
-        <p:nvPicPr>
-          <p:cNvPr id="8" name="Picture 7" descr="Shape&#10;&#10;Description automatically generated with medium confidence">
-            <a:extLst>
-              <a:ext uri="{FF2B5EF4-FFF2-40B4-BE49-F238E27FC236}">
-                <a16:creationId xmlns:a16="http://schemas.microsoft.com/office/drawing/2014/main" id="{97F329FF-A1A9-42ED-8640-3749B29C8497}"/>
-              </a:ext>
-            </a:extLst>
-          </p:cNvPr>
-          <p:cNvPicPr>
-            <a:picLocks noChangeAspect="1"/>
-          </p:cNvPicPr>
-          <p:nvPr/>
-        </p:nvPicPr>
-        <p:blipFill>
-          <a:blip r:embed="rId2">
-            <a:extLst>
-              <a:ext uri="{28A0092B-C50C-407E-A947-70E740481C1C}">
-                <a14:useLocalDpi xmlns:a14="http://schemas.microsoft.com/office/drawing/2010/main" val="0"/>
-              </a:ext>
-            </a:extLst>
-          </a:blip>
-          <a:stretch>
-            <a:fillRect/>
-          </a:stretch>
-        </p:blipFill>
-        <p:spPr>
-          <a:xfrm>
-            <a:off x="4191000" y="2233126"/>
-            <a:ext cx="3810000" cy="3810000"/>
-          </a:xfrm>
-          <a:prstGeom prst="rect">
-            <a:avLst/>
-          </a:prstGeom>
-        </p:spPr>
-      </p:pic>
-    </p:spTree>
-    <p:extLst>
-      <p:ext uri="{BB962C8B-B14F-4D97-AF65-F5344CB8AC3E}">
-        <p14:creationId xmlns:p14="http://schemas.microsoft.com/office/powerpoint/2010/main" val="740774123"/>
-      </p:ext>
-    </p:extLst>
-  </p:cSld>
-  <p:clrMapOvr>
-    <a:masterClrMapping/>
-  </p:clrMapOvr>
-</p:sld>
-</file>
-
-<file path=ppt/slides/slide8.xml><?xml version="1.0" encoding="utf-8"?>
-<p:sld xmlns:a="http://schemas.openxmlformats.org/drawingml/2006/main" xmlns:r="http://schemas.openxmlformats.org/officeDocument/2006/relationships" xmlns:p="http://schemas.openxmlformats.org/presentationml/2006/main">
-  <p:cSld>
-    <p:spTree>
-      <p:nvGrpSpPr>
-        <p:cNvPr id="1" name=""/>
-        <p:cNvGrpSpPr/>
-        <p:nvPr/>
-      </p:nvGrpSpPr>
-      <p:grpSpPr>
-        <a:xfrm>
-          <a:off x="0" y="0"/>
-          <a:ext cx="0" cy="0"/>
-          <a:chOff x="0" y="0"/>
-          <a:chExt cx="0" cy="0"/>
-        </a:xfrm>
-      </p:grpSpPr>
-      <p:sp>
-        <p:nvSpPr>
-          <p:cNvPr id="4" name="Slide Number Placeholder 3">
-            <a:extLst>
-              <a:ext uri="{FF2B5EF4-FFF2-40B4-BE49-F238E27FC236}">
-                <a16:creationId xmlns:a16="http://schemas.microsoft.com/office/drawing/2014/main" id="{B771BB42-F088-4AFD-B746-CA27AABAF2B2}"/>
-              </a:ext>
-            </a:extLst>
-          </p:cNvPr>
-          <p:cNvSpPr>
-            <a:spLocks noGrp="1"/>
-          </p:cNvSpPr>
-          <p:nvPr>
-            <p:ph type="sldNum" sz="quarter" idx="12"/>
-          </p:nvPr>
-        </p:nvSpPr>
-        <p:spPr/>
-        <p:txBody>
-          <a:bodyPr/>
-          <a:lstStyle/>
-          <a:p>
-            <a:fld id="{41DD9913-027A-4D5C-9772-EAFAEC30D69D}" type="slidenum">
-              <a:rPr lang="en-US" smtClean="0"/>
-              <a:t>8</a:t>
-            </a:fld>
-            <a:endParaRPr lang="en-US"/>
-          </a:p>
-        </p:txBody>
-      </p:sp>
-      <p:sp>
-        <p:nvSpPr>
-          <p:cNvPr id="5" name="Arrow: Chevron 4">
-            <a:extLst>
-              <a:ext uri="{FF2B5EF4-FFF2-40B4-BE49-F238E27FC236}">
-                <a16:creationId xmlns:a16="http://schemas.microsoft.com/office/drawing/2014/main" id="{8FF13E13-E227-4FD1-BD85-6C8EFE9C39E6}"/>
-              </a:ext>
-            </a:extLst>
-          </p:cNvPr>
-          <p:cNvSpPr/>
-          <p:nvPr/>
-        </p:nvSpPr>
-        <p:spPr>
-          <a:xfrm>
-            <a:off x="0" y="425224"/>
-            <a:ext cx="6418729" cy="694449"/>
-          </a:xfrm>
-          <a:prstGeom prst="chevron">
-            <a:avLst/>
-          </a:prstGeom>
-          <a:solidFill>
-            <a:srgbClr val="702AF7"/>
-          </a:solidFill>
-          <a:ln>
-            <a:solidFill>
-              <a:schemeClr val="bg1"/>
-            </a:solidFill>
-          </a:ln>
-        </p:spPr>
-        <p:style>
-          <a:lnRef idx="2">
-            <a:schemeClr val="accent5">
-              <a:shade val="50000"/>
-            </a:schemeClr>
-          </a:lnRef>
-          <a:fillRef idx="1">
-            <a:schemeClr val="accent5"/>
-          </a:fillRef>
-          <a:effectRef idx="0">
-            <a:schemeClr val="accent5"/>
-          </a:effectRef>
-          <a:fontRef idx="minor">
-            <a:schemeClr val="lt1"/>
-          </a:fontRef>
-        </p:style>
-        <p:txBody>
-          <a:bodyPr rtlCol="0" anchor="ctr"/>
-          <a:lstStyle/>
-          <a:p>
-            <a:pPr algn="ctr"/>
-            <a:r>
-              <a:rPr lang="en-US" sz="3600">
-                <a:solidFill>
-                  <a:schemeClr val="bg1"/>
-                </a:solidFill>
-              </a:rPr>
-              <a:t>1. What is WebAssembly</a:t>
-            </a:r>
-          </a:p>
-        </p:txBody>
-      </p:sp>
-      <p:sp>
-        <p:nvSpPr>
-          <p:cNvPr id="17" name="TextBox 16">
-            <a:extLst>
-              <a:ext uri="{FF2B5EF4-FFF2-40B4-BE49-F238E27FC236}">
-                <a16:creationId xmlns:a16="http://schemas.microsoft.com/office/drawing/2014/main" id="{0797FEEC-7DD9-4933-8A21-1829F3CE4EED}"/>
-              </a:ext>
-            </a:extLst>
-          </p:cNvPr>
-          <p:cNvSpPr txBox="1"/>
-          <p:nvPr/>
-        </p:nvSpPr>
-        <p:spPr>
-          <a:xfrm>
-            <a:off x="874454" y="1353106"/>
-            <a:ext cx="8054942" cy="400110"/>
-          </a:xfrm>
-          <a:prstGeom prst="rect">
-            <a:avLst/>
-          </a:prstGeom>
-          <a:noFill/>
-        </p:spPr>
-        <p:txBody>
-          <a:bodyPr wrap="square" rtlCol="0">
-            <a:spAutoFit/>
-          </a:bodyPr>
-          <a:lstStyle/>
-          <a:p>
-            <a:r>
-              <a:rPr lang="en-US" sz="2000" b="1" i="0">
-                <a:solidFill>
-                  <a:srgbClr val="231F20"/>
-                </a:solidFill>
-                <a:effectLst/>
-                <a:latin typeface="+mj-lt"/>
-              </a:rPr>
               <a:t>WebAssembly Work</a:t>
             </a:r>
           </a:p>
@@ -9509,7 +15625,7 @@
 </p:sld>
 </file>
 
-<file path=ppt/slides/slide9.xml><?xml version="1.0" encoding="utf-8"?>
+<file path=ppt/slides/slide8.xml><?xml version="1.0" encoding="utf-8"?>
 <p:sld xmlns:a="http://schemas.openxmlformats.org/drawingml/2006/main" xmlns:r="http://schemas.openxmlformats.org/officeDocument/2006/relationships" xmlns:p="http://schemas.openxmlformats.org/presentationml/2006/main">
   <p:cSld>
     <p:spTree>
@@ -9549,7 +15665,7 @@
           <a:p>
             <a:fld id="{41DD9913-027A-4D5C-9772-EAFAEC30D69D}" type="slidenum">
               <a:rPr lang="en-US" smtClean="0"/>
-              <a:t>9</a:t>
+              <a:t>8</a:t>
             </a:fld>
             <a:endParaRPr lang="en-US"/>
           </a:p>
@@ -9809,6 +15925,126 @@
     <p:extLst>
       <p:ext uri="{BB962C8B-B14F-4D97-AF65-F5344CB8AC3E}">
         <p14:creationId xmlns:p14="http://schemas.microsoft.com/office/powerpoint/2010/main" val="3871881990"/>
+      </p:ext>
+    </p:extLst>
+  </p:cSld>
+  <p:clrMapOvr>
+    <a:masterClrMapping/>
+  </p:clrMapOvr>
+</p:sld>
+</file>
+
+<file path=ppt/slides/slide9.xml><?xml version="1.0" encoding="utf-8"?>
+<p:sld xmlns:a="http://schemas.openxmlformats.org/drawingml/2006/main" xmlns:r="http://schemas.openxmlformats.org/officeDocument/2006/relationships" xmlns:p="http://schemas.openxmlformats.org/presentationml/2006/main">
+  <p:cSld>
+    <p:spTree>
+      <p:nvGrpSpPr>
+        <p:cNvPr id="1" name=""/>
+        <p:cNvGrpSpPr/>
+        <p:nvPr/>
+      </p:nvGrpSpPr>
+      <p:grpSpPr>
+        <a:xfrm>
+          <a:off x="0" y="0"/>
+          <a:ext cx="0" cy="0"/>
+          <a:chOff x="0" y="0"/>
+          <a:chExt cx="0" cy="0"/>
+        </a:xfrm>
+      </p:grpSpPr>
+      <p:sp>
+        <p:nvSpPr>
+          <p:cNvPr id="4" name="Slide Number Placeholder 3">
+            <a:extLst>
+              <a:ext uri="{FF2B5EF4-FFF2-40B4-BE49-F238E27FC236}">
+                <a16:creationId xmlns:a16="http://schemas.microsoft.com/office/drawing/2014/main" id="{B771BB42-F088-4AFD-B746-CA27AABAF2B2}"/>
+              </a:ext>
+            </a:extLst>
+          </p:cNvPr>
+          <p:cNvSpPr>
+            <a:spLocks noGrp="1"/>
+          </p:cNvSpPr>
+          <p:nvPr>
+            <p:ph type="sldNum" sz="quarter" idx="12"/>
+          </p:nvPr>
+        </p:nvSpPr>
+        <p:spPr/>
+        <p:txBody>
+          <a:bodyPr/>
+          <a:lstStyle/>
+          <a:p>
+            <a:fld id="{41DD9913-027A-4D5C-9772-EAFAEC30D69D}" type="slidenum">
+              <a:rPr lang="en-US" smtClean="0"/>
+              <a:t>9</a:t>
+            </a:fld>
+            <a:endParaRPr lang="en-US"/>
+          </a:p>
+        </p:txBody>
+      </p:sp>
+      <p:sp>
+        <p:nvSpPr>
+          <p:cNvPr id="5" name="Arrow: Chevron 4">
+            <a:extLst>
+              <a:ext uri="{FF2B5EF4-FFF2-40B4-BE49-F238E27FC236}">
+                <a16:creationId xmlns:a16="http://schemas.microsoft.com/office/drawing/2014/main" id="{69A7FEA3-BBA2-47BB-A62E-6A1552283F80}"/>
+              </a:ext>
+            </a:extLst>
+          </p:cNvPr>
+          <p:cNvSpPr/>
+          <p:nvPr/>
+        </p:nvSpPr>
+        <p:spPr>
+          <a:xfrm>
+            <a:off x="2163097" y="2734551"/>
+            <a:ext cx="7964129" cy="1109862"/>
+          </a:xfrm>
+          <a:prstGeom prst="chevron">
+            <a:avLst/>
+          </a:prstGeom>
+          <a:solidFill>
+            <a:srgbClr val="702AF7"/>
+          </a:solidFill>
+          <a:ln>
+            <a:solidFill>
+              <a:schemeClr val="bg1"/>
+            </a:solidFill>
+          </a:ln>
+        </p:spPr>
+        <p:style>
+          <a:lnRef idx="2">
+            <a:schemeClr val="accent5">
+              <a:shade val="50000"/>
+            </a:schemeClr>
+          </a:lnRef>
+          <a:fillRef idx="1">
+            <a:schemeClr val="accent5"/>
+          </a:fillRef>
+          <a:effectRef idx="0">
+            <a:schemeClr val="accent5"/>
+          </a:effectRef>
+          <a:fontRef idx="minor">
+            <a:schemeClr val="lt1"/>
+          </a:fontRef>
+        </p:style>
+        <p:txBody>
+          <a:bodyPr rtlCol="0" anchor="ctr"/>
+          <a:lstStyle/>
+          <a:p>
+            <a:pPr algn="ctr"/>
+            <a:r>
+              <a:rPr lang="en-US" sz="4400">
+                <a:solidFill>
+                  <a:schemeClr val="bg1"/>
+                </a:solidFill>
+              </a:rPr>
+              <a:t>What is Blazor</a:t>
+            </a:r>
+          </a:p>
+        </p:txBody>
+      </p:sp>
+    </p:spTree>
+    <p:extLst>
+      <p:ext uri="{BB962C8B-B14F-4D97-AF65-F5344CB8AC3E}">
+        <p14:creationId xmlns:p14="http://schemas.microsoft.com/office/powerpoint/2010/main" val="2797188924"/>
       </p:ext>
     </p:extLst>
   </p:cSld>

--- a/Documents/seminar.pptx
+++ b/Documents/seminar.pptx
@@ -5645,6 +5645,90 @@
     <p:extLst>
       <p:ext uri="{BB962C8B-B14F-4D97-AF65-F5344CB8AC3E}">
         <p14:creationId xmlns:p14="http://schemas.microsoft.com/office/powerpoint/2010/main" val="3259236783"/>
+      </p:ext>
+    </p:extLst>
+  </p:cSld>
+  <p:clrMapOvr>
+    <a:masterClrMapping/>
+  </p:clrMapOvr>
+</p:notes>
+</file>
+
+<file path=ppt/notesSlides/notesSlide22.xml><?xml version="1.0" encoding="utf-8"?>
+<p:notes xmlns:a="http://schemas.openxmlformats.org/drawingml/2006/main" xmlns:r="http://schemas.openxmlformats.org/officeDocument/2006/relationships" xmlns:p="http://schemas.openxmlformats.org/presentationml/2006/main">
+  <p:cSld>
+    <p:spTree>
+      <p:nvGrpSpPr>
+        <p:cNvPr id="1" name=""/>
+        <p:cNvGrpSpPr/>
+        <p:nvPr/>
+      </p:nvGrpSpPr>
+      <p:grpSpPr>
+        <a:xfrm>
+          <a:off x="0" y="0"/>
+          <a:ext cx="0" cy="0"/>
+          <a:chOff x="0" y="0"/>
+          <a:chExt cx="0" cy="0"/>
+        </a:xfrm>
+      </p:grpSpPr>
+      <p:sp>
+        <p:nvSpPr>
+          <p:cNvPr id="2" name="Slide Image Placeholder 1"/>
+          <p:cNvSpPr>
+            <a:spLocks noGrp="1" noRot="1" noChangeAspect="1"/>
+          </p:cNvSpPr>
+          <p:nvPr>
+            <p:ph type="sldImg"/>
+          </p:nvPr>
+        </p:nvSpPr>
+        <p:spPr/>
+      </p:sp>
+      <p:sp>
+        <p:nvSpPr>
+          <p:cNvPr id="3" name="Notes Placeholder 2"/>
+          <p:cNvSpPr>
+            <a:spLocks noGrp="1"/>
+          </p:cNvSpPr>
+          <p:nvPr>
+            <p:ph type="body" idx="1"/>
+          </p:nvPr>
+        </p:nvSpPr>
+        <p:spPr/>
+        <p:txBody>
+          <a:bodyPr/>
+          <a:lstStyle/>
+          <a:p>
+            <a:endParaRPr lang="en-US" dirty="0"/>
+          </a:p>
+        </p:txBody>
+      </p:sp>
+      <p:sp>
+        <p:nvSpPr>
+          <p:cNvPr id="4" name="Slide Number Placeholder 3"/>
+          <p:cNvSpPr>
+            <a:spLocks noGrp="1"/>
+          </p:cNvSpPr>
+          <p:nvPr>
+            <p:ph type="sldNum" sz="quarter" idx="5"/>
+          </p:nvPr>
+        </p:nvSpPr>
+        <p:spPr/>
+        <p:txBody>
+          <a:bodyPr/>
+          <a:lstStyle/>
+          <a:p>
+            <a:fld id="{1F672F56-6FAF-4F26-95A0-718CA3C86690}" type="slidenum">
+              <a:rPr lang="en-US" smtClean="0"/>
+              <a:t>24</a:t>
+            </a:fld>
+            <a:endParaRPr lang="en-US"/>
+          </a:p>
+        </p:txBody>
+      </p:sp>
+    </p:spTree>
+    <p:extLst>
+      <p:ext uri="{BB962C8B-B14F-4D97-AF65-F5344CB8AC3E}">
+        <p14:creationId xmlns:p14="http://schemas.microsoft.com/office/powerpoint/2010/main" val="904137679"/>
       </p:ext>
     </p:extLst>
   </p:cSld>
@@ -17908,7 +17992,7 @@
             <a:r>
               <a:rPr lang="en-US" sz="1600" dirty="0">
                 <a:latin typeface="+mj-lt"/>
-                <a:hlinkClick r:id="rId2"/>
+                <a:hlinkClick r:id="rId3"/>
               </a:rPr>
               <a:t>https://www.techwebspace.com/server-side-vs-client-side-programming-languages/</a:t>
             </a:r>
@@ -17940,7 +18024,7 @@
             <a:r>
               <a:rPr lang="en-US" sz="1600" dirty="0">
                 <a:latin typeface="+mj-lt"/>
-                <a:hlinkClick r:id="rId3"/>
+                <a:hlinkClick r:id="rId4"/>
               </a:rPr>
               <a:t>https://arghya.xyz/articles/webassembly-wasm-wasi/</a:t>
             </a:r>
@@ -17952,7 +18036,7 @@
             <a:r>
               <a:rPr lang="en-US" sz="1600" dirty="0">
                 <a:latin typeface="+mj-lt"/>
-                <a:hlinkClick r:id="rId4"/>
+                <a:hlinkClick r:id="rId5"/>
               </a:rPr>
               <a:t>https://developer.mozilla.org/en-US/docs/WebAssembly/Understanding_the_text_format</a:t>
             </a:r>
@@ -17987,7 +18071,7 @@
             <a:r>
               <a:rPr lang="en-US" sz="1600" dirty="0">
                 <a:latin typeface="+mj-lt"/>
-                <a:hlinkClick r:id="rId5"/>
+                <a:hlinkClick r:id="rId6"/>
               </a:rPr>
               <a:t>https://docs.microsoft.com/en-us/aspnet/core/blazor/hosting-models?view=aspnetcore-5.0</a:t>
             </a:r>
@@ -18029,10 +18113,16 @@
           <a:lstStyle/>
           <a:p>
             <a:r>
+              <a:rPr lang="en-US" b="1">
+                <a:latin typeface="+mj-lt"/>
+              </a:rPr>
+              <a:t>Some relevant </a:t>
+            </a:r>
+            <a:r>
               <a:rPr lang="en-US" b="1" dirty="0">
                 <a:latin typeface="+mj-lt"/>
               </a:rPr>
-              <a:t>Some good questions</a:t>
+              <a:t>questions</a:t>
             </a:r>
           </a:p>
           <a:p>
@@ -18100,7 +18190,7 @@
             <a:r>
               <a:rPr lang="en-US" sz="1600" dirty="0">
                 <a:latin typeface="+mj-lt"/>
-                <a:hlinkClick r:id="rId6"/>
+                <a:hlinkClick r:id="rId7"/>
               </a:rPr>
               <a:t>https://stackoverflow.com/questions/58093386/whats-the-difference-between-asp-net-core-hosted-and-server-side-blazor-really</a:t>
             </a:r>
@@ -18139,7 +18229,7 @@
                   <a:srgbClr val="231F20"/>
                 </a:solidFill>
                 <a:latin typeface="+mj-lt"/>
-                <a:hlinkClick r:id="rId7"/>
+                <a:hlinkClick r:id="rId8"/>
               </a:rPr>
               <a:t>https://medium0.com/@OPTASY.com/webassembly-vs-javascript-is-wasm-faster-than-js-when-does-javascript-perform-better-db86d2ecf2cc</a:t>
             </a:r>

--- a/Documents/seminar.pptx
+++ b/Documents/seminar.pptx
@@ -221,7 +221,7 @@
           <a:p>
             <a:fld id="{C581406F-1F21-4F9E-BE6E-4D7E1553F1BC}" type="datetimeFigureOut">
               <a:rPr lang="en-US" smtClean="0"/>
-              <a:t>03-Aug-22</a:t>
+              <a:t>01-Nov-22</a:t>
             </a:fld>
             <a:endParaRPr lang="en-US"/>
           </a:p>
@@ -9880,7 +9880,7 @@
           <a:p>
             <a:fld id="{0650455F-BC93-47D9-B556-275B2E9BC018}" type="datetime1">
               <a:rPr lang="en-US" smtClean="0"/>
-              <a:t>03-Aug-22</a:t>
+              <a:t>01-Nov-22</a:t>
             </a:fld>
             <a:endParaRPr lang="en-US"/>
           </a:p>
@@ -10078,7 +10078,7 @@
           <a:p>
             <a:fld id="{0C744B2E-4846-49D3-8205-D63C1EEEF817}" type="datetime1">
               <a:rPr lang="en-US" smtClean="0"/>
-              <a:t>03-Aug-22</a:t>
+              <a:t>01-Nov-22</a:t>
             </a:fld>
             <a:endParaRPr lang="en-US"/>
           </a:p>
@@ -10286,7 +10286,7 @@
           <a:p>
             <a:fld id="{2732894A-1C0D-4DEB-85F0-6D077B8D45E2}" type="datetime1">
               <a:rPr lang="en-US" smtClean="0"/>
-              <a:t>03-Aug-22</a:t>
+              <a:t>01-Nov-22</a:t>
             </a:fld>
             <a:endParaRPr lang="en-US"/>
           </a:p>
@@ -10484,7 +10484,7 @@
           <a:p>
             <a:fld id="{0101BED8-DA05-4478-A06A-BAF15333D976}" type="datetime1">
               <a:rPr lang="en-US" smtClean="0"/>
-              <a:t>03-Aug-22</a:t>
+              <a:t>01-Nov-22</a:t>
             </a:fld>
             <a:endParaRPr lang="en-US"/>
           </a:p>
@@ -10759,7 +10759,7 @@
           <a:p>
             <a:fld id="{E28F145A-FD51-4BA0-855C-62F324EA7834}" type="datetime1">
               <a:rPr lang="en-US" smtClean="0"/>
-              <a:t>03-Aug-22</a:t>
+              <a:t>01-Nov-22</a:t>
             </a:fld>
             <a:endParaRPr lang="en-US"/>
           </a:p>
@@ -11024,7 +11024,7 @@
           <a:p>
             <a:fld id="{1E2BD6C9-5F85-4982-8EEA-A2ADB977B339}" type="datetime1">
               <a:rPr lang="en-US" smtClean="0"/>
-              <a:t>03-Aug-22</a:t>
+              <a:t>01-Nov-22</a:t>
             </a:fld>
             <a:endParaRPr lang="en-US"/>
           </a:p>
@@ -11436,7 +11436,7 @@
           <a:p>
             <a:fld id="{296AE375-EEF2-484E-AB35-EB1CC8805346}" type="datetime1">
               <a:rPr lang="en-US" smtClean="0"/>
-              <a:t>03-Aug-22</a:t>
+              <a:t>01-Nov-22</a:t>
             </a:fld>
             <a:endParaRPr lang="en-US"/>
           </a:p>
@@ -11577,7 +11577,7 @@
           <a:p>
             <a:fld id="{AB5E4988-2D44-440E-ACD7-B35950566467}" type="datetime1">
               <a:rPr lang="en-US" smtClean="0"/>
-              <a:t>03-Aug-22</a:t>
+              <a:t>01-Nov-22</a:t>
             </a:fld>
             <a:endParaRPr lang="en-US"/>
           </a:p>
@@ -11690,7 +11690,7 @@
           <a:p>
             <a:fld id="{CE3E1FC6-6226-4927-8376-47C561270091}" type="datetime1">
               <a:rPr lang="en-US" smtClean="0"/>
-              <a:t>03-Aug-22</a:t>
+              <a:t>01-Nov-22</a:t>
             </a:fld>
             <a:endParaRPr lang="en-US"/>
           </a:p>
@@ -12001,7 +12001,7 @@
           <a:p>
             <a:fld id="{ACAE6CC2-4C70-4BAF-B112-439620207357}" type="datetime1">
               <a:rPr lang="en-US" smtClean="0"/>
-              <a:t>03-Aug-22</a:t>
+              <a:t>01-Nov-22</a:t>
             </a:fld>
             <a:endParaRPr lang="en-US"/>
           </a:p>
@@ -12289,7 +12289,7 @@
           <a:p>
             <a:fld id="{D03365A8-8F6F-4B91-A926-DB266F3E1462}" type="datetime1">
               <a:rPr lang="en-US" smtClean="0"/>
-              <a:t>03-Aug-22</a:t>
+              <a:t>01-Nov-22</a:t>
             </a:fld>
             <a:endParaRPr lang="en-US"/>
           </a:p>
@@ -12530,7 +12530,7 @@
           <a:p>
             <a:fld id="{BAB4E235-8349-465F-BE2B-8ED4FB98405E}" type="datetime1">
               <a:rPr lang="en-US" smtClean="0"/>
-              <a:t>03-Aug-22</a:t>
+              <a:t>01-Nov-22</a:t>
             </a:fld>
             <a:endParaRPr lang="en-US"/>
           </a:p>
@@ -14508,8 +14508,8 @@
         </p:nvSpPr>
         <p:spPr>
           <a:xfrm>
-            <a:off x="893114" y="2101495"/>
-            <a:ext cx="9165285" cy="4122026"/>
+            <a:off x="875186" y="1906952"/>
+            <a:ext cx="9165285" cy="4814523"/>
           </a:xfrm>
           <a:prstGeom prst="rect">
             <a:avLst/>
@@ -14770,6 +14770,31 @@
                 <a:latin typeface="+mj-lt"/>
               </a:rPr>
               <a:t>Blazor</a:t>
+            </a:r>
+            <a:endParaRPr lang="en-US" i="0" dirty="0">
+              <a:solidFill>
+                <a:srgbClr val="231F20"/>
+              </a:solidFill>
+              <a:effectLst/>
+              <a:latin typeface="+mj-lt"/>
+            </a:endParaRPr>
+          </a:p>
+          <a:p>
+            <a:pPr marL="285750" indent="-285750">
+              <a:lnSpc>
+                <a:spcPct val="250000"/>
+              </a:lnSpc>
+              <a:buFont typeface="Wingdings" panose="05000000000000000000" pitchFamily="2" charset="2"/>
+              <a:buChar char="Ø"/>
+            </a:pPr>
+            <a:r>
+              <a:rPr lang="en-US" dirty="0">
+                <a:solidFill>
+                  <a:srgbClr val="231F20"/>
+                </a:solidFill>
+                <a:latin typeface="+mj-lt"/>
+              </a:rPr>
+              <a:t>2022 : .NET 7</a:t>
             </a:r>
             <a:endParaRPr lang="en-US" i="0" dirty="0">
               <a:solidFill>

--- a/Documents/seminar.pptx
+++ b/Documents/seminar.pptx
@@ -5504,117 +5504,387 @@
             </a:r>
             <a:r>
               <a:rPr lang="en-US" dirty="0"/>
+              <a:t> =</a:t>
+            </a:r>
+            <a:r>
+              <a:rPr lang="en-US" dirty="0" err="1"/>
+              <a:t>cách</a:t>
+            </a:r>
+            <a:r>
+              <a:rPr lang="en-US" dirty="0"/>
+              <a:t> dung partial class)</a:t>
+            </a:r>
+          </a:p>
+          <a:p>
+            <a:r>
+              <a:rPr lang="en-US" dirty="0"/>
+              <a:t>-&gt; shared: component dung </a:t>
+            </a:r>
+            <a:r>
+              <a:rPr lang="en-US" dirty="0" err="1"/>
+              <a:t>chung</a:t>
+            </a:r>
+            <a:endParaRPr lang="en-US" dirty="0"/>
+          </a:p>
+          <a:p>
+            <a:endParaRPr lang="en-US" dirty="0"/>
+          </a:p>
+          <a:p>
+            <a:r>
+              <a:rPr lang="en-US" dirty="0"/>
+              <a:t>Coding:</a:t>
+            </a:r>
+          </a:p>
+          <a:p>
+            <a:r>
+              <a:rPr lang="en-US" dirty="0"/>
+              <a:t>1. </a:t>
+            </a:r>
+            <a:r>
+              <a:rPr lang="en-US" dirty="0" err="1"/>
+              <a:t>Gọi</a:t>
+            </a:r>
+            <a:r>
+              <a:rPr lang="en-US" dirty="0"/>
+              <a:t> component </a:t>
+            </a:r>
+            <a:r>
+              <a:rPr lang="en-US" dirty="0" err="1"/>
+              <a:t>trong</a:t>
+            </a:r>
+            <a:r>
+              <a:rPr lang="en-US" dirty="0"/>
+              <a:t> page</a:t>
+            </a:r>
+          </a:p>
+          <a:p>
+            <a:r>
+              <a:rPr lang="en-US" dirty="0"/>
+              <a:t>2. </a:t>
+            </a:r>
+            <a:r>
+              <a:rPr lang="en-US" dirty="0" err="1"/>
+              <a:t>tạo</a:t>
+            </a:r>
+            <a:r>
+              <a:rPr lang="en-US" dirty="0"/>
+              <a:t> 1 file JS </a:t>
+            </a:r>
+            <a:r>
+              <a:rPr lang="en-US" dirty="0" err="1"/>
+              <a:t>trong</a:t>
+            </a:r>
+            <a:r>
+              <a:rPr lang="en-US" dirty="0"/>
+              <a:t> folder scripts -&gt; </a:t>
+            </a:r>
+            <a:r>
+              <a:rPr lang="en-US" dirty="0" err="1"/>
+              <a:t>viết</a:t>
+            </a:r>
+            <a:r>
+              <a:rPr lang="en-US" dirty="0"/>
+              <a:t> </a:t>
+            </a:r>
+            <a:r>
+              <a:rPr lang="en-US" dirty="0" err="1"/>
+              <a:t>hàm</a:t>
+            </a:r>
+            <a:r>
+              <a:rPr lang="en-US" dirty="0"/>
+              <a:t> alert()…</a:t>
+            </a:r>
+          </a:p>
+          <a:p>
+            <a:r>
+              <a:rPr lang="en-US" dirty="0"/>
+              <a:t>-</a:t>
+            </a:r>
+            <a:r>
+              <a:rPr lang="en-US" dirty="0" err="1"/>
+              <a:t>Gọi</a:t>
+            </a:r>
+            <a:r>
+              <a:rPr lang="en-US" dirty="0"/>
+              <a:t> script </a:t>
+            </a:r>
+            <a:r>
+              <a:rPr lang="en-US" dirty="0" err="1"/>
+              <a:t>trong</a:t>
+            </a:r>
+            <a:r>
+              <a:rPr lang="en-US" dirty="0"/>
+              <a:t> index</a:t>
+            </a:r>
+          </a:p>
+          <a:p>
+            <a:r>
+              <a:rPr lang="en-US" dirty="0"/>
+              <a:t>-Add </a:t>
+            </a:r>
+            <a:r>
+              <a:rPr lang="en-US" sz="1800" dirty="0">
+                <a:solidFill>
+                  <a:srgbClr val="000000"/>
+                </a:solidFill>
+                <a:latin typeface="Cascadia Mono" panose="020B0609020000020004" pitchFamily="49" charset="0"/>
+              </a:rPr>
+              <a:t>@</a:t>
+            </a:r>
+            <a:r>
+              <a:rPr lang="en-US" sz="1800" dirty="0">
+                <a:solidFill>
+                  <a:srgbClr val="0000FF"/>
+                </a:solidFill>
+                <a:latin typeface="Cascadia Mono" panose="020B0609020000020004" pitchFamily="49" charset="0"/>
+              </a:rPr>
+              <a:t>using</a:t>
+            </a:r>
+            <a:r>
+              <a:rPr lang="en-US" sz="1800" dirty="0">
+                <a:solidFill>
+                  <a:srgbClr val="000000"/>
+                </a:solidFill>
+                <a:latin typeface="Cascadia Mono" panose="020B0609020000020004" pitchFamily="49" charset="0"/>
+              </a:rPr>
+              <a:t> </a:t>
+            </a:r>
+            <a:r>
+              <a:rPr lang="en-US" sz="1800" dirty="0" err="1">
+                <a:solidFill>
+                  <a:srgbClr val="000000"/>
+                </a:solidFill>
+                <a:latin typeface="Cascadia Mono" panose="020B0609020000020004" pitchFamily="49" charset="0"/>
+              </a:rPr>
+              <a:t>Microsoft.JSInterop</a:t>
+            </a:r>
+            <a:r>
+              <a:rPr lang="en-US" sz="1800" dirty="0">
+                <a:solidFill>
+                  <a:srgbClr val="000000"/>
+                </a:solidFill>
+                <a:latin typeface="Cascadia Mono" panose="020B0609020000020004" pitchFamily="49" charset="0"/>
+              </a:rPr>
+              <a:t> in _</a:t>
+            </a:r>
+            <a:r>
+              <a:rPr lang="en-US" sz="1800" dirty="0" err="1">
+                <a:solidFill>
+                  <a:srgbClr val="000000"/>
+                </a:solidFill>
+                <a:latin typeface="Cascadia Mono" panose="020B0609020000020004" pitchFamily="49" charset="0"/>
+              </a:rPr>
+              <a:t>imports.razor</a:t>
+            </a:r>
+            <a:endParaRPr lang="en-US" sz="1800" dirty="0">
+              <a:solidFill>
+                <a:srgbClr val="000000"/>
+              </a:solidFill>
+              <a:latin typeface="Cascadia Mono" panose="020B0609020000020004" pitchFamily="49" charset="0"/>
+            </a:endParaRPr>
+          </a:p>
+          <a:p>
+            <a:r>
+              <a:rPr lang="en-US" sz="1800" dirty="0">
+                <a:solidFill>
+                  <a:srgbClr val="000000"/>
+                </a:solidFill>
+                <a:latin typeface="Cascadia Mono" panose="020B0609020000020004" pitchFamily="49" charset="0"/>
+              </a:rPr>
+              <a:t>-Call JS in razor page</a:t>
+            </a:r>
+          </a:p>
+          <a:p>
+            <a:r>
+              <a:rPr lang="en-US" sz="1800" dirty="0">
+                <a:solidFill>
+                  <a:srgbClr val="000000"/>
+                </a:solidFill>
+                <a:latin typeface="Cascadia Mono" panose="020B0609020000020004" pitchFamily="49" charset="0"/>
+              </a:rPr>
+              <a:t>-</a:t>
+            </a:r>
+            <a:r>
+              <a:rPr lang="en-US" sz="1800" dirty="0" err="1">
+                <a:solidFill>
+                  <a:srgbClr val="000000"/>
+                </a:solidFill>
+                <a:latin typeface="Cascadia Mono" panose="020B0609020000020004" pitchFamily="49" charset="0"/>
+              </a:rPr>
+              <a:t>Tạo</a:t>
+            </a:r>
+            <a:r>
+              <a:rPr lang="en-US" sz="1800" dirty="0">
+                <a:solidFill>
+                  <a:srgbClr val="000000"/>
+                </a:solidFill>
+                <a:latin typeface="Cascadia Mono" panose="020B0609020000020004" pitchFamily="49" charset="0"/>
+              </a:rPr>
+              <a:t> 1 partial class </a:t>
+            </a:r>
+            <a:r>
+              <a:rPr lang="en-US" sz="1800" dirty="0" err="1">
+                <a:solidFill>
+                  <a:srgbClr val="000000"/>
+                </a:solidFill>
+                <a:latin typeface="Cascadia Mono" panose="020B0609020000020004" pitchFamily="49" charset="0"/>
+              </a:rPr>
+              <a:t>cho</a:t>
+            </a:r>
+            <a:r>
+              <a:rPr lang="en-US" sz="1800" dirty="0">
+                <a:solidFill>
+                  <a:srgbClr val="000000"/>
+                </a:solidFill>
+                <a:latin typeface="Cascadia Mono" panose="020B0609020000020004" pitchFamily="49" charset="0"/>
+              </a:rPr>
+              <a:t> code </a:t>
+            </a:r>
+            <a:r>
+              <a:rPr lang="en-US" sz="1800" dirty="0" err="1">
+                <a:solidFill>
+                  <a:srgbClr val="000000"/>
+                </a:solidFill>
+                <a:latin typeface="Cascadia Mono" panose="020B0609020000020004" pitchFamily="49" charset="0"/>
+              </a:rPr>
+              <a:t>lúc</a:t>
+            </a:r>
+            <a:r>
+              <a:rPr lang="en-US" sz="1800" dirty="0">
+                <a:solidFill>
+                  <a:srgbClr val="000000"/>
+                </a:solidFill>
+                <a:latin typeface="Cascadia Mono" panose="020B0609020000020004" pitchFamily="49" charset="0"/>
+              </a:rPr>
+              <a:t> </a:t>
+            </a:r>
+            <a:r>
+              <a:rPr lang="en-US" sz="1800" dirty="0" err="1">
+                <a:solidFill>
+                  <a:srgbClr val="000000"/>
+                </a:solidFill>
+                <a:latin typeface="Cascadia Mono" panose="020B0609020000020004" pitchFamily="49" charset="0"/>
+              </a:rPr>
+              <a:t>nãy</a:t>
+            </a:r>
+            <a:r>
+              <a:rPr lang="en-US" sz="1800" dirty="0">
+                <a:solidFill>
+                  <a:srgbClr val="000000"/>
+                </a:solidFill>
+                <a:latin typeface="Cascadia Mono" panose="020B0609020000020004" pitchFamily="49" charset="0"/>
+              </a:rPr>
+              <a:t> (partial class: </a:t>
+            </a:r>
+            <a:r>
+              <a:rPr lang="en-US" sz="1800" dirty="0" err="1">
+                <a:solidFill>
+                  <a:srgbClr val="000000"/>
+                </a:solidFill>
+                <a:latin typeface="Cascadia Mono" panose="020B0609020000020004" pitchFamily="49" charset="0"/>
+              </a:rPr>
+              <a:t>tách</a:t>
+            </a:r>
+            <a:r>
+              <a:rPr lang="en-US" sz="1800" dirty="0">
+                <a:solidFill>
+                  <a:srgbClr val="000000"/>
+                </a:solidFill>
+                <a:latin typeface="Cascadia Mono" panose="020B0609020000020004" pitchFamily="49" charset="0"/>
+              </a:rPr>
+              <a:t> </a:t>
+            </a:r>
+            <a:r>
+              <a:rPr lang="en-US" sz="1800" dirty="0" err="1">
+                <a:solidFill>
+                  <a:srgbClr val="000000"/>
+                </a:solidFill>
+                <a:latin typeface="Cascadia Mono" panose="020B0609020000020004" pitchFamily="49" charset="0"/>
+              </a:rPr>
+              <a:t>nhỏ</a:t>
+            </a:r>
+            <a:r>
+              <a:rPr lang="en-US" sz="1800" dirty="0">
+                <a:solidFill>
+                  <a:srgbClr val="000000"/>
+                </a:solidFill>
+                <a:latin typeface="Cascadia Mono" panose="020B0609020000020004" pitchFamily="49" charset="0"/>
+              </a:rPr>
+              <a:t> </a:t>
+            </a:r>
+            <a:r>
+              <a:rPr lang="en-US" sz="1800" dirty="0" err="1">
+                <a:solidFill>
+                  <a:srgbClr val="000000"/>
+                </a:solidFill>
+                <a:latin typeface="Cascadia Mono" panose="020B0609020000020004" pitchFamily="49" charset="0"/>
+              </a:rPr>
+              <a:t>để</a:t>
+            </a:r>
+            <a:r>
+              <a:rPr lang="en-US" sz="1800" dirty="0">
+                <a:solidFill>
+                  <a:srgbClr val="000000"/>
+                </a:solidFill>
+                <a:latin typeface="Cascadia Mono" panose="020B0609020000020004" pitchFamily="49" charset="0"/>
+              </a:rPr>
+              <a:t> </a:t>
+            </a:r>
+            <a:r>
+              <a:rPr lang="en-US" sz="1800" dirty="0" err="1">
+                <a:solidFill>
+                  <a:srgbClr val="000000"/>
+                </a:solidFill>
+                <a:latin typeface="Cascadia Mono" panose="020B0609020000020004" pitchFamily="49" charset="0"/>
+              </a:rPr>
+              <a:t>dễ</a:t>
+            </a:r>
+            <a:r>
+              <a:rPr lang="en-US" sz="1800" dirty="0">
+                <a:solidFill>
+                  <a:srgbClr val="000000"/>
+                </a:solidFill>
+                <a:latin typeface="Cascadia Mono" panose="020B0609020000020004" pitchFamily="49" charset="0"/>
+              </a:rPr>
+              <a:t> </a:t>
+            </a:r>
+            <a:r>
+              <a:rPr lang="en-US" sz="1800" dirty="0" err="1">
+                <a:solidFill>
+                  <a:srgbClr val="000000"/>
+                </a:solidFill>
+                <a:latin typeface="Cascadia Mono" panose="020B0609020000020004" pitchFamily="49" charset="0"/>
+              </a:rPr>
+              <a:t>qly</a:t>
+            </a:r>
+            <a:r>
+              <a:rPr lang="en-US" sz="1800" dirty="0">
+                <a:solidFill>
+                  <a:srgbClr val="000000"/>
+                </a:solidFill>
+                <a:latin typeface="Cascadia Mono" panose="020B0609020000020004" pitchFamily="49" charset="0"/>
+              </a:rPr>
+              <a:t> code </a:t>
+            </a:r>
+            <a:r>
+              <a:rPr lang="en-US" sz="1800" dirty="0" err="1">
+                <a:solidFill>
+                  <a:srgbClr val="000000"/>
+                </a:solidFill>
+                <a:latin typeface="Cascadia Mono" panose="020B0609020000020004" pitchFamily="49" charset="0"/>
+              </a:rPr>
+              <a:t>hơn</a:t>
+            </a:r>
+            <a:r>
+              <a:rPr lang="en-US" sz="1800">
+                <a:solidFill>
+                  <a:srgbClr val="000000"/>
+                </a:solidFill>
+                <a:latin typeface="Cascadia Mono" panose="020B0609020000020004" pitchFamily="49" charset="0"/>
+              </a:rPr>
               <a:t>)</a:t>
             </a:r>
-          </a:p>
-          <a:p>
-            <a:r>
-              <a:rPr lang="en-US" dirty="0"/>
-              <a:t>-&gt; shared: component dung </a:t>
-            </a:r>
-            <a:r>
-              <a:rPr lang="en-US" dirty="0" err="1"/>
-              <a:t>chung</a:t>
-            </a:r>
             <a:endParaRPr lang="en-US" dirty="0"/>
-          </a:p>
-          <a:p>
-            <a:r>
-              <a:rPr lang="en-US" dirty="0"/>
-              <a:t>-&gt; </a:t>
-            </a:r>
-            <a:r>
-              <a:rPr lang="en-US" dirty="0" err="1"/>
-              <a:t>thử</a:t>
-            </a:r>
-            <a:r>
-              <a:rPr lang="en-US" dirty="0"/>
-              <a:t> </a:t>
-            </a:r>
-            <a:r>
-              <a:rPr lang="en-US" dirty="0" err="1"/>
-              <a:t>gọi</a:t>
-            </a:r>
-            <a:r>
-              <a:rPr lang="en-US" dirty="0"/>
-              <a:t> component </a:t>
-            </a:r>
-            <a:r>
-              <a:rPr lang="en-US" dirty="0" err="1"/>
-              <a:t>trong</a:t>
-            </a:r>
-            <a:r>
-              <a:rPr lang="en-US" dirty="0"/>
-              <a:t> page</a:t>
-            </a:r>
-          </a:p>
-          <a:p>
-            <a:r>
-              <a:rPr lang="en-US" dirty="0"/>
-              <a:t>-&gt; </a:t>
-            </a:r>
-            <a:r>
-              <a:rPr lang="en-US" dirty="0" err="1"/>
-              <a:t>tạo</a:t>
-            </a:r>
-            <a:r>
-              <a:rPr lang="en-US" dirty="0"/>
-              <a:t> 1 file JS </a:t>
-            </a:r>
-            <a:r>
-              <a:rPr lang="en-US" dirty="0" err="1"/>
-              <a:t>trong</a:t>
-            </a:r>
-            <a:r>
-              <a:rPr lang="en-US" dirty="0"/>
-              <a:t> folder scripts -&gt; </a:t>
-            </a:r>
-            <a:r>
-              <a:rPr lang="en-US" dirty="0" err="1"/>
-              <a:t>viết</a:t>
-            </a:r>
-            <a:r>
-              <a:rPr lang="en-US" dirty="0"/>
-              <a:t> </a:t>
-            </a:r>
-            <a:r>
-              <a:rPr lang="en-US" dirty="0" err="1"/>
-              <a:t>hàm</a:t>
-            </a:r>
-            <a:r>
-              <a:rPr lang="en-US" dirty="0"/>
-              <a:t> console.log…</a:t>
-            </a:r>
-          </a:p>
-          <a:p>
-            <a:r>
-              <a:rPr lang="en-US" dirty="0"/>
-              <a:t>-&gt; </a:t>
-            </a:r>
-            <a:r>
-              <a:rPr lang="en-US" dirty="0" err="1"/>
-              <a:t>gọi</a:t>
-            </a:r>
-            <a:r>
-              <a:rPr lang="en-US" dirty="0"/>
-              <a:t> </a:t>
-            </a:r>
-            <a:r>
-              <a:rPr lang="en-US" dirty="0" err="1"/>
-              <a:t>trong</a:t>
-            </a:r>
-            <a:r>
-              <a:rPr lang="en-US" dirty="0"/>
-              <a:t> tag script </a:t>
-            </a:r>
-            <a:r>
-              <a:rPr lang="en-US" dirty="0" err="1"/>
-              <a:t>trong</a:t>
-            </a:r>
-            <a:r>
-              <a:rPr lang="en-US" dirty="0"/>
-              <a:t> file index</a:t>
-            </a:r>
           </a:p>
         </p:txBody>
       </p:sp>

--- a/Documents/seminar.pptx
+++ b/Documents/seminar.pptx
@@ -5702,7 +5702,7 @@
                 </a:solidFill>
                 <a:latin typeface="Cascadia Mono" panose="020B0609020000020004" pitchFamily="49" charset="0"/>
               </a:rPr>
-              <a:t>-</a:t>
+              <a:t>3.Tạo 1 partial class </a:t>
             </a:r>
             <a:r>
               <a:rPr lang="en-US" sz="1800" dirty="0" err="1">
@@ -5711,7 +5711,7 @@
                 </a:solidFill>
                 <a:latin typeface="Cascadia Mono" panose="020B0609020000020004" pitchFamily="49" charset="0"/>
               </a:rPr>
-              <a:t>Tạo</a:t>
+              <a:t>cho</a:t>
             </a:r>
             <a:r>
               <a:rPr lang="en-US" sz="1800" dirty="0">
@@ -5720,7 +5720,7 @@
                 </a:solidFill>
                 <a:latin typeface="Cascadia Mono" panose="020B0609020000020004" pitchFamily="49" charset="0"/>
               </a:rPr>
-              <a:t> 1 partial class </a:t>
+              <a:t> code </a:t>
             </a:r>
             <a:r>
               <a:rPr lang="en-US" sz="1800" dirty="0" err="1">
@@ -5729,7 +5729,7 @@
                 </a:solidFill>
                 <a:latin typeface="Cascadia Mono" panose="020B0609020000020004" pitchFamily="49" charset="0"/>
               </a:rPr>
-              <a:t>cho</a:t>
+              <a:t>lúc</a:t>
             </a:r>
             <a:r>
               <a:rPr lang="en-US" sz="1800" dirty="0">
@@ -5738,7 +5738,7 @@
                 </a:solidFill>
                 <a:latin typeface="Cascadia Mono" panose="020B0609020000020004" pitchFamily="49" charset="0"/>
               </a:rPr>
-              <a:t> code </a:t>
+              <a:t> </a:t>
             </a:r>
             <a:r>
               <a:rPr lang="en-US" sz="1800" dirty="0" err="1">
@@ -5747,7 +5747,7 @@
                 </a:solidFill>
                 <a:latin typeface="Cascadia Mono" panose="020B0609020000020004" pitchFamily="49" charset="0"/>
               </a:rPr>
-              <a:t>lúc</a:t>
+              <a:t>nãy</a:t>
             </a:r>
             <a:r>
               <a:rPr lang="en-US" sz="1800" dirty="0">
@@ -5756,7 +5756,7 @@
                 </a:solidFill>
                 <a:latin typeface="Cascadia Mono" panose="020B0609020000020004" pitchFamily="49" charset="0"/>
               </a:rPr>
-              <a:t> </a:t>
+              <a:t> (partial class: </a:t>
             </a:r>
             <a:r>
               <a:rPr lang="en-US" sz="1800" dirty="0" err="1">
@@ -5765,7 +5765,7 @@
                 </a:solidFill>
                 <a:latin typeface="Cascadia Mono" panose="020B0609020000020004" pitchFamily="49" charset="0"/>
               </a:rPr>
-              <a:t>nãy</a:t>
+              <a:t>tách</a:t>
             </a:r>
             <a:r>
               <a:rPr lang="en-US" sz="1800" dirty="0">
@@ -5774,7 +5774,7 @@
                 </a:solidFill>
                 <a:latin typeface="Cascadia Mono" panose="020B0609020000020004" pitchFamily="49" charset="0"/>
               </a:rPr>
-              <a:t> (partial class: </a:t>
+              <a:t> </a:t>
             </a:r>
             <a:r>
               <a:rPr lang="en-US" sz="1800" dirty="0" err="1">
@@ -5783,7 +5783,7 @@
                 </a:solidFill>
                 <a:latin typeface="Cascadia Mono" panose="020B0609020000020004" pitchFamily="49" charset="0"/>
               </a:rPr>
-              <a:t>tách</a:t>
+              <a:t>nhỏ</a:t>
             </a:r>
             <a:r>
               <a:rPr lang="en-US" sz="1800" dirty="0">
@@ -5801,7 +5801,7 @@
                 </a:solidFill>
                 <a:latin typeface="Cascadia Mono" panose="020B0609020000020004" pitchFamily="49" charset="0"/>
               </a:rPr>
-              <a:t>nhỏ</a:t>
+              <a:t>để</a:t>
             </a:r>
             <a:r>
               <a:rPr lang="en-US" sz="1800" dirty="0">
@@ -5819,7 +5819,7 @@
                 </a:solidFill>
                 <a:latin typeface="Cascadia Mono" panose="020B0609020000020004" pitchFamily="49" charset="0"/>
               </a:rPr>
-              <a:t>để</a:t>
+              <a:t>dễ</a:t>
             </a:r>
             <a:r>
               <a:rPr lang="en-US" sz="1800" dirty="0">
@@ -5837,7 +5837,7 @@
                 </a:solidFill>
                 <a:latin typeface="Cascadia Mono" panose="020B0609020000020004" pitchFamily="49" charset="0"/>
               </a:rPr>
-              <a:t>dễ</a:t>
+              <a:t>qly</a:t>
             </a:r>
             <a:r>
               <a:rPr lang="en-US" sz="1800" dirty="0">
@@ -5846,7 +5846,7 @@
                 </a:solidFill>
                 <a:latin typeface="Cascadia Mono" panose="020B0609020000020004" pitchFamily="49" charset="0"/>
               </a:rPr>
-              <a:t> </a:t>
+              <a:t> code </a:t>
             </a:r>
             <a:r>
               <a:rPr lang="en-US" sz="1800" dirty="0" err="1">
@@ -5855,28 +5855,10 @@
                 </a:solidFill>
                 <a:latin typeface="Cascadia Mono" panose="020B0609020000020004" pitchFamily="49" charset="0"/>
               </a:rPr>
-              <a:t>qly</a:t>
+              <a:t>hơn</a:t>
             </a:r>
             <a:r>
               <a:rPr lang="en-US" sz="1800" dirty="0">
-                <a:solidFill>
-                  <a:srgbClr val="000000"/>
-                </a:solidFill>
-                <a:latin typeface="Cascadia Mono" panose="020B0609020000020004" pitchFamily="49" charset="0"/>
-              </a:rPr>
-              <a:t> code </a:t>
-            </a:r>
-            <a:r>
-              <a:rPr lang="en-US" sz="1800" dirty="0" err="1">
-                <a:solidFill>
-                  <a:srgbClr val="000000"/>
-                </a:solidFill>
-                <a:latin typeface="Cascadia Mono" panose="020B0609020000020004" pitchFamily="49" charset="0"/>
-              </a:rPr>
-              <a:t>hơn</a:t>
-            </a:r>
-            <a:r>
-              <a:rPr lang="en-US" sz="1800">
                 <a:solidFill>
                   <a:srgbClr val="000000"/>
                 </a:solidFill>

--- a/Documents/seminar.pptx
+++ b/Documents/seminar.pptx
@@ -6496,100 +6496,139 @@
             </a:r>
             <a:r>
               <a:rPr lang="en-US" dirty="0"/>
-              <a:t> </a:t>
-            </a:r>
-            <a:r>
-              <a:rPr lang="en-US"/>
-              <a:t>cache storage)</a:t>
+              <a:t> cache storage)</a:t>
+            </a:r>
+          </a:p>
+          <a:p>
+            <a:r>
+              <a:rPr lang="en-US" dirty="0"/>
+              <a:t>-&gt; load </a:t>
+            </a:r>
+            <a:r>
+              <a:rPr lang="en-US" dirty="0" err="1"/>
+              <a:t>nhiều</a:t>
+            </a:r>
+            <a:r>
+              <a:rPr lang="en-US" dirty="0"/>
+              <a:t> -&gt; NHƯNG -&gt; </a:t>
+            </a:r>
+            <a:r>
+              <a:rPr lang="en-US" dirty="0" err="1"/>
+              <a:t>chỉ</a:t>
+            </a:r>
+            <a:r>
+              <a:rPr lang="en-US" dirty="0"/>
+              <a:t> </a:t>
+            </a:r>
+            <a:r>
+              <a:rPr lang="en-US" dirty="0" err="1"/>
+              <a:t>là</a:t>
+            </a:r>
+            <a:r>
+              <a:rPr lang="en-US" dirty="0"/>
+              <a:t> </a:t>
+            </a:r>
+            <a:r>
+              <a:rPr lang="en-US" dirty="0" err="1"/>
+              <a:t>lần</a:t>
+            </a:r>
+            <a:r>
+              <a:rPr lang="en-US" dirty="0"/>
+              <a:t> </a:t>
+            </a:r>
+            <a:r>
+              <a:rPr lang="en-US" dirty="0" err="1"/>
+              <a:t>đầu</a:t>
+            </a:r>
+            <a:r>
+              <a:rPr lang="en-US" dirty="0"/>
+              <a:t> </a:t>
+            </a:r>
+            <a:r>
+              <a:rPr lang="en-US" dirty="0" err="1"/>
+              <a:t>tiên</a:t>
+            </a:r>
+            <a:r>
+              <a:rPr lang="en-US" dirty="0"/>
+              <a:t> -&gt; cache </a:t>
+            </a:r>
+            <a:r>
+              <a:rPr lang="en-US" dirty="0" err="1"/>
+              <a:t>lại</a:t>
+            </a:r>
+            <a:r>
+              <a:rPr lang="en-US" dirty="0"/>
+              <a:t> </a:t>
+            </a:r>
+            <a:r>
+              <a:rPr lang="en-US" dirty="0" err="1"/>
+              <a:t>rồi</a:t>
             </a:r>
             <a:endParaRPr lang="en-US" dirty="0"/>
           </a:p>
           <a:p>
-            <a:r>
-              <a:rPr lang="en-US" dirty="0"/>
-              <a:t>-&gt; load </a:t>
-            </a:r>
-            <a:r>
-              <a:rPr lang="en-US" dirty="0" err="1"/>
-              <a:t>nhiều</a:t>
-            </a:r>
-            <a:r>
-              <a:rPr lang="en-US" dirty="0"/>
-              <a:t> -&gt; NHƯNG -&gt; </a:t>
-            </a:r>
-            <a:r>
-              <a:rPr lang="en-US" dirty="0" err="1"/>
-              <a:t>chỉ</a:t>
-            </a:r>
-            <a:r>
-              <a:rPr lang="en-US" dirty="0"/>
-              <a:t> </a:t>
-            </a:r>
-            <a:r>
-              <a:rPr lang="en-US" dirty="0" err="1"/>
-              <a:t>là</a:t>
-            </a:r>
-            <a:r>
-              <a:rPr lang="en-US" dirty="0"/>
-              <a:t> </a:t>
-            </a:r>
-            <a:r>
-              <a:rPr lang="en-US" dirty="0" err="1"/>
-              <a:t>lần</a:t>
-            </a:r>
-            <a:r>
-              <a:rPr lang="en-US" dirty="0"/>
-              <a:t> </a:t>
-            </a:r>
-            <a:r>
-              <a:rPr lang="en-US" dirty="0" err="1"/>
-              <a:t>đầu</a:t>
-            </a:r>
-            <a:r>
-              <a:rPr lang="en-US" dirty="0"/>
-              <a:t> </a:t>
-            </a:r>
-            <a:r>
-              <a:rPr lang="en-US" dirty="0" err="1"/>
-              <a:t>tiên</a:t>
-            </a:r>
-            <a:r>
-              <a:rPr lang="en-US" dirty="0"/>
-              <a:t> -&gt; cache </a:t>
-            </a:r>
-            <a:r>
-              <a:rPr lang="en-US" dirty="0" err="1"/>
-              <a:t>lại</a:t>
-            </a:r>
-            <a:r>
-              <a:rPr lang="en-US" dirty="0"/>
-              <a:t> </a:t>
-            </a:r>
-            <a:r>
-              <a:rPr lang="en-US" dirty="0" err="1"/>
-              <a:t>rồi</a:t>
-            </a:r>
             <a:endParaRPr lang="en-US" dirty="0"/>
           </a:p>
           <a:p>
+            <a:r>
+              <a:rPr lang="en-US" dirty="0" err="1"/>
+              <a:t>Bật</a:t>
+            </a:r>
+            <a:r>
+              <a:rPr lang="en-US" dirty="0"/>
+              <a:t> solution </a:t>
+            </a:r>
+            <a:r>
+              <a:rPr lang="en-US" dirty="0" err="1"/>
+              <a:t>lên</a:t>
+            </a:r>
+            <a:r>
+              <a:rPr lang="en-US" dirty="0"/>
+              <a:t> -&gt; </a:t>
+            </a:r>
+            <a:r>
+              <a:rPr lang="en-US" dirty="0" err="1"/>
+              <a:t>có</a:t>
+            </a:r>
+            <a:r>
+              <a:rPr lang="en-US" dirty="0"/>
+              <a:t> </a:t>
+            </a:r>
+            <a:r>
+              <a:rPr lang="en-US" dirty="0" err="1"/>
+              <a:t>thể</a:t>
+            </a:r>
+            <a:r>
+              <a:rPr lang="en-US" dirty="0"/>
+              <a:t> dung VS Code or VS</a:t>
+            </a:r>
+          </a:p>
+          <a:p>
             <a:endParaRPr lang="en-US" dirty="0"/>
           </a:p>
           <a:p>
             <a:r>
-              <a:rPr lang="en-US" dirty="0" err="1"/>
-              <a:t>Bật</a:t>
-            </a:r>
-            <a:r>
-              <a:rPr lang="en-US" dirty="0"/>
-              <a:t> solution </a:t>
-            </a:r>
-            <a:r>
-              <a:rPr lang="en-US" dirty="0" err="1"/>
-              <a:t>lên</a:t>
-            </a:r>
-            <a:r>
-              <a:rPr lang="en-US" dirty="0"/>
-              <a:t> -&gt; </a:t>
+              <a:rPr lang="en-US" dirty="0"/>
+              <a:t>-&gt; </a:t>
+            </a:r>
+            <a:r>
+              <a:rPr lang="en-US" dirty="0" err="1"/>
+              <a:t>mở</a:t>
+            </a:r>
+            <a:r>
+              <a:rPr lang="en-US" dirty="0"/>
+              <a:t> file </a:t>
+            </a:r>
+            <a:r>
+              <a:rPr lang="en-US" dirty="0" err="1"/>
+              <a:t>program.cs</a:t>
+            </a:r>
+            <a:endParaRPr lang="en-US" dirty="0"/>
+          </a:p>
+          <a:p>
+            <a:r>
+              <a:rPr lang="en-US" dirty="0"/>
+              <a:t>-&gt; </a:t>
             </a:r>
             <a:r>
               <a:rPr lang="en-US" dirty="0" err="1"/>
@@ -6601,342 +6640,471 @@
             </a:r>
             <a:r>
               <a:rPr lang="en-US" dirty="0" err="1"/>
+              <a:t>rootcomponent</a:t>
+            </a:r>
+            <a:r>
+              <a:rPr lang="en-US" dirty="0"/>
+              <a:t> -&gt;  </a:t>
+            </a:r>
+            <a:r>
+              <a:rPr lang="en-US" dirty="0" err="1"/>
+              <a:t>nó</a:t>
+            </a:r>
+            <a:r>
+              <a:rPr lang="en-US" dirty="0"/>
+              <a:t> </a:t>
+            </a:r>
+            <a:r>
+              <a:rPr lang="en-US" dirty="0" err="1"/>
+              <a:t>sẽ</a:t>
+            </a:r>
+            <a:r>
+              <a:rPr lang="en-US" dirty="0"/>
+              <a:t> </a:t>
+            </a:r>
+            <a:r>
+              <a:rPr lang="en-US" dirty="0" err="1"/>
+              <a:t>hiển</a:t>
+            </a:r>
+            <a:r>
+              <a:rPr lang="en-US" dirty="0"/>
+              <a:t> </a:t>
+            </a:r>
+            <a:r>
+              <a:rPr lang="en-US" dirty="0" err="1"/>
+              <a:t>thị</a:t>
+            </a:r>
+            <a:r>
+              <a:rPr lang="en-US" dirty="0"/>
+              <a:t> </a:t>
+            </a:r>
+            <a:r>
+              <a:rPr lang="en-US" dirty="0" err="1"/>
+              <a:t>cái</a:t>
+            </a:r>
+            <a:r>
+              <a:rPr lang="en-US" dirty="0"/>
+              <a:t> j -&gt; </a:t>
+            </a:r>
+            <a:r>
+              <a:rPr lang="en-US" dirty="0" err="1"/>
+              <a:t>có</a:t>
+            </a:r>
+            <a:r>
+              <a:rPr lang="en-US" dirty="0"/>
+              <a:t> index.html -&gt; id = app -&gt; </a:t>
+            </a:r>
+            <a:r>
+              <a:rPr lang="en-US" dirty="0" err="1"/>
+              <a:t>hiển</a:t>
+            </a:r>
+            <a:r>
+              <a:rPr lang="en-US" dirty="0"/>
+              <a:t> </a:t>
+            </a:r>
+            <a:r>
+              <a:rPr lang="en-US" dirty="0" err="1"/>
+              <a:t>thị</a:t>
+            </a:r>
+            <a:r>
+              <a:rPr lang="en-US" dirty="0"/>
+              <a:t> </a:t>
+            </a:r>
+            <a:r>
+              <a:rPr lang="en-US" dirty="0" err="1"/>
+              <a:t>cái</a:t>
+            </a:r>
+            <a:r>
+              <a:rPr lang="en-US" dirty="0"/>
+              <a:t> </a:t>
+            </a:r>
+            <a:r>
+              <a:rPr lang="en-US" dirty="0" err="1"/>
+              <a:t>này</a:t>
+            </a:r>
+            <a:endParaRPr lang="en-US" dirty="0"/>
+          </a:p>
+          <a:p>
+            <a:r>
+              <a:rPr lang="en-US" dirty="0"/>
+              <a:t>-&gt; </a:t>
+            </a:r>
+            <a:r>
+              <a:rPr lang="en-US" dirty="0" err="1"/>
+              <a:t>có</a:t>
+            </a:r>
+            <a:r>
+              <a:rPr lang="en-US" dirty="0"/>
+              <a:t> file _</a:t>
+            </a:r>
+            <a:r>
+              <a:rPr lang="en-US" dirty="0" err="1"/>
+              <a:t>import.razor</a:t>
+            </a:r>
+            <a:r>
+              <a:rPr lang="en-US" dirty="0"/>
+              <a:t> -&gt; import library</a:t>
+            </a:r>
+          </a:p>
+          <a:p>
+            <a:r>
+              <a:rPr lang="en-US" dirty="0"/>
+              <a:t>-&gt; </a:t>
+            </a:r>
+            <a:r>
+              <a:rPr lang="en-US" dirty="0" err="1"/>
+              <a:t>wwwroot</a:t>
+            </a:r>
+            <a:r>
+              <a:rPr lang="en-US" dirty="0"/>
+              <a:t>: static html, </a:t>
+            </a:r>
+            <a:r>
+              <a:rPr lang="en-US" dirty="0" err="1"/>
+              <a:t>css</a:t>
+            </a:r>
+            <a:r>
+              <a:rPr lang="en-US" dirty="0"/>
+              <a:t> style</a:t>
+            </a:r>
+          </a:p>
+          <a:p>
+            <a:r>
+              <a:rPr lang="en-US" dirty="0"/>
+              <a:t>-&gt; pages: file </a:t>
+            </a:r>
+            <a:r>
+              <a:rPr lang="en-US" dirty="0" err="1"/>
+              <a:t>có</a:t>
+            </a:r>
+            <a:r>
+              <a:rPr lang="en-US" dirty="0"/>
+              <a:t> </a:t>
+            </a:r>
+            <a:r>
+              <a:rPr lang="en-US" dirty="0" err="1"/>
+              <a:t>đuôi</a:t>
+            </a:r>
+            <a:r>
+              <a:rPr lang="en-US" dirty="0"/>
+              <a:t> .razor, style </a:t>
+            </a:r>
+            <a:r>
+              <a:rPr lang="en-US" dirty="0" err="1"/>
+              <a:t>riêng</a:t>
+            </a:r>
+            <a:r>
+              <a:rPr lang="en-US" dirty="0"/>
+              <a:t> </a:t>
+            </a:r>
+            <a:r>
+              <a:rPr lang="en-US" dirty="0" err="1"/>
+              <a:t>từng</a:t>
+            </a:r>
+            <a:r>
+              <a:rPr lang="en-US" dirty="0"/>
+              <a:t> page -&gt; </a:t>
+            </a:r>
+            <a:r>
+              <a:rPr lang="en-US" dirty="0" err="1"/>
+              <a:t>nói</a:t>
+            </a:r>
+            <a:r>
+              <a:rPr lang="en-US" dirty="0"/>
+              <a:t> </a:t>
+            </a:r>
+            <a:r>
+              <a:rPr lang="en-US" dirty="0" err="1"/>
+              <a:t>sơ</a:t>
+            </a:r>
+            <a:r>
+              <a:rPr lang="en-US" dirty="0"/>
+              <a:t> </a:t>
+            </a:r>
+            <a:r>
+              <a:rPr lang="en-US" dirty="0" err="1"/>
+              <a:t>sơ</a:t>
+            </a:r>
+            <a:r>
+              <a:rPr lang="en-US" dirty="0"/>
+              <a:t> </a:t>
+            </a:r>
+            <a:r>
+              <a:rPr lang="en-US" dirty="0" err="1"/>
+              <a:t>về</a:t>
+            </a:r>
+            <a:r>
+              <a:rPr lang="en-US" dirty="0"/>
+              <a:t> component (@page, </a:t>
+            </a:r>
+            <a:r>
+              <a:rPr lang="en-US" dirty="0" err="1"/>
+              <a:t>các</a:t>
+            </a:r>
+            <a:r>
+              <a:rPr lang="en-US" dirty="0"/>
+              <a:t> tag, @code: logic component, </a:t>
+            </a:r>
+            <a:r>
+              <a:rPr lang="en-US" dirty="0" err="1"/>
+              <a:t>có</a:t>
+            </a:r>
+            <a:r>
+              <a:rPr lang="en-US" dirty="0"/>
+              <a:t> </a:t>
+            </a:r>
+            <a:r>
+              <a:rPr lang="en-US" dirty="0" err="1"/>
               <a:t>thể</a:t>
             </a:r>
             <a:r>
               <a:rPr lang="en-US" dirty="0"/>
-              <a:t> dung VS Code or VS</a:t>
-            </a:r>
-          </a:p>
-          <a:p>
+              <a:t> </a:t>
+            </a:r>
+            <a:r>
+              <a:rPr lang="en-US" dirty="0" err="1"/>
+              <a:t>tách</a:t>
+            </a:r>
+            <a:r>
+              <a:rPr lang="en-US" dirty="0"/>
+              <a:t> ra file .CS </a:t>
+            </a:r>
+            <a:r>
+              <a:rPr lang="en-US" dirty="0" err="1"/>
+              <a:t>khác</a:t>
+            </a:r>
+            <a:r>
+              <a:rPr lang="en-US" dirty="0"/>
+              <a:t> =</a:t>
+            </a:r>
+            <a:r>
+              <a:rPr lang="en-US" dirty="0" err="1"/>
+              <a:t>cách</a:t>
+            </a:r>
+            <a:r>
+              <a:rPr lang="en-US" dirty="0"/>
+              <a:t> dung partial class)</a:t>
+            </a:r>
+          </a:p>
+          <a:p>
+            <a:r>
+              <a:rPr lang="en-US" dirty="0"/>
+              <a:t>-&gt; shared: component dung </a:t>
+            </a:r>
+            <a:r>
+              <a:rPr lang="en-US" dirty="0" err="1"/>
+              <a:t>chung</a:t>
+            </a:r>
             <a:endParaRPr lang="en-US" dirty="0"/>
           </a:p>
           <a:p>
-            <a:r>
-              <a:rPr lang="en-US" dirty="0"/>
-              <a:t>-&gt; </a:t>
-            </a:r>
-            <a:r>
-              <a:rPr lang="en-US" dirty="0" err="1"/>
-              <a:t>mở</a:t>
-            </a:r>
-            <a:r>
-              <a:rPr lang="en-US" dirty="0"/>
-              <a:t> file </a:t>
-            </a:r>
-            <a:r>
-              <a:rPr lang="en-US" dirty="0" err="1"/>
-              <a:t>program.cs</a:t>
-            </a:r>
             <a:endParaRPr lang="en-US" dirty="0"/>
           </a:p>
           <a:p>
             <a:r>
               <a:rPr lang="en-US" dirty="0"/>
-              <a:t>-&gt; </a:t>
-            </a:r>
-            <a:r>
-              <a:rPr lang="en-US" dirty="0" err="1"/>
-              <a:t>có</a:t>
-            </a:r>
-            <a:r>
-              <a:rPr lang="en-US" dirty="0"/>
-              <a:t> </a:t>
-            </a:r>
-            <a:r>
-              <a:rPr lang="en-US" dirty="0" err="1"/>
-              <a:t>rootcomponent</a:t>
-            </a:r>
-            <a:r>
-              <a:rPr lang="en-US" dirty="0"/>
-              <a:t> -&gt;  </a:t>
-            </a:r>
-            <a:r>
-              <a:rPr lang="en-US" dirty="0" err="1"/>
-              <a:t>nó</a:t>
-            </a:r>
-            <a:r>
-              <a:rPr lang="en-US" dirty="0"/>
-              <a:t> </a:t>
-            </a:r>
-            <a:r>
-              <a:rPr lang="en-US" dirty="0" err="1"/>
-              <a:t>sẽ</a:t>
-            </a:r>
-            <a:r>
-              <a:rPr lang="en-US" dirty="0"/>
-              <a:t> </a:t>
-            </a:r>
-            <a:r>
-              <a:rPr lang="en-US" dirty="0" err="1"/>
-              <a:t>hiển</a:t>
-            </a:r>
-            <a:r>
-              <a:rPr lang="en-US" dirty="0"/>
-              <a:t> </a:t>
-            </a:r>
-            <a:r>
-              <a:rPr lang="en-US" dirty="0" err="1"/>
-              <a:t>thị</a:t>
-            </a:r>
-            <a:r>
-              <a:rPr lang="en-US" dirty="0"/>
-              <a:t> </a:t>
-            </a:r>
-            <a:r>
-              <a:rPr lang="en-US" dirty="0" err="1"/>
-              <a:t>cái</a:t>
-            </a:r>
-            <a:r>
-              <a:rPr lang="en-US" dirty="0"/>
-              <a:t> j -&gt; </a:t>
-            </a:r>
-            <a:r>
-              <a:rPr lang="en-US" dirty="0" err="1"/>
-              <a:t>có</a:t>
-            </a:r>
-            <a:r>
-              <a:rPr lang="en-US" dirty="0"/>
-              <a:t> index.html -&gt; id = app -&gt; </a:t>
-            </a:r>
-            <a:r>
-              <a:rPr lang="en-US" dirty="0" err="1"/>
-              <a:t>hiển</a:t>
-            </a:r>
-            <a:r>
-              <a:rPr lang="en-US" dirty="0"/>
-              <a:t> </a:t>
-            </a:r>
-            <a:r>
-              <a:rPr lang="en-US" dirty="0" err="1"/>
-              <a:t>thị</a:t>
-            </a:r>
-            <a:r>
-              <a:rPr lang="en-US" dirty="0"/>
-              <a:t> </a:t>
-            </a:r>
-            <a:r>
-              <a:rPr lang="en-US" dirty="0" err="1"/>
-              <a:t>cái</a:t>
-            </a:r>
-            <a:r>
-              <a:rPr lang="en-US" dirty="0"/>
-              <a:t> </a:t>
-            </a:r>
-            <a:r>
-              <a:rPr lang="en-US" dirty="0" err="1"/>
-              <a:t>này</a:t>
-            </a:r>
-            <a:endParaRPr lang="en-US" dirty="0"/>
-          </a:p>
-          <a:p>
-            <a:r>
-              <a:rPr lang="en-US" dirty="0"/>
-              <a:t>-&gt; </a:t>
-            </a:r>
-            <a:r>
-              <a:rPr lang="en-US" dirty="0" err="1"/>
-              <a:t>có</a:t>
-            </a:r>
-            <a:r>
-              <a:rPr lang="en-US" dirty="0"/>
-              <a:t> file _</a:t>
-            </a:r>
-            <a:r>
-              <a:rPr lang="en-US" dirty="0" err="1"/>
-              <a:t>import.razor</a:t>
-            </a:r>
-            <a:r>
-              <a:rPr lang="en-US" dirty="0"/>
-              <a:t> -&gt; import library</a:t>
-            </a:r>
-          </a:p>
-          <a:p>
-            <a:r>
-              <a:rPr lang="en-US" dirty="0"/>
-              <a:t>-&gt; </a:t>
-            </a:r>
-            <a:r>
-              <a:rPr lang="en-US" dirty="0" err="1"/>
-              <a:t>wwwroot</a:t>
-            </a:r>
-            <a:r>
-              <a:rPr lang="en-US" dirty="0"/>
-              <a:t>: static html, </a:t>
-            </a:r>
-            <a:r>
-              <a:rPr lang="en-US" dirty="0" err="1"/>
-              <a:t>css</a:t>
-            </a:r>
-            <a:r>
-              <a:rPr lang="en-US" dirty="0"/>
-              <a:t> style</a:t>
-            </a:r>
-          </a:p>
-          <a:p>
-            <a:r>
-              <a:rPr lang="en-US" dirty="0"/>
-              <a:t>-&gt; pages: file </a:t>
-            </a:r>
-            <a:r>
-              <a:rPr lang="en-US" dirty="0" err="1"/>
-              <a:t>có</a:t>
-            </a:r>
-            <a:r>
-              <a:rPr lang="en-US" dirty="0"/>
-              <a:t> </a:t>
-            </a:r>
-            <a:r>
-              <a:rPr lang="en-US" dirty="0" err="1"/>
-              <a:t>đuôi</a:t>
-            </a:r>
-            <a:r>
-              <a:rPr lang="en-US" dirty="0"/>
-              <a:t> .razor, style </a:t>
-            </a:r>
-            <a:r>
-              <a:rPr lang="en-US" dirty="0" err="1"/>
-              <a:t>riêng</a:t>
-            </a:r>
-            <a:r>
-              <a:rPr lang="en-US" dirty="0"/>
-              <a:t> </a:t>
-            </a:r>
-            <a:r>
-              <a:rPr lang="en-US" dirty="0" err="1"/>
-              <a:t>từng</a:t>
-            </a:r>
-            <a:r>
-              <a:rPr lang="en-US" dirty="0"/>
-              <a:t> page -&gt; </a:t>
-            </a:r>
-            <a:r>
-              <a:rPr lang="en-US" dirty="0" err="1"/>
-              <a:t>nói</a:t>
-            </a:r>
-            <a:r>
-              <a:rPr lang="en-US" dirty="0"/>
-              <a:t> </a:t>
-            </a:r>
-            <a:r>
-              <a:rPr lang="en-US" dirty="0" err="1"/>
-              <a:t>sơ</a:t>
-            </a:r>
-            <a:r>
-              <a:rPr lang="en-US" dirty="0"/>
-              <a:t> </a:t>
-            </a:r>
-            <a:r>
-              <a:rPr lang="en-US" dirty="0" err="1"/>
-              <a:t>sơ</a:t>
-            </a:r>
-            <a:r>
-              <a:rPr lang="en-US" dirty="0"/>
-              <a:t> </a:t>
-            </a:r>
-            <a:r>
-              <a:rPr lang="en-US" dirty="0" err="1"/>
-              <a:t>về</a:t>
-            </a:r>
-            <a:r>
-              <a:rPr lang="en-US" dirty="0"/>
-              <a:t> component (@page, </a:t>
-            </a:r>
-            <a:r>
-              <a:rPr lang="en-US" dirty="0" err="1"/>
-              <a:t>các</a:t>
-            </a:r>
-            <a:r>
-              <a:rPr lang="en-US" dirty="0"/>
-              <a:t> tag, @code: logic component, </a:t>
-            </a:r>
-            <a:r>
-              <a:rPr lang="en-US" dirty="0" err="1"/>
-              <a:t>có</a:t>
-            </a:r>
-            <a:r>
-              <a:rPr lang="en-US" dirty="0"/>
-              <a:t> </a:t>
-            </a:r>
-            <a:r>
-              <a:rPr lang="en-US" dirty="0" err="1"/>
-              <a:t>thể</a:t>
-            </a:r>
-            <a:r>
-              <a:rPr lang="en-US" dirty="0"/>
-              <a:t> </a:t>
-            </a:r>
-            <a:r>
-              <a:rPr lang="en-US" dirty="0" err="1"/>
+              <a:t>Coding:</a:t>
+            </a:r>
+          </a:p>
+          <a:p>
+            <a:r>
+              <a:rPr lang="en-US" dirty="0"/>
+              <a:t>1. </a:t>
+            </a:r>
+            <a:r>
+              <a:rPr lang="en-US" dirty="0" err="1"/>
+              <a:t>Gọi</a:t>
+            </a:r>
+            <a:r>
+              <a:rPr lang="en-US" dirty="0"/>
+              <a:t> component </a:t>
+            </a:r>
+            <a:r>
+              <a:rPr lang="en-US" dirty="0" err="1"/>
+              <a:t>trong</a:t>
+            </a:r>
+            <a:r>
+              <a:rPr lang="en-US" dirty="0"/>
+              <a:t> page</a:t>
+            </a:r>
+          </a:p>
+          <a:p>
+            <a:r>
+              <a:rPr lang="en-US" sz="1800" dirty="0">
+                <a:solidFill>
+                  <a:srgbClr val="000000"/>
+                </a:solidFill>
+                <a:latin typeface="Cascadia Mono" panose="020B0609020000020004" pitchFamily="49" charset="0"/>
+              </a:rPr>
+              <a:t>2.Tạo 1 partial class </a:t>
+            </a:r>
+            <a:r>
+              <a:rPr lang="en-US" sz="1800" dirty="0" err="1">
+                <a:solidFill>
+                  <a:srgbClr val="000000"/>
+                </a:solidFill>
+                <a:latin typeface="Cascadia Mono" panose="020B0609020000020004" pitchFamily="49" charset="0"/>
+              </a:rPr>
+              <a:t>cho</a:t>
+            </a:r>
+            <a:r>
+              <a:rPr lang="en-US" sz="1800" dirty="0">
+                <a:solidFill>
+                  <a:srgbClr val="000000"/>
+                </a:solidFill>
+                <a:latin typeface="Cascadia Mono" panose="020B0609020000020004" pitchFamily="49" charset="0"/>
+              </a:rPr>
+              <a:t> code </a:t>
+            </a:r>
+            <a:r>
+              <a:rPr lang="en-US" sz="1800" dirty="0" err="1">
+                <a:solidFill>
+                  <a:srgbClr val="000000"/>
+                </a:solidFill>
+                <a:latin typeface="Cascadia Mono" panose="020B0609020000020004" pitchFamily="49" charset="0"/>
+              </a:rPr>
+              <a:t>lúc</a:t>
+            </a:r>
+            <a:r>
+              <a:rPr lang="en-US" sz="1800" dirty="0">
+                <a:solidFill>
+                  <a:srgbClr val="000000"/>
+                </a:solidFill>
+                <a:latin typeface="Cascadia Mono" panose="020B0609020000020004" pitchFamily="49" charset="0"/>
+              </a:rPr>
+              <a:t> </a:t>
+            </a:r>
+            <a:r>
+              <a:rPr lang="en-US" sz="1800" dirty="0" err="1">
+                <a:solidFill>
+                  <a:srgbClr val="000000"/>
+                </a:solidFill>
+                <a:latin typeface="Cascadia Mono" panose="020B0609020000020004" pitchFamily="49" charset="0"/>
+              </a:rPr>
+              <a:t>nãy</a:t>
+            </a:r>
+            <a:r>
+              <a:rPr lang="en-US" sz="1800" dirty="0">
+                <a:solidFill>
+                  <a:srgbClr val="000000"/>
+                </a:solidFill>
+                <a:latin typeface="Cascadia Mono" panose="020B0609020000020004" pitchFamily="49" charset="0"/>
+              </a:rPr>
+              <a:t> (partial class: </a:t>
+            </a:r>
+            <a:r>
+              <a:rPr lang="en-US" sz="1800" dirty="0" err="1">
+                <a:solidFill>
+                  <a:srgbClr val="000000"/>
+                </a:solidFill>
+                <a:latin typeface="Cascadia Mono" panose="020B0609020000020004" pitchFamily="49" charset="0"/>
+              </a:rPr>
               <a:t>tách</a:t>
             </a:r>
             <a:r>
-              <a:rPr lang="en-US" dirty="0"/>
-              <a:t> ra file .CS </a:t>
-            </a:r>
-            <a:r>
-              <a:rPr lang="en-US" dirty="0" err="1"/>
-              <a:t>khác</a:t>
-            </a:r>
-            <a:r>
-              <a:rPr lang="en-US" dirty="0"/>
-              <a:t> =</a:t>
-            </a:r>
-            <a:r>
-              <a:rPr lang="en-US" dirty="0" err="1"/>
-              <a:t>cách</a:t>
-            </a:r>
-            <a:r>
-              <a:rPr lang="en-US" dirty="0"/>
-              <a:t> dung partial class)</a:t>
-            </a:r>
-          </a:p>
-          <a:p>
-            <a:r>
-              <a:rPr lang="en-US" dirty="0"/>
-              <a:t>-&gt; shared: component dung </a:t>
-            </a:r>
-            <a:r>
-              <a:rPr lang="en-US" dirty="0" err="1"/>
-              <a:t>chung</a:t>
-            </a:r>
-            <a:endParaRPr lang="en-US" dirty="0"/>
-          </a:p>
-          <a:p>
-            <a:endParaRPr lang="en-US" dirty="0"/>
-          </a:p>
-          <a:p>
-            <a:r>
-              <a:rPr lang="en-US" dirty="0"/>
-              <a:t>Coding:</a:t>
-            </a:r>
-          </a:p>
-          <a:p>
-            <a:r>
-              <a:rPr lang="en-US" dirty="0"/>
-              <a:t>1. </a:t>
-            </a:r>
-            <a:r>
-              <a:rPr lang="en-US" dirty="0" err="1"/>
-              <a:t>Gọi</a:t>
-            </a:r>
-            <a:r>
-              <a:rPr lang="en-US" dirty="0"/>
-              <a:t> component </a:t>
-            </a:r>
-            <a:r>
-              <a:rPr lang="en-US" dirty="0" err="1"/>
-              <a:t>trong</a:t>
-            </a:r>
-            <a:r>
-              <a:rPr lang="en-US" dirty="0"/>
-              <a:t> page</a:t>
-            </a:r>
-          </a:p>
-          <a:p>
-            <a:r>
-              <a:rPr lang="en-US" dirty="0"/>
-              <a:t>2. </a:t>
+              <a:rPr lang="en-US" sz="1800" dirty="0">
+                <a:solidFill>
+                  <a:srgbClr val="000000"/>
+                </a:solidFill>
+                <a:latin typeface="Cascadia Mono" panose="020B0609020000020004" pitchFamily="49" charset="0"/>
+              </a:rPr>
+              <a:t> </a:t>
+            </a:r>
+            <a:r>
+              <a:rPr lang="en-US" sz="1800" dirty="0" err="1">
+                <a:solidFill>
+                  <a:srgbClr val="000000"/>
+                </a:solidFill>
+                <a:latin typeface="Cascadia Mono" panose="020B0609020000020004" pitchFamily="49" charset="0"/>
+              </a:rPr>
+              <a:t>nhỏ</a:t>
+            </a:r>
+            <a:r>
+              <a:rPr lang="en-US" sz="1800" dirty="0">
+                <a:solidFill>
+                  <a:srgbClr val="000000"/>
+                </a:solidFill>
+                <a:latin typeface="Cascadia Mono" panose="020B0609020000020004" pitchFamily="49" charset="0"/>
+              </a:rPr>
+              <a:t> </a:t>
+            </a:r>
+            <a:r>
+              <a:rPr lang="en-US" sz="1800" dirty="0" err="1">
+                <a:solidFill>
+                  <a:srgbClr val="000000"/>
+                </a:solidFill>
+                <a:latin typeface="Cascadia Mono" panose="020B0609020000020004" pitchFamily="49" charset="0"/>
+              </a:rPr>
+              <a:t>để</a:t>
+            </a:r>
+            <a:r>
+              <a:rPr lang="en-US" sz="1800" dirty="0">
+                <a:solidFill>
+                  <a:srgbClr val="000000"/>
+                </a:solidFill>
+                <a:latin typeface="Cascadia Mono" panose="020B0609020000020004" pitchFamily="49" charset="0"/>
+              </a:rPr>
+              <a:t> </a:t>
+            </a:r>
+            <a:r>
+              <a:rPr lang="en-US" sz="1800" dirty="0" err="1">
+                <a:solidFill>
+                  <a:srgbClr val="000000"/>
+                </a:solidFill>
+                <a:latin typeface="Cascadia Mono" panose="020B0609020000020004" pitchFamily="49" charset="0"/>
+              </a:rPr>
+              <a:t>dễ</a:t>
+            </a:r>
+            <a:r>
+              <a:rPr lang="en-US" sz="1800" dirty="0">
+                <a:solidFill>
+                  <a:srgbClr val="000000"/>
+                </a:solidFill>
+                <a:latin typeface="Cascadia Mono" panose="020B0609020000020004" pitchFamily="49" charset="0"/>
+              </a:rPr>
+              <a:t> </a:t>
+            </a:r>
+            <a:r>
+              <a:rPr lang="en-US" sz="1800" dirty="0" err="1">
+                <a:solidFill>
+                  <a:srgbClr val="000000"/>
+                </a:solidFill>
+                <a:latin typeface="Cascadia Mono" panose="020B0609020000020004" pitchFamily="49" charset="0"/>
+              </a:rPr>
+              <a:t>qly</a:t>
+            </a:r>
+            <a:r>
+              <a:rPr lang="en-US" sz="1800" dirty="0">
+                <a:solidFill>
+                  <a:srgbClr val="000000"/>
+                </a:solidFill>
+                <a:latin typeface="Cascadia Mono" panose="020B0609020000020004" pitchFamily="49" charset="0"/>
+              </a:rPr>
+              <a:t> code </a:t>
+            </a:r>
+            <a:r>
+              <a:rPr lang="en-US" sz="1800" dirty="0" err="1">
+                <a:solidFill>
+                  <a:srgbClr val="000000"/>
+                </a:solidFill>
+                <a:latin typeface="Cascadia Mono" panose="020B0609020000020004" pitchFamily="49" charset="0"/>
+              </a:rPr>
+              <a:t>hơn</a:t>
+            </a:r>
+            <a:r>
+              <a:rPr lang="en-US" sz="1800" dirty="0">
+                <a:solidFill>
+                  <a:srgbClr val="000000"/>
+                </a:solidFill>
+                <a:latin typeface="Cascadia Mono" panose="020B0609020000020004" pitchFamily="49" charset="0"/>
+              </a:rPr>
+              <a:t>)</a:t>
+            </a:r>
+          </a:p>
+          <a:p>
+            <a:r>
+              <a:rPr lang="en-US" dirty="0"/>
+              <a:t>3. </a:t>
             </a:r>
             <a:r>
               <a:rPr lang="en-US" dirty="0" err="1"/>
@@ -7061,7 +7229,7 @@
           </a:p>
           <a:p>
             <a:r>
-              <a:rPr lang="en-US" sz="1800" dirty="0">
+              <a:rPr lang="en-US" sz="1800">
                 <a:solidFill>
                   <a:srgbClr val="000000"/>
                 </a:solidFill>
@@ -7071,177 +7239,6 @@
             </a:r>
           </a:p>
           <a:p>
-            <a:r>
-              <a:rPr lang="en-US" sz="1800" dirty="0">
-                <a:solidFill>
-                  <a:srgbClr val="000000"/>
-                </a:solidFill>
-                <a:latin typeface="Cascadia Mono" panose="020B0609020000020004" pitchFamily="49" charset="0"/>
-              </a:rPr>
-              <a:t>3.Tạo 1 partial class </a:t>
-            </a:r>
-            <a:r>
-              <a:rPr lang="en-US" sz="1800" dirty="0" err="1">
-                <a:solidFill>
-                  <a:srgbClr val="000000"/>
-                </a:solidFill>
-                <a:latin typeface="Cascadia Mono" panose="020B0609020000020004" pitchFamily="49" charset="0"/>
-              </a:rPr>
-              <a:t>cho</a:t>
-            </a:r>
-            <a:r>
-              <a:rPr lang="en-US" sz="1800" dirty="0">
-                <a:solidFill>
-                  <a:srgbClr val="000000"/>
-                </a:solidFill>
-                <a:latin typeface="Cascadia Mono" panose="020B0609020000020004" pitchFamily="49" charset="0"/>
-              </a:rPr>
-              <a:t> code </a:t>
-            </a:r>
-            <a:r>
-              <a:rPr lang="en-US" sz="1800" dirty="0" err="1">
-                <a:solidFill>
-                  <a:srgbClr val="000000"/>
-                </a:solidFill>
-                <a:latin typeface="Cascadia Mono" panose="020B0609020000020004" pitchFamily="49" charset="0"/>
-              </a:rPr>
-              <a:t>lúc</a:t>
-            </a:r>
-            <a:r>
-              <a:rPr lang="en-US" sz="1800" dirty="0">
-                <a:solidFill>
-                  <a:srgbClr val="000000"/>
-                </a:solidFill>
-                <a:latin typeface="Cascadia Mono" panose="020B0609020000020004" pitchFamily="49" charset="0"/>
-              </a:rPr>
-              <a:t> </a:t>
-            </a:r>
-            <a:r>
-              <a:rPr lang="en-US" sz="1800" dirty="0" err="1">
-                <a:solidFill>
-                  <a:srgbClr val="000000"/>
-                </a:solidFill>
-                <a:latin typeface="Cascadia Mono" panose="020B0609020000020004" pitchFamily="49" charset="0"/>
-              </a:rPr>
-              <a:t>nãy</a:t>
-            </a:r>
-            <a:r>
-              <a:rPr lang="en-US" sz="1800" dirty="0">
-                <a:solidFill>
-                  <a:srgbClr val="000000"/>
-                </a:solidFill>
-                <a:latin typeface="Cascadia Mono" panose="020B0609020000020004" pitchFamily="49" charset="0"/>
-              </a:rPr>
-              <a:t> (partial class: </a:t>
-            </a:r>
-            <a:r>
-              <a:rPr lang="en-US" sz="1800" dirty="0" err="1">
-                <a:solidFill>
-                  <a:srgbClr val="000000"/>
-                </a:solidFill>
-                <a:latin typeface="Cascadia Mono" panose="020B0609020000020004" pitchFamily="49" charset="0"/>
-              </a:rPr>
-              <a:t>tách</a:t>
-            </a:r>
-            <a:r>
-              <a:rPr lang="en-US" sz="1800" dirty="0">
-                <a:solidFill>
-                  <a:srgbClr val="000000"/>
-                </a:solidFill>
-                <a:latin typeface="Cascadia Mono" panose="020B0609020000020004" pitchFamily="49" charset="0"/>
-              </a:rPr>
-              <a:t> </a:t>
-            </a:r>
-            <a:r>
-              <a:rPr lang="en-US" sz="1800" dirty="0" err="1">
-                <a:solidFill>
-                  <a:srgbClr val="000000"/>
-                </a:solidFill>
-                <a:latin typeface="Cascadia Mono" panose="020B0609020000020004" pitchFamily="49" charset="0"/>
-              </a:rPr>
-              <a:t>nhỏ</a:t>
-            </a:r>
-            <a:r>
-              <a:rPr lang="en-US" sz="1800" dirty="0">
-                <a:solidFill>
-                  <a:srgbClr val="000000"/>
-                </a:solidFill>
-                <a:latin typeface="Cascadia Mono" panose="020B0609020000020004" pitchFamily="49" charset="0"/>
-              </a:rPr>
-              <a:t> </a:t>
-            </a:r>
-            <a:r>
-              <a:rPr lang="en-US" sz="1800" dirty="0" err="1">
-                <a:solidFill>
-                  <a:srgbClr val="000000"/>
-                </a:solidFill>
-                <a:latin typeface="Cascadia Mono" panose="020B0609020000020004" pitchFamily="49" charset="0"/>
-              </a:rPr>
-              <a:t>để</a:t>
-            </a:r>
-            <a:r>
-              <a:rPr lang="en-US" sz="1800" dirty="0">
-                <a:solidFill>
-                  <a:srgbClr val="000000"/>
-                </a:solidFill>
-                <a:latin typeface="Cascadia Mono" panose="020B0609020000020004" pitchFamily="49" charset="0"/>
-              </a:rPr>
-              <a:t> </a:t>
-            </a:r>
-            <a:r>
-              <a:rPr lang="en-US" sz="1800" dirty="0" err="1">
-                <a:solidFill>
-                  <a:srgbClr val="000000"/>
-                </a:solidFill>
-                <a:latin typeface="Cascadia Mono" panose="020B0609020000020004" pitchFamily="49" charset="0"/>
-              </a:rPr>
-              <a:t>dễ</a:t>
-            </a:r>
-            <a:r>
-              <a:rPr lang="en-US" sz="1800" dirty="0">
-                <a:solidFill>
-                  <a:srgbClr val="000000"/>
-                </a:solidFill>
-                <a:latin typeface="Cascadia Mono" panose="020B0609020000020004" pitchFamily="49" charset="0"/>
-              </a:rPr>
-              <a:t> </a:t>
-            </a:r>
-            <a:r>
-              <a:rPr lang="en-US" sz="1800" dirty="0" err="1">
-                <a:solidFill>
-                  <a:srgbClr val="000000"/>
-                </a:solidFill>
-                <a:latin typeface="Cascadia Mono" panose="020B0609020000020004" pitchFamily="49" charset="0"/>
-              </a:rPr>
-              <a:t>qly</a:t>
-            </a:r>
-            <a:r>
-              <a:rPr lang="en-US" sz="1800" dirty="0">
-                <a:solidFill>
-                  <a:srgbClr val="000000"/>
-                </a:solidFill>
-                <a:latin typeface="Cascadia Mono" panose="020B0609020000020004" pitchFamily="49" charset="0"/>
-              </a:rPr>
-              <a:t> code </a:t>
-            </a:r>
-            <a:r>
-              <a:rPr lang="en-US" sz="1800" dirty="0" err="1">
-                <a:solidFill>
-                  <a:srgbClr val="000000"/>
-                </a:solidFill>
-                <a:latin typeface="Cascadia Mono" panose="020B0609020000020004" pitchFamily="49" charset="0"/>
-              </a:rPr>
-              <a:t>hơn</a:t>
-            </a:r>
-            <a:r>
-              <a:rPr lang="en-US" sz="1800" dirty="0">
-                <a:solidFill>
-                  <a:srgbClr val="000000"/>
-                </a:solidFill>
-                <a:latin typeface="Cascadia Mono" panose="020B0609020000020004" pitchFamily="49" charset="0"/>
-              </a:rPr>
-              <a:t>)</a:t>
-            </a:r>
             <a:endParaRPr lang="en-US" dirty="0"/>
           </a:p>
         </p:txBody>

--- a/Documents/seminar.pptx
+++ b/Documents/seminar.pptx
@@ -224,7 +224,7 @@
           <a:p>
             <a:fld id="{C581406F-1F21-4F9E-BE6E-4D7E1553F1BC}" type="datetimeFigureOut">
               <a:rPr lang="en-US" smtClean="0"/>
-              <a:t>12-Nov-22</a:t>
+              <a:t>18-Nov-22</a:t>
             </a:fld>
             <a:endParaRPr lang="en-US"/>
           </a:p>
@@ -6564,6 +6564,150 @@
               <a:rPr lang="en-US" dirty="0" err="1"/>
               <a:t>rồi</a:t>
             </a:r>
+            <a:r>
+              <a:rPr lang="en-US" dirty="0"/>
+              <a:t>, DLL </a:t>
+            </a:r>
+            <a:r>
+              <a:rPr lang="en-US" dirty="0" err="1"/>
+              <a:t>là</a:t>
+            </a:r>
+            <a:r>
+              <a:rPr lang="en-US" dirty="0"/>
+              <a:t> </a:t>
+            </a:r>
+            <a:r>
+              <a:rPr lang="en-US" dirty="0" err="1"/>
+              <a:t>cái</a:t>
+            </a:r>
+            <a:r>
+              <a:rPr lang="en-US" dirty="0"/>
+              <a:t> </a:t>
+            </a:r>
+            <a:r>
+              <a:rPr lang="en-US" dirty="0" err="1"/>
+              <a:t>rất</a:t>
+            </a:r>
+            <a:r>
+              <a:rPr lang="en-US" dirty="0"/>
+              <a:t> </a:t>
+            </a:r>
+            <a:r>
+              <a:rPr lang="en-US" dirty="0" err="1"/>
+              <a:t>ít</a:t>
+            </a:r>
+            <a:r>
+              <a:rPr lang="en-US" dirty="0"/>
+              <a:t> </a:t>
+            </a:r>
+            <a:r>
+              <a:rPr lang="en-US" dirty="0" err="1"/>
+              <a:t>khi</a:t>
+            </a:r>
+            <a:r>
+              <a:rPr lang="en-US" dirty="0"/>
+              <a:t> </a:t>
+            </a:r>
+            <a:r>
+              <a:rPr lang="en-US" dirty="0" err="1"/>
+              <a:t>thay</a:t>
+            </a:r>
+            <a:r>
+              <a:rPr lang="en-US" dirty="0"/>
+              <a:t> </a:t>
+            </a:r>
+            <a:r>
+              <a:rPr lang="en-US" dirty="0" err="1"/>
+              <a:t>đổi</a:t>
+            </a:r>
+            <a:r>
+              <a:rPr lang="en-US" dirty="0"/>
+              <a:t>, </a:t>
+            </a:r>
+            <a:r>
+              <a:rPr lang="en-US" dirty="0" err="1"/>
+              <a:t>nếu</a:t>
+            </a:r>
+            <a:r>
+              <a:rPr lang="en-US" dirty="0"/>
+              <a:t> </a:t>
+            </a:r>
+            <a:r>
+              <a:rPr lang="en-US" dirty="0" err="1"/>
+              <a:t>có</a:t>
+            </a:r>
+            <a:r>
+              <a:rPr lang="en-US" dirty="0"/>
+              <a:t> them </a:t>
+            </a:r>
+            <a:r>
+              <a:rPr lang="en-US" dirty="0" err="1"/>
+              <a:t>mới</a:t>
+            </a:r>
+            <a:r>
+              <a:rPr lang="en-US" dirty="0"/>
+              <a:t> </a:t>
+            </a:r>
+            <a:r>
+              <a:rPr lang="en-US" dirty="0" err="1"/>
+              <a:t>thì</a:t>
+            </a:r>
+            <a:r>
+              <a:rPr lang="en-US" dirty="0"/>
+              <a:t> </a:t>
+            </a:r>
+            <a:r>
+              <a:rPr lang="en-US" dirty="0" err="1"/>
+              <a:t>chỉ</a:t>
+            </a:r>
+            <a:r>
+              <a:rPr lang="en-US" dirty="0"/>
+              <a:t> download 1 </a:t>
+            </a:r>
+            <a:r>
+              <a:rPr lang="en-US" dirty="0" err="1"/>
+              <a:t>xíu</a:t>
+            </a:r>
+            <a:r>
+              <a:rPr lang="en-US" dirty="0"/>
+              <a:t> </a:t>
+            </a:r>
+            <a:r>
+              <a:rPr lang="en-US" dirty="0" err="1"/>
+              <a:t>thôi</a:t>
+            </a:r>
+            <a:r>
+              <a:rPr lang="en-US" dirty="0"/>
+              <a:t>, </a:t>
+            </a:r>
+            <a:r>
+              <a:rPr lang="en-US" dirty="0" err="1"/>
+              <a:t>mấy</a:t>
+            </a:r>
+            <a:r>
+              <a:rPr lang="en-US" dirty="0"/>
+              <a:t> tram KB -&gt; </a:t>
+            </a:r>
+            <a:r>
+              <a:rPr lang="en-US" dirty="0" err="1"/>
+              <a:t>rất</a:t>
+            </a:r>
+            <a:r>
+              <a:rPr lang="en-US" dirty="0"/>
+              <a:t> </a:t>
+            </a:r>
+            <a:r>
+              <a:rPr lang="en-US" dirty="0" err="1"/>
+              <a:t>là</a:t>
+            </a:r>
+            <a:r>
+              <a:rPr lang="en-US" dirty="0"/>
+              <a:t> </a:t>
+            </a:r>
+            <a:r>
+              <a:rPr lang="en-US" dirty="0" err="1"/>
+              <a:t>nhanh</a:t>
+            </a:r>
             <a:endParaRPr lang="en-US" dirty="0"/>
           </a:p>
           <a:p>
@@ -6757,7 +6901,47 @@
             </a:r>
             <a:r>
               <a:rPr lang="en-US" dirty="0"/>
-              <a:t>: static html, </a:t>
+              <a:t>: </a:t>
+            </a:r>
+            <a:r>
+              <a:rPr lang="en-US" dirty="0" err="1"/>
+              <a:t>như</a:t>
+            </a:r>
+            <a:r>
+              <a:rPr lang="en-US" dirty="0"/>
+              <a:t> </a:t>
+            </a:r>
+            <a:r>
+              <a:rPr lang="en-US" dirty="0" err="1"/>
+              <a:t>là</a:t>
+            </a:r>
+            <a:r>
+              <a:rPr lang="en-US" dirty="0"/>
+              <a:t> 1 web app </a:t>
+            </a:r>
+            <a:r>
+              <a:rPr lang="en-US" dirty="0" err="1"/>
+              <a:t>bth</a:t>
+            </a:r>
+            <a:r>
+              <a:rPr lang="en-US" dirty="0"/>
+              <a:t> </a:t>
+            </a:r>
+            <a:r>
+              <a:rPr lang="en-US" dirty="0" err="1"/>
+              <a:t>thôi</a:t>
+            </a:r>
+            <a:r>
+              <a:rPr lang="en-US" dirty="0"/>
+              <a:t>, </a:t>
+            </a:r>
+            <a:r>
+              <a:rPr lang="en-US" dirty="0" err="1"/>
+              <a:t>lưu</a:t>
+            </a:r>
+            <a:r>
+              <a:rPr lang="en-US" dirty="0"/>
+              <a:t> static html, </a:t>
             </a:r>
             <a:r>
               <a:rPr lang="en-US" dirty="0" err="1"/>
@@ -6766,6 +6950,92 @@
             <a:r>
               <a:rPr lang="en-US" dirty="0"/>
               <a:t> style</a:t>
+            </a:r>
+          </a:p>
+          <a:p>
+            <a:r>
+              <a:rPr lang="en-US" dirty="0" err="1"/>
+              <a:t>Về</a:t>
+            </a:r>
+            <a:r>
+              <a:rPr lang="en-US" dirty="0"/>
+              <a:t> </a:t>
+            </a:r>
+            <a:r>
+              <a:rPr lang="en-US" dirty="0" err="1"/>
+              <a:t>cơ</a:t>
+            </a:r>
+            <a:r>
+              <a:rPr lang="en-US" dirty="0"/>
+              <a:t> </a:t>
+            </a:r>
+            <a:r>
+              <a:rPr lang="en-US" dirty="0" err="1"/>
+              <a:t>bản</a:t>
+            </a:r>
+            <a:r>
+              <a:rPr lang="en-US" dirty="0"/>
+              <a:t>, </a:t>
+            </a:r>
+            <a:r>
+              <a:rPr lang="en-US" dirty="0" err="1"/>
+              <a:t>blazor</a:t>
+            </a:r>
+            <a:r>
+              <a:rPr lang="en-US" dirty="0"/>
+              <a:t> </a:t>
+            </a:r>
+            <a:r>
+              <a:rPr lang="en-US" dirty="0" err="1"/>
+              <a:t>webassembly</a:t>
+            </a:r>
+            <a:r>
+              <a:rPr lang="en-US"/>
+              <a:t> là</a:t>
+            </a:r>
+            <a:r>
+              <a:rPr lang="en-US" dirty="0"/>
+              <a:t> </a:t>
+            </a:r>
+            <a:r>
+              <a:rPr lang="en-US" dirty="0" err="1"/>
+              <a:t>tập</a:t>
+            </a:r>
+            <a:r>
+              <a:rPr lang="en-US" dirty="0"/>
+              <a:t> </a:t>
+            </a:r>
+            <a:r>
+              <a:rPr lang="en-US" dirty="0" err="1"/>
+              <a:t>hợp</a:t>
+            </a:r>
+            <a:r>
+              <a:rPr lang="en-US" dirty="0"/>
+              <a:t> </a:t>
+            </a:r>
+            <a:r>
+              <a:rPr lang="en-US" dirty="0" err="1"/>
+              <a:t>các</a:t>
+            </a:r>
+            <a:r>
+              <a:rPr lang="en-US" dirty="0"/>
+              <a:t> file </a:t>
+            </a:r>
+            <a:r>
+              <a:rPr lang="en-US" dirty="0" err="1"/>
+              <a:t>có</a:t>
+            </a:r>
+            <a:r>
+              <a:rPr lang="en-US" dirty="0"/>
+              <a:t> </a:t>
+            </a:r>
+            <a:r>
+              <a:rPr lang="en-US" dirty="0" err="1"/>
+              <a:t>đuôi</a:t>
+            </a:r>
+            <a:r>
+              <a:rPr lang="en-US" dirty="0"/>
+              <a:t> razor</a:t>
             </a:r>
           </a:p>
           <a:p>
@@ -7229,7 +7499,7 @@
           </a:p>
           <a:p>
             <a:r>
-              <a:rPr lang="en-US" sz="1800">
+              <a:rPr lang="en-US" sz="1800" dirty="0">
                 <a:solidFill>
                   <a:srgbClr val="000000"/>
                 </a:solidFill>
@@ -10142,7 +10412,7 @@
           <a:p>
             <a:fld id="{0650455F-BC93-47D9-B556-275B2E9BC018}" type="datetime1">
               <a:rPr lang="en-US" smtClean="0"/>
-              <a:t>12-Nov-22</a:t>
+              <a:t>18-Nov-22</a:t>
             </a:fld>
             <a:endParaRPr lang="en-US"/>
           </a:p>
@@ -10340,7 +10610,7 @@
           <a:p>
             <a:fld id="{0C744B2E-4846-49D3-8205-D63C1EEEF817}" type="datetime1">
               <a:rPr lang="en-US" smtClean="0"/>
-              <a:t>12-Nov-22</a:t>
+              <a:t>18-Nov-22</a:t>
             </a:fld>
             <a:endParaRPr lang="en-US"/>
           </a:p>
@@ -10548,7 +10818,7 @@
           <a:p>
             <a:fld id="{2732894A-1C0D-4DEB-85F0-6D077B8D45E2}" type="datetime1">
               <a:rPr lang="en-US" smtClean="0"/>
-              <a:t>12-Nov-22</a:t>
+              <a:t>18-Nov-22</a:t>
             </a:fld>
             <a:endParaRPr lang="en-US"/>
           </a:p>
@@ -10746,7 +11016,7 @@
           <a:p>
             <a:fld id="{0101BED8-DA05-4478-A06A-BAF15333D976}" type="datetime1">
               <a:rPr lang="en-US" smtClean="0"/>
-              <a:t>12-Nov-22</a:t>
+              <a:t>18-Nov-22</a:t>
             </a:fld>
             <a:endParaRPr lang="en-US"/>
           </a:p>
@@ -11021,7 +11291,7 @@
           <a:p>
             <a:fld id="{E28F145A-FD51-4BA0-855C-62F324EA7834}" type="datetime1">
               <a:rPr lang="en-US" smtClean="0"/>
-              <a:t>12-Nov-22</a:t>
+              <a:t>18-Nov-22</a:t>
             </a:fld>
             <a:endParaRPr lang="en-US"/>
           </a:p>
@@ -11286,7 +11556,7 @@
           <a:p>
             <a:fld id="{1E2BD6C9-5F85-4982-8EEA-A2ADB977B339}" type="datetime1">
               <a:rPr lang="en-US" smtClean="0"/>
-              <a:t>12-Nov-22</a:t>
+              <a:t>18-Nov-22</a:t>
             </a:fld>
             <a:endParaRPr lang="en-US"/>
           </a:p>
@@ -11698,7 +11968,7 @@
           <a:p>
             <a:fld id="{296AE375-EEF2-484E-AB35-EB1CC8805346}" type="datetime1">
               <a:rPr lang="en-US" smtClean="0"/>
-              <a:t>12-Nov-22</a:t>
+              <a:t>18-Nov-22</a:t>
             </a:fld>
             <a:endParaRPr lang="en-US"/>
           </a:p>
@@ -11839,7 +12109,7 @@
           <a:p>
             <a:fld id="{AB5E4988-2D44-440E-ACD7-B35950566467}" type="datetime1">
               <a:rPr lang="en-US" smtClean="0"/>
-              <a:t>12-Nov-22</a:t>
+              <a:t>18-Nov-22</a:t>
             </a:fld>
             <a:endParaRPr lang="en-US"/>
           </a:p>
@@ -11952,7 +12222,7 @@
           <a:p>
             <a:fld id="{CE3E1FC6-6226-4927-8376-47C561270091}" type="datetime1">
               <a:rPr lang="en-US" smtClean="0"/>
-              <a:t>12-Nov-22</a:t>
+              <a:t>18-Nov-22</a:t>
             </a:fld>
             <a:endParaRPr lang="en-US"/>
           </a:p>
@@ -12263,7 +12533,7 @@
           <a:p>
             <a:fld id="{ACAE6CC2-4C70-4BAF-B112-439620207357}" type="datetime1">
               <a:rPr lang="en-US" smtClean="0"/>
-              <a:t>12-Nov-22</a:t>
+              <a:t>18-Nov-22</a:t>
             </a:fld>
             <a:endParaRPr lang="en-US"/>
           </a:p>
@@ -12551,7 +12821,7 @@
           <a:p>
             <a:fld id="{D03365A8-8F6F-4B91-A926-DB266F3E1462}" type="datetime1">
               <a:rPr lang="en-US" smtClean="0"/>
-              <a:t>12-Nov-22</a:t>
+              <a:t>18-Nov-22</a:t>
             </a:fld>
             <a:endParaRPr lang="en-US"/>
           </a:p>
@@ -12792,7 +13062,7 @@
           <a:p>
             <a:fld id="{BAB4E235-8349-465F-BE2B-8ED4FB98405E}" type="datetime1">
               <a:rPr lang="en-US" smtClean="0"/>
-              <a:t>12-Nov-22</a:t>
+              <a:t>18-Nov-22</a:t>
             </a:fld>
             <a:endParaRPr lang="en-US"/>
           </a:p>

--- a/Documents/seminar.pptx
+++ b/Documents/seminar.pptx
@@ -1482,33 +1482,104 @@
           </a:p>
           <a:p>
             <a:r>
-              <a:rPr lang="en-US" dirty="0"/>
-              <a:t>Efficient fast -&gt; </a:t>
-            </a:r>
-            <a:r>
-              <a:rPr lang="en-US" dirty="0" err="1"/>
-              <a:t>bởi</a:t>
-            </a:r>
-            <a:r>
-              <a:rPr lang="en-US" dirty="0"/>
-              <a:t> </a:t>
-            </a:r>
-            <a:r>
-              <a:rPr lang="en-US" dirty="0" err="1"/>
+              <a:rPr lang="en-GB" b="0" i="0" dirty="0" err="1">
+                <a:effectLst/>
+                <a:latin typeface="+mj-lt"/>
+              </a:rPr>
+              <a:t>Efficience</a:t>
+            </a:r>
+            <a:r>
+              <a:rPr lang="en-GB" b="0" i="0" dirty="0">
+                <a:effectLst/>
+                <a:latin typeface="+mj-lt"/>
+              </a:rPr>
+              <a:t> and fast (</a:t>
+            </a:r>
+            <a:r>
+              <a:rPr lang="en-GB" b="0" i="0" dirty="0" err="1">
+                <a:effectLst/>
+                <a:latin typeface="+mj-lt"/>
+              </a:rPr>
               <a:t>vì</a:t>
             </a:r>
             <a:r>
-              <a:rPr lang="en-US" dirty="0"/>
-              <a:t> </a:t>
-            </a:r>
-            <a:r>
-              <a:rPr lang="en-US" dirty="0" err="1"/>
+              <a:rPr lang="en-GB" b="0" i="0" dirty="0">
+                <a:effectLst/>
+                <a:latin typeface="+mj-lt"/>
+              </a:rPr>
+              <a:t> </a:t>
+            </a:r>
+            <a:r>
+              <a:rPr lang="en-GB" b="0" i="0" dirty="0" err="1">
+                <a:effectLst/>
+                <a:latin typeface="+mj-lt"/>
+              </a:rPr>
               <a:t>là</a:t>
             </a:r>
             <a:r>
-              <a:rPr lang="en-US" dirty="0"/>
-              <a:t> binary</a:t>
-            </a:r>
+              <a:rPr lang="en-GB" b="0" i="0" dirty="0">
+                <a:effectLst/>
+                <a:latin typeface="+mj-lt"/>
+              </a:rPr>
+              <a:t> binary) , safe, ko </a:t>
+            </a:r>
+            <a:r>
+              <a:rPr lang="en-GB" b="0" i="0" dirty="0" err="1">
+                <a:effectLst/>
+                <a:latin typeface="+mj-lt"/>
+              </a:rPr>
+              <a:t>thể</a:t>
+            </a:r>
+            <a:r>
+              <a:rPr lang="en-GB" b="0" i="0" dirty="0">
+                <a:effectLst/>
+                <a:latin typeface="+mj-lt"/>
+              </a:rPr>
+              <a:t> </a:t>
+            </a:r>
+            <a:r>
+              <a:rPr lang="en-GB" b="0" i="0" dirty="0" err="1">
+                <a:effectLst/>
+                <a:latin typeface="+mj-lt"/>
+              </a:rPr>
+              <a:t>truy</a:t>
+            </a:r>
+            <a:r>
+              <a:rPr lang="en-GB" b="0" i="0" dirty="0">
+                <a:effectLst/>
+                <a:latin typeface="+mj-lt"/>
+              </a:rPr>
+              <a:t> </a:t>
+            </a:r>
+            <a:r>
+              <a:rPr lang="en-GB" b="0" i="0" dirty="0" err="1">
+                <a:effectLst/>
+                <a:latin typeface="+mj-lt"/>
+              </a:rPr>
+              <a:t>cập</a:t>
+            </a:r>
+            <a:r>
+              <a:rPr lang="en-GB" b="0" i="0" dirty="0">
+                <a:effectLst/>
+                <a:latin typeface="+mj-lt"/>
+              </a:rPr>
+              <a:t> file system </a:t>
+            </a:r>
+            <a:r>
+              <a:rPr lang="en-GB" b="0" i="0" dirty="0" err="1">
+                <a:effectLst/>
+                <a:latin typeface="+mj-lt"/>
+              </a:rPr>
+              <a:t>của</a:t>
+            </a:r>
+            <a:r>
+              <a:rPr lang="en-GB" b="0" i="0" dirty="0">
+                <a:effectLst/>
+                <a:latin typeface="+mj-lt"/>
+              </a:rPr>
+              <a:t> user.</a:t>
+            </a:r>
+            <a:endParaRPr lang="en-US" dirty="0"/>
           </a:p>
           <a:p>
             <a:r>
@@ -6953,6 +7024,37 @@
             </a:r>
           </a:p>
           <a:p>
+            <a:pPr marL="0" marR="0" lvl="0" indent="0" algn="l" defTabSz="914400" rtl="0" eaLnBrk="1" fontAlgn="auto" latinLnBrk="0" hangingPunct="1">
+              <a:lnSpc>
+                <a:spcPct val="100000"/>
+              </a:lnSpc>
+              <a:spcBef>
+                <a:spcPts val="0"/>
+              </a:spcBef>
+              <a:spcAft>
+                <a:spcPts val="0"/>
+              </a:spcAft>
+              <a:buClrTx/>
+              <a:buSzTx/>
+              <a:buFontTx/>
+              <a:buNone/>
+              <a:tabLst/>
+              <a:defRPr/>
+            </a:pPr>
+            <a:r>
+              <a:rPr lang="en-US" dirty="0"/>
+              <a:t>-&gt; shared: component dung </a:t>
+            </a:r>
+            <a:r>
+              <a:rPr lang="en-US" dirty="0" err="1"/>
+              <a:t>chung</a:t>
+            </a:r>
+            <a:endParaRPr lang="en-US"/>
+          </a:p>
+          <a:p>
+            <a:endParaRPr lang="en-US" dirty="0"/>
+          </a:p>
+          <a:p>
             <a:r>
               <a:rPr lang="en-US" dirty="0" err="1"/>
               <a:t>Về</a:t>
@@ -6990,8 +7092,12 @@
               <a:t>webassembly</a:t>
             </a:r>
             <a:r>
-              <a:rPr lang="en-US"/>
-              <a:t> là</a:t>
+              <a:rPr lang="en-US" dirty="0"/>
+              <a:t> </a:t>
+            </a:r>
+            <a:r>
+              <a:rPr lang="en-US" dirty="0" err="1"/>
+              <a:t>là</a:t>
             </a:r>
             <a:r>
               <a:rPr lang="en-US" dirty="0"/>
@@ -7155,17 +7261,6 @@
               <a:rPr lang="en-US" dirty="0"/>
               <a:t> dung partial class)</a:t>
             </a:r>
-          </a:p>
-          <a:p>
-            <a:r>
-              <a:rPr lang="en-US" dirty="0"/>
-              <a:t>-&gt; shared: component dung </a:t>
-            </a:r>
-            <a:r>
-              <a:rPr lang="en-US" dirty="0" err="1"/>
-              <a:t>chung</a:t>
-            </a:r>
-            <a:endParaRPr lang="en-US" dirty="0"/>
           </a:p>
           <a:p>
             <a:endParaRPr lang="en-US" dirty="0"/>
@@ -9451,113 +9546,6 @@
               </a:rPr>
               <a:t> modern browser use dc -&gt; 2019…</a:t>
             </a:r>
-          </a:p>
-          <a:p>
-            <a:endParaRPr lang="en-GB" b="0" i="0" dirty="0">
-              <a:effectLst/>
-              <a:latin typeface="+mj-lt"/>
-            </a:endParaRPr>
-          </a:p>
-          <a:p>
-            <a:r>
-              <a:rPr lang="en-GB" b="0" i="0" dirty="0" err="1">
-                <a:effectLst/>
-                <a:latin typeface="+mj-lt"/>
-              </a:rPr>
-              <a:t>Efficience</a:t>
-            </a:r>
-            <a:r>
-              <a:rPr lang="en-GB" b="0" i="0" dirty="0">
-                <a:effectLst/>
-                <a:latin typeface="+mj-lt"/>
-              </a:rPr>
-              <a:t> and fast (</a:t>
-            </a:r>
-            <a:r>
-              <a:rPr lang="en-GB" b="0" i="0" dirty="0" err="1">
-                <a:effectLst/>
-                <a:latin typeface="+mj-lt"/>
-              </a:rPr>
-              <a:t>vì</a:t>
-            </a:r>
-            <a:r>
-              <a:rPr lang="en-GB" b="0" i="0" dirty="0">
-                <a:effectLst/>
-                <a:latin typeface="+mj-lt"/>
-              </a:rPr>
-              <a:t> </a:t>
-            </a:r>
-            <a:r>
-              <a:rPr lang="en-GB" b="0" i="0" dirty="0" err="1">
-                <a:effectLst/>
-                <a:latin typeface="+mj-lt"/>
-              </a:rPr>
-              <a:t>là</a:t>
-            </a:r>
-            <a:r>
-              <a:rPr lang="en-GB" b="0" i="0" dirty="0">
-                <a:effectLst/>
-                <a:latin typeface="+mj-lt"/>
-              </a:rPr>
-              <a:t> binary) , safe, ko </a:t>
-            </a:r>
-            <a:r>
-              <a:rPr lang="en-GB" b="0" i="0" dirty="0" err="1">
-                <a:effectLst/>
-                <a:latin typeface="+mj-lt"/>
-              </a:rPr>
-              <a:t>thể</a:t>
-            </a:r>
-            <a:r>
-              <a:rPr lang="en-GB" b="0" i="0" dirty="0">
-                <a:effectLst/>
-                <a:latin typeface="+mj-lt"/>
-              </a:rPr>
-              <a:t> </a:t>
-            </a:r>
-            <a:r>
-              <a:rPr lang="en-GB" b="0" i="0" dirty="0" err="1">
-                <a:effectLst/>
-                <a:latin typeface="+mj-lt"/>
-              </a:rPr>
-              <a:t>truy</a:t>
-            </a:r>
-            <a:r>
-              <a:rPr lang="en-GB" b="0" i="0" dirty="0">
-                <a:effectLst/>
-                <a:latin typeface="+mj-lt"/>
-              </a:rPr>
-              <a:t> </a:t>
-            </a:r>
-            <a:r>
-              <a:rPr lang="en-GB" b="0" i="0" dirty="0" err="1">
-                <a:effectLst/>
-                <a:latin typeface="+mj-lt"/>
-              </a:rPr>
-              <a:t>cập</a:t>
-            </a:r>
-            <a:r>
-              <a:rPr lang="en-GB" b="0" i="0" dirty="0">
-                <a:effectLst/>
-                <a:latin typeface="+mj-lt"/>
-              </a:rPr>
-              <a:t> file system </a:t>
-            </a:r>
-            <a:r>
-              <a:rPr lang="en-GB" b="0" i="0" dirty="0" err="1">
-                <a:effectLst/>
-                <a:latin typeface="+mj-lt"/>
-              </a:rPr>
-              <a:t>của</a:t>
-            </a:r>
-            <a:r>
-              <a:rPr lang="en-GB" b="0" i="0" dirty="0">
-                <a:effectLst/>
-                <a:latin typeface="+mj-lt"/>
-              </a:rPr>
-              <a:t> user.</a:t>
-            </a:r>
-            <a:endParaRPr lang="en-US" dirty="0"/>
           </a:p>
         </p:txBody>
       </p:sp>
@@ -20109,7 +20097,7 @@
                 <a:latin typeface="+mj-lt"/>
                 <a:hlinkClick r:id="rId6"/>
               </a:rPr>
-              <a:t>https://docs.microsoft.com/en-us/aspnet/core/blazor/hosting-models?view=aspnetcore-5.0</a:t>
+              <a:t>https://docs.microsoft.com/en-us/aspnet/core/blazor/hosting-models?view=aspnetcore-7.0</a:t>
             </a:r>
             <a:r>
               <a:rPr lang="en-US" sz="1600" dirty="0">
